--- a/PES.pptx
+++ b/PES.pptx
@@ -9,11 +9,20 @@
     <p:sldId id="257" r:id="rId3"/>
     <p:sldId id="259" r:id="rId4"/>
     <p:sldId id="258" r:id="rId5"/>
-    <p:sldId id="260" r:id="rId6"/>
-    <p:sldId id="261" r:id="rId7"/>
-    <p:sldId id="262" r:id="rId8"/>
-    <p:sldId id="264" r:id="rId9"/>
-    <p:sldId id="263" r:id="rId10"/>
+    <p:sldId id="265" r:id="rId6"/>
+    <p:sldId id="266" r:id="rId7"/>
+    <p:sldId id="260" r:id="rId8"/>
+    <p:sldId id="261" r:id="rId9"/>
+    <p:sldId id="271" r:id="rId10"/>
+    <p:sldId id="272" r:id="rId11"/>
+    <p:sldId id="273" r:id="rId12"/>
+    <p:sldId id="270" r:id="rId13"/>
+    <p:sldId id="262" r:id="rId14"/>
+    <p:sldId id="264" r:id="rId15"/>
+    <p:sldId id="267" r:id="rId16"/>
+    <p:sldId id="268" r:id="rId17"/>
+    <p:sldId id="269" r:id="rId18"/>
+    <p:sldId id="263" r:id="rId19"/>
   </p:sldIdLst>
   <p:sldSz cx="12192000" cy="6858000"/>
   <p:notesSz cx="6858000" cy="9144000"/>
@@ -283,7 +292,7 @@
           <a:p>
             <a:fld id="{86EDB6B8-2465-4E54-AD90-CE977215BECC}" type="datetimeFigureOut">
               <a:rPr lang="de-DE" smtClean="0"/>
-              <a:t>05.11.2016</a:t>
+              <a:t>06.11.2016</a:t>
             </a:fld>
             <a:endParaRPr lang="de-DE"/>
           </a:p>
@@ -453,7 +462,7 @@
           <a:p>
             <a:fld id="{86EDB6B8-2465-4E54-AD90-CE977215BECC}" type="datetimeFigureOut">
               <a:rPr lang="de-DE" smtClean="0"/>
-              <a:t>05.11.2016</a:t>
+              <a:t>06.11.2016</a:t>
             </a:fld>
             <a:endParaRPr lang="de-DE"/>
           </a:p>
@@ -633,7 +642,7 @@
           <a:p>
             <a:fld id="{86EDB6B8-2465-4E54-AD90-CE977215BECC}" type="datetimeFigureOut">
               <a:rPr lang="de-DE" smtClean="0"/>
-              <a:t>05.11.2016</a:t>
+              <a:t>06.11.2016</a:t>
             </a:fld>
             <a:endParaRPr lang="de-DE"/>
           </a:p>
@@ -866,7 +875,7 @@
             <a:fld id="{86EDB6B8-2465-4E54-AD90-CE977215BECC}" type="datetimeFigureOut">
               <a:rPr lang="de-DE" smtClean="0"/>
               <a:pPr/>
-              <a:t>05.11.2016</a:t>
+              <a:t>06.11.2016</a:t>
             </a:fld>
             <a:endParaRPr lang="de-DE"/>
           </a:p>
@@ -1192,7 +1201,7 @@
           <a:p>
             <a:fld id="{86EDB6B8-2465-4E54-AD90-CE977215BECC}" type="datetimeFigureOut">
               <a:rPr lang="de-DE" smtClean="0"/>
-              <a:t>05.11.2016</a:t>
+              <a:t>06.11.2016</a:t>
             </a:fld>
             <a:endParaRPr lang="de-DE"/>
           </a:p>
@@ -1424,7 +1433,7 @@
           <a:p>
             <a:fld id="{86EDB6B8-2465-4E54-AD90-CE977215BECC}" type="datetimeFigureOut">
               <a:rPr lang="de-DE" smtClean="0"/>
-              <a:t>05.11.2016</a:t>
+              <a:t>06.11.2016</a:t>
             </a:fld>
             <a:endParaRPr lang="de-DE"/>
           </a:p>
@@ -1783,7 +1792,7 @@
           <a:p>
             <a:fld id="{86EDB6B8-2465-4E54-AD90-CE977215BECC}" type="datetimeFigureOut">
               <a:rPr lang="de-DE" smtClean="0"/>
-              <a:t>05.11.2016</a:t>
+              <a:t>06.11.2016</a:t>
             </a:fld>
             <a:endParaRPr lang="de-DE"/>
           </a:p>
@@ -1924,7 +1933,7 @@
           <a:p>
             <a:fld id="{86EDB6B8-2465-4E54-AD90-CE977215BECC}" type="datetimeFigureOut">
               <a:rPr lang="de-DE" smtClean="0"/>
-              <a:t>05.11.2016</a:t>
+              <a:t>06.11.2016</a:t>
             </a:fld>
             <a:endParaRPr lang="de-DE"/>
           </a:p>
@@ -2019,7 +2028,7 @@
           <a:p>
             <a:fld id="{86EDB6B8-2465-4E54-AD90-CE977215BECC}" type="datetimeFigureOut">
               <a:rPr lang="de-DE" smtClean="0"/>
-              <a:t>05.11.2016</a:t>
+              <a:t>06.11.2016</a:t>
             </a:fld>
             <a:endParaRPr lang="de-DE"/>
           </a:p>
@@ -2376,7 +2385,7 @@
           <a:p>
             <a:fld id="{86EDB6B8-2465-4E54-AD90-CE977215BECC}" type="datetimeFigureOut">
               <a:rPr lang="de-DE" smtClean="0"/>
-              <a:t>05.11.2016</a:t>
+              <a:t>06.11.2016</a:t>
             </a:fld>
             <a:endParaRPr lang="de-DE"/>
           </a:p>
@@ -2733,7 +2742,7 @@
           <a:p>
             <a:fld id="{86EDB6B8-2465-4E54-AD90-CE977215BECC}" type="datetimeFigureOut">
               <a:rPr lang="de-DE" smtClean="0"/>
-              <a:t>05.11.2016</a:t>
+              <a:t>06.11.2016</a:t>
             </a:fld>
             <a:endParaRPr lang="de-DE"/>
           </a:p>
@@ -2974,7 +2983,7 @@
           <a:p>
             <a:fld id="{86EDB6B8-2465-4E54-AD90-CE977215BECC}" type="datetimeFigureOut">
               <a:rPr lang="de-DE" smtClean="0"/>
-              <a:t>05.11.2016</a:t>
+              <a:t>06.11.2016</a:t>
             </a:fld>
             <a:endParaRPr lang="de-DE"/>
           </a:p>
@@ -3561,6 +3570,1288 @@
 </p:sld>
 </file>
 
+<file path=ppt/slides/slide10.xml><?xml version="1.0" encoding="utf-8"?>
+<p:sld xmlns:a="http://schemas.openxmlformats.org/drawingml/2006/main" xmlns:r="http://schemas.openxmlformats.org/officeDocument/2006/relationships" xmlns:p="http://schemas.openxmlformats.org/presentationml/2006/main">
+  <p:cSld>
+    <p:spTree>
+      <p:nvGrpSpPr>
+        <p:cNvPr id="1" name=""/>
+        <p:cNvGrpSpPr/>
+        <p:nvPr/>
+      </p:nvGrpSpPr>
+      <p:grpSpPr>
+        <a:xfrm>
+          <a:off x="0" y="0"/>
+          <a:ext cx="0" cy="0"/>
+          <a:chOff x="0" y="0"/>
+          <a:chExt cx="0" cy="0"/>
+        </a:xfrm>
+      </p:grpSpPr>
+      <p:sp>
+        <p:nvSpPr>
+          <p:cNvPr id="2" name="Titel 1"/>
+          <p:cNvSpPr>
+            <a:spLocks noGrp="1"/>
+          </p:cNvSpPr>
+          <p:nvPr>
+            <p:ph type="title"/>
+          </p:nvPr>
+        </p:nvSpPr>
+        <p:spPr/>
+        <p:txBody>
+          <a:bodyPr/>
+          <a:lstStyle/>
+          <a:p>
+            <a:r>
+              <a:rPr lang="de-DE" dirty="0"/>
+              <a:t>Board auswählen und </a:t>
+            </a:r>
+            <a:r>
+              <a:rPr lang="de-DE" dirty="0" err="1"/>
+              <a:t>boardinformationen</a:t>
+            </a:r>
+            <a:r>
+              <a:rPr lang="de-DE" dirty="0"/>
+              <a:t> holen</a:t>
+            </a:r>
+          </a:p>
+        </p:txBody>
+      </p:sp>
+      <p:pic>
+        <p:nvPicPr>
+          <p:cNvPr id="6" name="Inhaltsplatzhalter 5"/>
+          <p:cNvPicPr>
+            <a:picLocks noGrp="1" noChangeAspect="1"/>
+          </p:cNvPicPr>
+          <p:nvPr>
+            <p:ph idx="1"/>
+          </p:nvPr>
+        </p:nvPicPr>
+        <p:blipFill>
+          <a:blip r:embed="rId2"/>
+          <a:stretch>
+            <a:fillRect/>
+          </a:stretch>
+        </p:blipFill>
+        <p:spPr>
+          <a:xfrm>
+            <a:off x="2188746" y="2930959"/>
+            <a:ext cx="3586772" cy="3101975"/>
+          </a:xfrm>
+          <a:prstGeom prst="rect">
+            <a:avLst/>
+          </a:prstGeom>
+        </p:spPr>
+      </p:pic>
+    </p:spTree>
+    <p:extLst>
+      <p:ext uri="{BB962C8B-B14F-4D97-AF65-F5344CB8AC3E}">
+        <p14:creationId xmlns:p14="http://schemas.microsoft.com/office/powerpoint/2010/main" val="2372767856"/>
+      </p:ext>
+    </p:extLst>
+  </p:cSld>
+  <p:clrMapOvr>
+    <a:masterClrMapping/>
+  </p:clrMapOvr>
+</p:sld>
+</file>
+
+<file path=ppt/slides/slide11.xml><?xml version="1.0" encoding="utf-8"?>
+<p:sld xmlns:a="http://schemas.openxmlformats.org/drawingml/2006/main" xmlns:r="http://schemas.openxmlformats.org/officeDocument/2006/relationships" xmlns:p="http://schemas.openxmlformats.org/presentationml/2006/main">
+  <p:cSld>
+    <p:spTree>
+      <p:nvGrpSpPr>
+        <p:cNvPr id="1" name=""/>
+        <p:cNvGrpSpPr/>
+        <p:nvPr/>
+      </p:nvGrpSpPr>
+      <p:grpSpPr>
+        <a:xfrm>
+          <a:off x="0" y="0"/>
+          <a:ext cx="0" cy="0"/>
+          <a:chOff x="0" y="0"/>
+          <a:chExt cx="0" cy="0"/>
+        </a:xfrm>
+      </p:grpSpPr>
+      <p:sp>
+        <p:nvSpPr>
+          <p:cNvPr id="2" name="Titel 1"/>
+          <p:cNvSpPr>
+            <a:spLocks noGrp="1"/>
+          </p:cNvSpPr>
+          <p:nvPr>
+            <p:ph type="title"/>
+          </p:nvPr>
+        </p:nvSpPr>
+        <p:spPr/>
+        <p:txBody>
+          <a:bodyPr/>
+          <a:lstStyle/>
+          <a:p>
+            <a:endParaRPr lang="de-DE"/>
+          </a:p>
+        </p:txBody>
+      </p:sp>
+      <p:pic>
+        <p:nvPicPr>
+          <p:cNvPr id="7" name="Grafik 6"/>
+          <p:cNvPicPr>
+            <a:picLocks noChangeAspect="1"/>
+          </p:cNvPicPr>
+          <p:nvPr/>
+        </p:nvPicPr>
+        <p:blipFill>
+          <a:blip r:embed="rId2"/>
+          <a:stretch>
+            <a:fillRect/>
+          </a:stretch>
+        </p:blipFill>
+        <p:spPr>
+          <a:xfrm>
+            <a:off x="2188746" y="2877312"/>
+            <a:ext cx="3353429" cy="3828288"/>
+          </a:xfrm>
+          <a:prstGeom prst="rect">
+            <a:avLst/>
+          </a:prstGeom>
+        </p:spPr>
+      </p:pic>
+    </p:spTree>
+    <p:extLst>
+      <p:ext uri="{BB962C8B-B14F-4D97-AF65-F5344CB8AC3E}">
+        <p14:creationId xmlns:p14="http://schemas.microsoft.com/office/powerpoint/2010/main" val="627969626"/>
+      </p:ext>
+    </p:extLst>
+  </p:cSld>
+  <p:clrMapOvr>
+    <a:masterClrMapping/>
+  </p:clrMapOvr>
+</p:sld>
+</file>
+
+<file path=ppt/slides/slide12.xml><?xml version="1.0" encoding="utf-8"?>
+<p:sld xmlns:a="http://schemas.openxmlformats.org/drawingml/2006/main" xmlns:r="http://schemas.openxmlformats.org/officeDocument/2006/relationships" xmlns:p="http://schemas.openxmlformats.org/presentationml/2006/main" show="0">
+  <p:cSld>
+    <p:spTree>
+      <p:nvGrpSpPr>
+        <p:cNvPr id="1" name=""/>
+        <p:cNvGrpSpPr/>
+        <p:nvPr/>
+      </p:nvGrpSpPr>
+      <p:grpSpPr>
+        <a:xfrm>
+          <a:off x="0" y="0"/>
+          <a:ext cx="0" cy="0"/>
+          <a:chOff x="0" y="0"/>
+          <a:chExt cx="0" cy="0"/>
+        </a:xfrm>
+      </p:grpSpPr>
+      <p:sp>
+        <p:nvSpPr>
+          <p:cNvPr id="2" name="Titel 1"/>
+          <p:cNvSpPr>
+            <a:spLocks noGrp="1"/>
+          </p:cNvSpPr>
+          <p:nvPr>
+            <p:ph type="title"/>
+          </p:nvPr>
+        </p:nvSpPr>
+        <p:spPr/>
+        <p:txBody>
+          <a:bodyPr/>
+          <a:lstStyle/>
+          <a:p>
+            <a:r>
+              <a:rPr lang="de-DE" dirty="0"/>
+              <a:t>Installationen</a:t>
+            </a:r>
+          </a:p>
+        </p:txBody>
+      </p:sp>
+      <p:pic>
+        <p:nvPicPr>
+          <p:cNvPr id="4" name="Inhaltsplatzhalter 3"/>
+          <p:cNvPicPr>
+            <a:picLocks noGrp="1" noChangeAspect="1"/>
+          </p:cNvPicPr>
+          <p:nvPr>
+            <p:ph idx="1"/>
+          </p:nvPr>
+        </p:nvPicPr>
+        <p:blipFill>
+          <a:blip r:embed="rId2"/>
+          <a:stretch>
+            <a:fillRect/>
+          </a:stretch>
+        </p:blipFill>
+        <p:spPr>
+          <a:xfrm>
+            <a:off x="2978367" y="2901950"/>
+            <a:ext cx="6151129" cy="3101975"/>
+          </a:xfrm>
+          <a:prstGeom prst="rect">
+            <a:avLst/>
+          </a:prstGeom>
+        </p:spPr>
+      </p:pic>
+    </p:spTree>
+    <p:extLst>
+      <p:ext uri="{BB962C8B-B14F-4D97-AF65-F5344CB8AC3E}">
+        <p14:creationId xmlns:p14="http://schemas.microsoft.com/office/powerpoint/2010/main" val="4017452546"/>
+      </p:ext>
+    </p:extLst>
+  </p:cSld>
+  <p:clrMapOvr>
+    <a:masterClrMapping/>
+  </p:clrMapOvr>
+</p:sld>
+</file>
+
+<file path=ppt/slides/slide13.xml><?xml version="1.0" encoding="utf-8"?>
+<p:sld xmlns:a="http://schemas.openxmlformats.org/drawingml/2006/main" xmlns:r="http://schemas.openxmlformats.org/officeDocument/2006/relationships" xmlns:p="http://schemas.openxmlformats.org/presentationml/2006/main">
+  <p:cSld>
+    <p:bg>
+      <p:bgPr>
+        <a:noFill/>
+        <a:effectLst/>
+      </p:bgPr>
+    </p:bg>
+    <p:spTree>
+      <p:nvGrpSpPr>
+        <p:cNvPr id="1" name=""/>
+        <p:cNvGrpSpPr/>
+        <p:nvPr/>
+      </p:nvGrpSpPr>
+      <p:grpSpPr>
+        <a:xfrm>
+          <a:off x="0" y="0"/>
+          <a:ext cx="0" cy="0"/>
+          <a:chOff x="0" y="0"/>
+          <a:chExt cx="0" cy="0"/>
+        </a:xfrm>
+      </p:grpSpPr>
+      <p:sp>
+        <p:nvSpPr>
+          <p:cNvPr id="2" name="Titel 1"/>
+          <p:cNvSpPr>
+            <a:spLocks noGrp="1"/>
+          </p:cNvSpPr>
+          <p:nvPr>
+            <p:ph type="title"/>
+          </p:nvPr>
+        </p:nvSpPr>
+        <p:spPr>
+          <a:xfrm>
+            <a:off x="2188746" y="1368191"/>
+            <a:ext cx="7729728" cy="1188720"/>
+          </a:xfrm>
+        </p:spPr>
+        <p:txBody>
+          <a:bodyPr/>
+          <a:lstStyle/>
+          <a:p>
+            <a:r>
+              <a:rPr lang="de-DE" dirty="0" err="1"/>
+              <a:t>Iot</a:t>
+            </a:r>
+            <a:r>
+              <a:rPr lang="de-DE" dirty="0"/>
+              <a:t> </a:t>
+            </a:r>
+            <a:r>
+              <a:rPr lang="de-DE" dirty="0" err="1"/>
+              <a:t>Platform</a:t>
+            </a:r>
+            <a:endParaRPr lang="de-DE" dirty="0"/>
+          </a:p>
+        </p:txBody>
+      </p:sp>
+      <p:sp>
+        <p:nvSpPr>
+          <p:cNvPr id="3" name="Inhaltsplatzhalter 2"/>
+          <p:cNvSpPr>
+            <a:spLocks noGrp="1"/>
+          </p:cNvSpPr>
+          <p:nvPr>
+            <p:ph idx="1"/>
+          </p:nvPr>
+        </p:nvSpPr>
+        <p:spPr>
+          <a:xfrm>
+            <a:off x="2188746" y="2665624"/>
+            <a:ext cx="7729728" cy="3101983"/>
+          </a:xfrm>
+        </p:spPr>
+        <p:txBody>
+          <a:bodyPr>
+            <a:normAutofit/>
+          </a:bodyPr>
+          <a:lstStyle/>
+          <a:p>
+            <a:r>
+              <a:rPr lang="de-DE" dirty="0" err="1"/>
+              <a:t>Adafruit</a:t>
+            </a:r>
+            <a:r>
+              <a:rPr lang="de-DE" dirty="0"/>
+              <a:t> Open Beta: </a:t>
+            </a:r>
+            <a:r>
+              <a:rPr lang="de-DE" dirty="0">
+                <a:hlinkClick r:id="rId2"/>
+              </a:rPr>
+              <a:t>https://io.adafruit.com/</a:t>
+            </a:r>
+            <a:r>
+              <a:rPr lang="de-DE" dirty="0"/>
+              <a:t> </a:t>
+            </a:r>
+          </a:p>
+          <a:p>
+            <a:pPr lvl="1"/>
+            <a:r>
+              <a:rPr lang="de-DE" dirty="0"/>
+              <a:t>~ 16,798 Benutzer</a:t>
+            </a:r>
+          </a:p>
+          <a:p>
+            <a:pPr lvl="1"/>
+            <a:r>
+              <a:rPr lang="de-DE" dirty="0"/>
+              <a:t>~ 75 </a:t>
+            </a:r>
+            <a:r>
+              <a:rPr lang="de-DE" dirty="0" err="1"/>
+              <a:t>insert</a:t>
+            </a:r>
+            <a:r>
+              <a:rPr lang="de-DE" dirty="0"/>
+              <a:t> per </a:t>
+            </a:r>
+            <a:r>
+              <a:rPr lang="de-DE" dirty="0" err="1"/>
+              <a:t>second</a:t>
+            </a:r>
+            <a:r>
+              <a:rPr lang="de-DE" dirty="0"/>
+              <a:t> via MQTT</a:t>
+            </a:r>
+          </a:p>
+          <a:p>
+            <a:pPr lvl="1"/>
+            <a:r>
+              <a:rPr lang="de-DE" dirty="0"/>
+              <a:t>~ 10 </a:t>
+            </a:r>
+            <a:r>
+              <a:rPr lang="de-DE" dirty="0" err="1"/>
+              <a:t>inserts</a:t>
+            </a:r>
+            <a:r>
+              <a:rPr lang="de-DE" dirty="0"/>
+              <a:t> per </a:t>
+            </a:r>
+            <a:r>
+              <a:rPr lang="de-DE" dirty="0" err="1"/>
+              <a:t>second</a:t>
+            </a:r>
+            <a:r>
+              <a:rPr lang="de-DE" dirty="0"/>
+              <a:t> via REST API</a:t>
+            </a:r>
+          </a:p>
+          <a:p>
+            <a:r>
+              <a:rPr lang="de-DE" dirty="0" err="1"/>
+              <a:t>Adafruit</a:t>
+            </a:r>
+            <a:r>
+              <a:rPr lang="de-DE" dirty="0"/>
+              <a:t>: </a:t>
+            </a:r>
+          </a:p>
+          <a:p>
+            <a:pPr lvl="1"/>
+            <a:r>
+              <a:rPr lang="de-DE" dirty="0"/>
+              <a:t>2005 Grundstein gelegt von MIT Hacker &amp; Ingenieur </a:t>
+            </a:r>
+            <a:r>
+              <a:rPr lang="de-DE" dirty="0" err="1"/>
+              <a:t>Limor</a:t>
+            </a:r>
+            <a:r>
+              <a:rPr lang="de-DE" dirty="0"/>
+              <a:t> „</a:t>
+            </a:r>
+            <a:r>
+              <a:rPr lang="de-DE" dirty="0" err="1"/>
+              <a:t>Ladyada</a:t>
+            </a:r>
+            <a:r>
+              <a:rPr lang="de-DE" dirty="0"/>
+              <a:t>“ Fried</a:t>
+            </a:r>
+          </a:p>
+          <a:p>
+            <a:pPr lvl="1"/>
+            <a:r>
+              <a:rPr lang="de-DE" dirty="0"/>
+              <a:t>„an electronic </a:t>
+            </a:r>
+            <a:r>
+              <a:rPr lang="de-DE" dirty="0" err="1"/>
+              <a:t>tutorial</a:t>
+            </a:r>
+            <a:r>
+              <a:rPr lang="de-DE" dirty="0"/>
+              <a:t> </a:t>
+            </a:r>
+            <a:r>
+              <a:rPr lang="de-DE" dirty="0" err="1"/>
+              <a:t>and</a:t>
+            </a:r>
+            <a:r>
+              <a:rPr lang="de-DE" dirty="0"/>
+              <a:t> </a:t>
+            </a:r>
+            <a:r>
+              <a:rPr lang="de-DE" dirty="0" err="1"/>
+              <a:t>learning</a:t>
+            </a:r>
+            <a:r>
+              <a:rPr lang="de-DE" dirty="0"/>
+              <a:t> </a:t>
+            </a:r>
+            <a:r>
+              <a:rPr lang="de-DE" dirty="0" err="1"/>
+              <a:t>company</a:t>
+            </a:r>
+            <a:r>
+              <a:rPr lang="de-DE" dirty="0"/>
+              <a:t> </a:t>
+            </a:r>
+            <a:r>
+              <a:rPr lang="de-DE" dirty="0" err="1"/>
+              <a:t>and</a:t>
+            </a:r>
+            <a:r>
+              <a:rPr lang="de-DE" dirty="0"/>
+              <a:t> </a:t>
+            </a:r>
+            <a:r>
+              <a:rPr lang="de-DE" dirty="0" err="1"/>
+              <a:t>we</a:t>
+            </a:r>
+            <a:r>
+              <a:rPr lang="de-DE" dirty="0"/>
+              <a:t> [</a:t>
+            </a:r>
+            <a:r>
+              <a:rPr lang="de-DE" dirty="0" err="1"/>
+              <a:t>adafruit</a:t>
+            </a:r>
+            <a:r>
+              <a:rPr lang="de-DE" dirty="0"/>
+              <a:t>] </a:t>
+            </a:r>
+            <a:r>
+              <a:rPr lang="de-DE" dirty="0" err="1"/>
+              <a:t>have</a:t>
+            </a:r>
+            <a:r>
+              <a:rPr lang="de-DE" dirty="0"/>
+              <a:t> a </a:t>
+            </a:r>
+            <a:r>
+              <a:rPr lang="de-DE" dirty="0" err="1"/>
+              <a:t>gift</a:t>
+            </a:r>
+            <a:r>
+              <a:rPr lang="de-DE" dirty="0"/>
+              <a:t> </a:t>
+            </a:r>
+            <a:r>
+              <a:rPr lang="de-DE" dirty="0" err="1"/>
+              <a:t>shop</a:t>
+            </a:r>
+            <a:r>
+              <a:rPr lang="de-DE" dirty="0"/>
+              <a:t> at </a:t>
+            </a:r>
+            <a:r>
+              <a:rPr lang="de-DE" dirty="0" err="1"/>
+              <a:t>the</a:t>
+            </a:r>
+            <a:r>
+              <a:rPr lang="de-DE" dirty="0"/>
+              <a:t> end“ –</a:t>
+            </a:r>
+            <a:r>
+              <a:rPr lang="de-DE" dirty="0" err="1"/>
+              <a:t>Limor</a:t>
+            </a:r>
+            <a:r>
+              <a:rPr lang="de-DE" dirty="0"/>
+              <a:t> Fried, </a:t>
+            </a:r>
+            <a:r>
+              <a:rPr lang="de-DE" dirty="0" err="1"/>
+              <a:t>Founder</a:t>
+            </a:r>
+            <a:r>
+              <a:rPr lang="de-DE" dirty="0"/>
+              <a:t> </a:t>
+            </a:r>
+            <a:r>
+              <a:rPr lang="de-DE" dirty="0" err="1"/>
+              <a:t>of</a:t>
+            </a:r>
+            <a:r>
+              <a:rPr lang="de-DE" dirty="0"/>
+              <a:t> </a:t>
+            </a:r>
+            <a:r>
+              <a:rPr lang="de-DE" dirty="0" err="1"/>
+              <a:t>Adafruit</a:t>
+            </a:r>
+            <a:endParaRPr lang="de-DE" dirty="0"/>
+          </a:p>
+          <a:p>
+            <a:pPr marL="0" indent="0">
+              <a:buNone/>
+            </a:pPr>
+            <a:endParaRPr lang="de-DE" dirty="0"/>
+          </a:p>
+        </p:txBody>
+      </p:sp>
+      <p:pic>
+        <p:nvPicPr>
+          <p:cNvPr id="3074" name="Picture 2" descr="Adafruit Logo"/>
+          <p:cNvPicPr>
+            <a:picLocks noChangeAspect="1" noChangeArrowheads="1"/>
+          </p:cNvPicPr>
+          <p:nvPr/>
+        </p:nvPicPr>
+        <p:blipFill>
+          <a:blip r:embed="rId3">
+            <a:extLst>
+              <a:ext uri="{28A0092B-C50C-407E-A947-70E740481C1C}">
+                <a14:useLocalDpi xmlns:a14="http://schemas.microsoft.com/office/drawing/2010/main" val="0"/>
+              </a:ext>
+            </a:extLst>
+          </a:blip>
+          <a:srcRect/>
+          <a:stretch>
+            <a:fillRect/>
+          </a:stretch>
+        </p:blipFill>
+        <p:spPr bwMode="auto">
+          <a:xfrm>
+            <a:off x="242856" y="5512863"/>
+            <a:ext cx="3276600" cy="1143000"/>
+          </a:xfrm>
+          <a:prstGeom prst="rect">
+            <a:avLst/>
+          </a:prstGeom>
+          <a:noFill/>
+          <a:extLst>
+            <a:ext uri="{909E8E84-426E-40DD-AFC4-6F175D3DCCD1}">
+              <a14:hiddenFill xmlns:a14="http://schemas.microsoft.com/office/drawing/2010/main">
+                <a:solidFill>
+                  <a:srgbClr val="FFFFFF"/>
+                </a:solidFill>
+              </a14:hiddenFill>
+            </a:ext>
+          </a:extLst>
+        </p:spPr>
+      </p:pic>
+      <p:sp>
+        <p:nvSpPr>
+          <p:cNvPr id="5" name="Textfeld 4"/>
+          <p:cNvSpPr txBox="1"/>
+          <p:nvPr/>
+        </p:nvSpPr>
+        <p:spPr>
+          <a:xfrm>
+            <a:off x="10048307" y="6286531"/>
+            <a:ext cx="1489685" cy="369332"/>
+          </a:xfrm>
+          <a:prstGeom prst="rect">
+            <a:avLst/>
+          </a:prstGeom>
+          <a:noFill/>
+        </p:spPr>
+        <p:txBody>
+          <a:bodyPr wrap="square" rtlCol="0">
+            <a:spAutoFit/>
+          </a:bodyPr>
+          <a:lstStyle/>
+          <a:p>
+            <a:r>
+              <a:rPr lang="de-DE" dirty="0">
+                <a:solidFill>
+                  <a:schemeClr val="tx1">
+                    <a:lumMod val="85000"/>
+                    <a:lumOff val="15000"/>
+                  </a:schemeClr>
+                </a:solidFill>
+                <a:latin typeface="Yu Gothic" panose="020B0400000000000000" pitchFamily="34" charset="-128"/>
+                <a:ea typeface="Yu Gothic" panose="020B0400000000000000" pitchFamily="34" charset="-128"/>
+                <a:cs typeface="Calibri Light" panose="020F0302020204030204" pitchFamily="34" charset="0"/>
+              </a:rPr>
+              <a:t>[5][6]</a:t>
+            </a:r>
+          </a:p>
+        </p:txBody>
+      </p:sp>
+      <p:sp>
+        <p:nvSpPr>
+          <p:cNvPr id="6" name="Textfeld 5"/>
+          <p:cNvSpPr txBox="1"/>
+          <p:nvPr/>
+        </p:nvSpPr>
+        <p:spPr>
+          <a:xfrm>
+            <a:off x="4106978" y="6286531"/>
+            <a:ext cx="1489685" cy="369332"/>
+          </a:xfrm>
+          <a:prstGeom prst="rect">
+            <a:avLst/>
+          </a:prstGeom>
+          <a:noFill/>
+        </p:spPr>
+        <p:txBody>
+          <a:bodyPr wrap="square" rtlCol="0">
+            <a:spAutoFit/>
+          </a:bodyPr>
+          <a:lstStyle/>
+          <a:p>
+            <a:r>
+              <a:rPr lang="de-DE" dirty="0">
+                <a:solidFill>
+                  <a:schemeClr val="tx1">
+                    <a:lumMod val="85000"/>
+                    <a:lumOff val="15000"/>
+                  </a:schemeClr>
+                </a:solidFill>
+                <a:latin typeface="Yu Gothic" panose="020B0400000000000000" pitchFamily="34" charset="-128"/>
+                <a:ea typeface="Yu Gothic" panose="020B0400000000000000" pitchFamily="34" charset="-128"/>
+                <a:cs typeface="Calibri Light" panose="020F0302020204030204" pitchFamily="34" charset="0"/>
+              </a:rPr>
+              <a:t>[7]</a:t>
+            </a:r>
+          </a:p>
+        </p:txBody>
+      </p:sp>
+    </p:spTree>
+    <p:extLst>
+      <p:ext uri="{BB962C8B-B14F-4D97-AF65-F5344CB8AC3E}">
+        <p14:creationId xmlns:p14="http://schemas.microsoft.com/office/powerpoint/2010/main" val="1633079539"/>
+      </p:ext>
+    </p:extLst>
+  </p:cSld>
+  <p:clrMapOvr>
+    <a:masterClrMapping/>
+  </p:clrMapOvr>
+</p:sld>
+</file>
+
+<file path=ppt/slides/slide14.xml><?xml version="1.0" encoding="utf-8"?>
+<p:sld xmlns:a="http://schemas.openxmlformats.org/drawingml/2006/main" xmlns:r="http://schemas.openxmlformats.org/officeDocument/2006/relationships" xmlns:p="http://schemas.openxmlformats.org/presentationml/2006/main">
+  <p:cSld>
+    <p:spTree>
+      <p:nvGrpSpPr>
+        <p:cNvPr id="1" name=""/>
+        <p:cNvGrpSpPr/>
+        <p:nvPr/>
+      </p:nvGrpSpPr>
+      <p:grpSpPr>
+        <a:xfrm>
+          <a:off x="0" y="0"/>
+          <a:ext cx="0" cy="0"/>
+          <a:chOff x="0" y="0"/>
+          <a:chExt cx="0" cy="0"/>
+        </a:xfrm>
+      </p:grpSpPr>
+      <p:sp>
+        <p:nvSpPr>
+          <p:cNvPr id="2" name="Titel 1"/>
+          <p:cNvSpPr>
+            <a:spLocks noGrp="1"/>
+          </p:cNvSpPr>
+          <p:nvPr>
+            <p:ph type="title"/>
+          </p:nvPr>
+        </p:nvSpPr>
+        <p:spPr/>
+        <p:txBody>
+          <a:bodyPr/>
+          <a:lstStyle/>
+          <a:p>
+            <a:r>
+              <a:rPr lang="de-DE" dirty="0"/>
+              <a:t>ADAFRUIT IO </a:t>
+            </a:r>
+          </a:p>
+        </p:txBody>
+      </p:sp>
+      <p:pic>
+        <p:nvPicPr>
+          <p:cNvPr id="4" name="Inhaltsplatzhalter 3"/>
+          <p:cNvPicPr>
+            <a:picLocks noGrp="1" noChangeAspect="1"/>
+          </p:cNvPicPr>
+          <p:nvPr>
+            <p:ph idx="1"/>
+          </p:nvPr>
+        </p:nvPicPr>
+        <p:blipFill>
+          <a:blip r:embed="rId2"/>
+          <a:stretch>
+            <a:fillRect/>
+          </a:stretch>
+        </p:blipFill>
+        <p:spPr>
+          <a:xfrm>
+            <a:off x="2188746" y="3089674"/>
+            <a:ext cx="6794021" cy="3101975"/>
+          </a:xfrm>
+          <a:prstGeom prst="rect">
+            <a:avLst/>
+          </a:prstGeom>
+        </p:spPr>
+      </p:pic>
+    </p:spTree>
+    <p:extLst>
+      <p:ext uri="{BB962C8B-B14F-4D97-AF65-F5344CB8AC3E}">
+        <p14:creationId xmlns:p14="http://schemas.microsoft.com/office/powerpoint/2010/main" val="1016768021"/>
+      </p:ext>
+    </p:extLst>
+  </p:cSld>
+  <p:clrMapOvr>
+    <a:masterClrMapping/>
+  </p:clrMapOvr>
+</p:sld>
+</file>
+
+<file path=ppt/slides/slide15.xml><?xml version="1.0" encoding="utf-8"?>
+<p:sld xmlns:a="http://schemas.openxmlformats.org/drawingml/2006/main" xmlns:r="http://schemas.openxmlformats.org/officeDocument/2006/relationships" xmlns:p="http://schemas.openxmlformats.org/presentationml/2006/main">
+  <p:cSld>
+    <p:spTree>
+      <p:nvGrpSpPr>
+        <p:cNvPr id="1" name=""/>
+        <p:cNvGrpSpPr/>
+        <p:nvPr/>
+      </p:nvGrpSpPr>
+      <p:grpSpPr>
+        <a:xfrm>
+          <a:off x="0" y="0"/>
+          <a:ext cx="0" cy="0"/>
+          <a:chOff x="0" y="0"/>
+          <a:chExt cx="0" cy="0"/>
+        </a:xfrm>
+      </p:grpSpPr>
+      <p:sp>
+        <p:nvSpPr>
+          <p:cNvPr id="2" name="Titel 1"/>
+          <p:cNvSpPr>
+            <a:spLocks noGrp="1"/>
+          </p:cNvSpPr>
+          <p:nvPr>
+            <p:ph type="title"/>
+          </p:nvPr>
+        </p:nvSpPr>
+        <p:spPr/>
+        <p:txBody>
+          <a:bodyPr/>
+          <a:lstStyle/>
+          <a:p>
+            <a:r>
+              <a:rPr lang="de-DE" dirty="0"/>
+              <a:t>Architektur – </a:t>
+            </a:r>
+            <a:r>
+              <a:rPr lang="de-DE" dirty="0" err="1"/>
+              <a:t>Active</a:t>
+            </a:r>
+            <a:r>
+              <a:rPr lang="de-DE" dirty="0"/>
+              <a:t> Stream</a:t>
+            </a:r>
+          </a:p>
+        </p:txBody>
+      </p:sp>
+      <p:pic>
+        <p:nvPicPr>
+          <p:cNvPr id="5" name="Grafik 4"/>
+          <p:cNvPicPr>
+            <a:picLocks noChangeAspect="1"/>
+          </p:cNvPicPr>
+          <p:nvPr/>
+        </p:nvPicPr>
+        <p:blipFill>
+          <a:blip r:embed="rId2"/>
+          <a:stretch>
+            <a:fillRect/>
+          </a:stretch>
+        </p:blipFill>
+        <p:spPr>
+          <a:xfrm>
+            <a:off x="0" y="3028237"/>
+            <a:ext cx="12192000" cy="3550782"/>
+          </a:xfrm>
+          <a:prstGeom prst="rect">
+            <a:avLst/>
+          </a:prstGeom>
+        </p:spPr>
+      </p:pic>
+    </p:spTree>
+    <p:extLst>
+      <p:ext uri="{BB962C8B-B14F-4D97-AF65-F5344CB8AC3E}">
+        <p14:creationId xmlns:p14="http://schemas.microsoft.com/office/powerpoint/2010/main" val="1884983556"/>
+      </p:ext>
+    </p:extLst>
+  </p:cSld>
+  <p:clrMapOvr>
+    <a:masterClrMapping/>
+  </p:clrMapOvr>
+</p:sld>
+</file>
+
+<file path=ppt/slides/slide16.xml><?xml version="1.0" encoding="utf-8"?>
+<p:sld xmlns:a="http://schemas.openxmlformats.org/drawingml/2006/main" xmlns:r="http://schemas.openxmlformats.org/officeDocument/2006/relationships" xmlns:p="http://schemas.openxmlformats.org/presentationml/2006/main">
+  <p:cSld>
+    <p:spTree>
+      <p:nvGrpSpPr>
+        <p:cNvPr id="1" name=""/>
+        <p:cNvGrpSpPr/>
+        <p:nvPr/>
+      </p:nvGrpSpPr>
+      <p:grpSpPr>
+        <a:xfrm>
+          <a:off x="0" y="0"/>
+          <a:ext cx="0" cy="0"/>
+          <a:chOff x="0" y="0"/>
+          <a:chExt cx="0" cy="0"/>
+        </a:xfrm>
+      </p:grpSpPr>
+      <p:sp>
+        <p:nvSpPr>
+          <p:cNvPr id="2" name="Titel 1"/>
+          <p:cNvSpPr>
+            <a:spLocks noGrp="1"/>
+          </p:cNvSpPr>
+          <p:nvPr>
+            <p:ph type="title"/>
+          </p:nvPr>
+        </p:nvSpPr>
+        <p:spPr/>
+        <p:txBody>
+          <a:bodyPr/>
+          <a:lstStyle/>
+          <a:p>
+            <a:r>
+              <a:rPr lang="de-DE" dirty="0"/>
+              <a:t>ARCHITEKTUR – YOUR FEEDS</a:t>
+            </a:r>
+          </a:p>
+        </p:txBody>
+      </p:sp>
+      <p:pic>
+        <p:nvPicPr>
+          <p:cNvPr id="4" name="Inhaltsplatzhalter 3"/>
+          <p:cNvPicPr>
+            <a:picLocks noGrp="1" noChangeAspect="1"/>
+          </p:cNvPicPr>
+          <p:nvPr>
+            <p:ph idx="1"/>
+          </p:nvPr>
+        </p:nvPicPr>
+        <p:blipFill>
+          <a:blip r:embed="rId2"/>
+          <a:stretch>
+            <a:fillRect/>
+          </a:stretch>
+        </p:blipFill>
+        <p:spPr>
+          <a:xfrm>
+            <a:off x="0" y="2893197"/>
+            <a:ext cx="12173703" cy="2927573"/>
+          </a:xfrm>
+          <a:prstGeom prst="rect">
+            <a:avLst/>
+          </a:prstGeom>
+        </p:spPr>
+      </p:pic>
+    </p:spTree>
+    <p:extLst>
+      <p:ext uri="{BB962C8B-B14F-4D97-AF65-F5344CB8AC3E}">
+        <p14:creationId xmlns:p14="http://schemas.microsoft.com/office/powerpoint/2010/main" val="3079201682"/>
+      </p:ext>
+    </p:extLst>
+  </p:cSld>
+  <p:clrMapOvr>
+    <a:masterClrMapping/>
+  </p:clrMapOvr>
+</p:sld>
+</file>
+
+<file path=ppt/slides/slide17.xml><?xml version="1.0" encoding="utf-8"?>
+<p:sld xmlns:a="http://schemas.openxmlformats.org/drawingml/2006/main" xmlns:r="http://schemas.openxmlformats.org/officeDocument/2006/relationships" xmlns:p="http://schemas.openxmlformats.org/presentationml/2006/main">
+  <p:cSld>
+    <p:spTree>
+      <p:nvGrpSpPr>
+        <p:cNvPr id="1" name=""/>
+        <p:cNvGrpSpPr/>
+        <p:nvPr/>
+      </p:nvGrpSpPr>
+      <p:grpSpPr>
+        <a:xfrm>
+          <a:off x="0" y="0"/>
+          <a:ext cx="0" cy="0"/>
+          <a:chOff x="0" y="0"/>
+          <a:chExt cx="0" cy="0"/>
+        </a:xfrm>
+      </p:grpSpPr>
+      <p:sp>
+        <p:nvSpPr>
+          <p:cNvPr id="2" name="Titel 1"/>
+          <p:cNvSpPr>
+            <a:spLocks noGrp="1"/>
+          </p:cNvSpPr>
+          <p:nvPr>
+            <p:ph type="title"/>
+          </p:nvPr>
+        </p:nvSpPr>
+        <p:spPr/>
+        <p:txBody>
+          <a:bodyPr/>
+          <a:lstStyle/>
+          <a:p>
+            <a:r>
+              <a:rPr lang="de-DE" dirty="0"/>
+              <a:t>Architektur – </a:t>
+            </a:r>
+            <a:r>
+              <a:rPr lang="de-DE" dirty="0" err="1"/>
+              <a:t>your</a:t>
+            </a:r>
+            <a:r>
+              <a:rPr lang="de-DE" dirty="0"/>
+              <a:t> </a:t>
+            </a:r>
+            <a:r>
+              <a:rPr lang="de-DE" dirty="0" err="1"/>
+              <a:t>groups</a:t>
+            </a:r>
+            <a:endParaRPr lang="de-DE" dirty="0"/>
+          </a:p>
+        </p:txBody>
+      </p:sp>
+      <p:sp>
+        <p:nvSpPr>
+          <p:cNvPr id="3" name="Inhaltsplatzhalter 2"/>
+          <p:cNvSpPr>
+            <a:spLocks noGrp="1"/>
+          </p:cNvSpPr>
+          <p:nvPr>
+            <p:ph idx="1"/>
+          </p:nvPr>
+        </p:nvSpPr>
+        <p:spPr/>
+        <p:txBody>
+          <a:bodyPr/>
+          <a:lstStyle/>
+          <a:p>
+            <a:endParaRPr lang="de-DE"/>
+          </a:p>
+        </p:txBody>
+      </p:sp>
+    </p:spTree>
+    <p:extLst>
+      <p:ext uri="{BB962C8B-B14F-4D97-AF65-F5344CB8AC3E}">
+        <p14:creationId xmlns:p14="http://schemas.microsoft.com/office/powerpoint/2010/main" val="2505771570"/>
+      </p:ext>
+    </p:extLst>
+  </p:cSld>
+  <p:clrMapOvr>
+    <a:masterClrMapping/>
+  </p:clrMapOvr>
+</p:sld>
+</file>
+
+<file path=ppt/slides/slide18.xml><?xml version="1.0" encoding="utf-8"?>
+<p:sld xmlns:a="http://schemas.openxmlformats.org/drawingml/2006/main" xmlns:r="http://schemas.openxmlformats.org/officeDocument/2006/relationships" xmlns:p="http://schemas.openxmlformats.org/presentationml/2006/main">
+  <p:cSld>
+    <p:spTree>
+      <p:nvGrpSpPr>
+        <p:cNvPr id="1" name=""/>
+        <p:cNvGrpSpPr/>
+        <p:nvPr/>
+      </p:nvGrpSpPr>
+      <p:grpSpPr>
+        <a:xfrm>
+          <a:off x="0" y="0"/>
+          <a:ext cx="0" cy="0"/>
+          <a:chOff x="0" y="0"/>
+          <a:chExt cx="0" cy="0"/>
+        </a:xfrm>
+      </p:grpSpPr>
+      <p:sp>
+        <p:nvSpPr>
+          <p:cNvPr id="2" name="Titel 1"/>
+          <p:cNvSpPr>
+            <a:spLocks noGrp="1"/>
+          </p:cNvSpPr>
+          <p:nvPr>
+            <p:ph type="title"/>
+          </p:nvPr>
+        </p:nvSpPr>
+        <p:spPr/>
+        <p:txBody>
+          <a:bodyPr/>
+          <a:lstStyle/>
+          <a:p>
+            <a:r>
+              <a:rPr lang="de-DE" dirty="0"/>
+              <a:t>Quellen</a:t>
+            </a:r>
+          </a:p>
+        </p:txBody>
+      </p:sp>
+      <p:sp>
+        <p:nvSpPr>
+          <p:cNvPr id="3" name="Inhaltsplatzhalter 2"/>
+          <p:cNvSpPr>
+            <a:spLocks noGrp="1"/>
+          </p:cNvSpPr>
+          <p:nvPr>
+            <p:ph idx="1"/>
+          </p:nvPr>
+        </p:nvSpPr>
+        <p:spPr/>
+        <p:txBody>
+          <a:bodyPr>
+            <a:normAutofit fontScale="62500" lnSpcReduction="20000"/>
+          </a:bodyPr>
+          <a:lstStyle/>
+          <a:p>
+            <a:pPr marL="0" indent="0">
+              <a:buNone/>
+            </a:pPr>
+            <a:r>
+              <a:rPr lang="de-DE" dirty="0"/>
+              <a:t>[1] </a:t>
+            </a:r>
+            <a:r>
+              <a:rPr lang="de-DE" dirty="0">
+                <a:hlinkClick r:id="rId2"/>
+              </a:rPr>
+              <a:t>http://blog.gemalto.com/wp-content/uploads/2015/01/M2M-world-of-connected-services.jpg</a:t>
+            </a:r>
+            <a:r>
+              <a:rPr lang="de-DE" dirty="0"/>
+              <a:t> 05.11.2016</a:t>
+            </a:r>
+          </a:p>
+          <a:p>
+            <a:pPr marL="0" indent="0">
+              <a:buNone/>
+            </a:pPr>
+            <a:r>
+              <a:rPr lang="de-DE" dirty="0"/>
+              <a:t>[2] </a:t>
+            </a:r>
+            <a:r>
+              <a:rPr lang="de-DE" dirty="0">
+                <a:hlinkClick r:id="rId3"/>
+              </a:rPr>
+              <a:t>http://howtomechatronics.com/wp-content/uploads/2016/01/DHT11-DDHT22-Working-Principle.png?x57244</a:t>
+            </a:r>
+            <a:r>
+              <a:rPr lang="de-DE" dirty="0"/>
+              <a:t> 05.11.2016 </a:t>
+            </a:r>
+          </a:p>
+          <a:p>
+            <a:pPr marL="0" indent="0">
+              <a:buNone/>
+            </a:pPr>
+            <a:r>
+              <a:rPr lang="de-DE" dirty="0"/>
+              <a:t>[3] </a:t>
+            </a:r>
+            <a:r>
+              <a:rPr lang="de-DE" dirty="0">
+                <a:hlinkClick r:id="rId4"/>
+              </a:rPr>
+              <a:t>http://ic4l.net/wp-content/uploads/dht11-module-300x300.png</a:t>
+            </a:r>
+            <a:r>
+              <a:rPr lang="de-DE" dirty="0"/>
+              <a:t> 05.11.2016</a:t>
+            </a:r>
+          </a:p>
+          <a:p>
+            <a:pPr marL="0" indent="0">
+              <a:buNone/>
+            </a:pPr>
+            <a:r>
+              <a:rPr lang="de-DE" dirty="0"/>
+              <a:t>[4] DHT11 </a:t>
+            </a:r>
+            <a:r>
+              <a:rPr lang="de-DE" dirty="0" err="1"/>
+              <a:t>Humidity</a:t>
+            </a:r>
+            <a:r>
+              <a:rPr lang="de-DE" dirty="0"/>
+              <a:t> &amp; </a:t>
+            </a:r>
+            <a:r>
+              <a:rPr lang="de-DE" dirty="0" err="1"/>
+              <a:t>Temperature</a:t>
+            </a:r>
+            <a:r>
+              <a:rPr lang="de-DE" dirty="0"/>
+              <a:t> Sensor D-</a:t>
+            </a:r>
+            <a:r>
+              <a:rPr lang="de-DE" dirty="0" err="1"/>
+              <a:t>Robotics</a:t>
+            </a:r>
+            <a:r>
+              <a:rPr lang="de-DE" dirty="0"/>
+              <a:t> UK, D-</a:t>
+            </a:r>
+            <a:r>
+              <a:rPr lang="de-DE" dirty="0" err="1"/>
+              <a:t>Robotics</a:t>
+            </a:r>
+            <a:r>
+              <a:rPr lang="de-DE" dirty="0"/>
+              <a:t> 7/30/2010 </a:t>
+            </a:r>
+            <a:r>
+              <a:rPr lang="de-DE" dirty="0">
+                <a:hlinkClick r:id="rId5"/>
+              </a:rPr>
+              <a:t>http://www.micropik.com/PDF/dht11.pdf</a:t>
+            </a:r>
+            <a:r>
+              <a:rPr lang="de-DE" dirty="0"/>
+              <a:t> Seite XX, Absatz XX 05.11.2016</a:t>
+            </a:r>
+          </a:p>
+          <a:p>
+            <a:pPr marL="0" indent="0">
+              <a:buNone/>
+            </a:pPr>
+            <a:r>
+              <a:rPr lang="de-DE" dirty="0"/>
+              <a:t>[5] </a:t>
+            </a:r>
+            <a:r>
+              <a:rPr lang="de-DE" dirty="0">
+                <a:hlinkClick r:id="rId6"/>
+              </a:rPr>
+              <a:t>https://youtu.be/VelviRLkUeo</a:t>
+            </a:r>
+            <a:r>
+              <a:rPr lang="de-DE" dirty="0"/>
+              <a:t> 05.11.2016</a:t>
+            </a:r>
+          </a:p>
+          <a:p>
+            <a:pPr marL="0" indent="0">
+              <a:buNone/>
+            </a:pPr>
+            <a:r>
+              <a:rPr lang="de-DE" dirty="0"/>
+              <a:t>[6] </a:t>
+            </a:r>
+            <a:r>
+              <a:rPr lang="de-DE" dirty="0">
+                <a:hlinkClick r:id="rId7"/>
+              </a:rPr>
+              <a:t>https://www.adafruit.com/about</a:t>
+            </a:r>
+            <a:r>
+              <a:rPr lang="de-DE" dirty="0"/>
+              <a:t> 05.11.2016</a:t>
+            </a:r>
+          </a:p>
+          <a:p>
+            <a:pPr marL="0" indent="0">
+              <a:buNone/>
+            </a:pPr>
+            <a:r>
+              <a:rPr lang="de-DE" dirty="0"/>
+              <a:t>[7] </a:t>
+            </a:r>
+            <a:r>
+              <a:rPr lang="de-DE" dirty="0">
+                <a:hlinkClick r:id="rId8"/>
+              </a:rPr>
+              <a:t>https://io.adafruit.com/logos/logo_2x.png 05.11.2016</a:t>
+            </a:r>
+            <a:endParaRPr lang="de-DE" dirty="0"/>
+          </a:p>
+          <a:p>
+            <a:pPr marL="0" indent="0">
+              <a:buNone/>
+            </a:pPr>
+            <a:r>
+              <a:rPr lang="de-DE" dirty="0"/>
+              <a:t>[8] </a:t>
+            </a:r>
+            <a:r>
+              <a:rPr lang="de-DE" dirty="0">
+                <a:hlinkClick r:id="rId9"/>
+              </a:rPr>
+              <a:t>http://4sitewebsolutions.com/hvac/wp-content/uploads/2013/04/carrier3.png 06.11.2016</a:t>
+            </a:r>
+            <a:r>
+              <a:rPr lang="de-DE" dirty="0"/>
+              <a:t> </a:t>
+            </a:r>
+          </a:p>
+          <a:p>
+            <a:pPr marL="0" indent="0">
+              <a:buNone/>
+            </a:pPr>
+            <a:r>
+              <a:rPr lang="de-DE" dirty="0"/>
+              <a:t>[9] </a:t>
+            </a:r>
+            <a:r>
+              <a:rPr lang="de-DE" dirty="0">
+                <a:hlinkClick r:id="rId10"/>
+              </a:rPr>
+              <a:t>http://www.umweltbundesamt.de/themen/gesundheit/umwelteinfluesse-auf-den-menschen/schimmel/richtig-lueften-schimmelbildung-vermeiden</a:t>
+            </a:r>
+            <a:r>
+              <a:rPr lang="de-DE" dirty="0"/>
+              <a:t> 06.11.2016</a:t>
+            </a:r>
+            <a:endParaRPr lang="de-DE" dirty="0"/>
+          </a:p>
+        </p:txBody>
+      </p:sp>
+    </p:spTree>
+    <p:extLst>
+      <p:ext uri="{BB962C8B-B14F-4D97-AF65-F5344CB8AC3E}">
+        <p14:creationId xmlns:p14="http://schemas.microsoft.com/office/powerpoint/2010/main" val="2467890872"/>
+      </p:ext>
+    </p:extLst>
+  </p:cSld>
+  <p:clrMapOvr>
+    <a:masterClrMapping/>
+  </p:clrMapOvr>
+</p:sld>
+</file>
+
 <file path=ppt/slides/slide2.xml><?xml version="1.0" encoding="utf-8"?>
 <p:sld xmlns:a="http://schemas.openxmlformats.org/drawingml/2006/main" xmlns:r="http://schemas.openxmlformats.org/officeDocument/2006/relationships" xmlns:p="http://schemas.openxmlformats.org/presentationml/2006/main">
   <p:cSld>
@@ -4214,6 +5505,522 @@
 </file>
 
 <file path=ppt/slides/slide5.xml><?xml version="1.0" encoding="utf-8"?>
+<p:sld xmlns:a="http://schemas.openxmlformats.org/drawingml/2006/main" xmlns:r="http://schemas.openxmlformats.org/officeDocument/2006/relationships" xmlns:p="http://schemas.openxmlformats.org/presentationml/2006/main">
+  <p:cSld>
+    <p:spTree>
+      <p:nvGrpSpPr>
+        <p:cNvPr id="1" name=""/>
+        <p:cNvGrpSpPr/>
+        <p:nvPr/>
+      </p:nvGrpSpPr>
+      <p:grpSpPr>
+        <a:xfrm>
+          <a:off x="0" y="0"/>
+          <a:ext cx="0" cy="0"/>
+          <a:chOff x="0" y="0"/>
+          <a:chExt cx="0" cy="0"/>
+        </a:xfrm>
+      </p:grpSpPr>
+      <p:sp>
+        <p:nvSpPr>
+          <p:cNvPr id="3" name="Inhaltsplatzhalter 2"/>
+          <p:cNvSpPr>
+            <a:spLocks noGrp="1"/>
+          </p:cNvSpPr>
+          <p:nvPr>
+            <p:ph idx="1"/>
+          </p:nvPr>
+        </p:nvSpPr>
+        <p:spPr>
+          <a:xfrm>
+            <a:off x="2188746" y="2901793"/>
+            <a:ext cx="8420716" cy="3101983"/>
+          </a:xfrm>
+        </p:spPr>
+        <p:txBody>
+          <a:bodyPr/>
+          <a:lstStyle/>
+          <a:p>
+            <a:pPr marL="0" indent="0">
+              <a:buNone/>
+            </a:pPr>
+            <a:r>
+              <a:rPr lang="de-DE" i="1" dirty="0"/>
+              <a:t>„A smart </a:t>
+            </a:r>
+            <a:r>
+              <a:rPr lang="de-DE" i="1" dirty="0" err="1"/>
+              <a:t>connected</a:t>
+            </a:r>
+            <a:r>
+              <a:rPr lang="de-DE" i="1" dirty="0"/>
+              <a:t> </a:t>
+            </a:r>
+            <a:r>
+              <a:rPr lang="de-DE" i="1" dirty="0" err="1"/>
+              <a:t>toaster</a:t>
+            </a:r>
+            <a:r>
+              <a:rPr lang="de-DE" i="1" dirty="0"/>
+              <a:t> </a:t>
+            </a:r>
+            <a:r>
+              <a:rPr lang="de-DE" i="1" dirty="0" err="1"/>
+              <a:t>is</a:t>
+            </a:r>
+            <a:r>
+              <a:rPr lang="de-DE" i="1" dirty="0"/>
+              <a:t> </a:t>
+            </a:r>
+            <a:r>
+              <a:rPr lang="de-DE" i="1" dirty="0" err="1"/>
+              <a:t>of</a:t>
+            </a:r>
+            <a:r>
+              <a:rPr lang="de-DE" i="1" dirty="0"/>
+              <a:t> </a:t>
+            </a:r>
+            <a:r>
+              <a:rPr lang="de-DE" i="1" dirty="0" err="1"/>
+              <a:t>no</a:t>
+            </a:r>
+            <a:r>
+              <a:rPr lang="de-DE" i="1" dirty="0"/>
+              <a:t> </a:t>
+            </a:r>
+            <a:r>
+              <a:rPr lang="de-DE" i="1" dirty="0" err="1"/>
+              <a:t>value</a:t>
+            </a:r>
+            <a:r>
+              <a:rPr lang="de-DE" i="1" dirty="0"/>
+              <a:t> </a:t>
+            </a:r>
+            <a:r>
+              <a:rPr lang="de-DE" i="1" dirty="0" err="1"/>
+              <a:t>unless</a:t>
+            </a:r>
+            <a:r>
+              <a:rPr lang="de-DE" i="1" dirty="0"/>
+              <a:t> </a:t>
+            </a:r>
+            <a:r>
+              <a:rPr lang="de-DE" i="1" dirty="0" err="1"/>
+              <a:t>it</a:t>
+            </a:r>
+            <a:r>
+              <a:rPr lang="de-DE" i="1" dirty="0"/>
+              <a:t> </a:t>
+            </a:r>
+            <a:r>
+              <a:rPr lang="de-DE" i="1" dirty="0" err="1"/>
+              <a:t>produces</a:t>
+            </a:r>
+            <a:r>
+              <a:rPr lang="de-DE" i="1" dirty="0"/>
+              <a:t> </a:t>
+            </a:r>
+            <a:r>
+              <a:rPr lang="de-DE" i="1" dirty="0" err="1"/>
+              <a:t>better</a:t>
+            </a:r>
+            <a:r>
+              <a:rPr lang="de-DE" i="1" dirty="0"/>
+              <a:t> toast“ </a:t>
+            </a:r>
+          </a:p>
+          <a:p>
+            <a:pPr marL="0" indent="0">
+              <a:buNone/>
+            </a:pPr>
+            <a:endParaRPr lang="de-DE" i="1" dirty="0"/>
+          </a:p>
+          <a:p>
+            <a:pPr marL="0" indent="0">
+              <a:buNone/>
+            </a:pPr>
+            <a:r>
+              <a:rPr lang="de-DE" i="1" dirty="0"/>
+              <a:t>– </a:t>
+            </a:r>
+            <a:r>
+              <a:rPr lang="de-DE" sz="1050" i="1" dirty="0"/>
+              <a:t>Device Democracy </a:t>
+            </a:r>
+            <a:r>
+              <a:rPr lang="de-DE" sz="1050" i="1" dirty="0" err="1"/>
+              <a:t>Saving</a:t>
+            </a:r>
+            <a:r>
+              <a:rPr lang="de-DE" sz="1050" i="1" dirty="0"/>
+              <a:t> </a:t>
+            </a:r>
+            <a:r>
+              <a:rPr lang="de-DE" sz="1050" i="1" dirty="0" err="1"/>
+              <a:t>the</a:t>
+            </a:r>
+            <a:r>
+              <a:rPr lang="de-DE" sz="1050" i="1" dirty="0"/>
+              <a:t> </a:t>
+            </a:r>
+            <a:r>
+              <a:rPr lang="de-DE" sz="1050" i="1" dirty="0" err="1"/>
+              <a:t>future</a:t>
+            </a:r>
+            <a:r>
+              <a:rPr lang="de-DE" sz="1050" i="1" dirty="0"/>
+              <a:t> </a:t>
+            </a:r>
+            <a:r>
+              <a:rPr lang="de-DE" sz="1050" i="1" dirty="0" err="1"/>
+              <a:t>of</a:t>
+            </a:r>
+            <a:r>
+              <a:rPr lang="de-DE" sz="1050" i="1" dirty="0"/>
+              <a:t> Internet </a:t>
+            </a:r>
+            <a:r>
+              <a:rPr lang="de-DE" sz="1050" i="1" dirty="0" err="1"/>
+              <a:t>of</a:t>
+            </a:r>
+            <a:r>
+              <a:rPr lang="de-DE" sz="1050" i="1" dirty="0"/>
+              <a:t> Things – IBM Institute </a:t>
+            </a:r>
+            <a:r>
+              <a:rPr lang="de-DE" sz="1050" i="1" dirty="0" err="1"/>
+              <a:t>of</a:t>
+            </a:r>
+            <a:r>
+              <a:rPr lang="de-DE" sz="1050" i="1" dirty="0"/>
+              <a:t> Business Value, Chapter Device Democracy, Block „Challenge </a:t>
+            </a:r>
+            <a:r>
+              <a:rPr lang="de-DE" sz="1050" i="1" dirty="0" err="1"/>
+              <a:t>four</a:t>
+            </a:r>
+            <a:r>
+              <a:rPr lang="de-DE" sz="1050" i="1" dirty="0"/>
+              <a:t>: A lack </a:t>
+            </a:r>
+            <a:r>
+              <a:rPr lang="de-DE" sz="1050" i="1" dirty="0" err="1"/>
+              <a:t>of</a:t>
+            </a:r>
+            <a:r>
+              <a:rPr lang="de-DE" sz="1050" i="1" dirty="0"/>
+              <a:t> </a:t>
+            </a:r>
+            <a:r>
+              <a:rPr lang="de-DE" sz="1050" i="1" dirty="0" err="1"/>
+              <a:t>functional</a:t>
+            </a:r>
+            <a:r>
+              <a:rPr lang="de-DE" sz="1050" i="1" dirty="0"/>
+              <a:t> </a:t>
+            </a:r>
+            <a:r>
+              <a:rPr lang="de-DE" sz="1050" i="1" dirty="0" err="1"/>
+              <a:t>value</a:t>
+            </a:r>
+            <a:r>
+              <a:rPr lang="de-DE" sz="1050" i="1" dirty="0"/>
+              <a:t>“</a:t>
+            </a:r>
+            <a:endParaRPr lang="de-DE" sz="1200" i="1" dirty="0"/>
+          </a:p>
+        </p:txBody>
+      </p:sp>
+    </p:spTree>
+    <p:extLst>
+      <p:ext uri="{BB962C8B-B14F-4D97-AF65-F5344CB8AC3E}">
+        <p14:creationId xmlns:p14="http://schemas.microsoft.com/office/powerpoint/2010/main" val="2573905302"/>
+      </p:ext>
+    </p:extLst>
+  </p:cSld>
+  <p:clrMapOvr>
+    <a:masterClrMapping/>
+  </p:clrMapOvr>
+</p:sld>
+</file>
+
+<file path=ppt/slides/slide6.xml><?xml version="1.0" encoding="utf-8"?>
+<p:sld xmlns:a="http://schemas.openxmlformats.org/drawingml/2006/main" xmlns:r="http://schemas.openxmlformats.org/officeDocument/2006/relationships" xmlns:p="http://schemas.openxmlformats.org/presentationml/2006/main">
+  <p:cSld>
+    <p:spTree>
+      <p:nvGrpSpPr>
+        <p:cNvPr id="1" name=""/>
+        <p:cNvGrpSpPr/>
+        <p:nvPr/>
+      </p:nvGrpSpPr>
+      <p:grpSpPr>
+        <a:xfrm>
+          <a:off x="0" y="0"/>
+          <a:ext cx="0" cy="0"/>
+          <a:chOff x="0" y="0"/>
+          <a:chExt cx="0" cy="0"/>
+        </a:xfrm>
+      </p:grpSpPr>
+      <p:sp>
+        <p:nvSpPr>
+          <p:cNvPr id="2" name="Titel 1"/>
+          <p:cNvSpPr>
+            <a:spLocks noGrp="1"/>
+          </p:cNvSpPr>
+          <p:nvPr>
+            <p:ph type="title"/>
+          </p:nvPr>
+        </p:nvSpPr>
+        <p:spPr/>
+        <p:txBody>
+          <a:bodyPr>
+            <a:normAutofit fontScale="90000"/>
+          </a:bodyPr>
+          <a:lstStyle/>
+          <a:p>
+            <a:r>
+              <a:rPr lang="de-DE" dirty="0"/>
+              <a:t>Konkreter fall für </a:t>
+            </a:r>
+            <a:r>
+              <a:rPr lang="de-DE" dirty="0" err="1"/>
+              <a:t>feuchtigkeits</a:t>
+            </a:r>
+            <a:r>
+              <a:rPr lang="de-DE" dirty="0"/>
+              <a:t> und </a:t>
+            </a:r>
+            <a:r>
+              <a:rPr lang="de-DE" dirty="0" err="1"/>
+              <a:t>temeperatur</a:t>
+            </a:r>
+            <a:r>
+              <a:rPr lang="de-DE" dirty="0"/>
+              <a:t> </a:t>
+            </a:r>
+            <a:r>
+              <a:rPr lang="de-DE" dirty="0" err="1"/>
+              <a:t>sensoren</a:t>
+            </a:r>
+            <a:endParaRPr lang="de-DE" dirty="0"/>
+          </a:p>
+        </p:txBody>
+      </p:sp>
+      <p:pic>
+        <p:nvPicPr>
+          <p:cNvPr id="1026" name="Picture 2" descr="http://4sitewebsolutions.com/hvac/wp-content/uploads/2013/04/carrier3.png"/>
+          <p:cNvPicPr>
+            <a:picLocks noChangeAspect="1" noChangeArrowheads="1"/>
+          </p:cNvPicPr>
+          <p:nvPr/>
+        </p:nvPicPr>
+        <p:blipFill>
+          <a:blip r:embed="rId2">
+            <a:extLst>
+              <a:ext uri="{28A0092B-C50C-407E-A947-70E740481C1C}">
+                <a14:useLocalDpi xmlns:a14="http://schemas.microsoft.com/office/drawing/2010/main" val="0"/>
+              </a:ext>
+            </a:extLst>
+          </a:blip>
+          <a:srcRect/>
+          <a:stretch>
+            <a:fillRect/>
+          </a:stretch>
+        </p:blipFill>
+        <p:spPr bwMode="auto">
+          <a:xfrm>
+            <a:off x="491629" y="3084676"/>
+            <a:ext cx="3551662" cy="1632659"/>
+          </a:xfrm>
+          <a:prstGeom prst="rect">
+            <a:avLst/>
+          </a:prstGeom>
+          <a:noFill/>
+          <a:extLst>
+            <a:ext uri="{909E8E84-426E-40DD-AFC4-6F175D3DCCD1}">
+              <a14:hiddenFill xmlns:a14="http://schemas.microsoft.com/office/drawing/2010/main">
+                <a:solidFill>
+                  <a:srgbClr val="FFFFFF"/>
+                </a:solidFill>
+              </a14:hiddenFill>
+            </a:ext>
+          </a:extLst>
+        </p:spPr>
+      </p:pic>
+      <p:sp>
+        <p:nvSpPr>
+          <p:cNvPr id="4" name="Textfeld 3"/>
+          <p:cNvSpPr txBox="1"/>
+          <p:nvPr/>
+        </p:nvSpPr>
+        <p:spPr>
+          <a:xfrm>
+            <a:off x="534838" y="4903391"/>
+            <a:ext cx="2920621" cy="646331"/>
+          </a:xfrm>
+          <a:prstGeom prst="rect">
+            <a:avLst/>
+          </a:prstGeom>
+          <a:noFill/>
+        </p:spPr>
+        <p:txBody>
+          <a:bodyPr wrap="square" rtlCol="0">
+            <a:spAutoFit/>
+          </a:bodyPr>
+          <a:lstStyle/>
+          <a:p>
+            <a:r>
+              <a:rPr lang="de-DE" cap="all" spc="200" dirty="0">
+                <a:solidFill>
+                  <a:srgbClr val="262626"/>
+                </a:solidFill>
+                <a:latin typeface="Yu Gothic" panose="020B0400000000000000" pitchFamily="34" charset="-128"/>
+                <a:ea typeface="Yu Gothic" panose="020B0400000000000000" pitchFamily="34" charset="-128"/>
+                <a:cs typeface="Calibri Light" panose="020F0302020204030204" pitchFamily="34" charset="0"/>
+              </a:rPr>
+              <a:t>Steuerung von HVAC [8]</a:t>
+            </a:r>
+          </a:p>
+        </p:txBody>
+      </p:sp>
+      <p:pic>
+        <p:nvPicPr>
+          <p:cNvPr id="1028" name="Picture 4" descr="geöffnetes Fenster im Altbau"/>
+          <p:cNvPicPr>
+            <a:picLocks noChangeAspect="1" noChangeArrowheads="1"/>
+          </p:cNvPicPr>
+          <p:nvPr/>
+        </p:nvPicPr>
+        <p:blipFill>
+          <a:blip r:embed="rId3">
+            <a:extLst>
+              <a:ext uri="{28A0092B-C50C-407E-A947-70E740481C1C}">
+                <a14:useLocalDpi xmlns:a14="http://schemas.microsoft.com/office/drawing/2010/main" val="0"/>
+              </a:ext>
+            </a:extLst>
+          </a:blip>
+          <a:srcRect/>
+          <a:stretch>
+            <a:fillRect/>
+          </a:stretch>
+        </p:blipFill>
+        <p:spPr bwMode="auto">
+          <a:xfrm>
+            <a:off x="4372506" y="3169456"/>
+            <a:ext cx="3362208" cy="1681104"/>
+          </a:xfrm>
+          <a:prstGeom prst="rect">
+            <a:avLst/>
+          </a:prstGeom>
+          <a:ln w="38100" cap="sq">
+            <a:solidFill>
+              <a:srgbClr val="000000"/>
+            </a:solidFill>
+            <a:prstDash val="solid"/>
+            <a:miter lim="800000"/>
+          </a:ln>
+          <a:effectLst>
+            <a:outerShdw blurRad="50800" dist="38100" dir="2700000" algn="tl" rotWithShape="0">
+              <a:srgbClr val="000000">
+                <a:alpha val="43000"/>
+              </a:srgbClr>
+            </a:outerShdw>
+          </a:effectLst>
+          <a:extLst>
+            <a:ext uri="{909E8E84-426E-40DD-AFC4-6F175D3DCCD1}">
+              <a14:hiddenFill xmlns:a14="http://schemas.microsoft.com/office/drawing/2010/main">
+                <a:solidFill>
+                  <a:srgbClr val="FFFFFF"/>
+                </a:solidFill>
+              </a14:hiddenFill>
+            </a:ext>
+          </a:extLst>
+        </p:spPr>
+      </p:pic>
+      <p:sp>
+        <p:nvSpPr>
+          <p:cNvPr id="5" name="Textfeld 4"/>
+          <p:cNvSpPr txBox="1"/>
+          <p:nvPr/>
+        </p:nvSpPr>
+        <p:spPr>
+          <a:xfrm>
+            <a:off x="4372506" y="5080673"/>
+            <a:ext cx="3045982" cy="1200329"/>
+          </a:xfrm>
+          <a:prstGeom prst="rect">
+            <a:avLst/>
+          </a:prstGeom>
+          <a:noFill/>
+        </p:spPr>
+        <p:txBody>
+          <a:bodyPr wrap="square" rtlCol="0">
+            <a:spAutoFit/>
+          </a:bodyPr>
+          <a:lstStyle/>
+          <a:p>
+            <a:r>
+              <a:rPr lang="de-DE" cap="all" spc="200" dirty="0">
+                <a:solidFill>
+                  <a:srgbClr val="262626"/>
+                </a:solidFill>
+                <a:latin typeface="Yu Gothic" panose="020B0400000000000000" pitchFamily="34" charset="-128"/>
+                <a:ea typeface="Yu Gothic" panose="020B0400000000000000" pitchFamily="34" charset="-128"/>
+                <a:cs typeface="Calibri Light" panose="020F0302020204030204" pitchFamily="34" charset="0"/>
+              </a:rPr>
+              <a:t>„Richtiges Lüften“ </a:t>
+            </a:r>
+            <a:r>
+              <a:rPr lang="de-DE" cap="all" spc="200" dirty="0">
+                <a:solidFill>
+                  <a:srgbClr val="262626"/>
+                </a:solidFill>
+                <a:latin typeface="Yu Gothic" panose="020B0400000000000000" pitchFamily="34" charset="-128"/>
+                <a:ea typeface="Yu Gothic" panose="020B0400000000000000" pitchFamily="34" charset="-128"/>
+                <a:cs typeface="Calibri Light" panose="020F0302020204030204" pitchFamily="34" charset="0"/>
+                <a:sym typeface="Wingdings" panose="05000000000000000000" pitchFamily="2" charset="2"/>
+              </a:rPr>
+              <a:t> Vermeidung von Schimmelbildung</a:t>
+            </a:r>
+          </a:p>
+          <a:p>
+            <a:r>
+              <a:rPr lang="de-DE" cap="all" spc="200" dirty="0">
+                <a:solidFill>
+                  <a:srgbClr val="262626"/>
+                </a:solidFill>
+                <a:latin typeface="Yu Gothic" panose="020B0400000000000000" pitchFamily="34" charset="-128"/>
+                <a:ea typeface="Yu Gothic" panose="020B0400000000000000" pitchFamily="34" charset="-128"/>
+                <a:cs typeface="Calibri Light" panose="020F0302020204030204" pitchFamily="34" charset="0"/>
+                <a:sym typeface="Wingdings" panose="05000000000000000000" pitchFamily="2" charset="2"/>
+              </a:rPr>
+              <a:t>[9]</a:t>
+            </a:r>
+            <a:endParaRPr lang="de-DE" cap="all" spc="200" dirty="0">
+              <a:solidFill>
+                <a:srgbClr val="262626"/>
+              </a:solidFill>
+              <a:latin typeface="Yu Gothic" panose="020B0400000000000000" pitchFamily="34" charset="-128"/>
+              <a:ea typeface="Yu Gothic" panose="020B0400000000000000" pitchFamily="34" charset="-128"/>
+              <a:cs typeface="Calibri Light" panose="020F0302020204030204" pitchFamily="34" charset="0"/>
+            </a:endParaRPr>
+          </a:p>
+        </p:txBody>
+      </p:sp>
+    </p:spTree>
+    <p:extLst>
+      <p:ext uri="{BB962C8B-B14F-4D97-AF65-F5344CB8AC3E}">
+        <p14:creationId xmlns:p14="http://schemas.microsoft.com/office/powerpoint/2010/main" val="1116018749"/>
+      </p:ext>
+    </p:extLst>
+  </p:cSld>
+  <p:clrMapOvr>
+    <a:masterClrMapping/>
+  </p:clrMapOvr>
+</p:sld>
+</file>
+
+<file path=ppt/slides/slide7.xml><?xml version="1.0" encoding="utf-8"?>
 <p:sld xmlns:a="http://schemas.openxmlformats.org/drawingml/2006/main" xmlns:r="http://schemas.openxmlformats.org/officeDocument/2006/relationships" xmlns:p="http://schemas.openxmlformats.org/presentationml/2006/main">
   <p:cSld>
     <p:spTree>
@@ -4619,7 +6426,7 @@
 </p:sld>
 </file>
 
-<file path=ppt/slides/slide6.xml><?xml version="1.0" encoding="utf-8"?>
+<file path=ppt/slides/slide8.xml><?xml version="1.0" encoding="utf-8"?>
 <p:sld xmlns:a="http://schemas.openxmlformats.org/drawingml/2006/main" xmlns:r="http://schemas.openxmlformats.org/officeDocument/2006/relationships" xmlns:p="http://schemas.openxmlformats.org/presentationml/2006/main">
   <p:cSld>
     <p:spTree>
@@ -4683,7 +6490,6 @@
               <a:rPr lang="de-DE" dirty="0"/>
               <a:t> (TO-DO: richtig einfügen!)</a:t>
             </a:r>
-            <a:endParaRPr lang="de-DE" dirty="0"/>
           </a:p>
         </p:txBody>
       </p:sp>
@@ -4754,535 +6560,6 @@
     <p:extLst>
       <p:ext uri="{BB962C8B-B14F-4D97-AF65-F5344CB8AC3E}">
         <p14:creationId xmlns:p14="http://schemas.microsoft.com/office/powerpoint/2010/main" val="226703483"/>
-      </p:ext>
-    </p:extLst>
-  </p:cSld>
-  <p:clrMapOvr>
-    <a:masterClrMapping/>
-  </p:clrMapOvr>
-</p:sld>
-</file>
-
-<file path=ppt/slides/slide7.xml><?xml version="1.0" encoding="utf-8"?>
-<p:sld xmlns:a="http://schemas.openxmlformats.org/drawingml/2006/main" xmlns:r="http://schemas.openxmlformats.org/officeDocument/2006/relationships" xmlns:p="http://schemas.openxmlformats.org/presentationml/2006/main">
-  <p:cSld>
-    <p:bg>
-      <p:bgPr>
-        <a:noFill/>
-        <a:effectLst/>
-      </p:bgPr>
-    </p:bg>
-    <p:spTree>
-      <p:nvGrpSpPr>
-        <p:cNvPr id="1" name=""/>
-        <p:cNvGrpSpPr/>
-        <p:nvPr/>
-      </p:nvGrpSpPr>
-      <p:grpSpPr>
-        <a:xfrm>
-          <a:off x="0" y="0"/>
-          <a:ext cx="0" cy="0"/>
-          <a:chOff x="0" y="0"/>
-          <a:chExt cx="0" cy="0"/>
-        </a:xfrm>
-      </p:grpSpPr>
-      <p:sp>
-        <p:nvSpPr>
-          <p:cNvPr id="2" name="Titel 1"/>
-          <p:cNvSpPr>
-            <a:spLocks noGrp="1"/>
-          </p:cNvSpPr>
-          <p:nvPr>
-            <p:ph type="title"/>
-          </p:nvPr>
-        </p:nvSpPr>
-        <p:spPr>
-          <a:xfrm>
-            <a:off x="2188746" y="1368191"/>
-            <a:ext cx="7729728" cy="1188720"/>
-          </a:xfrm>
-        </p:spPr>
-        <p:txBody>
-          <a:bodyPr/>
-          <a:lstStyle/>
-          <a:p>
-            <a:r>
-              <a:rPr lang="de-DE" dirty="0" err="1"/>
-              <a:t>Iot</a:t>
-            </a:r>
-            <a:r>
-              <a:rPr lang="de-DE" dirty="0"/>
-              <a:t> </a:t>
-            </a:r>
-            <a:r>
-              <a:rPr lang="de-DE" dirty="0" err="1"/>
-              <a:t>Platform</a:t>
-            </a:r>
-            <a:endParaRPr lang="de-DE" dirty="0"/>
-          </a:p>
-        </p:txBody>
-      </p:sp>
-      <p:sp>
-        <p:nvSpPr>
-          <p:cNvPr id="3" name="Inhaltsplatzhalter 2"/>
-          <p:cNvSpPr>
-            <a:spLocks noGrp="1"/>
-          </p:cNvSpPr>
-          <p:nvPr>
-            <p:ph idx="1"/>
-          </p:nvPr>
-        </p:nvSpPr>
-        <p:spPr>
-          <a:xfrm>
-            <a:off x="2188746" y="2665624"/>
-            <a:ext cx="7729728" cy="3101983"/>
-          </a:xfrm>
-        </p:spPr>
-        <p:txBody>
-          <a:bodyPr>
-            <a:normAutofit/>
-          </a:bodyPr>
-          <a:lstStyle/>
-          <a:p>
-            <a:r>
-              <a:rPr lang="de-DE" dirty="0" err="1"/>
-              <a:t>Adafruit</a:t>
-            </a:r>
-            <a:r>
-              <a:rPr lang="de-DE" dirty="0"/>
-              <a:t> Open Beta: </a:t>
-            </a:r>
-            <a:r>
-              <a:rPr lang="de-DE" dirty="0">
-                <a:hlinkClick r:id="rId2"/>
-              </a:rPr>
-              <a:t>https://io.adafruit.com/</a:t>
-            </a:r>
-            <a:r>
-              <a:rPr lang="de-DE" dirty="0"/>
-              <a:t> </a:t>
-            </a:r>
-          </a:p>
-          <a:p>
-            <a:pPr lvl="1"/>
-            <a:r>
-              <a:rPr lang="de-DE" dirty="0"/>
-              <a:t>~ 16,798 Benutzer</a:t>
-            </a:r>
-          </a:p>
-          <a:p>
-            <a:pPr lvl="1"/>
-            <a:r>
-              <a:rPr lang="de-DE" dirty="0"/>
-              <a:t>~ 75 </a:t>
-            </a:r>
-            <a:r>
-              <a:rPr lang="de-DE" dirty="0" err="1"/>
-              <a:t>insert</a:t>
-            </a:r>
-            <a:r>
-              <a:rPr lang="de-DE" dirty="0"/>
-              <a:t> per </a:t>
-            </a:r>
-            <a:r>
-              <a:rPr lang="de-DE" dirty="0" err="1"/>
-              <a:t>second</a:t>
-            </a:r>
-            <a:r>
-              <a:rPr lang="de-DE" dirty="0"/>
-              <a:t> via MQTT</a:t>
-            </a:r>
-          </a:p>
-          <a:p>
-            <a:pPr lvl="1"/>
-            <a:r>
-              <a:rPr lang="de-DE" dirty="0"/>
-              <a:t>~ 10 </a:t>
-            </a:r>
-            <a:r>
-              <a:rPr lang="de-DE" dirty="0" err="1"/>
-              <a:t>inserts</a:t>
-            </a:r>
-            <a:r>
-              <a:rPr lang="de-DE" dirty="0"/>
-              <a:t> per </a:t>
-            </a:r>
-            <a:r>
-              <a:rPr lang="de-DE" dirty="0" err="1"/>
-              <a:t>second</a:t>
-            </a:r>
-            <a:r>
-              <a:rPr lang="de-DE" dirty="0"/>
-              <a:t> via REST API</a:t>
-            </a:r>
-          </a:p>
-          <a:p>
-            <a:r>
-              <a:rPr lang="de-DE" dirty="0" err="1"/>
-              <a:t>Adafruit</a:t>
-            </a:r>
-            <a:r>
-              <a:rPr lang="de-DE" dirty="0"/>
-              <a:t>: </a:t>
-            </a:r>
-            <a:endParaRPr lang="de-DE" dirty="0"/>
-          </a:p>
-          <a:p>
-            <a:pPr lvl="1"/>
-            <a:r>
-              <a:rPr lang="de-DE" dirty="0"/>
-              <a:t>2005 Grundstein gelegt von MIT Hacker &amp; Ingenieur </a:t>
-            </a:r>
-            <a:r>
-              <a:rPr lang="de-DE" dirty="0" err="1"/>
-              <a:t>Limor</a:t>
-            </a:r>
-            <a:r>
-              <a:rPr lang="de-DE" dirty="0"/>
-              <a:t> „</a:t>
-            </a:r>
-            <a:r>
-              <a:rPr lang="de-DE" dirty="0" err="1"/>
-              <a:t>Ladyada</a:t>
-            </a:r>
-            <a:r>
-              <a:rPr lang="de-DE" dirty="0"/>
-              <a:t>“ Fried</a:t>
-            </a:r>
-          </a:p>
-          <a:p>
-            <a:pPr lvl="1"/>
-            <a:r>
-              <a:rPr lang="de-DE" dirty="0"/>
-              <a:t>„an electronic </a:t>
-            </a:r>
-            <a:r>
-              <a:rPr lang="de-DE" dirty="0" err="1"/>
-              <a:t>tutorial</a:t>
-            </a:r>
-            <a:r>
-              <a:rPr lang="de-DE" dirty="0"/>
-              <a:t> </a:t>
-            </a:r>
-            <a:r>
-              <a:rPr lang="de-DE" dirty="0" err="1"/>
-              <a:t>and</a:t>
-            </a:r>
-            <a:r>
-              <a:rPr lang="de-DE" dirty="0"/>
-              <a:t> </a:t>
-            </a:r>
-            <a:r>
-              <a:rPr lang="de-DE" dirty="0" err="1"/>
-              <a:t>learning</a:t>
-            </a:r>
-            <a:r>
-              <a:rPr lang="de-DE" dirty="0"/>
-              <a:t> </a:t>
-            </a:r>
-            <a:r>
-              <a:rPr lang="de-DE" dirty="0" err="1"/>
-              <a:t>company</a:t>
-            </a:r>
-            <a:r>
-              <a:rPr lang="de-DE" dirty="0"/>
-              <a:t> </a:t>
-            </a:r>
-            <a:r>
-              <a:rPr lang="de-DE" dirty="0" err="1"/>
-              <a:t>and</a:t>
-            </a:r>
-            <a:r>
-              <a:rPr lang="de-DE" dirty="0"/>
-              <a:t> </a:t>
-            </a:r>
-            <a:r>
-              <a:rPr lang="de-DE" dirty="0" err="1"/>
-              <a:t>we</a:t>
-            </a:r>
-            <a:r>
-              <a:rPr lang="de-DE" dirty="0"/>
-              <a:t> [</a:t>
-            </a:r>
-            <a:r>
-              <a:rPr lang="de-DE" dirty="0" err="1"/>
-              <a:t>adafruit</a:t>
-            </a:r>
-            <a:r>
-              <a:rPr lang="de-DE" dirty="0"/>
-              <a:t>] </a:t>
-            </a:r>
-            <a:r>
-              <a:rPr lang="de-DE" dirty="0" err="1"/>
-              <a:t>have</a:t>
-            </a:r>
-            <a:r>
-              <a:rPr lang="de-DE" dirty="0"/>
-              <a:t> a </a:t>
-            </a:r>
-            <a:r>
-              <a:rPr lang="de-DE" dirty="0" err="1"/>
-              <a:t>gift</a:t>
-            </a:r>
-            <a:r>
-              <a:rPr lang="de-DE" dirty="0"/>
-              <a:t> </a:t>
-            </a:r>
-            <a:r>
-              <a:rPr lang="de-DE" dirty="0" err="1"/>
-              <a:t>shop</a:t>
-            </a:r>
-            <a:r>
-              <a:rPr lang="de-DE" dirty="0"/>
-              <a:t> at </a:t>
-            </a:r>
-            <a:r>
-              <a:rPr lang="de-DE" dirty="0" err="1"/>
-              <a:t>the</a:t>
-            </a:r>
-            <a:r>
-              <a:rPr lang="de-DE" dirty="0"/>
-              <a:t> end“ –</a:t>
-            </a:r>
-            <a:r>
-              <a:rPr lang="de-DE" dirty="0" err="1"/>
-              <a:t>Limor</a:t>
-            </a:r>
-            <a:r>
-              <a:rPr lang="de-DE" dirty="0"/>
-              <a:t> Fried, </a:t>
-            </a:r>
-            <a:r>
-              <a:rPr lang="de-DE" dirty="0" err="1"/>
-              <a:t>Founder</a:t>
-            </a:r>
-            <a:r>
-              <a:rPr lang="de-DE" dirty="0"/>
-              <a:t> </a:t>
-            </a:r>
-            <a:r>
-              <a:rPr lang="de-DE" dirty="0" err="1"/>
-              <a:t>of</a:t>
-            </a:r>
-            <a:r>
-              <a:rPr lang="de-DE" dirty="0"/>
-              <a:t> </a:t>
-            </a:r>
-            <a:r>
-              <a:rPr lang="de-DE" dirty="0" err="1"/>
-              <a:t>Adafruit</a:t>
-            </a:r>
-            <a:endParaRPr lang="de-DE" dirty="0"/>
-          </a:p>
-          <a:p>
-            <a:pPr marL="0" indent="0">
-              <a:buNone/>
-            </a:pPr>
-            <a:endParaRPr lang="de-DE" dirty="0"/>
-          </a:p>
-        </p:txBody>
-      </p:sp>
-      <p:pic>
-        <p:nvPicPr>
-          <p:cNvPr id="3074" name="Picture 2" descr="Adafruit Logo"/>
-          <p:cNvPicPr>
-            <a:picLocks noChangeAspect="1" noChangeArrowheads="1"/>
-          </p:cNvPicPr>
-          <p:nvPr/>
-        </p:nvPicPr>
-        <p:blipFill>
-          <a:blip r:embed="rId3">
-            <a:extLst>
-              <a:ext uri="{28A0092B-C50C-407E-A947-70E740481C1C}">
-                <a14:useLocalDpi xmlns:a14="http://schemas.microsoft.com/office/drawing/2010/main" val="0"/>
-              </a:ext>
-            </a:extLst>
-          </a:blip>
-          <a:srcRect/>
-          <a:stretch>
-            <a:fillRect/>
-          </a:stretch>
-        </p:blipFill>
-        <p:spPr bwMode="auto">
-          <a:xfrm>
-            <a:off x="242856" y="5512863"/>
-            <a:ext cx="3276600" cy="1143000"/>
-          </a:xfrm>
-          <a:prstGeom prst="rect">
-            <a:avLst/>
-          </a:prstGeom>
-          <a:noFill/>
-          <a:extLst>
-            <a:ext uri="{909E8E84-426E-40DD-AFC4-6F175D3DCCD1}">
-              <a14:hiddenFill xmlns:a14="http://schemas.microsoft.com/office/drawing/2010/main">
-                <a:solidFill>
-                  <a:srgbClr val="FFFFFF"/>
-                </a:solidFill>
-              </a14:hiddenFill>
-            </a:ext>
-          </a:extLst>
-        </p:spPr>
-      </p:pic>
-      <p:sp>
-        <p:nvSpPr>
-          <p:cNvPr id="5" name="Textfeld 4"/>
-          <p:cNvSpPr txBox="1"/>
-          <p:nvPr/>
-        </p:nvSpPr>
-        <p:spPr>
-          <a:xfrm>
-            <a:off x="10048307" y="6286531"/>
-            <a:ext cx="1489685" cy="369332"/>
-          </a:xfrm>
-          <a:prstGeom prst="rect">
-            <a:avLst/>
-          </a:prstGeom>
-          <a:noFill/>
-        </p:spPr>
-        <p:txBody>
-          <a:bodyPr wrap="square" rtlCol="0">
-            <a:spAutoFit/>
-          </a:bodyPr>
-          <a:lstStyle/>
-          <a:p>
-            <a:r>
-              <a:rPr lang="de-DE" dirty="0">
-                <a:solidFill>
-                  <a:schemeClr val="tx1">
-                    <a:lumMod val="85000"/>
-                    <a:lumOff val="15000"/>
-                  </a:schemeClr>
-                </a:solidFill>
-                <a:latin typeface="Yu Gothic" panose="020B0400000000000000" pitchFamily="34" charset="-128"/>
-                <a:ea typeface="Yu Gothic" panose="020B0400000000000000" pitchFamily="34" charset="-128"/>
-                <a:cs typeface="Calibri Light" panose="020F0302020204030204" pitchFamily="34" charset="0"/>
-              </a:rPr>
-              <a:t>[5][6]</a:t>
-            </a:r>
-          </a:p>
-        </p:txBody>
-      </p:sp>
-      <p:sp>
-        <p:nvSpPr>
-          <p:cNvPr id="6" name="Textfeld 5"/>
-          <p:cNvSpPr txBox="1"/>
-          <p:nvPr/>
-        </p:nvSpPr>
-        <p:spPr>
-          <a:xfrm>
-            <a:off x="4106978" y="6286531"/>
-            <a:ext cx="1489685" cy="369332"/>
-          </a:xfrm>
-          <a:prstGeom prst="rect">
-            <a:avLst/>
-          </a:prstGeom>
-          <a:noFill/>
-        </p:spPr>
-        <p:txBody>
-          <a:bodyPr wrap="square" rtlCol="0">
-            <a:spAutoFit/>
-          </a:bodyPr>
-          <a:lstStyle/>
-          <a:p>
-            <a:r>
-              <a:rPr lang="de-DE" dirty="0">
-                <a:solidFill>
-                  <a:schemeClr val="tx1">
-                    <a:lumMod val="85000"/>
-                    <a:lumOff val="15000"/>
-                  </a:schemeClr>
-                </a:solidFill>
-                <a:latin typeface="Yu Gothic" panose="020B0400000000000000" pitchFamily="34" charset="-128"/>
-                <a:ea typeface="Yu Gothic" panose="020B0400000000000000" pitchFamily="34" charset="-128"/>
-                <a:cs typeface="Calibri Light" panose="020F0302020204030204" pitchFamily="34" charset="0"/>
-              </a:rPr>
-              <a:t>[7]</a:t>
-            </a:r>
-          </a:p>
-        </p:txBody>
-      </p:sp>
-    </p:spTree>
-    <p:extLst>
-      <p:ext uri="{BB962C8B-B14F-4D97-AF65-F5344CB8AC3E}">
-        <p14:creationId xmlns:p14="http://schemas.microsoft.com/office/powerpoint/2010/main" val="1633079539"/>
-      </p:ext>
-    </p:extLst>
-  </p:cSld>
-  <p:clrMapOvr>
-    <a:masterClrMapping/>
-  </p:clrMapOvr>
-</p:sld>
-</file>
-
-<file path=ppt/slides/slide8.xml><?xml version="1.0" encoding="utf-8"?>
-<p:sld xmlns:a="http://schemas.openxmlformats.org/drawingml/2006/main" xmlns:r="http://schemas.openxmlformats.org/officeDocument/2006/relationships" xmlns:p="http://schemas.openxmlformats.org/presentationml/2006/main">
-  <p:cSld>
-    <p:spTree>
-      <p:nvGrpSpPr>
-        <p:cNvPr id="1" name=""/>
-        <p:cNvGrpSpPr/>
-        <p:nvPr/>
-      </p:nvGrpSpPr>
-      <p:grpSpPr>
-        <a:xfrm>
-          <a:off x="0" y="0"/>
-          <a:ext cx="0" cy="0"/>
-          <a:chOff x="0" y="0"/>
-          <a:chExt cx="0" cy="0"/>
-        </a:xfrm>
-      </p:grpSpPr>
-      <p:sp>
-        <p:nvSpPr>
-          <p:cNvPr id="2" name="Titel 1"/>
-          <p:cNvSpPr>
-            <a:spLocks noGrp="1"/>
-          </p:cNvSpPr>
-          <p:nvPr>
-            <p:ph type="title"/>
-          </p:nvPr>
-        </p:nvSpPr>
-        <p:spPr/>
-        <p:txBody>
-          <a:bodyPr/>
-          <a:lstStyle/>
-          <a:p>
-            <a:r>
-              <a:rPr lang="de-DE" dirty="0"/>
-              <a:t>ADAFRUIT IO </a:t>
-            </a:r>
-          </a:p>
-        </p:txBody>
-      </p:sp>
-      <p:pic>
-        <p:nvPicPr>
-          <p:cNvPr id="4" name="Inhaltsplatzhalter 3"/>
-          <p:cNvPicPr>
-            <a:picLocks noGrp="1" noChangeAspect="1"/>
-          </p:cNvPicPr>
-          <p:nvPr>
-            <p:ph idx="1"/>
-          </p:nvPr>
-        </p:nvPicPr>
-        <p:blipFill>
-          <a:blip r:embed="rId2"/>
-          <a:stretch>
-            <a:fillRect/>
-          </a:stretch>
-        </p:blipFill>
-        <p:spPr>
-          <a:xfrm>
-            <a:off x="2188746" y="3089674"/>
-            <a:ext cx="6794021" cy="3101975"/>
-          </a:xfrm>
-          <a:prstGeom prst="rect">
-            <a:avLst/>
-          </a:prstGeom>
-        </p:spPr>
-      </p:pic>
-    </p:spTree>
-    <p:extLst>
-      <p:ext uri="{BB962C8B-B14F-4D97-AF65-F5344CB8AC3E}">
-        <p14:creationId xmlns:p14="http://schemas.microsoft.com/office/powerpoint/2010/main" val="1016768021"/>
       </p:ext>
     </p:extLst>
   </p:cSld>
@@ -5326,213 +6603,65 @@
           <a:p>
             <a:r>
               <a:rPr lang="de-DE" dirty="0"/>
-              <a:t>Quellen</a:t>
-            </a:r>
-          </a:p>
-        </p:txBody>
-      </p:sp>
-      <p:sp>
-        <p:nvSpPr>
-          <p:cNvPr id="3" name="Inhaltsplatzhalter 2"/>
-          <p:cNvSpPr>
-            <a:spLocks noGrp="1"/>
-          </p:cNvSpPr>
+              <a:t>Installationen – BOARD DUE</a:t>
+            </a:r>
+          </a:p>
+        </p:txBody>
+      </p:sp>
+      <p:pic>
+        <p:nvPicPr>
+          <p:cNvPr id="6" name="Inhaltsplatzhalter 5"/>
+          <p:cNvPicPr>
+            <a:picLocks noGrp="1" noChangeAspect="1"/>
+          </p:cNvPicPr>
           <p:nvPr>
             <p:ph idx="1"/>
           </p:nvPr>
-        </p:nvSpPr>
-        <p:spPr/>
-        <p:txBody>
-          <a:bodyPr>
-            <a:normAutofit fontScale="85000" lnSpcReduction="10000"/>
-          </a:bodyPr>
-          <a:lstStyle/>
-          <a:p>
-            <a:pPr marL="0" indent="0">
-              <a:buNone/>
-            </a:pPr>
-            <a:r>
-              <a:rPr lang="de-DE" dirty="0"/>
-              <a:t>[1] </a:t>
-            </a:r>
-            <a:r>
-              <a:rPr lang="de-DE" dirty="0">
-                <a:hlinkClick r:id="rId2"/>
-              </a:rPr>
-              <a:t>http://blog.gemalto.com/wp-content/uploads/2015/01/M2M-world-of-connected-services.jpg</a:t>
-            </a:r>
-            <a:r>
-              <a:rPr lang="de-DE" dirty="0"/>
-              <a:t> 05.11.2016</a:t>
-            </a:r>
-            <a:endParaRPr lang="de-DE" dirty="0"/>
-          </a:p>
-          <a:p>
-            <a:pPr marL="0" indent="0">
-              <a:buNone/>
-            </a:pPr>
-            <a:r>
-              <a:rPr lang="de-DE" dirty="0"/>
-              <a:t>[2] </a:t>
-            </a:r>
-            <a:r>
-              <a:rPr lang="de-DE" dirty="0">
-                <a:hlinkClick r:id="rId3"/>
-              </a:rPr>
-              <a:t>http://howtomechatronics.com/wp-content/uploads/2016/01/DHT11-DDHT22-Working-Principle.png?x57244</a:t>
-            </a:r>
-            <a:r>
-              <a:rPr lang="de-DE" dirty="0"/>
-              <a:t> 05.11.2016 </a:t>
-            </a:r>
-            <a:endParaRPr lang="de-DE" dirty="0"/>
-          </a:p>
-          <a:p>
-            <a:pPr marL="0" indent="0">
-              <a:buNone/>
-            </a:pPr>
-            <a:r>
-              <a:rPr lang="de-DE" dirty="0"/>
-              <a:t>[3] </a:t>
-            </a:r>
-            <a:r>
-              <a:rPr lang="de-DE" dirty="0">
-                <a:hlinkClick r:id="rId4"/>
-              </a:rPr>
-              <a:t>http://ic4l.net/wp-content/uploads/dht11-module-300x300.png</a:t>
-            </a:r>
-            <a:r>
-              <a:rPr lang="de-DE" dirty="0"/>
-              <a:t> 05.11.2016</a:t>
-            </a:r>
-            <a:endParaRPr lang="de-DE" dirty="0"/>
-          </a:p>
-          <a:p>
-            <a:pPr marL="0" indent="0">
-              <a:buNone/>
-            </a:pPr>
-            <a:r>
-              <a:rPr lang="de-DE" dirty="0"/>
-              <a:t>[4] DHT11 </a:t>
-            </a:r>
-            <a:r>
-              <a:rPr lang="de-DE" dirty="0" err="1"/>
-              <a:t>Humidity</a:t>
-            </a:r>
-            <a:r>
-              <a:rPr lang="de-DE" dirty="0"/>
-              <a:t> &amp; </a:t>
-            </a:r>
-            <a:r>
-              <a:rPr lang="de-DE" dirty="0" err="1"/>
-              <a:t>Temperature</a:t>
-            </a:r>
-            <a:r>
-              <a:rPr lang="de-DE" dirty="0"/>
-              <a:t> Sensor D-</a:t>
-            </a:r>
-            <a:r>
-              <a:rPr lang="de-DE" dirty="0" err="1"/>
-              <a:t>Robotics</a:t>
-            </a:r>
-            <a:r>
-              <a:rPr lang="de-DE" dirty="0"/>
-              <a:t> UK, </a:t>
-            </a:r>
-            <a:r>
-              <a:rPr lang="de-DE" dirty="0"/>
-              <a:t>D-</a:t>
-            </a:r>
-            <a:r>
-              <a:rPr lang="de-DE" dirty="0" err="1"/>
-              <a:t>Robotics</a:t>
-            </a:r>
-            <a:r>
-              <a:rPr lang="de-DE" dirty="0"/>
-              <a:t> 7/30/2010</a:t>
-            </a:r>
-            <a:r>
-              <a:rPr lang="de-DE" dirty="0"/>
-              <a:t> </a:t>
-            </a:r>
-            <a:r>
-              <a:rPr lang="de-DE" dirty="0">
-                <a:hlinkClick r:id="rId5"/>
-              </a:rPr>
-              <a:t>http://www.micropik.com/PDF/dht11.pdf</a:t>
-            </a:r>
-            <a:r>
-              <a:rPr lang="de-DE" dirty="0"/>
-              <a:t> Seite XX, Absatz XX 05.11.2016</a:t>
-            </a:r>
-            <a:endParaRPr lang="de-DE" dirty="0"/>
-          </a:p>
-          <a:p>
-            <a:pPr marL="0" indent="0">
-              <a:buNone/>
-            </a:pPr>
-            <a:r>
-              <a:rPr lang="de-DE" dirty="0"/>
-              <a:t>[5] </a:t>
-            </a:r>
-            <a:r>
-              <a:rPr lang="de-DE" dirty="0">
-                <a:hlinkClick r:id="rId6"/>
-              </a:rPr>
-              <a:t>https://youtu.be/VelviRLkUeo</a:t>
-            </a:r>
-            <a:r>
-              <a:rPr lang="de-DE" dirty="0"/>
-              <a:t> 05.11.2016</a:t>
-            </a:r>
-            <a:endParaRPr lang="de-DE" dirty="0"/>
-          </a:p>
-          <a:p>
-            <a:pPr marL="0" indent="0">
-              <a:buNone/>
-            </a:pPr>
-            <a:r>
-              <a:rPr lang="de-DE" dirty="0"/>
-              <a:t>[6] </a:t>
-            </a:r>
-            <a:r>
-              <a:rPr lang="de-DE" dirty="0">
-                <a:hlinkClick r:id="rId7"/>
-              </a:rPr>
-              <a:t>https://www.adafruit.com/about</a:t>
-            </a:r>
-            <a:r>
-              <a:rPr lang="de-DE" dirty="0"/>
-              <a:t> 05.11.2016</a:t>
-            </a:r>
-            <a:endParaRPr lang="de-DE" dirty="0"/>
-          </a:p>
-          <a:p>
-            <a:pPr marL="0" indent="0">
-              <a:buNone/>
-            </a:pPr>
-            <a:r>
-              <a:rPr lang="de-DE" dirty="0"/>
-              <a:t>[7] </a:t>
-            </a:r>
-            <a:r>
-              <a:rPr lang="de-DE" dirty="0">
-                <a:hlinkClick r:id="rId8"/>
-              </a:rPr>
-              <a:t>https://io.adafruit.com/logos/logo_2x.png</a:t>
-            </a:r>
-            <a:r>
-              <a:rPr lang="de-DE" dirty="0"/>
-              <a:t> 05.11.2016</a:t>
-            </a:r>
-            <a:endParaRPr lang="de-DE" dirty="0"/>
-          </a:p>
-        </p:txBody>
-      </p:sp>
+        </p:nvPicPr>
+        <p:blipFill>
+          <a:blip r:embed="rId2"/>
+          <a:stretch>
+            <a:fillRect/>
+          </a:stretch>
+        </p:blipFill>
+        <p:spPr>
+          <a:xfrm>
+            <a:off x="1350120" y="2987213"/>
+            <a:ext cx="3717634" cy="3101975"/>
+          </a:xfrm>
+          <a:prstGeom prst="rect">
+            <a:avLst/>
+          </a:prstGeom>
+        </p:spPr>
+      </p:pic>
+      <p:pic>
+        <p:nvPicPr>
+          <p:cNvPr id="9" name="Grafik 8"/>
+          <p:cNvPicPr>
+            <a:picLocks noChangeAspect="1"/>
+          </p:cNvPicPr>
+          <p:nvPr/>
+        </p:nvPicPr>
+        <p:blipFill>
+          <a:blip r:embed="rId3"/>
+          <a:stretch>
+            <a:fillRect/>
+          </a:stretch>
+        </p:blipFill>
+        <p:spPr>
+          <a:xfrm>
+            <a:off x="5604202" y="2987213"/>
+            <a:ext cx="5411551" cy="3077428"/>
+          </a:xfrm>
+          <a:prstGeom prst="rect">
+            <a:avLst/>
+          </a:prstGeom>
+        </p:spPr>
+      </p:pic>
     </p:spTree>
     <p:extLst>
       <p:ext uri="{BB962C8B-B14F-4D97-AF65-F5344CB8AC3E}">
-        <p14:creationId xmlns:p14="http://schemas.microsoft.com/office/powerpoint/2010/main" val="2467890872"/>
+        <p14:creationId xmlns:p14="http://schemas.microsoft.com/office/powerpoint/2010/main" val="1809253400"/>
       </p:ext>
     </p:extLst>
   </p:cSld>

--- a/PES.pptx
+++ b/PES.pptx
@@ -16,13 +16,19 @@
     <p:sldId id="271" r:id="rId10"/>
     <p:sldId id="272" r:id="rId11"/>
     <p:sldId id="273" r:id="rId12"/>
-    <p:sldId id="270" r:id="rId13"/>
-    <p:sldId id="262" r:id="rId14"/>
-    <p:sldId id="264" r:id="rId15"/>
-    <p:sldId id="267" r:id="rId16"/>
-    <p:sldId id="268" r:id="rId17"/>
-    <p:sldId id="269" r:id="rId18"/>
-    <p:sldId id="263" r:id="rId19"/>
+    <p:sldId id="274" r:id="rId13"/>
+    <p:sldId id="277" r:id="rId14"/>
+    <p:sldId id="278" r:id="rId15"/>
+    <p:sldId id="279" r:id="rId16"/>
+    <p:sldId id="270" r:id="rId17"/>
+    <p:sldId id="262" r:id="rId18"/>
+    <p:sldId id="264" r:id="rId19"/>
+    <p:sldId id="267" r:id="rId20"/>
+    <p:sldId id="268" r:id="rId21"/>
+    <p:sldId id="269" r:id="rId22"/>
+    <p:sldId id="275" r:id="rId23"/>
+    <p:sldId id="276" r:id="rId24"/>
+    <p:sldId id="263" r:id="rId25"/>
   </p:sldIdLst>
   <p:sldSz cx="12192000" cy="6858000"/>
   <p:notesSz cx="6858000" cy="9144000"/>
@@ -292,7 +298,7 @@
           <a:p>
             <a:fld id="{86EDB6B8-2465-4E54-AD90-CE977215BECC}" type="datetimeFigureOut">
               <a:rPr lang="de-DE" smtClean="0"/>
-              <a:t>06.11.2016</a:t>
+              <a:t>08.11.2016</a:t>
             </a:fld>
             <a:endParaRPr lang="de-DE"/>
           </a:p>
@@ -462,7 +468,7 @@
           <a:p>
             <a:fld id="{86EDB6B8-2465-4E54-AD90-CE977215BECC}" type="datetimeFigureOut">
               <a:rPr lang="de-DE" smtClean="0"/>
-              <a:t>06.11.2016</a:t>
+              <a:t>08.11.2016</a:t>
             </a:fld>
             <a:endParaRPr lang="de-DE"/>
           </a:p>
@@ -642,7 +648,7 @@
           <a:p>
             <a:fld id="{86EDB6B8-2465-4E54-AD90-CE977215BECC}" type="datetimeFigureOut">
               <a:rPr lang="de-DE" smtClean="0"/>
-              <a:t>06.11.2016</a:t>
+              <a:t>08.11.2016</a:t>
             </a:fld>
             <a:endParaRPr lang="de-DE"/>
           </a:p>
@@ -875,7 +881,7 @@
             <a:fld id="{86EDB6B8-2465-4E54-AD90-CE977215BECC}" type="datetimeFigureOut">
               <a:rPr lang="de-DE" smtClean="0"/>
               <a:pPr/>
-              <a:t>06.11.2016</a:t>
+              <a:t>08.11.2016</a:t>
             </a:fld>
             <a:endParaRPr lang="de-DE"/>
           </a:p>
@@ -1201,7 +1207,7 @@
           <a:p>
             <a:fld id="{86EDB6B8-2465-4E54-AD90-CE977215BECC}" type="datetimeFigureOut">
               <a:rPr lang="de-DE" smtClean="0"/>
-              <a:t>06.11.2016</a:t>
+              <a:t>08.11.2016</a:t>
             </a:fld>
             <a:endParaRPr lang="de-DE"/>
           </a:p>
@@ -1433,7 +1439,7 @@
           <a:p>
             <a:fld id="{86EDB6B8-2465-4E54-AD90-CE977215BECC}" type="datetimeFigureOut">
               <a:rPr lang="de-DE" smtClean="0"/>
-              <a:t>06.11.2016</a:t>
+              <a:t>08.11.2016</a:t>
             </a:fld>
             <a:endParaRPr lang="de-DE"/>
           </a:p>
@@ -1792,7 +1798,7 @@
           <a:p>
             <a:fld id="{86EDB6B8-2465-4E54-AD90-CE977215BECC}" type="datetimeFigureOut">
               <a:rPr lang="de-DE" smtClean="0"/>
-              <a:t>06.11.2016</a:t>
+              <a:t>08.11.2016</a:t>
             </a:fld>
             <a:endParaRPr lang="de-DE"/>
           </a:p>
@@ -1933,7 +1939,7 @@
           <a:p>
             <a:fld id="{86EDB6B8-2465-4E54-AD90-CE977215BECC}" type="datetimeFigureOut">
               <a:rPr lang="de-DE" smtClean="0"/>
-              <a:t>06.11.2016</a:t>
+              <a:t>08.11.2016</a:t>
             </a:fld>
             <a:endParaRPr lang="de-DE"/>
           </a:p>
@@ -2028,7 +2034,7 @@
           <a:p>
             <a:fld id="{86EDB6B8-2465-4E54-AD90-CE977215BECC}" type="datetimeFigureOut">
               <a:rPr lang="de-DE" smtClean="0"/>
-              <a:t>06.11.2016</a:t>
+              <a:t>08.11.2016</a:t>
             </a:fld>
             <a:endParaRPr lang="de-DE"/>
           </a:p>
@@ -2385,7 +2391,7 @@
           <a:p>
             <a:fld id="{86EDB6B8-2465-4E54-AD90-CE977215BECC}" type="datetimeFigureOut">
               <a:rPr lang="de-DE" smtClean="0"/>
-              <a:t>06.11.2016</a:t>
+              <a:t>08.11.2016</a:t>
             </a:fld>
             <a:endParaRPr lang="de-DE"/>
           </a:p>
@@ -2742,7 +2748,7 @@
           <a:p>
             <a:fld id="{86EDB6B8-2465-4E54-AD90-CE977215BECC}" type="datetimeFigureOut">
               <a:rPr lang="de-DE" smtClean="0"/>
-              <a:t>06.11.2016</a:t>
+              <a:t>08.11.2016</a:t>
             </a:fld>
             <a:endParaRPr lang="de-DE"/>
           </a:p>
@@ -2983,7 +2989,7 @@
           <a:p>
             <a:fld id="{86EDB6B8-2465-4E54-AD90-CE977215BECC}" type="datetimeFigureOut">
               <a:rPr lang="de-DE" smtClean="0"/>
-              <a:t>06.11.2016</a:t>
+              <a:t>08.11.2016</a:t>
             </a:fld>
             <a:endParaRPr lang="de-DE"/>
           </a:p>
@@ -3567,6 +3573,13 @@
   <p:clrMapOvr>
     <a:masterClrMapping/>
   </p:clrMapOvr>
+  <p:timing>
+    <p:tnLst>
+      <p:par>
+        <p:cTn id="1" dur="indefinite" restart="never" nodeType="tmRoot"/>
+      </p:par>
+    </p:tnLst>
+  </p:timing>
 </p:sld>
 </file>
 
@@ -3641,8 +3654,203 @@
           <a:prstGeom prst="rect">
             <a:avLst/>
           </a:prstGeom>
+          <a:ln w="38100" cap="sq">
+            <a:solidFill>
+              <a:srgbClr val="000000"/>
+            </a:solidFill>
+            <a:prstDash val="solid"/>
+            <a:miter lim="800000"/>
+          </a:ln>
+          <a:effectLst>
+            <a:outerShdw blurRad="50800" dist="38100" dir="2700000" algn="tl" rotWithShape="0">
+              <a:srgbClr val="000000">
+                <a:alpha val="43000"/>
+              </a:srgbClr>
+            </a:outerShdw>
+          </a:effectLst>
         </p:spPr>
       </p:pic>
+      <p:sp>
+        <p:nvSpPr>
+          <p:cNvPr id="3" name="Textfeld 2"/>
+          <p:cNvSpPr txBox="1"/>
+          <p:nvPr/>
+        </p:nvSpPr>
+        <p:spPr>
+          <a:xfrm>
+            <a:off x="6051665" y="2930959"/>
+            <a:ext cx="4929448" cy="646331"/>
+          </a:xfrm>
+          <a:prstGeom prst="rect">
+            <a:avLst/>
+          </a:prstGeom>
+          <a:noFill/>
+        </p:spPr>
+        <p:txBody>
+          <a:bodyPr wrap="square" rtlCol="0">
+            <a:spAutoFit/>
+          </a:bodyPr>
+          <a:lstStyle/>
+          <a:p>
+            <a:pPr marL="285750" indent="-285750">
+              <a:buFont typeface="Wingdings" panose="05000000000000000000" pitchFamily="2" charset="2"/>
+              <a:buChar char="à"/>
+            </a:pPr>
+            <a:r>
+              <a:rPr lang="de-DE" dirty="0">
+                <a:solidFill>
+                  <a:schemeClr val="tx1">
+                    <a:lumMod val="85000"/>
+                    <a:lumOff val="15000"/>
+                  </a:schemeClr>
+                </a:solidFill>
+                <a:latin typeface="Yu Gothic" panose="020B0400000000000000" pitchFamily="34" charset="-128"/>
+                <a:ea typeface="Yu Gothic" panose="020B0400000000000000" pitchFamily="34" charset="-128"/>
+                <a:cs typeface="Calibri Light" panose="020F0302020204030204" pitchFamily="34" charset="0"/>
+                <a:sym typeface="Wingdings" panose="05000000000000000000" pitchFamily="2" charset="2"/>
+              </a:rPr>
+              <a:t>Board „</a:t>
+            </a:r>
+            <a:r>
+              <a:rPr lang="de-DE" dirty="0" err="1">
+                <a:solidFill>
+                  <a:schemeClr val="tx1">
+                    <a:lumMod val="85000"/>
+                    <a:lumOff val="15000"/>
+                  </a:schemeClr>
+                </a:solidFill>
+                <a:latin typeface="Yu Gothic" panose="020B0400000000000000" pitchFamily="34" charset="-128"/>
+                <a:ea typeface="Yu Gothic" panose="020B0400000000000000" pitchFamily="34" charset="-128"/>
+                <a:cs typeface="Calibri Light" panose="020F0302020204030204" pitchFamily="34" charset="0"/>
+                <a:sym typeface="Wingdings" panose="05000000000000000000" pitchFamily="2" charset="2"/>
+              </a:rPr>
+              <a:t>Arduino</a:t>
+            </a:r>
+            <a:r>
+              <a:rPr lang="de-DE" dirty="0">
+                <a:solidFill>
+                  <a:schemeClr val="tx1">
+                    <a:lumMod val="85000"/>
+                    <a:lumOff val="15000"/>
+                  </a:schemeClr>
+                </a:solidFill>
+                <a:latin typeface="Yu Gothic" panose="020B0400000000000000" pitchFamily="34" charset="-128"/>
+                <a:ea typeface="Yu Gothic" panose="020B0400000000000000" pitchFamily="34" charset="-128"/>
+                <a:cs typeface="Calibri Light" panose="020F0302020204030204" pitchFamily="34" charset="0"/>
+                <a:sym typeface="Wingdings" panose="05000000000000000000" pitchFamily="2" charset="2"/>
+              </a:rPr>
+              <a:t> Due (</a:t>
+            </a:r>
+            <a:r>
+              <a:rPr lang="de-DE" dirty="0" err="1">
+                <a:solidFill>
+                  <a:schemeClr val="tx1">
+                    <a:lumMod val="85000"/>
+                    <a:lumOff val="15000"/>
+                  </a:schemeClr>
+                </a:solidFill>
+                <a:latin typeface="Yu Gothic" panose="020B0400000000000000" pitchFamily="34" charset="-128"/>
+                <a:ea typeface="Yu Gothic" panose="020B0400000000000000" pitchFamily="34" charset="-128"/>
+                <a:cs typeface="Calibri Light" panose="020F0302020204030204" pitchFamily="34" charset="0"/>
+                <a:sym typeface="Wingdings" panose="05000000000000000000" pitchFamily="2" charset="2"/>
+              </a:rPr>
+              <a:t>Programming</a:t>
+            </a:r>
+            <a:r>
+              <a:rPr lang="de-DE" dirty="0">
+                <a:solidFill>
+                  <a:schemeClr val="tx1">
+                    <a:lumMod val="85000"/>
+                    <a:lumOff val="15000"/>
+                  </a:schemeClr>
+                </a:solidFill>
+                <a:latin typeface="Yu Gothic" panose="020B0400000000000000" pitchFamily="34" charset="-128"/>
+                <a:ea typeface="Yu Gothic" panose="020B0400000000000000" pitchFamily="34" charset="-128"/>
+                <a:cs typeface="Calibri Light" panose="020F0302020204030204" pitchFamily="34" charset="0"/>
+                <a:sym typeface="Wingdings" panose="05000000000000000000" pitchFamily="2" charset="2"/>
+              </a:rPr>
+              <a:t> Port)</a:t>
+            </a:r>
+          </a:p>
+          <a:p>
+            <a:pPr marL="742950" lvl="1" indent="-285750">
+              <a:buFont typeface="Wingdings" panose="05000000000000000000" pitchFamily="2" charset="2"/>
+              <a:buChar char="à"/>
+            </a:pPr>
+            <a:r>
+              <a:rPr lang="de-DE" dirty="0" err="1">
+                <a:solidFill>
+                  <a:schemeClr val="tx1">
+                    <a:lumMod val="85000"/>
+                    <a:lumOff val="15000"/>
+                  </a:schemeClr>
+                </a:solidFill>
+                <a:latin typeface="Yu Gothic" panose="020B0400000000000000" pitchFamily="34" charset="-128"/>
+                <a:ea typeface="Yu Gothic" panose="020B0400000000000000" pitchFamily="34" charset="-128"/>
+                <a:cs typeface="Calibri Light" panose="020F0302020204030204" pitchFamily="34" charset="0"/>
+                <a:sym typeface="Wingdings" panose="05000000000000000000" pitchFamily="2" charset="2"/>
+              </a:rPr>
+              <a:t>Arduino</a:t>
+            </a:r>
+            <a:r>
+              <a:rPr lang="de-DE" dirty="0">
+                <a:solidFill>
+                  <a:schemeClr val="tx1">
+                    <a:lumMod val="85000"/>
+                    <a:lumOff val="15000"/>
+                  </a:schemeClr>
+                </a:solidFill>
+                <a:latin typeface="Yu Gothic" panose="020B0400000000000000" pitchFamily="34" charset="-128"/>
+                <a:ea typeface="Yu Gothic" panose="020B0400000000000000" pitchFamily="34" charset="-128"/>
+                <a:cs typeface="Calibri Light" panose="020F0302020204030204" pitchFamily="34" charset="0"/>
+                <a:sym typeface="Wingdings" panose="05000000000000000000" pitchFamily="2" charset="2"/>
+              </a:rPr>
+              <a:t> Due (</a:t>
+            </a:r>
+            <a:r>
+              <a:rPr lang="de-DE" dirty="0" err="1">
+                <a:solidFill>
+                  <a:schemeClr val="tx1">
+                    <a:lumMod val="85000"/>
+                    <a:lumOff val="15000"/>
+                  </a:schemeClr>
+                </a:solidFill>
+                <a:latin typeface="Yu Gothic" panose="020B0400000000000000" pitchFamily="34" charset="-128"/>
+                <a:ea typeface="Yu Gothic" panose="020B0400000000000000" pitchFamily="34" charset="-128"/>
+                <a:cs typeface="Calibri Light" panose="020F0302020204030204" pitchFamily="34" charset="0"/>
+                <a:sym typeface="Wingdings" panose="05000000000000000000" pitchFamily="2" charset="2"/>
+              </a:rPr>
+              <a:t>Programming</a:t>
+            </a:r>
+            <a:r>
+              <a:rPr lang="de-DE" dirty="0">
+                <a:solidFill>
+                  <a:schemeClr val="tx1">
+                    <a:lumMod val="85000"/>
+                    <a:lumOff val="15000"/>
+                  </a:schemeClr>
+                </a:solidFill>
+                <a:latin typeface="Yu Gothic" panose="020B0400000000000000" pitchFamily="34" charset="-128"/>
+                <a:ea typeface="Yu Gothic" panose="020B0400000000000000" pitchFamily="34" charset="-128"/>
+                <a:cs typeface="Calibri Light" panose="020F0302020204030204" pitchFamily="34" charset="0"/>
+                <a:sym typeface="Wingdings" panose="05000000000000000000" pitchFamily="2" charset="2"/>
+              </a:rPr>
+              <a:t> Port) </a:t>
+            </a:r>
+            <a:endParaRPr lang="de-DE" dirty="0">
+              <a:solidFill>
+                <a:schemeClr val="tx1">
+                  <a:lumMod val="85000"/>
+                  <a:lumOff val="15000"/>
+                </a:schemeClr>
+              </a:solidFill>
+              <a:latin typeface="Yu Gothic" panose="020B0400000000000000" pitchFamily="34" charset="-128"/>
+              <a:ea typeface="Yu Gothic" panose="020B0400000000000000" pitchFamily="34" charset="-128"/>
+              <a:cs typeface="Calibri Light" panose="020F0302020204030204" pitchFamily="34" charset="0"/>
+            </a:endParaRPr>
+          </a:p>
+        </p:txBody>
+      </p:sp>
     </p:spTree>
     <p:extLst>
       <p:ext uri="{BB962C8B-B14F-4D97-AF65-F5344CB8AC3E}">
@@ -3653,6 +3861,13 @@
   <p:clrMapOvr>
     <a:masterClrMapping/>
   </p:clrMapOvr>
+  <p:timing>
+    <p:tnLst>
+      <p:par>
+        <p:cTn id="1" dur="indefinite" restart="never" nodeType="tmRoot"/>
+      </p:par>
+    </p:tnLst>
+  </p:timing>
 </p:sld>
 </file>
 
@@ -3688,7 +3903,11 @@
           <a:bodyPr/>
           <a:lstStyle/>
           <a:p>
-            <a:endParaRPr lang="de-DE"/>
+            <a:r>
+              <a:rPr lang="de-DE" dirty="0" smtClean="0"/>
+              <a:t>Bibliotheken einbinden</a:t>
+            </a:r>
+            <a:endParaRPr lang="de-DE" dirty="0"/>
           </a:p>
         </p:txBody>
       </p:sp>
@@ -3714,8 +3933,98 @@
           <a:prstGeom prst="rect">
             <a:avLst/>
           </a:prstGeom>
+          <a:ln w="38100" cap="sq">
+            <a:solidFill>
+              <a:srgbClr val="000000"/>
+            </a:solidFill>
+            <a:prstDash val="solid"/>
+            <a:miter lim="800000"/>
+          </a:ln>
+          <a:effectLst>
+            <a:outerShdw blurRad="50800" dist="38100" dir="2700000" algn="tl" rotWithShape="0">
+              <a:srgbClr val="000000">
+                <a:alpha val="43000"/>
+              </a:srgbClr>
+            </a:outerShdw>
+          </a:effectLst>
         </p:spPr>
       </p:pic>
+      <p:sp>
+        <p:nvSpPr>
+          <p:cNvPr id="3" name="Textfeld 2"/>
+          <p:cNvSpPr txBox="1"/>
+          <p:nvPr/>
+        </p:nvSpPr>
+        <p:spPr>
+          <a:xfrm>
+            <a:off x="6134793" y="2877312"/>
+            <a:ext cx="3715789" cy="646331"/>
+          </a:xfrm>
+          <a:prstGeom prst="rect">
+            <a:avLst/>
+          </a:prstGeom>
+          <a:noFill/>
+        </p:spPr>
+        <p:txBody>
+          <a:bodyPr wrap="square" rtlCol="0">
+            <a:spAutoFit/>
+          </a:bodyPr>
+          <a:lstStyle/>
+          <a:p>
+            <a:pPr marL="285750" indent="-285750">
+              <a:buFont typeface="Wingdings" panose="05000000000000000000" pitchFamily="2" charset="2"/>
+              <a:buChar char="à"/>
+            </a:pPr>
+            <a:r>
+              <a:rPr lang="de-DE" dirty="0">
+                <a:solidFill>
+                  <a:schemeClr val="tx1">
+                    <a:lumMod val="85000"/>
+                    <a:lumOff val="15000"/>
+                  </a:schemeClr>
+                </a:solidFill>
+                <a:latin typeface="Yu Gothic" panose="020B0400000000000000" pitchFamily="34" charset="-128"/>
+                <a:ea typeface="Yu Gothic" panose="020B0400000000000000" pitchFamily="34" charset="-128"/>
+                <a:cs typeface="Calibri Light" panose="020F0302020204030204" pitchFamily="34" charset="0"/>
+                <a:sym typeface="Wingdings" panose="05000000000000000000" pitchFamily="2" charset="2"/>
+              </a:rPr>
+              <a:t>Bibliothek einbinden</a:t>
+            </a:r>
+          </a:p>
+          <a:p>
+            <a:pPr marL="742950" lvl="1" indent="-285750">
+              <a:buFont typeface="Wingdings" panose="05000000000000000000" pitchFamily="2" charset="2"/>
+              <a:buChar char="à"/>
+            </a:pPr>
+            <a:r>
+              <a:rPr lang="de-DE" dirty="0">
+                <a:solidFill>
+                  <a:schemeClr val="tx1">
+                    <a:lumMod val="85000"/>
+                    <a:lumOff val="15000"/>
+                  </a:schemeClr>
+                </a:solidFill>
+                <a:latin typeface="Yu Gothic" panose="020B0400000000000000" pitchFamily="34" charset="-128"/>
+                <a:ea typeface="Yu Gothic" panose="020B0400000000000000" pitchFamily="34" charset="-128"/>
+                <a:cs typeface="Calibri Light" panose="020F0302020204030204" pitchFamily="34" charset="0"/>
+                <a:sym typeface="Wingdings" panose="05000000000000000000" pitchFamily="2" charset="2"/>
+              </a:rPr>
+              <a:t>Bibliothek verwalten</a:t>
+            </a:r>
+            <a:endParaRPr lang="de-DE" dirty="0">
+              <a:solidFill>
+                <a:schemeClr val="tx1">
+                  <a:lumMod val="85000"/>
+                  <a:lumOff val="15000"/>
+                </a:schemeClr>
+              </a:solidFill>
+              <a:latin typeface="Yu Gothic" panose="020B0400000000000000" pitchFamily="34" charset="-128"/>
+              <a:ea typeface="Yu Gothic" panose="020B0400000000000000" pitchFamily="34" charset="-128"/>
+              <a:cs typeface="Calibri Light" panose="020F0302020204030204" pitchFamily="34" charset="0"/>
+            </a:endParaRPr>
+          </a:p>
+        </p:txBody>
+      </p:sp>
     </p:spTree>
     <p:extLst>
       <p:ext uri="{BB962C8B-B14F-4D97-AF65-F5344CB8AC3E}">
@@ -3726,10 +4035,1653 @@
   <p:clrMapOvr>
     <a:masterClrMapping/>
   </p:clrMapOvr>
+  <p:timing>
+    <p:tnLst>
+      <p:par>
+        <p:cTn id="1" dur="indefinite" restart="never" nodeType="tmRoot"/>
+      </p:par>
+    </p:tnLst>
+  </p:timing>
 </p:sld>
 </file>
 
 <file path=ppt/slides/slide12.xml><?xml version="1.0" encoding="utf-8"?>
+<p:sld xmlns:a="http://schemas.openxmlformats.org/drawingml/2006/main" xmlns:r="http://schemas.openxmlformats.org/officeDocument/2006/relationships" xmlns:p="http://schemas.openxmlformats.org/presentationml/2006/main">
+  <p:cSld>
+    <p:spTree>
+      <p:nvGrpSpPr>
+        <p:cNvPr id="1" name=""/>
+        <p:cNvGrpSpPr/>
+        <p:nvPr/>
+      </p:nvGrpSpPr>
+      <p:grpSpPr>
+        <a:xfrm>
+          <a:off x="0" y="0"/>
+          <a:ext cx="0" cy="0"/>
+          <a:chOff x="0" y="0"/>
+          <a:chExt cx="0" cy="0"/>
+        </a:xfrm>
+      </p:grpSpPr>
+      <p:sp>
+        <p:nvSpPr>
+          <p:cNvPr id="2" name="Titel 1"/>
+          <p:cNvSpPr>
+            <a:spLocks noGrp="1"/>
+          </p:cNvSpPr>
+          <p:nvPr>
+            <p:ph type="title"/>
+          </p:nvPr>
+        </p:nvSpPr>
+        <p:spPr/>
+        <p:txBody>
+          <a:bodyPr/>
+          <a:lstStyle/>
+          <a:p>
+            <a:r>
+              <a:rPr lang="de-DE" dirty="0" smtClean="0"/>
+              <a:t>SPEICHERORT DER BIBLIOTHEKEN </a:t>
+            </a:r>
+            <a:endParaRPr lang="de-DE" dirty="0"/>
+          </a:p>
+        </p:txBody>
+      </p:sp>
+      <p:sp>
+        <p:nvSpPr>
+          <p:cNvPr id="3" name="Inhaltsplatzhalter 2"/>
+          <p:cNvSpPr>
+            <a:spLocks noGrp="1"/>
+          </p:cNvSpPr>
+          <p:nvPr>
+            <p:ph idx="1"/>
+          </p:nvPr>
+        </p:nvSpPr>
+        <p:spPr/>
+        <p:txBody>
+          <a:bodyPr/>
+          <a:lstStyle/>
+          <a:p>
+            <a:r>
+              <a:rPr lang="de-DE" dirty="0" smtClean="0"/>
+              <a:t>Erfolglose Suche nach Bibliotheken innerhalb der </a:t>
+            </a:r>
+            <a:r>
+              <a:rPr lang="de-DE" dirty="0" err="1" smtClean="0"/>
+              <a:t>Arduino</a:t>
+            </a:r>
+            <a:r>
+              <a:rPr lang="de-DE" dirty="0" smtClean="0"/>
+              <a:t> IDE Installation</a:t>
+            </a:r>
+          </a:p>
+          <a:p>
+            <a:pPr lvl="1"/>
+            <a:r>
+              <a:rPr lang="de-DE" dirty="0" smtClean="0"/>
+              <a:t>Standard vorinstallierte Libraries in:</a:t>
+            </a:r>
+          </a:p>
+          <a:p>
+            <a:pPr lvl="2"/>
+            <a:r>
+              <a:rPr lang="de-DE" dirty="0" smtClean="0"/>
+              <a:t>\..\arduino-1.6.12-windows\arduino-1.6.12\</a:t>
+            </a:r>
+            <a:r>
+              <a:rPr lang="de-DE" dirty="0" err="1" smtClean="0"/>
+              <a:t>libraries</a:t>
+            </a:r>
+            <a:endParaRPr lang="de-DE" dirty="0" smtClean="0"/>
+          </a:p>
+          <a:p>
+            <a:endParaRPr lang="de-DE" dirty="0"/>
+          </a:p>
+          <a:p>
+            <a:r>
+              <a:rPr lang="de-DE" dirty="0"/>
+              <a:t>Stattdessen: C:\Users</a:t>
+            </a:r>
+            <a:r>
+              <a:rPr lang="de-DE" dirty="0" smtClean="0"/>
+              <a:t>\*\</a:t>
+            </a:r>
+            <a:r>
+              <a:rPr lang="de-DE" dirty="0"/>
+              <a:t>Documents\Arduino\libraries</a:t>
+            </a:r>
+            <a:endParaRPr lang="de-DE" dirty="0" smtClean="0"/>
+          </a:p>
+          <a:p>
+            <a:pPr lvl="1"/>
+            <a:endParaRPr lang="de-DE" dirty="0"/>
+          </a:p>
+        </p:txBody>
+      </p:sp>
+    </p:spTree>
+    <p:extLst>
+      <p:ext uri="{BB962C8B-B14F-4D97-AF65-F5344CB8AC3E}">
+        <p14:creationId xmlns:p14="http://schemas.microsoft.com/office/powerpoint/2010/main" val="2252735792"/>
+      </p:ext>
+    </p:extLst>
+  </p:cSld>
+  <p:clrMapOvr>
+    <a:masterClrMapping/>
+  </p:clrMapOvr>
+  <p:timing>
+    <p:tnLst>
+      <p:par>
+        <p:cTn id="1" dur="indefinite" restart="never" nodeType="tmRoot"/>
+      </p:par>
+    </p:tnLst>
+  </p:timing>
+</p:sld>
+</file>
+
+<file path=ppt/slides/slide13.xml><?xml version="1.0" encoding="utf-8"?>
+<p:sld xmlns:a="http://schemas.openxmlformats.org/drawingml/2006/main" xmlns:r="http://schemas.openxmlformats.org/officeDocument/2006/relationships" xmlns:p="http://schemas.openxmlformats.org/presentationml/2006/main">
+  <p:cSld>
+    <p:spTree>
+      <p:nvGrpSpPr>
+        <p:cNvPr id="1" name=""/>
+        <p:cNvGrpSpPr/>
+        <p:nvPr/>
+      </p:nvGrpSpPr>
+      <p:grpSpPr>
+        <a:xfrm>
+          <a:off x="0" y="0"/>
+          <a:ext cx="0" cy="0"/>
+          <a:chOff x="0" y="0"/>
+          <a:chExt cx="0" cy="0"/>
+        </a:xfrm>
+      </p:grpSpPr>
+      <p:sp>
+        <p:nvSpPr>
+          <p:cNvPr id="2" name="Titel 1"/>
+          <p:cNvSpPr>
+            <a:spLocks noGrp="1"/>
+          </p:cNvSpPr>
+          <p:nvPr>
+            <p:ph type="title"/>
+          </p:nvPr>
+        </p:nvSpPr>
+        <p:spPr/>
+        <p:txBody>
+          <a:bodyPr/>
+          <a:lstStyle/>
+          <a:p>
+            <a:r>
+              <a:rPr lang="de-DE" dirty="0" smtClean="0"/>
+              <a:t>IMPORT DER BIBLIOTHEKEN IN ARDUINO IDE</a:t>
+            </a:r>
+            <a:endParaRPr lang="de-DE" dirty="0"/>
+          </a:p>
+        </p:txBody>
+      </p:sp>
+      <p:pic>
+        <p:nvPicPr>
+          <p:cNvPr id="6" name="Inhaltsplatzhalter 5"/>
+          <p:cNvPicPr>
+            <a:picLocks noGrp="1" noChangeAspect="1"/>
+          </p:cNvPicPr>
+          <p:nvPr>
+            <p:ph idx="1"/>
+          </p:nvPr>
+        </p:nvPicPr>
+        <p:blipFill>
+          <a:blip r:embed="rId2"/>
+          <a:stretch>
+            <a:fillRect/>
+          </a:stretch>
+        </p:blipFill>
+        <p:spPr>
+          <a:xfrm>
+            <a:off x="2188746" y="2802196"/>
+            <a:ext cx="2832141" cy="3719156"/>
+          </a:xfrm>
+          <a:prstGeom prst="rect">
+            <a:avLst/>
+          </a:prstGeom>
+          <a:ln w="38100" cap="sq">
+            <a:solidFill>
+              <a:srgbClr val="000000"/>
+            </a:solidFill>
+            <a:prstDash val="solid"/>
+            <a:miter lim="800000"/>
+          </a:ln>
+          <a:effectLst>
+            <a:outerShdw blurRad="50800" dist="38100" dir="2700000" algn="tl" rotWithShape="0">
+              <a:srgbClr val="000000">
+                <a:alpha val="43000"/>
+              </a:srgbClr>
+            </a:outerShdw>
+          </a:effectLst>
+        </p:spPr>
+      </p:pic>
+      <p:sp>
+        <p:nvSpPr>
+          <p:cNvPr id="7" name="Textfeld 6"/>
+          <p:cNvSpPr txBox="1"/>
+          <p:nvPr/>
+        </p:nvSpPr>
+        <p:spPr>
+          <a:xfrm>
+            <a:off x="6879475" y="3118080"/>
+            <a:ext cx="3715789" cy="646331"/>
+          </a:xfrm>
+          <a:prstGeom prst="rect">
+            <a:avLst/>
+          </a:prstGeom>
+          <a:noFill/>
+        </p:spPr>
+        <p:txBody>
+          <a:bodyPr wrap="square" rtlCol="0">
+            <a:spAutoFit/>
+          </a:bodyPr>
+          <a:lstStyle/>
+          <a:p>
+            <a:pPr marL="285750" indent="-285750">
+              <a:buFont typeface="Wingdings" panose="05000000000000000000" pitchFamily="2" charset="2"/>
+              <a:buChar char="à"/>
+            </a:pPr>
+            <a:r>
+              <a:rPr lang="de-DE" dirty="0">
+                <a:solidFill>
+                  <a:schemeClr val="tx1">
+                    <a:lumMod val="85000"/>
+                    <a:lumOff val="15000"/>
+                  </a:schemeClr>
+                </a:solidFill>
+                <a:latin typeface="Yu Gothic" panose="020B0400000000000000" pitchFamily="34" charset="-128"/>
+                <a:ea typeface="Yu Gothic" panose="020B0400000000000000" pitchFamily="34" charset="-128"/>
+                <a:cs typeface="Calibri Light" panose="020F0302020204030204" pitchFamily="34" charset="0"/>
+                <a:sym typeface="Wingdings" panose="05000000000000000000" pitchFamily="2" charset="2"/>
+              </a:rPr>
+              <a:t>Bibliothek einbinden</a:t>
+            </a:r>
+          </a:p>
+          <a:p>
+            <a:pPr marL="742950" lvl="1" indent="-285750">
+              <a:buFont typeface="Wingdings" panose="05000000000000000000" pitchFamily="2" charset="2"/>
+              <a:buChar char="à"/>
+            </a:pPr>
+            <a:r>
+              <a:rPr lang="de-DE" dirty="0" err="1" smtClean="0">
+                <a:solidFill>
+                  <a:schemeClr val="tx1">
+                    <a:lumMod val="85000"/>
+                    <a:lumOff val="15000"/>
+                  </a:schemeClr>
+                </a:solidFill>
+                <a:latin typeface="Yu Gothic" panose="020B0400000000000000" pitchFamily="34" charset="-128"/>
+                <a:ea typeface="Yu Gothic" panose="020B0400000000000000" pitchFamily="34" charset="-128"/>
+                <a:cs typeface="Calibri Light" panose="020F0302020204030204" pitchFamily="34" charset="0"/>
+                <a:sym typeface="Wingdings" panose="05000000000000000000" pitchFamily="2" charset="2"/>
+              </a:rPr>
+              <a:t>SimpleDHT</a:t>
+            </a:r>
+            <a:endParaRPr lang="de-DE" dirty="0">
+              <a:solidFill>
+                <a:schemeClr val="tx1">
+                  <a:lumMod val="85000"/>
+                  <a:lumOff val="15000"/>
+                </a:schemeClr>
+              </a:solidFill>
+              <a:latin typeface="Yu Gothic" panose="020B0400000000000000" pitchFamily="34" charset="-128"/>
+              <a:ea typeface="Yu Gothic" panose="020B0400000000000000" pitchFamily="34" charset="-128"/>
+              <a:cs typeface="Calibri Light" panose="020F0302020204030204" pitchFamily="34" charset="0"/>
+            </a:endParaRPr>
+          </a:p>
+        </p:txBody>
+      </p:sp>
+      <p:pic>
+        <p:nvPicPr>
+          <p:cNvPr id="8" name="Grafik 7"/>
+          <p:cNvPicPr>
+            <a:picLocks noChangeAspect="1"/>
+          </p:cNvPicPr>
+          <p:nvPr/>
+        </p:nvPicPr>
+        <p:blipFill>
+          <a:blip r:embed="rId3"/>
+          <a:stretch>
+            <a:fillRect/>
+          </a:stretch>
+        </p:blipFill>
+        <p:spPr>
+          <a:xfrm>
+            <a:off x="6879475" y="4842596"/>
+            <a:ext cx="1638300" cy="581025"/>
+          </a:xfrm>
+          <a:prstGeom prst="rect">
+            <a:avLst/>
+          </a:prstGeom>
+          <a:ln w="38100" cap="sq">
+            <a:solidFill>
+              <a:srgbClr val="000000"/>
+            </a:solidFill>
+            <a:prstDash val="solid"/>
+            <a:miter lim="800000"/>
+          </a:ln>
+          <a:effectLst>
+            <a:outerShdw blurRad="50800" dist="38100" dir="2700000" algn="tl" rotWithShape="0">
+              <a:srgbClr val="000000">
+                <a:alpha val="43000"/>
+              </a:srgbClr>
+            </a:outerShdw>
+          </a:effectLst>
+        </p:spPr>
+      </p:pic>
+      <p:sp>
+        <p:nvSpPr>
+          <p:cNvPr id="9" name="Pfeil nach rechts 8"/>
+          <p:cNvSpPr/>
+          <p:nvPr/>
+        </p:nvSpPr>
+        <p:spPr>
+          <a:xfrm>
+            <a:off x="5239442" y="4886021"/>
+            <a:ext cx="1421477" cy="494174"/>
+          </a:xfrm>
+          <a:prstGeom prst="rightArrow">
+            <a:avLst/>
+          </a:prstGeom>
+        </p:spPr>
+        <p:style>
+          <a:lnRef idx="2">
+            <a:schemeClr val="dk1">
+              <a:shade val="50000"/>
+            </a:schemeClr>
+          </a:lnRef>
+          <a:fillRef idx="1">
+            <a:schemeClr val="dk1"/>
+          </a:fillRef>
+          <a:effectRef idx="0">
+            <a:schemeClr val="dk1"/>
+          </a:effectRef>
+          <a:fontRef idx="minor">
+            <a:schemeClr val="lt1"/>
+          </a:fontRef>
+        </p:style>
+        <p:txBody>
+          <a:bodyPr rtlCol="0" anchor="ctr"/>
+          <a:lstStyle/>
+          <a:p>
+            <a:pPr algn="ctr"/>
+            <a:endParaRPr lang="de-DE"/>
+          </a:p>
+        </p:txBody>
+      </p:sp>
+    </p:spTree>
+    <p:extLst>
+      <p:ext uri="{BB962C8B-B14F-4D97-AF65-F5344CB8AC3E}">
+        <p14:creationId xmlns:p14="http://schemas.microsoft.com/office/powerpoint/2010/main" val="2476253913"/>
+      </p:ext>
+    </p:extLst>
+  </p:cSld>
+  <p:clrMapOvr>
+    <a:masterClrMapping/>
+  </p:clrMapOvr>
+  <p:timing>
+    <p:tnLst>
+      <p:par>
+        <p:cTn id="1" dur="indefinite" restart="never" nodeType="tmRoot"/>
+      </p:par>
+    </p:tnLst>
+  </p:timing>
+</p:sld>
+</file>
+
+<file path=ppt/slides/slide14.xml><?xml version="1.0" encoding="utf-8"?>
+<p:sld xmlns:a="http://schemas.openxmlformats.org/drawingml/2006/main" xmlns:r="http://schemas.openxmlformats.org/officeDocument/2006/relationships" xmlns:p="http://schemas.openxmlformats.org/presentationml/2006/main">
+  <p:cSld>
+    <p:spTree>
+      <p:nvGrpSpPr>
+        <p:cNvPr id="1" name=""/>
+        <p:cNvGrpSpPr/>
+        <p:nvPr/>
+      </p:nvGrpSpPr>
+      <p:grpSpPr>
+        <a:xfrm>
+          <a:off x="0" y="0"/>
+          <a:ext cx="0" cy="0"/>
+          <a:chOff x="0" y="0"/>
+          <a:chExt cx="0" cy="0"/>
+        </a:xfrm>
+      </p:grpSpPr>
+      <p:sp>
+        <p:nvSpPr>
+          <p:cNvPr id="2" name="Titel 1"/>
+          <p:cNvSpPr>
+            <a:spLocks noGrp="1"/>
+          </p:cNvSpPr>
+          <p:nvPr>
+            <p:ph type="title"/>
+          </p:nvPr>
+        </p:nvSpPr>
+        <p:spPr/>
+        <p:txBody>
+          <a:bodyPr/>
+          <a:lstStyle/>
+          <a:p>
+            <a:r>
+              <a:rPr lang="de-DE" dirty="0" smtClean="0"/>
+              <a:t>AUFBAU DER SIMPLEDHT</a:t>
+            </a:r>
+            <a:r>
+              <a:rPr lang="de-DE" dirty="0"/>
+              <a:t> </a:t>
+            </a:r>
+            <a:r>
+              <a:rPr lang="de-DE" dirty="0" smtClean="0"/>
+              <a:t>CLASS</a:t>
+            </a:r>
+            <a:endParaRPr lang="de-DE" dirty="0"/>
+          </a:p>
+        </p:txBody>
+      </p:sp>
+      <p:sp>
+        <p:nvSpPr>
+          <p:cNvPr id="5" name="Rechteck 4"/>
+          <p:cNvSpPr/>
+          <p:nvPr/>
+        </p:nvSpPr>
+        <p:spPr>
+          <a:xfrm>
+            <a:off x="2188746" y="3599412"/>
+            <a:ext cx="7587021" cy="1995055"/>
+          </a:xfrm>
+          <a:prstGeom prst="rect">
+            <a:avLst/>
+          </a:prstGeom>
+        </p:spPr>
+        <p:style>
+          <a:lnRef idx="2">
+            <a:schemeClr val="dk1"/>
+          </a:lnRef>
+          <a:fillRef idx="1">
+            <a:schemeClr val="lt1"/>
+          </a:fillRef>
+          <a:effectRef idx="0">
+            <a:schemeClr val="dk1"/>
+          </a:effectRef>
+          <a:fontRef idx="minor">
+            <a:schemeClr val="dk1"/>
+          </a:fontRef>
+        </p:style>
+        <p:txBody>
+          <a:bodyPr rtlCol="0" anchor="ctr"/>
+          <a:lstStyle/>
+          <a:p>
+            <a:r>
+              <a:rPr lang="de-DE" dirty="0" smtClean="0"/>
+              <a:t>+ </a:t>
+            </a:r>
+            <a:r>
+              <a:rPr lang="de-DE" dirty="0" err="1" smtClean="0">
+                <a:solidFill>
+                  <a:srgbClr val="0070C0"/>
+                </a:solidFill>
+              </a:rPr>
+              <a:t>int</a:t>
+            </a:r>
+            <a:r>
+              <a:rPr lang="de-DE" dirty="0" smtClean="0"/>
+              <a:t> </a:t>
+            </a:r>
+            <a:r>
+              <a:rPr lang="de-DE" dirty="0" err="1" smtClean="0"/>
+              <a:t>read</a:t>
+            </a:r>
+            <a:r>
+              <a:rPr lang="de-DE" dirty="0" smtClean="0"/>
+              <a:t>(</a:t>
+            </a:r>
+            <a:r>
+              <a:rPr lang="de-DE" dirty="0" err="1" smtClean="0">
+                <a:solidFill>
+                  <a:srgbClr val="0070C0"/>
+                </a:solidFill>
+              </a:rPr>
+              <a:t>int</a:t>
+            </a:r>
+            <a:r>
+              <a:rPr lang="de-DE" dirty="0" smtClean="0"/>
+              <a:t> </a:t>
+            </a:r>
+            <a:r>
+              <a:rPr lang="de-DE" dirty="0" err="1" smtClean="0"/>
+              <a:t>pin</a:t>
+            </a:r>
+            <a:r>
+              <a:rPr lang="de-DE" dirty="0" smtClean="0"/>
+              <a:t>, </a:t>
+            </a:r>
+            <a:r>
+              <a:rPr lang="de-DE" dirty="0" err="1" smtClean="0"/>
+              <a:t>byte</a:t>
+            </a:r>
+            <a:r>
+              <a:rPr lang="de-DE" dirty="0" smtClean="0"/>
+              <a:t>* </a:t>
+            </a:r>
+            <a:r>
+              <a:rPr lang="de-DE" dirty="0" err="1" smtClean="0"/>
+              <a:t>ptemperature</a:t>
+            </a:r>
+            <a:r>
+              <a:rPr lang="de-DE" dirty="0" smtClean="0"/>
+              <a:t>, </a:t>
+            </a:r>
+            <a:r>
+              <a:rPr lang="de-DE" dirty="0" err="1" smtClean="0"/>
+              <a:t>byte</a:t>
+            </a:r>
+            <a:r>
+              <a:rPr lang="de-DE" dirty="0" smtClean="0"/>
+              <a:t>* </a:t>
+            </a:r>
+            <a:r>
+              <a:rPr lang="de-DE" dirty="0" err="1" smtClean="0"/>
+              <a:t>phumidity</a:t>
+            </a:r>
+            <a:r>
+              <a:rPr lang="de-DE" dirty="0" smtClean="0"/>
+              <a:t>, </a:t>
+            </a:r>
+            <a:r>
+              <a:rPr lang="de-DE" dirty="0" err="1" smtClean="0"/>
+              <a:t>byte</a:t>
+            </a:r>
+            <a:r>
+              <a:rPr lang="de-DE" dirty="0" smtClean="0"/>
+              <a:t> </a:t>
+            </a:r>
+            <a:r>
+              <a:rPr lang="de-DE" dirty="0" err="1" smtClean="0"/>
+              <a:t>pdata</a:t>
+            </a:r>
+            <a:r>
+              <a:rPr lang="de-DE" dirty="0" smtClean="0"/>
+              <a:t>[40])</a:t>
+            </a:r>
+          </a:p>
+          <a:p>
+            <a:r>
+              <a:rPr lang="de-DE" dirty="0" smtClean="0"/>
+              <a:t>-  </a:t>
+            </a:r>
+            <a:r>
+              <a:rPr lang="de-DE" dirty="0" err="1" smtClean="0">
+                <a:solidFill>
+                  <a:srgbClr val="0070C0"/>
+                </a:solidFill>
+              </a:rPr>
+              <a:t>int</a:t>
+            </a:r>
+            <a:r>
+              <a:rPr lang="de-DE" dirty="0" smtClean="0"/>
+              <a:t> </a:t>
+            </a:r>
+            <a:r>
+              <a:rPr lang="de-DE" dirty="0" err="1" smtClean="0"/>
+              <a:t>confirm</a:t>
+            </a:r>
+            <a:r>
+              <a:rPr lang="de-DE" dirty="0" smtClean="0"/>
+              <a:t>(</a:t>
+            </a:r>
+            <a:r>
+              <a:rPr lang="de-DE" dirty="0" err="1" smtClean="0">
+                <a:solidFill>
+                  <a:srgbClr val="0070C0"/>
+                </a:solidFill>
+              </a:rPr>
+              <a:t>int</a:t>
+            </a:r>
+            <a:r>
+              <a:rPr lang="de-DE" dirty="0" smtClean="0"/>
+              <a:t> </a:t>
+            </a:r>
+            <a:r>
+              <a:rPr lang="de-DE" dirty="0" err="1" smtClean="0"/>
+              <a:t>pin</a:t>
+            </a:r>
+            <a:r>
+              <a:rPr lang="de-DE" dirty="0" smtClean="0"/>
+              <a:t>, </a:t>
+            </a:r>
+            <a:r>
+              <a:rPr lang="de-DE" dirty="0" err="1" smtClean="0"/>
+              <a:t>int</a:t>
+            </a:r>
+            <a:r>
+              <a:rPr lang="de-DE" dirty="0" smtClean="0"/>
+              <a:t> </a:t>
+            </a:r>
+            <a:r>
+              <a:rPr lang="de-DE" dirty="0" err="1" smtClean="0"/>
+              <a:t>us</a:t>
+            </a:r>
+            <a:r>
+              <a:rPr lang="de-DE" dirty="0" smtClean="0"/>
+              <a:t>, </a:t>
+            </a:r>
+            <a:r>
+              <a:rPr lang="de-DE" dirty="0" err="1" smtClean="0"/>
+              <a:t>byte</a:t>
+            </a:r>
+            <a:r>
+              <a:rPr lang="de-DE" dirty="0" smtClean="0"/>
+              <a:t> </a:t>
+            </a:r>
+            <a:r>
+              <a:rPr lang="de-DE" dirty="0" err="1" smtClean="0"/>
+              <a:t>level</a:t>
+            </a:r>
+            <a:r>
+              <a:rPr lang="de-DE" dirty="0" smtClean="0"/>
+              <a:t>)</a:t>
+            </a:r>
+          </a:p>
+          <a:p>
+            <a:r>
+              <a:rPr lang="de-DE" dirty="0" smtClean="0"/>
+              <a:t>-  </a:t>
+            </a:r>
+            <a:r>
+              <a:rPr lang="de-DE" dirty="0" err="1" smtClean="0"/>
+              <a:t>byte</a:t>
+            </a:r>
+            <a:r>
+              <a:rPr lang="de-DE" dirty="0" smtClean="0"/>
+              <a:t> bits2byte (</a:t>
+            </a:r>
+            <a:r>
+              <a:rPr lang="de-DE" dirty="0" err="1" smtClean="0"/>
+              <a:t>byte</a:t>
+            </a:r>
+            <a:r>
+              <a:rPr lang="de-DE" dirty="0" smtClean="0"/>
+              <a:t> </a:t>
+            </a:r>
+            <a:r>
+              <a:rPr lang="de-DE" dirty="0" err="1" smtClean="0"/>
+              <a:t>data</a:t>
+            </a:r>
+            <a:r>
+              <a:rPr lang="de-DE" dirty="0" smtClean="0"/>
+              <a:t>[8])</a:t>
+            </a:r>
+          </a:p>
+          <a:p>
+            <a:r>
+              <a:rPr lang="de-DE" dirty="0" smtClean="0"/>
+              <a:t>-  </a:t>
+            </a:r>
+            <a:r>
+              <a:rPr lang="de-DE" dirty="0" err="1" smtClean="0">
+                <a:solidFill>
+                  <a:srgbClr val="0070C0"/>
+                </a:solidFill>
+              </a:rPr>
+              <a:t>int</a:t>
+            </a:r>
+            <a:r>
+              <a:rPr lang="de-DE" dirty="0"/>
+              <a:t> </a:t>
+            </a:r>
+            <a:r>
+              <a:rPr lang="de-DE" dirty="0" smtClean="0"/>
+              <a:t>sample(</a:t>
+            </a:r>
+            <a:r>
+              <a:rPr lang="de-DE" dirty="0" err="1" smtClean="0">
+                <a:solidFill>
+                  <a:srgbClr val="0070C0"/>
+                </a:solidFill>
+              </a:rPr>
+              <a:t>int</a:t>
+            </a:r>
+            <a:r>
+              <a:rPr lang="de-DE" dirty="0" smtClean="0"/>
+              <a:t> </a:t>
+            </a:r>
+            <a:r>
+              <a:rPr lang="de-DE" dirty="0" err="1" smtClean="0"/>
+              <a:t>pin</a:t>
+            </a:r>
+            <a:r>
+              <a:rPr lang="de-DE" dirty="0" smtClean="0"/>
+              <a:t>, </a:t>
+            </a:r>
+            <a:r>
+              <a:rPr lang="de-DE" dirty="0" err="1" smtClean="0"/>
+              <a:t>byte</a:t>
+            </a:r>
+            <a:r>
+              <a:rPr lang="de-DE" dirty="0" smtClean="0"/>
+              <a:t> </a:t>
+            </a:r>
+            <a:r>
+              <a:rPr lang="de-DE" dirty="0" err="1" smtClean="0"/>
+              <a:t>data</a:t>
+            </a:r>
+            <a:r>
+              <a:rPr lang="de-DE" dirty="0" smtClean="0"/>
+              <a:t>[40])</a:t>
+            </a:r>
+            <a:br>
+              <a:rPr lang="de-DE" dirty="0" smtClean="0"/>
+            </a:br>
+            <a:r>
+              <a:rPr lang="de-DE" dirty="0" smtClean="0"/>
+              <a:t>-  </a:t>
+            </a:r>
+            <a:r>
+              <a:rPr lang="de-DE" dirty="0" err="1">
+                <a:solidFill>
+                  <a:srgbClr val="0070C0"/>
+                </a:solidFill>
+              </a:rPr>
+              <a:t>i</a:t>
+            </a:r>
+            <a:r>
+              <a:rPr lang="de-DE" dirty="0" err="1" smtClean="0">
+                <a:solidFill>
+                  <a:srgbClr val="0070C0"/>
+                </a:solidFill>
+              </a:rPr>
+              <a:t>nt</a:t>
+            </a:r>
+            <a:r>
+              <a:rPr lang="de-DE" dirty="0" smtClean="0"/>
+              <a:t> parse(</a:t>
+            </a:r>
+            <a:r>
+              <a:rPr lang="de-DE" dirty="0" err="1" smtClean="0"/>
+              <a:t>byte</a:t>
+            </a:r>
+            <a:r>
+              <a:rPr lang="de-DE" dirty="0" smtClean="0"/>
+              <a:t> </a:t>
+            </a:r>
+            <a:r>
+              <a:rPr lang="de-DE" dirty="0" err="1" smtClean="0"/>
+              <a:t>data</a:t>
+            </a:r>
+            <a:r>
+              <a:rPr lang="de-DE" dirty="0" smtClean="0"/>
+              <a:t>[40], </a:t>
+            </a:r>
+            <a:r>
+              <a:rPr lang="de-DE" dirty="0" err="1" smtClean="0"/>
+              <a:t>byte</a:t>
+            </a:r>
+            <a:r>
+              <a:rPr lang="de-DE" dirty="0" smtClean="0"/>
+              <a:t>* </a:t>
+            </a:r>
+            <a:r>
+              <a:rPr lang="de-DE" dirty="0" err="1" smtClean="0"/>
+              <a:t>ptemperature</a:t>
+            </a:r>
+            <a:r>
+              <a:rPr lang="de-DE" dirty="0" smtClean="0"/>
+              <a:t>, </a:t>
+            </a:r>
+            <a:r>
+              <a:rPr lang="de-DE" dirty="0" err="1" smtClean="0"/>
+              <a:t>byte</a:t>
+            </a:r>
+            <a:r>
+              <a:rPr lang="de-DE" dirty="0" smtClean="0"/>
+              <a:t>* </a:t>
+            </a:r>
+            <a:r>
+              <a:rPr lang="de-DE" dirty="0" err="1" smtClean="0"/>
+              <a:t>phumidity</a:t>
+            </a:r>
+            <a:r>
+              <a:rPr lang="de-DE" dirty="0" smtClean="0"/>
+              <a:t>) </a:t>
+            </a:r>
+            <a:endParaRPr lang="de-DE" dirty="0"/>
+          </a:p>
+        </p:txBody>
+      </p:sp>
+      <p:sp>
+        <p:nvSpPr>
+          <p:cNvPr id="6" name="Rechteck 5"/>
+          <p:cNvSpPr/>
+          <p:nvPr/>
+        </p:nvSpPr>
+        <p:spPr>
+          <a:xfrm>
+            <a:off x="2188746" y="2942706"/>
+            <a:ext cx="7587021" cy="656706"/>
+          </a:xfrm>
+          <a:prstGeom prst="rect">
+            <a:avLst/>
+          </a:prstGeom>
+        </p:spPr>
+        <p:style>
+          <a:lnRef idx="2">
+            <a:schemeClr val="dk1"/>
+          </a:lnRef>
+          <a:fillRef idx="1">
+            <a:schemeClr val="lt1"/>
+          </a:fillRef>
+          <a:effectRef idx="0">
+            <a:schemeClr val="dk1"/>
+          </a:effectRef>
+          <a:fontRef idx="minor">
+            <a:schemeClr val="dk1"/>
+          </a:fontRef>
+        </p:style>
+        <p:txBody>
+          <a:bodyPr rtlCol="0" anchor="ctr"/>
+          <a:lstStyle/>
+          <a:p>
+            <a:pPr algn="ctr"/>
+            <a:r>
+              <a:rPr lang="de-DE" dirty="0" smtClean="0"/>
+              <a:t>SimpleDHT11</a:t>
+            </a:r>
+            <a:endParaRPr lang="de-DE" dirty="0"/>
+          </a:p>
+        </p:txBody>
+      </p:sp>
+    </p:spTree>
+    <p:extLst>
+      <p:ext uri="{BB962C8B-B14F-4D97-AF65-F5344CB8AC3E}">
+        <p14:creationId xmlns:p14="http://schemas.microsoft.com/office/powerpoint/2010/main" val="961595082"/>
+      </p:ext>
+    </p:extLst>
+  </p:cSld>
+  <p:clrMapOvr>
+    <a:masterClrMapping/>
+  </p:clrMapOvr>
+  <p:timing>
+    <p:tnLst>
+      <p:par>
+        <p:cTn id="1" dur="indefinite" restart="never" nodeType="tmRoot"/>
+      </p:par>
+    </p:tnLst>
+  </p:timing>
+</p:sld>
+</file>
+
+<file path=ppt/slides/slide15.xml><?xml version="1.0" encoding="utf-8"?>
+<p:sld xmlns:a="http://schemas.openxmlformats.org/drawingml/2006/main" xmlns:r="http://schemas.openxmlformats.org/officeDocument/2006/relationships" xmlns:p="http://schemas.openxmlformats.org/presentationml/2006/main">
+  <p:cSld>
+    <p:spTree>
+      <p:nvGrpSpPr>
+        <p:cNvPr id="1" name=""/>
+        <p:cNvGrpSpPr/>
+        <p:nvPr/>
+      </p:nvGrpSpPr>
+      <p:grpSpPr>
+        <a:xfrm>
+          <a:off x="0" y="0"/>
+          <a:ext cx="0" cy="0"/>
+          <a:chOff x="0" y="0"/>
+          <a:chExt cx="0" cy="0"/>
+        </a:xfrm>
+      </p:grpSpPr>
+      <p:sp>
+        <p:nvSpPr>
+          <p:cNvPr id="2" name="Titel 1"/>
+          <p:cNvSpPr>
+            <a:spLocks noGrp="1"/>
+          </p:cNvSpPr>
+          <p:nvPr>
+            <p:ph type="title"/>
+          </p:nvPr>
+        </p:nvSpPr>
+        <p:spPr/>
+        <p:txBody>
+          <a:bodyPr/>
+          <a:lstStyle/>
+          <a:p>
+            <a:r>
+              <a:rPr lang="de-DE" dirty="0" smtClean="0"/>
+              <a:t>FUNKTIONEN – </a:t>
+            </a:r>
+            <a:r>
+              <a:rPr lang="de-DE" dirty="0" err="1" smtClean="0"/>
+              <a:t>read</a:t>
+            </a:r>
+            <a:r>
+              <a:rPr lang="de-DE" dirty="0" smtClean="0"/>
+              <a:t> </a:t>
+            </a:r>
+            <a:endParaRPr lang="de-DE" dirty="0"/>
+          </a:p>
+        </p:txBody>
+      </p:sp>
+      <p:pic>
+        <p:nvPicPr>
+          <p:cNvPr id="5" name="Inhaltsplatzhalter 4"/>
+          <p:cNvPicPr>
+            <a:picLocks noGrp="1" noChangeAspect="1"/>
+          </p:cNvPicPr>
+          <p:nvPr>
+            <p:ph idx="1"/>
+          </p:nvPr>
+        </p:nvPicPr>
+        <p:blipFill>
+          <a:blip r:embed="rId2"/>
+          <a:stretch>
+            <a:fillRect/>
+          </a:stretch>
+        </p:blipFill>
+        <p:spPr>
+          <a:xfrm>
+            <a:off x="504726" y="2863850"/>
+            <a:ext cx="6178014" cy="3862941"/>
+          </a:xfrm>
+          <a:prstGeom prst="rect">
+            <a:avLst/>
+          </a:prstGeom>
+          <a:ln w="38100" cap="sq">
+            <a:solidFill>
+              <a:srgbClr val="000000"/>
+            </a:solidFill>
+            <a:prstDash val="solid"/>
+            <a:miter lim="800000"/>
+          </a:ln>
+          <a:effectLst>
+            <a:outerShdw blurRad="50800" dist="38100" dir="2700000" algn="tl" rotWithShape="0">
+              <a:srgbClr val="000000">
+                <a:alpha val="43000"/>
+              </a:srgbClr>
+            </a:outerShdw>
+          </a:effectLst>
+        </p:spPr>
+      </p:pic>
+      <p:sp>
+        <p:nvSpPr>
+          <p:cNvPr id="7" name="Textfeld 6"/>
+          <p:cNvSpPr txBox="1"/>
+          <p:nvPr/>
+        </p:nvSpPr>
+        <p:spPr>
+          <a:xfrm>
+            <a:off x="6780415" y="2863850"/>
+            <a:ext cx="5350625" cy="3416320"/>
+          </a:xfrm>
+          <a:prstGeom prst="rect">
+            <a:avLst/>
+          </a:prstGeom>
+          <a:noFill/>
+        </p:spPr>
+        <p:txBody>
+          <a:bodyPr wrap="square" rtlCol="0">
+            <a:spAutoFit/>
+          </a:bodyPr>
+          <a:lstStyle/>
+          <a:p>
+            <a:r>
+              <a:rPr lang="en-US" dirty="0" smtClean="0">
+                <a:solidFill>
+                  <a:schemeClr val="tx1">
+                    <a:lumMod val="85000"/>
+                    <a:lumOff val="15000"/>
+                  </a:schemeClr>
+                </a:solidFill>
+                <a:latin typeface="Yu Gothic" panose="020B0400000000000000" pitchFamily="34" charset="-128"/>
+                <a:ea typeface="Yu Gothic" panose="020B0400000000000000" pitchFamily="34" charset="-128"/>
+                <a:cs typeface="Calibri Light" panose="020F0302020204030204" pitchFamily="34" charset="0"/>
+                <a:sym typeface="Wingdings" panose="05000000000000000000" pitchFamily="2" charset="2"/>
+              </a:rPr>
+              <a:t> Um </a:t>
+            </a:r>
+            <a:r>
+              <a:rPr lang="en-US" dirty="0" err="1" smtClean="0">
+                <a:solidFill>
+                  <a:schemeClr val="tx1">
+                    <a:lumMod val="85000"/>
+                    <a:lumOff val="15000"/>
+                  </a:schemeClr>
+                </a:solidFill>
+                <a:latin typeface="Yu Gothic" panose="020B0400000000000000" pitchFamily="34" charset="-128"/>
+                <a:ea typeface="Yu Gothic" panose="020B0400000000000000" pitchFamily="34" charset="-128"/>
+                <a:cs typeface="Calibri Light" panose="020F0302020204030204" pitchFamily="34" charset="0"/>
+                <a:sym typeface="Wingdings" panose="05000000000000000000" pitchFamily="2" charset="2"/>
+              </a:rPr>
+              <a:t>vom</a:t>
+            </a:r>
+            <a:r>
+              <a:rPr lang="en-US" dirty="0" smtClean="0">
+                <a:solidFill>
+                  <a:schemeClr val="tx1">
+                    <a:lumMod val="85000"/>
+                    <a:lumOff val="15000"/>
+                  </a:schemeClr>
+                </a:solidFill>
+                <a:latin typeface="Yu Gothic" panose="020B0400000000000000" pitchFamily="34" charset="-128"/>
+                <a:ea typeface="Yu Gothic" panose="020B0400000000000000" pitchFamily="34" charset="-128"/>
+                <a:cs typeface="Calibri Light" panose="020F0302020204030204" pitchFamily="34" charset="0"/>
+                <a:sym typeface="Wingdings" panose="05000000000000000000" pitchFamily="2" charset="2"/>
+              </a:rPr>
+              <a:t> DHT11 Sensor </a:t>
+            </a:r>
+            <a:r>
+              <a:rPr lang="en-US" dirty="0" err="1" smtClean="0">
+                <a:solidFill>
+                  <a:schemeClr val="tx1">
+                    <a:lumMod val="85000"/>
+                    <a:lumOff val="15000"/>
+                  </a:schemeClr>
+                </a:solidFill>
+                <a:latin typeface="Yu Gothic" panose="020B0400000000000000" pitchFamily="34" charset="-128"/>
+                <a:ea typeface="Yu Gothic" panose="020B0400000000000000" pitchFamily="34" charset="-128"/>
+                <a:cs typeface="Calibri Light" panose="020F0302020204030204" pitchFamily="34" charset="0"/>
+                <a:sym typeface="Wingdings" panose="05000000000000000000" pitchFamily="2" charset="2"/>
+              </a:rPr>
+              <a:t>zu</a:t>
+            </a:r>
+            <a:r>
+              <a:rPr lang="en-US" dirty="0" smtClean="0">
+                <a:solidFill>
+                  <a:schemeClr val="tx1">
+                    <a:lumMod val="85000"/>
+                    <a:lumOff val="15000"/>
+                  </a:schemeClr>
+                </a:solidFill>
+                <a:latin typeface="Yu Gothic" panose="020B0400000000000000" pitchFamily="34" charset="-128"/>
+                <a:ea typeface="Yu Gothic" panose="020B0400000000000000" pitchFamily="34" charset="-128"/>
+                <a:cs typeface="Calibri Light" panose="020F0302020204030204" pitchFamily="34" charset="0"/>
+                <a:sym typeface="Wingdings" panose="05000000000000000000" pitchFamily="2" charset="2"/>
+              </a:rPr>
+              <a:t> </a:t>
+            </a:r>
+            <a:r>
+              <a:rPr lang="en-US" dirty="0" err="1" smtClean="0">
+                <a:solidFill>
+                  <a:schemeClr val="tx1">
+                    <a:lumMod val="85000"/>
+                    <a:lumOff val="15000"/>
+                  </a:schemeClr>
+                </a:solidFill>
+                <a:latin typeface="Yu Gothic" panose="020B0400000000000000" pitchFamily="34" charset="-128"/>
+                <a:ea typeface="Yu Gothic" panose="020B0400000000000000" pitchFamily="34" charset="-128"/>
+                <a:cs typeface="Calibri Light" panose="020F0302020204030204" pitchFamily="34" charset="0"/>
+                <a:sym typeface="Wingdings" panose="05000000000000000000" pitchFamily="2" charset="2"/>
+              </a:rPr>
+              <a:t>lesen</a:t>
+            </a:r>
+            <a:endParaRPr lang="en-US" dirty="0" smtClean="0">
+              <a:solidFill>
+                <a:schemeClr val="tx1">
+                  <a:lumMod val="85000"/>
+                  <a:lumOff val="15000"/>
+                </a:schemeClr>
+              </a:solidFill>
+              <a:latin typeface="Yu Gothic" panose="020B0400000000000000" pitchFamily="34" charset="-128"/>
+              <a:ea typeface="Yu Gothic" panose="020B0400000000000000" pitchFamily="34" charset="-128"/>
+              <a:cs typeface="Calibri Light" panose="020F0302020204030204" pitchFamily="34" charset="0"/>
+            </a:endParaRPr>
+          </a:p>
+          <a:p>
+            <a:endParaRPr lang="en-US" dirty="0">
+              <a:solidFill>
+                <a:schemeClr val="tx1">
+                  <a:lumMod val="85000"/>
+                  <a:lumOff val="15000"/>
+                </a:schemeClr>
+              </a:solidFill>
+              <a:latin typeface="Yu Gothic" panose="020B0400000000000000" pitchFamily="34" charset="-128"/>
+              <a:ea typeface="Yu Gothic" panose="020B0400000000000000" pitchFamily="34" charset="-128"/>
+              <a:cs typeface="Calibri Light" panose="020F0302020204030204" pitchFamily="34" charset="0"/>
+            </a:endParaRPr>
+          </a:p>
+          <a:p>
+            <a:r>
+              <a:rPr lang="en-US" dirty="0" smtClean="0">
+                <a:solidFill>
+                  <a:schemeClr val="tx1">
+                    <a:lumMod val="85000"/>
+                    <a:lumOff val="15000"/>
+                  </a:schemeClr>
+                </a:solidFill>
+                <a:latin typeface="Yu Gothic" panose="020B0400000000000000" pitchFamily="34" charset="-128"/>
+                <a:ea typeface="Yu Gothic" panose="020B0400000000000000" pitchFamily="34" charset="-128"/>
+                <a:cs typeface="Calibri Light" panose="020F0302020204030204" pitchFamily="34" charset="0"/>
+                <a:sym typeface="Wingdings" panose="05000000000000000000" pitchFamily="2" charset="2"/>
+              </a:rPr>
+              <a:t> </a:t>
+            </a:r>
+            <a:r>
+              <a:rPr lang="en-US" b="1" dirty="0" smtClean="0">
+                <a:solidFill>
+                  <a:schemeClr val="tx1">
+                    <a:lumMod val="85000"/>
+                    <a:lumOff val="15000"/>
+                  </a:schemeClr>
+                </a:solidFill>
+                <a:latin typeface="Yu Gothic" panose="020B0400000000000000" pitchFamily="34" charset="-128"/>
+                <a:ea typeface="Yu Gothic" panose="020B0400000000000000" pitchFamily="34" charset="-128"/>
+                <a:cs typeface="Calibri Light" panose="020F0302020204030204" pitchFamily="34" charset="0"/>
+                <a:sym typeface="Wingdings" panose="05000000000000000000" pitchFamily="2" charset="2"/>
+              </a:rPr>
+              <a:t>Input</a:t>
+            </a:r>
+            <a:r>
+              <a:rPr lang="en-US" dirty="0" smtClean="0">
+                <a:solidFill>
+                  <a:schemeClr val="tx1">
+                    <a:lumMod val="85000"/>
+                    <a:lumOff val="15000"/>
+                  </a:schemeClr>
+                </a:solidFill>
+                <a:latin typeface="Yu Gothic" panose="020B0400000000000000" pitchFamily="34" charset="-128"/>
+                <a:ea typeface="Yu Gothic" panose="020B0400000000000000" pitchFamily="34" charset="-128"/>
+                <a:cs typeface="Calibri Light" panose="020F0302020204030204" pitchFamily="34" charset="0"/>
+                <a:sym typeface="Wingdings" panose="05000000000000000000" pitchFamily="2" charset="2"/>
+              </a:rPr>
+              <a:t> </a:t>
+            </a:r>
+            <a:r>
+              <a:rPr lang="en-US" dirty="0" err="1" smtClean="0">
+                <a:solidFill>
+                  <a:schemeClr val="tx1">
+                    <a:lumMod val="85000"/>
+                    <a:lumOff val="15000"/>
+                  </a:schemeClr>
+                </a:solidFill>
+                <a:latin typeface="Yu Gothic" panose="020B0400000000000000" pitchFamily="34" charset="-128"/>
+                <a:ea typeface="Yu Gothic" panose="020B0400000000000000" pitchFamily="34" charset="-128"/>
+                <a:cs typeface="Calibri Light" panose="020F0302020204030204" pitchFamily="34" charset="0"/>
+                <a:sym typeface="Wingdings" panose="05000000000000000000" pitchFamily="2" charset="2"/>
+              </a:rPr>
+              <a:t>Daten</a:t>
+            </a:r>
+            <a:r>
+              <a:rPr lang="en-US" dirty="0" smtClean="0">
+                <a:solidFill>
+                  <a:schemeClr val="tx1">
+                    <a:lumMod val="85000"/>
+                    <a:lumOff val="15000"/>
+                  </a:schemeClr>
+                </a:solidFill>
+                <a:latin typeface="Yu Gothic" panose="020B0400000000000000" pitchFamily="34" charset="-128"/>
+                <a:ea typeface="Yu Gothic" panose="020B0400000000000000" pitchFamily="34" charset="-128"/>
+                <a:cs typeface="Calibri Light" panose="020F0302020204030204" pitchFamily="34" charset="0"/>
+                <a:sym typeface="Wingdings" panose="05000000000000000000" pitchFamily="2" charset="2"/>
+              </a:rPr>
+              <a:t>-Pin des DHT11 am Arduino IDE</a:t>
+            </a:r>
+            <a:endParaRPr lang="en-US" dirty="0">
+              <a:solidFill>
+                <a:schemeClr val="tx1">
+                  <a:lumMod val="85000"/>
+                  <a:lumOff val="15000"/>
+                </a:schemeClr>
+              </a:solidFill>
+              <a:latin typeface="Yu Gothic" panose="020B0400000000000000" pitchFamily="34" charset="-128"/>
+              <a:ea typeface="Yu Gothic" panose="020B0400000000000000" pitchFamily="34" charset="-128"/>
+              <a:cs typeface="Calibri Light" panose="020F0302020204030204" pitchFamily="34" charset="0"/>
+            </a:endParaRPr>
+          </a:p>
+          <a:p>
+            <a:r>
+              <a:rPr lang="en-US" dirty="0" smtClean="0">
+                <a:solidFill>
+                  <a:schemeClr val="tx1">
+                    <a:lumMod val="85000"/>
+                    <a:lumOff val="15000"/>
+                  </a:schemeClr>
+                </a:solidFill>
+                <a:latin typeface="Yu Gothic" panose="020B0400000000000000" pitchFamily="34" charset="-128"/>
+                <a:ea typeface="Yu Gothic" panose="020B0400000000000000" pitchFamily="34" charset="-128"/>
+                <a:cs typeface="Calibri Light" panose="020F0302020204030204" pitchFamily="34" charset="0"/>
+              </a:rPr>
+              <a:t> </a:t>
+            </a:r>
+          </a:p>
+          <a:p>
+            <a:endParaRPr lang="en-US" dirty="0" smtClean="0">
+              <a:solidFill>
+                <a:schemeClr val="tx1">
+                  <a:lumMod val="85000"/>
+                  <a:lumOff val="15000"/>
+                </a:schemeClr>
+              </a:solidFill>
+              <a:latin typeface="Yu Gothic" panose="020B0400000000000000" pitchFamily="34" charset="-128"/>
+              <a:ea typeface="Yu Gothic" panose="020B0400000000000000" pitchFamily="34" charset="-128"/>
+              <a:cs typeface="Calibri Light" panose="020F0302020204030204" pitchFamily="34" charset="0"/>
+            </a:endParaRPr>
+          </a:p>
+          <a:p>
+            <a:pPr marL="285750" indent="-285750">
+              <a:buFont typeface="Wingdings" panose="05000000000000000000" pitchFamily="2" charset="2"/>
+              <a:buChar char="à"/>
+            </a:pPr>
+            <a:r>
+              <a:rPr lang="en-US" b="1" dirty="0" smtClean="0">
+                <a:solidFill>
+                  <a:schemeClr val="tx1">
+                    <a:lumMod val="85000"/>
+                    <a:lumOff val="15000"/>
+                  </a:schemeClr>
+                </a:solidFill>
+                <a:latin typeface="Yu Gothic" panose="020B0400000000000000" pitchFamily="34" charset="-128"/>
+                <a:ea typeface="Yu Gothic" panose="020B0400000000000000" pitchFamily="34" charset="-128"/>
+                <a:cs typeface="Calibri Light" panose="020F0302020204030204" pitchFamily="34" charset="0"/>
+                <a:sym typeface="Wingdings" panose="05000000000000000000" pitchFamily="2" charset="2"/>
+              </a:rPr>
+              <a:t>Output</a:t>
+            </a:r>
+            <a:r>
+              <a:rPr lang="en-US" dirty="0" smtClean="0">
+                <a:solidFill>
+                  <a:schemeClr val="tx1">
+                    <a:lumMod val="85000"/>
+                    <a:lumOff val="15000"/>
+                  </a:schemeClr>
+                </a:solidFill>
+                <a:latin typeface="Yu Gothic" panose="020B0400000000000000" pitchFamily="34" charset="-128"/>
+                <a:ea typeface="Yu Gothic" panose="020B0400000000000000" pitchFamily="34" charset="-128"/>
+                <a:cs typeface="Calibri Light" panose="020F0302020204030204" pitchFamily="34" charset="0"/>
+                <a:sym typeface="Wingdings" panose="05000000000000000000" pitchFamily="2" charset="2"/>
+              </a:rPr>
+              <a:t> </a:t>
+            </a:r>
+            <a:r>
+              <a:rPr lang="en-US" dirty="0" err="1" smtClean="0">
+                <a:solidFill>
+                  <a:schemeClr val="tx1">
+                    <a:lumMod val="85000"/>
+                    <a:lumOff val="15000"/>
+                  </a:schemeClr>
+                </a:solidFill>
+                <a:latin typeface="Yu Gothic" panose="020B0400000000000000" pitchFamily="34" charset="-128"/>
+                <a:ea typeface="Yu Gothic" panose="020B0400000000000000" pitchFamily="34" charset="-128"/>
+                <a:cs typeface="Calibri Light" panose="020F0302020204030204" pitchFamily="34" charset="0"/>
+              </a:rPr>
+              <a:t>ptemperature</a:t>
+            </a:r>
+            <a:r>
+              <a:rPr lang="en-US" dirty="0" smtClean="0">
+                <a:solidFill>
+                  <a:schemeClr val="tx1">
+                    <a:lumMod val="85000"/>
+                    <a:lumOff val="15000"/>
+                  </a:schemeClr>
+                </a:solidFill>
+                <a:latin typeface="Yu Gothic" panose="020B0400000000000000" pitchFamily="34" charset="-128"/>
+                <a:ea typeface="Yu Gothic" panose="020B0400000000000000" pitchFamily="34" charset="-128"/>
+                <a:cs typeface="Calibri Light" panose="020F0302020204030204" pitchFamily="34" charset="0"/>
+              </a:rPr>
+              <a:t>: </a:t>
+            </a:r>
+            <a:r>
+              <a:rPr lang="en-US" dirty="0" err="1" smtClean="0">
+                <a:solidFill>
+                  <a:schemeClr val="tx1">
+                    <a:lumMod val="85000"/>
+                    <a:lumOff val="15000"/>
+                  </a:schemeClr>
+                </a:solidFill>
+                <a:latin typeface="Yu Gothic" panose="020B0400000000000000" pitchFamily="34" charset="-128"/>
+                <a:ea typeface="Yu Gothic" panose="020B0400000000000000" pitchFamily="34" charset="-128"/>
+                <a:cs typeface="Calibri Light" panose="020F0302020204030204" pitchFamily="34" charset="0"/>
+              </a:rPr>
+              <a:t>Temperatur</a:t>
+            </a:r>
+            <a:r>
+              <a:rPr lang="en-US" dirty="0" smtClean="0">
+                <a:solidFill>
+                  <a:schemeClr val="tx1">
+                    <a:lumMod val="85000"/>
+                    <a:lumOff val="15000"/>
+                  </a:schemeClr>
+                </a:solidFill>
+                <a:latin typeface="Yu Gothic" panose="020B0400000000000000" pitchFamily="34" charset="-128"/>
+                <a:ea typeface="Yu Gothic" panose="020B0400000000000000" pitchFamily="34" charset="-128"/>
+                <a:cs typeface="Calibri Light" panose="020F0302020204030204" pitchFamily="34" charset="0"/>
+              </a:rPr>
+              <a:t> </a:t>
+            </a:r>
+          </a:p>
+          <a:p>
+            <a:pPr marL="285750" indent="-285750">
+              <a:buFont typeface="Wingdings" panose="05000000000000000000" pitchFamily="2" charset="2"/>
+              <a:buChar char="à"/>
+            </a:pPr>
+            <a:r>
+              <a:rPr lang="en-US" b="1" dirty="0" smtClean="0">
+                <a:solidFill>
+                  <a:schemeClr val="tx1">
+                    <a:lumMod val="85000"/>
+                    <a:lumOff val="15000"/>
+                  </a:schemeClr>
+                </a:solidFill>
+                <a:latin typeface="Yu Gothic" panose="020B0400000000000000" pitchFamily="34" charset="-128"/>
+                <a:ea typeface="Yu Gothic" panose="020B0400000000000000" pitchFamily="34" charset="-128"/>
+                <a:cs typeface="Calibri Light" panose="020F0302020204030204" pitchFamily="34" charset="0"/>
+              </a:rPr>
+              <a:t>Output</a:t>
+            </a:r>
+            <a:r>
+              <a:rPr lang="en-US" dirty="0" smtClean="0">
+                <a:solidFill>
+                  <a:schemeClr val="tx1">
+                    <a:lumMod val="85000"/>
+                    <a:lumOff val="15000"/>
+                  </a:schemeClr>
+                </a:solidFill>
+                <a:latin typeface="Yu Gothic" panose="020B0400000000000000" pitchFamily="34" charset="-128"/>
+                <a:ea typeface="Yu Gothic" panose="020B0400000000000000" pitchFamily="34" charset="-128"/>
+                <a:cs typeface="Calibri Light" panose="020F0302020204030204" pitchFamily="34" charset="0"/>
+              </a:rPr>
+              <a:t> </a:t>
+            </a:r>
+            <a:r>
+              <a:rPr lang="en-US" dirty="0" err="1" smtClean="0">
+                <a:solidFill>
+                  <a:schemeClr val="tx1">
+                    <a:lumMod val="85000"/>
+                    <a:lumOff val="15000"/>
+                  </a:schemeClr>
+                </a:solidFill>
+                <a:latin typeface="Yu Gothic" panose="020B0400000000000000" pitchFamily="34" charset="-128"/>
+                <a:ea typeface="Yu Gothic" panose="020B0400000000000000" pitchFamily="34" charset="-128"/>
+                <a:cs typeface="Calibri Light" panose="020F0302020204030204" pitchFamily="34" charset="0"/>
+              </a:rPr>
+              <a:t>phumidity</a:t>
+            </a:r>
+            <a:r>
+              <a:rPr lang="en-US" dirty="0" smtClean="0">
+                <a:solidFill>
+                  <a:schemeClr val="tx1">
+                    <a:lumMod val="85000"/>
+                    <a:lumOff val="15000"/>
+                  </a:schemeClr>
+                </a:solidFill>
+                <a:latin typeface="Yu Gothic" panose="020B0400000000000000" pitchFamily="34" charset="-128"/>
+                <a:ea typeface="Yu Gothic" panose="020B0400000000000000" pitchFamily="34" charset="-128"/>
+                <a:cs typeface="Calibri Light" panose="020F0302020204030204" pitchFamily="34" charset="0"/>
+              </a:rPr>
+              <a:t>: </a:t>
+            </a:r>
+            <a:r>
+              <a:rPr lang="en-US" dirty="0" err="1" smtClean="0">
+                <a:solidFill>
+                  <a:schemeClr val="tx1">
+                    <a:lumMod val="85000"/>
+                    <a:lumOff val="15000"/>
+                  </a:schemeClr>
+                </a:solidFill>
+                <a:latin typeface="Yu Gothic" panose="020B0400000000000000" pitchFamily="34" charset="-128"/>
+                <a:ea typeface="Yu Gothic" panose="020B0400000000000000" pitchFamily="34" charset="-128"/>
+                <a:cs typeface="Calibri Light" panose="020F0302020204030204" pitchFamily="34" charset="0"/>
+              </a:rPr>
+              <a:t>Feuchtigkeit</a:t>
+            </a:r>
+            <a:endParaRPr lang="en-US" dirty="0" smtClean="0">
+              <a:solidFill>
+                <a:schemeClr val="tx1">
+                  <a:lumMod val="85000"/>
+                  <a:lumOff val="15000"/>
+                </a:schemeClr>
+              </a:solidFill>
+              <a:latin typeface="Yu Gothic" panose="020B0400000000000000" pitchFamily="34" charset="-128"/>
+              <a:ea typeface="Yu Gothic" panose="020B0400000000000000" pitchFamily="34" charset="-128"/>
+              <a:cs typeface="Calibri Light" panose="020F0302020204030204" pitchFamily="34" charset="0"/>
+            </a:endParaRPr>
+          </a:p>
+          <a:p>
+            <a:pPr marL="285750" indent="-285750">
+              <a:buFont typeface="Wingdings" panose="05000000000000000000" pitchFamily="2" charset="2"/>
+              <a:buChar char="à"/>
+            </a:pPr>
+            <a:r>
+              <a:rPr lang="en-US" b="1" dirty="0" smtClean="0">
+                <a:solidFill>
+                  <a:schemeClr val="tx1">
+                    <a:lumMod val="85000"/>
+                    <a:lumOff val="15000"/>
+                  </a:schemeClr>
+                </a:solidFill>
+                <a:latin typeface="Yu Gothic" panose="020B0400000000000000" pitchFamily="34" charset="-128"/>
+                <a:ea typeface="Yu Gothic" panose="020B0400000000000000" pitchFamily="34" charset="-128"/>
+                <a:cs typeface="Calibri Light" panose="020F0302020204030204" pitchFamily="34" charset="0"/>
+              </a:rPr>
+              <a:t>Output</a:t>
+            </a:r>
+            <a:r>
+              <a:rPr lang="en-US" dirty="0" smtClean="0">
+                <a:solidFill>
+                  <a:schemeClr val="tx1">
+                    <a:lumMod val="85000"/>
+                    <a:lumOff val="15000"/>
+                  </a:schemeClr>
+                </a:solidFill>
+                <a:latin typeface="Yu Gothic" panose="020B0400000000000000" pitchFamily="34" charset="-128"/>
+                <a:ea typeface="Yu Gothic" panose="020B0400000000000000" pitchFamily="34" charset="-128"/>
+                <a:cs typeface="Calibri Light" panose="020F0302020204030204" pitchFamily="34" charset="0"/>
+              </a:rPr>
+              <a:t> </a:t>
+            </a:r>
+            <a:r>
+              <a:rPr lang="en-US" dirty="0" err="1" smtClean="0">
+                <a:solidFill>
+                  <a:schemeClr val="tx1">
+                    <a:lumMod val="85000"/>
+                    <a:lumOff val="15000"/>
+                  </a:schemeClr>
+                </a:solidFill>
+                <a:latin typeface="Yu Gothic" panose="020B0400000000000000" pitchFamily="34" charset="-128"/>
+                <a:ea typeface="Yu Gothic" panose="020B0400000000000000" pitchFamily="34" charset="-128"/>
+                <a:cs typeface="Calibri Light" panose="020F0302020204030204" pitchFamily="34" charset="0"/>
+              </a:rPr>
+              <a:t>pdata</a:t>
+            </a:r>
+            <a:r>
+              <a:rPr lang="en-US" dirty="0" smtClean="0">
+                <a:solidFill>
+                  <a:schemeClr val="tx1">
+                    <a:lumMod val="85000"/>
+                    <a:lumOff val="15000"/>
+                  </a:schemeClr>
+                </a:solidFill>
+                <a:latin typeface="Yu Gothic" panose="020B0400000000000000" pitchFamily="34" charset="-128"/>
+                <a:ea typeface="Yu Gothic" panose="020B0400000000000000" pitchFamily="34" charset="-128"/>
+                <a:cs typeface="Calibri Light" panose="020F0302020204030204" pitchFamily="34" charset="0"/>
+              </a:rPr>
+              <a:t>: 40 Bit-</a:t>
+            </a:r>
+            <a:r>
+              <a:rPr lang="en-US" dirty="0" err="1" smtClean="0">
+                <a:solidFill>
+                  <a:schemeClr val="tx1">
+                    <a:lumMod val="85000"/>
+                    <a:lumOff val="15000"/>
+                  </a:schemeClr>
+                </a:solidFill>
+                <a:latin typeface="Yu Gothic" panose="020B0400000000000000" pitchFamily="34" charset="-128"/>
+                <a:ea typeface="Yu Gothic" panose="020B0400000000000000" pitchFamily="34" charset="-128"/>
+                <a:cs typeface="Calibri Light" panose="020F0302020204030204" pitchFamily="34" charset="0"/>
+              </a:rPr>
+              <a:t>Daten</a:t>
+            </a:r>
+            <a:endParaRPr lang="en-US" dirty="0">
+              <a:solidFill>
+                <a:schemeClr val="tx1">
+                  <a:lumMod val="85000"/>
+                  <a:lumOff val="15000"/>
+                </a:schemeClr>
+              </a:solidFill>
+              <a:latin typeface="Yu Gothic" panose="020B0400000000000000" pitchFamily="34" charset="-128"/>
+              <a:ea typeface="Yu Gothic" panose="020B0400000000000000" pitchFamily="34" charset="-128"/>
+              <a:cs typeface="Calibri Light" panose="020F0302020204030204" pitchFamily="34" charset="0"/>
+            </a:endParaRPr>
+          </a:p>
+          <a:p>
+            <a:endParaRPr lang="en-US" dirty="0" smtClean="0">
+              <a:solidFill>
+                <a:schemeClr val="tx1">
+                  <a:lumMod val="85000"/>
+                  <a:lumOff val="15000"/>
+                </a:schemeClr>
+              </a:solidFill>
+              <a:latin typeface="Yu Gothic" panose="020B0400000000000000" pitchFamily="34" charset="-128"/>
+              <a:ea typeface="Yu Gothic" panose="020B0400000000000000" pitchFamily="34" charset="-128"/>
+              <a:cs typeface="Calibri Light" panose="020F0302020204030204" pitchFamily="34" charset="0"/>
+            </a:endParaRPr>
+          </a:p>
+          <a:p>
+            <a:r>
+              <a:rPr lang="en-US" dirty="0" smtClean="0">
+                <a:solidFill>
+                  <a:schemeClr val="tx1">
+                    <a:lumMod val="85000"/>
+                    <a:lumOff val="15000"/>
+                  </a:schemeClr>
+                </a:solidFill>
+                <a:latin typeface="Yu Gothic" panose="020B0400000000000000" pitchFamily="34" charset="-128"/>
+                <a:ea typeface="Yu Gothic" panose="020B0400000000000000" pitchFamily="34" charset="-128"/>
+                <a:cs typeface="Calibri Light" panose="020F0302020204030204" pitchFamily="34" charset="0"/>
+              </a:rPr>
+              <a:t/>
+            </a:r>
+            <a:br>
+              <a:rPr lang="en-US" dirty="0" smtClean="0">
+                <a:solidFill>
+                  <a:schemeClr val="tx1">
+                    <a:lumMod val="85000"/>
+                    <a:lumOff val="15000"/>
+                  </a:schemeClr>
+                </a:solidFill>
+                <a:latin typeface="Yu Gothic" panose="020B0400000000000000" pitchFamily="34" charset="-128"/>
+                <a:ea typeface="Yu Gothic" panose="020B0400000000000000" pitchFamily="34" charset="-128"/>
+                <a:cs typeface="Calibri Light" panose="020F0302020204030204" pitchFamily="34" charset="0"/>
+              </a:rPr>
+            </a:br>
+            <a:r>
+              <a:rPr lang="en-US" dirty="0" smtClean="0">
+                <a:solidFill>
+                  <a:schemeClr val="tx1">
+                    <a:lumMod val="85000"/>
+                    <a:lumOff val="15000"/>
+                  </a:schemeClr>
+                </a:solidFill>
+                <a:latin typeface="Yu Gothic" panose="020B0400000000000000" pitchFamily="34" charset="-128"/>
+                <a:ea typeface="Yu Gothic" panose="020B0400000000000000" pitchFamily="34" charset="-128"/>
+                <a:cs typeface="Calibri Light" panose="020F0302020204030204" pitchFamily="34" charset="0"/>
+              </a:rPr>
+              <a:t>Min-Delay: 1s</a:t>
+            </a:r>
+            <a:br>
+              <a:rPr lang="en-US" dirty="0" smtClean="0">
+                <a:solidFill>
+                  <a:schemeClr val="tx1">
+                    <a:lumMod val="85000"/>
+                    <a:lumOff val="15000"/>
+                  </a:schemeClr>
+                </a:solidFill>
+                <a:latin typeface="Yu Gothic" panose="020B0400000000000000" pitchFamily="34" charset="-128"/>
+                <a:ea typeface="Yu Gothic" panose="020B0400000000000000" pitchFamily="34" charset="-128"/>
+                <a:cs typeface="Calibri Light" panose="020F0302020204030204" pitchFamily="34" charset="0"/>
+              </a:rPr>
+            </a:br>
+            <a:endParaRPr lang="de-DE" dirty="0">
+              <a:solidFill>
+                <a:schemeClr val="tx1">
+                  <a:lumMod val="85000"/>
+                  <a:lumOff val="15000"/>
+                </a:schemeClr>
+              </a:solidFill>
+              <a:latin typeface="Yu Gothic" panose="020B0400000000000000" pitchFamily="34" charset="-128"/>
+              <a:ea typeface="Yu Gothic" panose="020B0400000000000000" pitchFamily="34" charset="-128"/>
+              <a:cs typeface="Calibri Light" panose="020F0302020204030204" pitchFamily="34" charset="0"/>
+            </a:endParaRPr>
+          </a:p>
+        </p:txBody>
+      </p:sp>
+      <p:sp>
+        <p:nvSpPr>
+          <p:cNvPr id="8" name="Geschweifte Klammer rechts 7"/>
+          <p:cNvSpPr/>
+          <p:nvPr/>
+        </p:nvSpPr>
+        <p:spPr>
+          <a:xfrm>
+            <a:off x="10619163" y="4152900"/>
+            <a:ext cx="243840" cy="1127760"/>
+          </a:xfrm>
+          <a:prstGeom prst="rightBrace">
+            <a:avLst/>
+          </a:prstGeom>
+        </p:spPr>
+        <p:style>
+          <a:lnRef idx="3">
+            <a:schemeClr val="dk1"/>
+          </a:lnRef>
+          <a:fillRef idx="0">
+            <a:schemeClr val="dk1"/>
+          </a:fillRef>
+          <a:effectRef idx="2">
+            <a:schemeClr val="dk1"/>
+          </a:effectRef>
+          <a:fontRef idx="minor">
+            <a:schemeClr val="tx1"/>
+          </a:fontRef>
+        </p:style>
+        <p:txBody>
+          <a:bodyPr rtlCol="0" anchor="ctr"/>
+          <a:lstStyle/>
+          <a:p>
+            <a:pPr algn="ctr"/>
+            <a:endParaRPr lang="de-DE" b="1" dirty="0"/>
+          </a:p>
+        </p:txBody>
+      </p:sp>
+      <p:sp>
+        <p:nvSpPr>
+          <p:cNvPr id="9" name="Textfeld 8"/>
+          <p:cNvSpPr txBox="1"/>
+          <p:nvPr/>
+        </p:nvSpPr>
+        <p:spPr>
+          <a:xfrm>
+            <a:off x="10948381" y="4116615"/>
+            <a:ext cx="1097280" cy="1200329"/>
+          </a:xfrm>
+          <a:prstGeom prst="rect">
+            <a:avLst/>
+          </a:prstGeom>
+          <a:noFill/>
+        </p:spPr>
+        <p:txBody>
+          <a:bodyPr wrap="square" rtlCol="0">
+            <a:spAutoFit/>
+          </a:bodyPr>
+          <a:lstStyle/>
+          <a:p>
+            <a:r>
+              <a:rPr lang="de-DE" dirty="0" smtClean="0"/>
+              <a:t>NULL wenn nicht benötigt</a:t>
+            </a:r>
+            <a:endParaRPr lang="de-DE" dirty="0"/>
+          </a:p>
+        </p:txBody>
+      </p:sp>
+    </p:spTree>
+    <p:extLst>
+      <p:ext uri="{BB962C8B-B14F-4D97-AF65-F5344CB8AC3E}">
+        <p14:creationId xmlns:p14="http://schemas.microsoft.com/office/powerpoint/2010/main" val="3223674678"/>
+      </p:ext>
+    </p:extLst>
+  </p:cSld>
+  <p:clrMapOvr>
+    <a:masterClrMapping/>
+  </p:clrMapOvr>
+</p:sld>
+</file>
+
+<file path=ppt/slides/slide16.xml><?xml version="1.0" encoding="utf-8"?>
 <p:sld xmlns:a="http://schemas.openxmlformats.org/drawingml/2006/main" xmlns:r="http://schemas.openxmlformats.org/officeDocument/2006/relationships" xmlns:p="http://schemas.openxmlformats.org/presentationml/2006/main" show="0">
   <p:cSld>
     <p:spTree>
@@ -3786,7 +5738,7 @@
         </p:blipFill>
         <p:spPr>
           <a:xfrm>
-            <a:off x="2978367" y="2901950"/>
+            <a:off x="2188746" y="2918576"/>
             <a:ext cx="6151129" cy="3101975"/>
           </a:xfrm>
           <a:prstGeom prst="rect">
@@ -3804,10 +5756,25 @@
   <p:clrMapOvr>
     <a:masterClrMapping/>
   </p:clrMapOvr>
+  <mc:AlternateContent xmlns:mc="http://schemas.openxmlformats.org/markup-compatibility/2006">
+    <mc:Choice xmlns:p14="http://schemas.microsoft.com/office/powerpoint/2010/main" Requires="p14">
+      <p:transition spd="slow" p14:dur="2000"/>
+    </mc:Choice>
+    <mc:Fallback>
+      <p:transition spd="slow"/>
+    </mc:Fallback>
+  </mc:AlternateContent>
+  <p:timing>
+    <p:tnLst>
+      <p:par>
+        <p:cTn id="1" dur="indefinite" restart="never" nodeType="tmRoot"/>
+      </p:par>
+    </p:tnLst>
+  </p:timing>
 </p:sld>
 </file>
 
-<file path=ppt/slides/slide13.xml><?xml version="1.0" encoding="utf-8"?>
+<file path=ppt/slides/slide17.xml><?xml version="1.0" encoding="utf-8"?>
 <p:sld xmlns:a="http://schemas.openxmlformats.org/drawingml/2006/main" xmlns:r="http://schemas.openxmlformats.org/officeDocument/2006/relationships" xmlns:p="http://schemas.openxmlformats.org/presentationml/2006/main">
   <p:cSld>
     <p:bg>
@@ -4254,10 +6221,17 @@
   <p:clrMapOvr>
     <a:masterClrMapping/>
   </p:clrMapOvr>
+  <p:timing>
+    <p:tnLst>
+      <p:par>
+        <p:cTn id="1" dur="indefinite" restart="never" nodeType="tmRoot"/>
+      </p:par>
+    </p:tnLst>
+  </p:timing>
 </p:sld>
 </file>
 
-<file path=ppt/slides/slide14.xml><?xml version="1.0" encoding="utf-8"?>
+<file path=ppt/slides/slide18.xml><?xml version="1.0" encoding="utf-8"?>
 <p:sld xmlns:a="http://schemas.openxmlformats.org/drawingml/2006/main" xmlns:r="http://schemas.openxmlformats.org/officeDocument/2006/relationships" xmlns:p="http://schemas.openxmlformats.org/presentationml/2006/main">
   <p:cSld>
     <p:spTree>
@@ -4332,10 +6306,17 @@
   <p:clrMapOvr>
     <a:masterClrMapping/>
   </p:clrMapOvr>
+  <p:timing>
+    <p:tnLst>
+      <p:par>
+        <p:cTn id="1" dur="indefinite" restart="never" nodeType="tmRoot"/>
+      </p:par>
+    </p:tnLst>
+  </p:timing>
 </p:sld>
 </file>
 
-<file path=ppt/slides/slide15.xml><?xml version="1.0" encoding="utf-8"?>
+<file path=ppt/slides/slide19.xml><?xml version="1.0" encoding="utf-8"?>
 <p:sld xmlns:a="http://schemas.openxmlformats.org/drawingml/2006/main" xmlns:r="http://schemas.openxmlformats.org/officeDocument/2006/relationships" xmlns:p="http://schemas.openxmlformats.org/presentationml/2006/main">
   <p:cSld>
     <p:spTree>
@@ -4416,439 +6397,13 @@
   <p:clrMapOvr>
     <a:masterClrMapping/>
   </p:clrMapOvr>
-</p:sld>
-</file>
-
-<file path=ppt/slides/slide16.xml><?xml version="1.0" encoding="utf-8"?>
-<p:sld xmlns:a="http://schemas.openxmlformats.org/drawingml/2006/main" xmlns:r="http://schemas.openxmlformats.org/officeDocument/2006/relationships" xmlns:p="http://schemas.openxmlformats.org/presentationml/2006/main">
-  <p:cSld>
-    <p:spTree>
-      <p:nvGrpSpPr>
-        <p:cNvPr id="1" name=""/>
-        <p:cNvGrpSpPr/>
-        <p:nvPr/>
-      </p:nvGrpSpPr>
-      <p:grpSpPr>
-        <a:xfrm>
-          <a:off x="0" y="0"/>
-          <a:ext cx="0" cy="0"/>
-          <a:chOff x="0" y="0"/>
-          <a:chExt cx="0" cy="0"/>
-        </a:xfrm>
-      </p:grpSpPr>
-      <p:sp>
-        <p:nvSpPr>
-          <p:cNvPr id="2" name="Titel 1"/>
-          <p:cNvSpPr>
-            <a:spLocks noGrp="1"/>
-          </p:cNvSpPr>
-          <p:nvPr>
-            <p:ph type="title"/>
-          </p:nvPr>
-        </p:nvSpPr>
-        <p:spPr/>
-        <p:txBody>
-          <a:bodyPr/>
-          <a:lstStyle/>
-          <a:p>
-            <a:r>
-              <a:rPr lang="de-DE" dirty="0"/>
-              <a:t>ARCHITEKTUR – YOUR FEEDS</a:t>
-            </a:r>
-          </a:p>
-        </p:txBody>
-      </p:sp>
-      <p:pic>
-        <p:nvPicPr>
-          <p:cNvPr id="4" name="Inhaltsplatzhalter 3"/>
-          <p:cNvPicPr>
-            <a:picLocks noGrp="1" noChangeAspect="1"/>
-          </p:cNvPicPr>
-          <p:nvPr>
-            <p:ph idx="1"/>
-          </p:nvPr>
-        </p:nvPicPr>
-        <p:blipFill>
-          <a:blip r:embed="rId2"/>
-          <a:stretch>
-            <a:fillRect/>
-          </a:stretch>
-        </p:blipFill>
-        <p:spPr>
-          <a:xfrm>
-            <a:off x="0" y="2893197"/>
-            <a:ext cx="12173703" cy="2927573"/>
-          </a:xfrm>
-          <a:prstGeom prst="rect">
-            <a:avLst/>
-          </a:prstGeom>
-        </p:spPr>
-      </p:pic>
-    </p:spTree>
-    <p:extLst>
-      <p:ext uri="{BB962C8B-B14F-4D97-AF65-F5344CB8AC3E}">
-        <p14:creationId xmlns:p14="http://schemas.microsoft.com/office/powerpoint/2010/main" val="3079201682"/>
-      </p:ext>
-    </p:extLst>
-  </p:cSld>
-  <p:clrMapOvr>
-    <a:masterClrMapping/>
-  </p:clrMapOvr>
-</p:sld>
-</file>
-
-<file path=ppt/slides/slide17.xml><?xml version="1.0" encoding="utf-8"?>
-<p:sld xmlns:a="http://schemas.openxmlformats.org/drawingml/2006/main" xmlns:r="http://schemas.openxmlformats.org/officeDocument/2006/relationships" xmlns:p="http://schemas.openxmlformats.org/presentationml/2006/main">
-  <p:cSld>
-    <p:spTree>
-      <p:nvGrpSpPr>
-        <p:cNvPr id="1" name=""/>
-        <p:cNvGrpSpPr/>
-        <p:nvPr/>
-      </p:nvGrpSpPr>
-      <p:grpSpPr>
-        <a:xfrm>
-          <a:off x="0" y="0"/>
-          <a:ext cx="0" cy="0"/>
-          <a:chOff x="0" y="0"/>
-          <a:chExt cx="0" cy="0"/>
-        </a:xfrm>
-      </p:grpSpPr>
-      <p:sp>
-        <p:nvSpPr>
-          <p:cNvPr id="2" name="Titel 1"/>
-          <p:cNvSpPr>
-            <a:spLocks noGrp="1"/>
-          </p:cNvSpPr>
-          <p:nvPr>
-            <p:ph type="title"/>
-          </p:nvPr>
-        </p:nvSpPr>
-        <p:spPr/>
-        <p:txBody>
-          <a:bodyPr/>
-          <a:lstStyle/>
-          <a:p>
-            <a:r>
-              <a:rPr lang="de-DE" dirty="0"/>
-              <a:t>Architektur – </a:t>
-            </a:r>
-            <a:r>
-              <a:rPr lang="de-DE" dirty="0" err="1"/>
-              <a:t>your</a:t>
-            </a:r>
-            <a:r>
-              <a:rPr lang="de-DE" dirty="0"/>
-              <a:t> </a:t>
-            </a:r>
-            <a:r>
-              <a:rPr lang="de-DE" dirty="0" err="1"/>
-              <a:t>groups</a:t>
-            </a:r>
-            <a:endParaRPr lang="de-DE" dirty="0"/>
-          </a:p>
-        </p:txBody>
-      </p:sp>
-      <p:sp>
-        <p:nvSpPr>
-          <p:cNvPr id="3" name="Inhaltsplatzhalter 2"/>
-          <p:cNvSpPr>
-            <a:spLocks noGrp="1"/>
-          </p:cNvSpPr>
-          <p:nvPr>
-            <p:ph idx="1"/>
-          </p:nvPr>
-        </p:nvSpPr>
-        <p:spPr/>
-        <p:txBody>
-          <a:bodyPr/>
-          <a:lstStyle/>
-          <a:p>
-            <a:endParaRPr lang="de-DE"/>
-          </a:p>
-        </p:txBody>
-      </p:sp>
-    </p:spTree>
-    <p:extLst>
-      <p:ext uri="{BB962C8B-B14F-4D97-AF65-F5344CB8AC3E}">
-        <p14:creationId xmlns:p14="http://schemas.microsoft.com/office/powerpoint/2010/main" val="2505771570"/>
-      </p:ext>
-    </p:extLst>
-  </p:cSld>
-  <p:clrMapOvr>
-    <a:masterClrMapping/>
-  </p:clrMapOvr>
-</p:sld>
-</file>
-
-<file path=ppt/slides/slide18.xml><?xml version="1.0" encoding="utf-8"?>
-<p:sld xmlns:a="http://schemas.openxmlformats.org/drawingml/2006/main" xmlns:r="http://schemas.openxmlformats.org/officeDocument/2006/relationships" xmlns:p="http://schemas.openxmlformats.org/presentationml/2006/main">
-  <p:cSld>
-    <p:spTree>
-      <p:nvGrpSpPr>
-        <p:cNvPr id="1" name=""/>
-        <p:cNvGrpSpPr/>
-        <p:nvPr/>
-      </p:nvGrpSpPr>
-      <p:grpSpPr>
-        <a:xfrm>
-          <a:off x="0" y="0"/>
-          <a:ext cx="0" cy="0"/>
-          <a:chOff x="0" y="0"/>
-          <a:chExt cx="0" cy="0"/>
-        </a:xfrm>
-      </p:grpSpPr>
-      <p:sp>
-        <p:nvSpPr>
-          <p:cNvPr id="2" name="Titel 1"/>
-          <p:cNvSpPr>
-            <a:spLocks noGrp="1"/>
-          </p:cNvSpPr>
-          <p:nvPr>
-            <p:ph type="title"/>
-          </p:nvPr>
-        </p:nvSpPr>
-        <p:spPr/>
-        <p:txBody>
-          <a:bodyPr/>
-          <a:lstStyle/>
-          <a:p>
-            <a:r>
-              <a:rPr lang="de-DE" dirty="0"/>
-              <a:t>Quellen</a:t>
-            </a:r>
-          </a:p>
-        </p:txBody>
-      </p:sp>
-      <p:sp>
-        <p:nvSpPr>
-          <p:cNvPr id="3" name="Inhaltsplatzhalter 2"/>
-          <p:cNvSpPr>
-            <a:spLocks noGrp="1"/>
-          </p:cNvSpPr>
-          <p:nvPr>
-            <p:ph idx="1"/>
-          </p:nvPr>
-        </p:nvSpPr>
-        <p:spPr/>
-        <p:txBody>
-          <a:bodyPr>
-            <a:normAutofit fontScale="62500" lnSpcReduction="20000"/>
-          </a:bodyPr>
-          <a:lstStyle/>
-          <a:p>
-            <a:pPr marL="0" indent="0">
-              <a:buNone/>
-            </a:pPr>
-            <a:r>
-              <a:rPr lang="de-DE" dirty="0"/>
-              <a:t>[1] </a:t>
-            </a:r>
-            <a:r>
-              <a:rPr lang="de-DE" dirty="0">
-                <a:hlinkClick r:id="rId2"/>
-              </a:rPr>
-              <a:t>http://blog.gemalto.com/wp-content/uploads/2015/01/M2M-world-of-connected-services.jpg</a:t>
-            </a:r>
-            <a:r>
-              <a:rPr lang="de-DE" dirty="0"/>
-              <a:t> 05.11.2016</a:t>
-            </a:r>
-          </a:p>
-          <a:p>
-            <a:pPr marL="0" indent="0">
-              <a:buNone/>
-            </a:pPr>
-            <a:r>
-              <a:rPr lang="de-DE" dirty="0"/>
-              <a:t>[2] </a:t>
-            </a:r>
-            <a:r>
-              <a:rPr lang="de-DE" dirty="0">
-                <a:hlinkClick r:id="rId3"/>
-              </a:rPr>
-              <a:t>http://howtomechatronics.com/wp-content/uploads/2016/01/DHT11-DDHT22-Working-Principle.png?x57244</a:t>
-            </a:r>
-            <a:r>
-              <a:rPr lang="de-DE" dirty="0"/>
-              <a:t> 05.11.2016 </a:t>
-            </a:r>
-          </a:p>
-          <a:p>
-            <a:pPr marL="0" indent="0">
-              <a:buNone/>
-            </a:pPr>
-            <a:r>
-              <a:rPr lang="de-DE" dirty="0"/>
-              <a:t>[3] </a:t>
-            </a:r>
-            <a:r>
-              <a:rPr lang="de-DE" dirty="0">
-                <a:hlinkClick r:id="rId4"/>
-              </a:rPr>
-              <a:t>http://ic4l.net/wp-content/uploads/dht11-module-300x300.png</a:t>
-            </a:r>
-            <a:r>
-              <a:rPr lang="de-DE" dirty="0"/>
-              <a:t> 05.11.2016</a:t>
-            </a:r>
-          </a:p>
-          <a:p>
-            <a:pPr marL="0" indent="0">
-              <a:buNone/>
-            </a:pPr>
-            <a:r>
-              <a:rPr lang="de-DE" dirty="0"/>
-              <a:t>[4] DHT11 </a:t>
-            </a:r>
-            <a:r>
-              <a:rPr lang="de-DE" dirty="0" err="1"/>
-              <a:t>Humidity</a:t>
-            </a:r>
-            <a:r>
-              <a:rPr lang="de-DE" dirty="0"/>
-              <a:t> &amp; </a:t>
-            </a:r>
-            <a:r>
-              <a:rPr lang="de-DE" dirty="0" err="1"/>
-              <a:t>Temperature</a:t>
-            </a:r>
-            <a:r>
-              <a:rPr lang="de-DE" dirty="0"/>
-              <a:t> Sensor D-</a:t>
-            </a:r>
-            <a:r>
-              <a:rPr lang="de-DE" dirty="0" err="1"/>
-              <a:t>Robotics</a:t>
-            </a:r>
-            <a:r>
-              <a:rPr lang="de-DE" dirty="0"/>
-              <a:t> UK, D-</a:t>
-            </a:r>
-            <a:r>
-              <a:rPr lang="de-DE" dirty="0" err="1"/>
-              <a:t>Robotics</a:t>
-            </a:r>
-            <a:r>
-              <a:rPr lang="de-DE" dirty="0"/>
-              <a:t> 7/30/2010 </a:t>
-            </a:r>
-            <a:r>
-              <a:rPr lang="de-DE" dirty="0">
-                <a:hlinkClick r:id="rId5"/>
-              </a:rPr>
-              <a:t>http://www.micropik.com/PDF/dht11.pdf</a:t>
-            </a:r>
-            <a:r>
-              <a:rPr lang="de-DE" dirty="0"/>
-              <a:t> Seite XX, Absatz XX 05.11.2016</a:t>
-            </a:r>
-          </a:p>
-          <a:p>
-            <a:pPr marL="0" indent="0">
-              <a:buNone/>
-            </a:pPr>
-            <a:r>
-              <a:rPr lang="de-DE" dirty="0"/>
-              <a:t>[5] </a:t>
-            </a:r>
-            <a:r>
-              <a:rPr lang="de-DE" dirty="0">
-                <a:hlinkClick r:id="rId6"/>
-              </a:rPr>
-              <a:t>https://youtu.be/VelviRLkUeo</a:t>
-            </a:r>
-            <a:r>
-              <a:rPr lang="de-DE" dirty="0"/>
-              <a:t> 05.11.2016</a:t>
-            </a:r>
-          </a:p>
-          <a:p>
-            <a:pPr marL="0" indent="0">
-              <a:buNone/>
-            </a:pPr>
-            <a:r>
-              <a:rPr lang="de-DE" dirty="0"/>
-              <a:t>[6] </a:t>
-            </a:r>
-            <a:r>
-              <a:rPr lang="de-DE" dirty="0">
-                <a:hlinkClick r:id="rId7"/>
-              </a:rPr>
-              <a:t>https://www.adafruit.com/about</a:t>
-            </a:r>
-            <a:r>
-              <a:rPr lang="de-DE" dirty="0"/>
-              <a:t> 05.11.2016</a:t>
-            </a:r>
-          </a:p>
-          <a:p>
-            <a:pPr marL="0" indent="0">
-              <a:buNone/>
-            </a:pPr>
-            <a:r>
-              <a:rPr lang="de-DE" dirty="0"/>
-              <a:t>[7] </a:t>
-            </a:r>
-            <a:r>
-              <a:rPr lang="de-DE" dirty="0">
-                <a:hlinkClick r:id="rId8"/>
-              </a:rPr>
-              <a:t>https://io.adafruit.com/logos/logo_2x.png 05.11.2016</a:t>
-            </a:r>
-            <a:endParaRPr lang="de-DE" dirty="0"/>
-          </a:p>
-          <a:p>
-            <a:pPr marL="0" indent="0">
-              <a:buNone/>
-            </a:pPr>
-            <a:r>
-              <a:rPr lang="de-DE" dirty="0"/>
-              <a:t>[8] </a:t>
-            </a:r>
-            <a:r>
-              <a:rPr lang="de-DE" dirty="0">
-                <a:hlinkClick r:id="rId9"/>
-              </a:rPr>
-              <a:t>http://4sitewebsolutions.com/hvac/wp-content/uploads/2013/04/carrier3.png 06.11.2016</a:t>
-            </a:r>
-            <a:r>
-              <a:rPr lang="de-DE" dirty="0"/>
-              <a:t> </a:t>
-            </a:r>
-          </a:p>
-          <a:p>
-            <a:pPr marL="0" indent="0">
-              <a:buNone/>
-            </a:pPr>
-            <a:r>
-              <a:rPr lang="de-DE" dirty="0"/>
-              <a:t>[9] </a:t>
-            </a:r>
-            <a:r>
-              <a:rPr lang="de-DE" dirty="0">
-                <a:hlinkClick r:id="rId10"/>
-              </a:rPr>
-              <a:t>http://www.umweltbundesamt.de/themen/gesundheit/umwelteinfluesse-auf-den-menschen/schimmel/richtig-lueften-schimmelbildung-vermeiden</a:t>
-            </a:r>
-            <a:r>
-              <a:rPr lang="de-DE" dirty="0"/>
-              <a:t> 06.11.2016</a:t>
-            </a:r>
-            <a:endParaRPr lang="de-DE" dirty="0"/>
-          </a:p>
-        </p:txBody>
-      </p:sp>
-    </p:spTree>
-    <p:extLst>
-      <p:ext uri="{BB962C8B-B14F-4D97-AF65-F5344CB8AC3E}">
-        <p14:creationId xmlns:p14="http://schemas.microsoft.com/office/powerpoint/2010/main" val="2467890872"/>
-      </p:ext>
-    </p:extLst>
-  </p:cSld>
-  <p:clrMapOvr>
-    <a:masterClrMapping/>
-  </p:clrMapOvr>
+  <p:timing>
+    <p:tnLst>
+      <p:par>
+        <p:cTn id="1" dur="indefinite" restart="never" nodeType="tmRoot"/>
+      </p:par>
+    </p:tnLst>
+  </p:timing>
 </p:sld>
 </file>
 
@@ -4918,9 +6473,22 @@
           <a:lstStyle/>
           <a:p>
             <a:r>
-              <a:rPr lang="de-DE" dirty="0"/>
+              <a:rPr lang="de-DE" dirty="0" smtClean="0"/>
               <a:t>INTRO</a:t>
             </a:r>
+          </a:p>
+          <a:p>
+            <a:r>
+              <a:rPr lang="de-DE" dirty="0" smtClean="0"/>
+              <a:t>Sensor &amp; Bibliotheken</a:t>
+            </a:r>
+          </a:p>
+          <a:p>
+            <a:r>
+              <a:rPr lang="de-DE" dirty="0" smtClean="0"/>
+              <a:t>IOT</a:t>
+            </a:r>
+            <a:endParaRPr lang="de-DE" dirty="0"/>
           </a:p>
           <a:p>
             <a:endParaRPr lang="de-DE" dirty="0"/>
@@ -4978,6 +6546,679 @@
   <p:clrMapOvr>
     <a:masterClrMapping/>
   </p:clrMapOvr>
+  <p:timing>
+    <p:tnLst>
+      <p:par>
+        <p:cTn id="1" dur="indefinite" restart="never" nodeType="tmRoot"/>
+      </p:par>
+    </p:tnLst>
+  </p:timing>
+</p:sld>
+</file>
+
+<file path=ppt/slides/slide20.xml><?xml version="1.0" encoding="utf-8"?>
+<p:sld xmlns:a="http://schemas.openxmlformats.org/drawingml/2006/main" xmlns:r="http://schemas.openxmlformats.org/officeDocument/2006/relationships" xmlns:p="http://schemas.openxmlformats.org/presentationml/2006/main">
+  <p:cSld>
+    <p:spTree>
+      <p:nvGrpSpPr>
+        <p:cNvPr id="1" name=""/>
+        <p:cNvGrpSpPr/>
+        <p:nvPr/>
+      </p:nvGrpSpPr>
+      <p:grpSpPr>
+        <a:xfrm>
+          <a:off x="0" y="0"/>
+          <a:ext cx="0" cy="0"/>
+          <a:chOff x="0" y="0"/>
+          <a:chExt cx="0" cy="0"/>
+        </a:xfrm>
+      </p:grpSpPr>
+      <p:sp>
+        <p:nvSpPr>
+          <p:cNvPr id="2" name="Titel 1"/>
+          <p:cNvSpPr>
+            <a:spLocks noGrp="1"/>
+          </p:cNvSpPr>
+          <p:nvPr>
+            <p:ph type="title"/>
+          </p:nvPr>
+        </p:nvSpPr>
+        <p:spPr/>
+        <p:txBody>
+          <a:bodyPr/>
+          <a:lstStyle/>
+          <a:p>
+            <a:r>
+              <a:rPr lang="de-DE" dirty="0"/>
+              <a:t>ARCHITEKTUR – YOUR FEEDS</a:t>
+            </a:r>
+          </a:p>
+        </p:txBody>
+      </p:sp>
+      <p:pic>
+        <p:nvPicPr>
+          <p:cNvPr id="4" name="Inhaltsplatzhalter 3"/>
+          <p:cNvPicPr>
+            <a:picLocks noGrp="1" noChangeAspect="1"/>
+          </p:cNvPicPr>
+          <p:nvPr>
+            <p:ph idx="1"/>
+          </p:nvPr>
+        </p:nvPicPr>
+        <p:blipFill>
+          <a:blip r:embed="rId2"/>
+          <a:stretch>
+            <a:fillRect/>
+          </a:stretch>
+        </p:blipFill>
+        <p:spPr>
+          <a:xfrm>
+            <a:off x="0" y="2893197"/>
+            <a:ext cx="12173703" cy="2927573"/>
+          </a:xfrm>
+          <a:prstGeom prst="rect">
+            <a:avLst/>
+          </a:prstGeom>
+        </p:spPr>
+      </p:pic>
+    </p:spTree>
+    <p:extLst>
+      <p:ext uri="{BB962C8B-B14F-4D97-AF65-F5344CB8AC3E}">
+        <p14:creationId xmlns:p14="http://schemas.microsoft.com/office/powerpoint/2010/main" val="3079201682"/>
+      </p:ext>
+    </p:extLst>
+  </p:cSld>
+  <p:clrMapOvr>
+    <a:masterClrMapping/>
+  </p:clrMapOvr>
+  <p:timing>
+    <p:tnLst>
+      <p:par>
+        <p:cTn id="1" dur="indefinite" restart="never" nodeType="tmRoot"/>
+      </p:par>
+    </p:tnLst>
+  </p:timing>
+</p:sld>
+</file>
+
+<file path=ppt/slides/slide21.xml><?xml version="1.0" encoding="utf-8"?>
+<p:sld xmlns:a="http://schemas.openxmlformats.org/drawingml/2006/main" xmlns:r="http://schemas.openxmlformats.org/officeDocument/2006/relationships" xmlns:p="http://schemas.openxmlformats.org/presentationml/2006/main">
+  <p:cSld>
+    <p:spTree>
+      <p:nvGrpSpPr>
+        <p:cNvPr id="1" name=""/>
+        <p:cNvGrpSpPr/>
+        <p:nvPr/>
+      </p:nvGrpSpPr>
+      <p:grpSpPr>
+        <a:xfrm>
+          <a:off x="0" y="0"/>
+          <a:ext cx="0" cy="0"/>
+          <a:chOff x="0" y="0"/>
+          <a:chExt cx="0" cy="0"/>
+        </a:xfrm>
+      </p:grpSpPr>
+      <p:sp>
+        <p:nvSpPr>
+          <p:cNvPr id="2" name="Titel 1"/>
+          <p:cNvSpPr>
+            <a:spLocks noGrp="1"/>
+          </p:cNvSpPr>
+          <p:nvPr>
+            <p:ph type="title"/>
+          </p:nvPr>
+        </p:nvSpPr>
+        <p:spPr/>
+        <p:txBody>
+          <a:bodyPr/>
+          <a:lstStyle/>
+          <a:p>
+            <a:r>
+              <a:rPr lang="de-DE" dirty="0"/>
+              <a:t>Architektur – </a:t>
+            </a:r>
+            <a:r>
+              <a:rPr lang="de-DE" dirty="0" err="1"/>
+              <a:t>your</a:t>
+            </a:r>
+            <a:r>
+              <a:rPr lang="de-DE" dirty="0"/>
+              <a:t> </a:t>
+            </a:r>
+            <a:r>
+              <a:rPr lang="de-DE" dirty="0" err="1"/>
+              <a:t>groups</a:t>
+            </a:r>
+            <a:endParaRPr lang="de-DE" dirty="0"/>
+          </a:p>
+        </p:txBody>
+      </p:sp>
+      <p:pic>
+        <p:nvPicPr>
+          <p:cNvPr id="4" name="Inhaltsplatzhalter 3"/>
+          <p:cNvPicPr>
+            <a:picLocks noGrp="1" noChangeAspect="1"/>
+          </p:cNvPicPr>
+          <p:nvPr>
+            <p:ph idx="1"/>
+          </p:nvPr>
+        </p:nvPicPr>
+        <p:blipFill>
+          <a:blip r:embed="rId2"/>
+          <a:stretch>
+            <a:fillRect/>
+          </a:stretch>
+        </p:blipFill>
+        <p:spPr>
+          <a:xfrm>
+            <a:off x="0" y="2905956"/>
+            <a:ext cx="12192000" cy="3007718"/>
+          </a:xfrm>
+          <a:prstGeom prst="rect">
+            <a:avLst/>
+          </a:prstGeom>
+        </p:spPr>
+      </p:pic>
+    </p:spTree>
+    <p:extLst>
+      <p:ext uri="{BB962C8B-B14F-4D97-AF65-F5344CB8AC3E}">
+        <p14:creationId xmlns:p14="http://schemas.microsoft.com/office/powerpoint/2010/main" val="2505771570"/>
+      </p:ext>
+    </p:extLst>
+  </p:cSld>
+  <p:clrMapOvr>
+    <a:masterClrMapping/>
+  </p:clrMapOvr>
+  <p:timing>
+    <p:tnLst>
+      <p:par>
+        <p:cTn id="1" dur="indefinite" restart="never" nodeType="tmRoot"/>
+      </p:par>
+    </p:tnLst>
+  </p:timing>
+</p:sld>
+</file>
+
+<file path=ppt/slides/slide22.xml><?xml version="1.0" encoding="utf-8"?>
+<p:sld xmlns:a="http://schemas.openxmlformats.org/drawingml/2006/main" xmlns:r="http://schemas.openxmlformats.org/officeDocument/2006/relationships" xmlns:p="http://schemas.openxmlformats.org/presentationml/2006/main">
+  <p:cSld>
+    <p:spTree>
+      <p:nvGrpSpPr>
+        <p:cNvPr id="1" name=""/>
+        <p:cNvGrpSpPr/>
+        <p:nvPr/>
+      </p:nvGrpSpPr>
+      <p:grpSpPr>
+        <a:xfrm>
+          <a:off x="0" y="0"/>
+          <a:ext cx="0" cy="0"/>
+          <a:chOff x="0" y="0"/>
+          <a:chExt cx="0" cy="0"/>
+        </a:xfrm>
+      </p:grpSpPr>
+      <p:sp>
+        <p:nvSpPr>
+          <p:cNvPr id="2" name="Titel 1"/>
+          <p:cNvSpPr>
+            <a:spLocks noGrp="1"/>
+          </p:cNvSpPr>
+          <p:nvPr>
+            <p:ph type="title"/>
+          </p:nvPr>
+        </p:nvSpPr>
+        <p:spPr/>
+        <p:txBody>
+          <a:bodyPr/>
+          <a:lstStyle/>
+          <a:p>
+            <a:r>
+              <a:rPr lang="de-DE" dirty="0" err="1" smtClean="0"/>
+              <a:t>ARChitektur</a:t>
+            </a:r>
+            <a:r>
+              <a:rPr lang="de-DE" dirty="0" smtClean="0"/>
+              <a:t> – </a:t>
+            </a:r>
+            <a:r>
+              <a:rPr lang="de-DE" dirty="0" err="1" smtClean="0"/>
+              <a:t>your</a:t>
+            </a:r>
+            <a:r>
+              <a:rPr lang="de-DE" dirty="0" smtClean="0"/>
+              <a:t> </a:t>
+            </a:r>
+            <a:r>
+              <a:rPr lang="de-DE" dirty="0" err="1" smtClean="0"/>
+              <a:t>dashboards</a:t>
+            </a:r>
+            <a:endParaRPr lang="de-DE" dirty="0"/>
+          </a:p>
+        </p:txBody>
+      </p:sp>
+      <p:pic>
+        <p:nvPicPr>
+          <p:cNvPr id="4" name="Inhaltsplatzhalter 3"/>
+          <p:cNvPicPr>
+            <a:picLocks noGrp="1" noChangeAspect="1"/>
+          </p:cNvPicPr>
+          <p:nvPr>
+            <p:ph idx="1"/>
+          </p:nvPr>
+        </p:nvPicPr>
+        <p:blipFill>
+          <a:blip r:embed="rId2"/>
+          <a:stretch>
+            <a:fillRect/>
+          </a:stretch>
+        </p:blipFill>
+        <p:spPr>
+          <a:xfrm>
+            <a:off x="0" y="2928642"/>
+            <a:ext cx="12213822" cy="2910684"/>
+          </a:xfrm>
+          <a:prstGeom prst="rect">
+            <a:avLst/>
+          </a:prstGeom>
+        </p:spPr>
+      </p:pic>
+    </p:spTree>
+    <p:extLst>
+      <p:ext uri="{BB962C8B-B14F-4D97-AF65-F5344CB8AC3E}">
+        <p14:creationId xmlns:p14="http://schemas.microsoft.com/office/powerpoint/2010/main" val="900447262"/>
+      </p:ext>
+    </p:extLst>
+  </p:cSld>
+  <p:clrMapOvr>
+    <a:masterClrMapping/>
+  </p:clrMapOvr>
+  <p:timing>
+    <p:tnLst>
+      <p:par>
+        <p:cTn id="1" dur="indefinite" restart="never" nodeType="tmRoot"/>
+      </p:par>
+    </p:tnLst>
+  </p:timing>
+</p:sld>
+</file>
+
+<file path=ppt/slides/slide23.xml><?xml version="1.0" encoding="utf-8"?>
+<p:sld xmlns:a="http://schemas.openxmlformats.org/drawingml/2006/main" xmlns:r="http://schemas.openxmlformats.org/officeDocument/2006/relationships" xmlns:p="http://schemas.openxmlformats.org/presentationml/2006/main">
+  <p:cSld>
+    <p:spTree>
+      <p:nvGrpSpPr>
+        <p:cNvPr id="1" name=""/>
+        <p:cNvGrpSpPr/>
+        <p:nvPr/>
+      </p:nvGrpSpPr>
+      <p:grpSpPr>
+        <a:xfrm>
+          <a:off x="0" y="0"/>
+          <a:ext cx="0" cy="0"/>
+          <a:chOff x="0" y="0"/>
+          <a:chExt cx="0" cy="0"/>
+        </a:xfrm>
+      </p:grpSpPr>
+      <p:sp>
+        <p:nvSpPr>
+          <p:cNvPr id="2" name="Titel 1"/>
+          <p:cNvSpPr>
+            <a:spLocks noGrp="1"/>
+          </p:cNvSpPr>
+          <p:nvPr>
+            <p:ph type="title"/>
+          </p:nvPr>
+        </p:nvSpPr>
+        <p:spPr/>
+        <p:txBody>
+          <a:bodyPr/>
+          <a:lstStyle/>
+          <a:p>
+            <a:r>
+              <a:rPr lang="de-DE" dirty="0" smtClean="0"/>
+              <a:t>ARCHITEKTUR TRIGGERS</a:t>
+            </a:r>
+            <a:endParaRPr lang="de-DE" dirty="0"/>
+          </a:p>
+        </p:txBody>
+      </p:sp>
+      <p:sp>
+        <p:nvSpPr>
+          <p:cNvPr id="3" name="Inhaltsplatzhalter 2"/>
+          <p:cNvSpPr>
+            <a:spLocks noGrp="1"/>
+          </p:cNvSpPr>
+          <p:nvPr>
+            <p:ph idx="1"/>
+          </p:nvPr>
+        </p:nvSpPr>
+        <p:spPr/>
+        <p:txBody>
+          <a:bodyPr/>
+          <a:lstStyle/>
+          <a:p>
+            <a:endParaRPr lang="de-DE"/>
+          </a:p>
+        </p:txBody>
+      </p:sp>
+    </p:spTree>
+    <p:extLst>
+      <p:ext uri="{BB962C8B-B14F-4D97-AF65-F5344CB8AC3E}">
+        <p14:creationId xmlns:p14="http://schemas.microsoft.com/office/powerpoint/2010/main" val="1388316071"/>
+      </p:ext>
+    </p:extLst>
+  </p:cSld>
+  <p:clrMapOvr>
+    <a:masterClrMapping/>
+  </p:clrMapOvr>
+  <p:timing>
+    <p:tnLst>
+      <p:par>
+        <p:cTn id="1" dur="indefinite" restart="never" nodeType="tmRoot"/>
+      </p:par>
+    </p:tnLst>
+  </p:timing>
+</p:sld>
+</file>
+
+<file path=ppt/slides/slide24.xml><?xml version="1.0" encoding="utf-8"?>
+<p:sld xmlns:a="http://schemas.openxmlformats.org/drawingml/2006/main" xmlns:r="http://schemas.openxmlformats.org/officeDocument/2006/relationships" xmlns:p="http://schemas.openxmlformats.org/presentationml/2006/main">
+  <p:cSld>
+    <p:spTree>
+      <p:nvGrpSpPr>
+        <p:cNvPr id="1" name=""/>
+        <p:cNvGrpSpPr/>
+        <p:nvPr/>
+      </p:nvGrpSpPr>
+      <p:grpSpPr>
+        <a:xfrm>
+          <a:off x="0" y="0"/>
+          <a:ext cx="0" cy="0"/>
+          <a:chOff x="0" y="0"/>
+          <a:chExt cx="0" cy="0"/>
+        </a:xfrm>
+      </p:grpSpPr>
+      <p:sp>
+        <p:nvSpPr>
+          <p:cNvPr id="2" name="Titel 1"/>
+          <p:cNvSpPr>
+            <a:spLocks noGrp="1"/>
+          </p:cNvSpPr>
+          <p:nvPr>
+            <p:ph type="title"/>
+          </p:nvPr>
+        </p:nvSpPr>
+        <p:spPr/>
+        <p:txBody>
+          <a:bodyPr/>
+          <a:lstStyle/>
+          <a:p>
+            <a:r>
+              <a:rPr lang="de-DE" dirty="0"/>
+              <a:t>Quellen</a:t>
+            </a:r>
+          </a:p>
+        </p:txBody>
+      </p:sp>
+      <p:sp>
+        <p:nvSpPr>
+          <p:cNvPr id="3" name="Inhaltsplatzhalter 2"/>
+          <p:cNvSpPr>
+            <a:spLocks noGrp="1"/>
+          </p:cNvSpPr>
+          <p:nvPr>
+            <p:ph idx="1"/>
+          </p:nvPr>
+        </p:nvSpPr>
+        <p:spPr/>
+        <p:txBody>
+          <a:bodyPr>
+            <a:normAutofit fontScale="47500" lnSpcReduction="20000"/>
+          </a:bodyPr>
+          <a:lstStyle/>
+          <a:p>
+            <a:pPr marL="0" indent="0">
+              <a:buNone/>
+            </a:pPr>
+            <a:r>
+              <a:rPr lang="de-DE" dirty="0"/>
+              <a:t>[1] </a:t>
+            </a:r>
+            <a:r>
+              <a:rPr lang="de-DE" dirty="0">
+                <a:hlinkClick r:id="rId2"/>
+              </a:rPr>
+              <a:t>http://blog.gemalto.com/wp-content/uploads/2015/01/M2M-world-of-connected-services.jpg</a:t>
+            </a:r>
+            <a:r>
+              <a:rPr lang="de-DE" dirty="0"/>
+              <a:t> 05.11.2016</a:t>
+            </a:r>
+          </a:p>
+          <a:p>
+            <a:pPr marL="0" indent="0">
+              <a:buNone/>
+            </a:pPr>
+            <a:r>
+              <a:rPr lang="de-DE" dirty="0"/>
+              <a:t>[2] </a:t>
+            </a:r>
+            <a:r>
+              <a:rPr lang="de-DE" dirty="0">
+                <a:hlinkClick r:id="rId3"/>
+              </a:rPr>
+              <a:t>http://howtomechatronics.com/wp-content/uploads/2016/01/DHT11-DDHT22-Working-Principle.png?x57244</a:t>
+            </a:r>
+            <a:r>
+              <a:rPr lang="de-DE" dirty="0"/>
+              <a:t> 05.11.2016 </a:t>
+            </a:r>
+          </a:p>
+          <a:p>
+            <a:pPr marL="0" indent="0">
+              <a:buNone/>
+            </a:pPr>
+            <a:r>
+              <a:rPr lang="de-DE" dirty="0"/>
+              <a:t>[3] </a:t>
+            </a:r>
+            <a:r>
+              <a:rPr lang="de-DE" dirty="0">
+                <a:hlinkClick r:id="rId4"/>
+              </a:rPr>
+              <a:t>http://ic4l.net/wp-content/uploads/dht11-module-300x300.png</a:t>
+            </a:r>
+            <a:r>
+              <a:rPr lang="de-DE" dirty="0"/>
+              <a:t> 05.11.2016</a:t>
+            </a:r>
+          </a:p>
+          <a:p>
+            <a:pPr marL="0" indent="0">
+              <a:buNone/>
+            </a:pPr>
+            <a:r>
+              <a:rPr lang="de-DE" dirty="0"/>
+              <a:t>[4] DHT11 </a:t>
+            </a:r>
+            <a:r>
+              <a:rPr lang="de-DE" dirty="0" err="1"/>
+              <a:t>Humidity</a:t>
+            </a:r>
+            <a:r>
+              <a:rPr lang="de-DE" dirty="0"/>
+              <a:t> &amp; </a:t>
+            </a:r>
+            <a:r>
+              <a:rPr lang="de-DE" dirty="0" err="1"/>
+              <a:t>Temperature</a:t>
+            </a:r>
+            <a:r>
+              <a:rPr lang="de-DE" dirty="0"/>
+              <a:t> Sensor D-</a:t>
+            </a:r>
+            <a:r>
+              <a:rPr lang="de-DE" dirty="0" err="1"/>
+              <a:t>Robotics</a:t>
+            </a:r>
+            <a:r>
+              <a:rPr lang="de-DE" dirty="0"/>
+              <a:t> UK, D-</a:t>
+            </a:r>
+            <a:r>
+              <a:rPr lang="de-DE" dirty="0" err="1"/>
+              <a:t>Robotics</a:t>
+            </a:r>
+            <a:r>
+              <a:rPr lang="de-DE" dirty="0"/>
+              <a:t> 7/30/2010 </a:t>
+            </a:r>
+            <a:r>
+              <a:rPr lang="de-DE" dirty="0">
+                <a:hlinkClick r:id="rId5"/>
+              </a:rPr>
+              <a:t>http://www.micropik.com/PDF/dht11.pdf</a:t>
+            </a:r>
+            <a:r>
+              <a:rPr lang="de-DE" dirty="0"/>
+              <a:t> Seite XX, Absatz XX 05.11.2016</a:t>
+            </a:r>
+          </a:p>
+          <a:p>
+            <a:pPr marL="0" indent="0">
+              <a:buNone/>
+            </a:pPr>
+            <a:r>
+              <a:rPr lang="de-DE" dirty="0"/>
+              <a:t>[5] </a:t>
+            </a:r>
+            <a:r>
+              <a:rPr lang="de-DE" dirty="0">
+                <a:hlinkClick r:id="rId6"/>
+              </a:rPr>
+              <a:t>https://youtu.be/VelviRLkUeo</a:t>
+            </a:r>
+            <a:r>
+              <a:rPr lang="de-DE" dirty="0"/>
+              <a:t> 05.11.2016</a:t>
+            </a:r>
+          </a:p>
+          <a:p>
+            <a:pPr marL="0" indent="0">
+              <a:buNone/>
+            </a:pPr>
+            <a:r>
+              <a:rPr lang="de-DE" dirty="0"/>
+              <a:t>[6] </a:t>
+            </a:r>
+            <a:r>
+              <a:rPr lang="de-DE" dirty="0">
+                <a:hlinkClick r:id="rId7"/>
+              </a:rPr>
+              <a:t>https://www.adafruit.com/about</a:t>
+            </a:r>
+            <a:r>
+              <a:rPr lang="de-DE" dirty="0"/>
+              <a:t> 05.11.2016</a:t>
+            </a:r>
+          </a:p>
+          <a:p>
+            <a:pPr marL="0" indent="0">
+              <a:buNone/>
+            </a:pPr>
+            <a:r>
+              <a:rPr lang="de-DE" dirty="0"/>
+              <a:t>[7] </a:t>
+            </a:r>
+            <a:r>
+              <a:rPr lang="de-DE" dirty="0">
+                <a:hlinkClick r:id="rId8"/>
+              </a:rPr>
+              <a:t>https://io.adafruit.com/logos/logo_2x.png 05.11.2016</a:t>
+            </a:r>
+            <a:endParaRPr lang="de-DE" dirty="0"/>
+          </a:p>
+          <a:p>
+            <a:pPr marL="0" indent="0">
+              <a:buNone/>
+            </a:pPr>
+            <a:r>
+              <a:rPr lang="de-DE" dirty="0"/>
+              <a:t>[8] </a:t>
+            </a:r>
+            <a:r>
+              <a:rPr lang="de-DE" dirty="0">
+                <a:hlinkClick r:id="rId9"/>
+              </a:rPr>
+              <a:t>http://4sitewebsolutions.com/hvac/wp-content/uploads/2013/04/carrier3.png 06.11.2016</a:t>
+            </a:r>
+            <a:r>
+              <a:rPr lang="de-DE" dirty="0"/>
+              <a:t> </a:t>
+            </a:r>
+          </a:p>
+          <a:p>
+            <a:pPr marL="0" indent="0">
+              <a:buNone/>
+            </a:pPr>
+            <a:r>
+              <a:rPr lang="de-DE" dirty="0"/>
+              <a:t>[9] </a:t>
+            </a:r>
+            <a:r>
+              <a:rPr lang="de-DE" dirty="0">
+                <a:hlinkClick r:id="rId10"/>
+              </a:rPr>
+              <a:t>http://www.umweltbundesamt.de/themen/gesundheit/umwelteinfluesse-auf-den-menschen/schimmel/richtig-lueften-schimmelbildung-vermeiden </a:t>
+            </a:r>
+            <a:r>
+              <a:rPr lang="de-DE" dirty="0" smtClean="0">
+                <a:hlinkClick r:id="rId10"/>
+              </a:rPr>
+              <a:t>06.11.2016</a:t>
+            </a:r>
+            <a:endParaRPr lang="de-DE" dirty="0"/>
+          </a:p>
+          <a:p>
+            <a:pPr marL="0" indent="0">
+              <a:buNone/>
+            </a:pPr>
+            <a:r>
+              <a:rPr lang="de-DE" dirty="0"/>
+              <a:t>[</a:t>
+            </a:r>
+            <a:r>
+              <a:rPr lang="de-DE" dirty="0" smtClean="0"/>
+              <a:t>10]http</a:t>
+            </a:r>
+            <a:r>
+              <a:rPr lang="de-DE" dirty="0"/>
+              <a:t>://</a:t>
+            </a:r>
+            <a:r>
+              <a:rPr lang="de-DE" dirty="0" smtClean="0"/>
+              <a:t>images.google.de/imgres?imgurl=http%3A%2F%2Fwww.radon.com%2Fimages%2Ffigure6.gif&amp;imgrefurl=http%3A%2F%2Fwww.radon.com%2Fradon%2Fradon_analysis.html&amp;h=268&amp;w=337&amp;tbnid=OpSfZ3xZmypDgM%3A&amp;vet=1&amp;docid=NvviVYV6guTSMM&amp;ei=WKwhWKbEJcHlUea2gfgL&amp;tbm=isch&amp;client=firefox-b-ab&amp;iact=rc&amp;uact=3&amp;dur=460&amp;page=0&amp;start=0&amp;ndsp=41&amp;ved=0ahUKEwim0KyA_ZjQAhXBchQKHWZbAL8QMwggKAQwBA&amp;bih=969&amp;biw=1920 08.11.2016 </a:t>
+            </a:r>
+            <a:endParaRPr lang="de-DE" dirty="0" smtClean="0"/>
+          </a:p>
+        </p:txBody>
+      </p:sp>
+    </p:spTree>
+    <p:extLst>
+      <p:ext uri="{BB962C8B-B14F-4D97-AF65-F5344CB8AC3E}">
+        <p14:creationId xmlns:p14="http://schemas.microsoft.com/office/powerpoint/2010/main" val="2467890872"/>
+      </p:ext>
+    </p:extLst>
+  </p:cSld>
+  <p:clrMapOvr>
+    <a:masterClrMapping/>
+  </p:clrMapOvr>
+  <p:timing>
+    <p:tnLst>
+      <p:par>
+        <p:cTn id="1" dur="indefinite" restart="never" nodeType="tmRoot"/>
+      </p:par>
+    </p:tnLst>
+  </p:timing>
 </p:sld>
 </file>
 
@@ -5082,6 +7323,13 @@
   <p:clrMapOvr>
     <a:masterClrMapping/>
   </p:clrMapOvr>
+  <p:timing>
+    <p:tnLst>
+      <p:par>
+        <p:cTn id="1" dur="indefinite" restart="never" nodeType="tmRoot"/>
+      </p:par>
+    </p:tnLst>
+  </p:timing>
 </p:sld>
 </file>
 
@@ -5501,6 +7749,13 @@
   <p:clrMapOvr>
     <a:masterClrMapping/>
   </p:clrMapOvr>
+  <p:timing>
+    <p:tnLst>
+      <p:par>
+        <p:cTn id="1" dur="indefinite" restart="never" nodeType="tmRoot"/>
+      </p:par>
+    </p:tnLst>
+  </p:timing>
 </p:sld>
 </file>
 
@@ -5741,6 +7996,13 @@
   <p:clrMapOvr>
     <a:masterClrMapping/>
   </p:clrMapOvr>
+  <p:timing>
+    <p:tnLst>
+      <p:par>
+        <p:cTn id="1" dur="indefinite" restart="never" nodeType="tmRoot"/>
+      </p:par>
+    </p:tnLst>
+  </p:timing>
 </p:sld>
 </file>
 
@@ -5774,7 +8036,7 @@
         <p:spPr/>
         <p:txBody>
           <a:bodyPr>
-            <a:normAutofit fontScale="90000"/>
+            <a:normAutofit/>
           </a:bodyPr>
           <a:lstStyle/>
           <a:p>
@@ -5906,7 +8168,7 @@
         </p:blipFill>
         <p:spPr bwMode="auto">
           <a:xfrm>
-            <a:off x="4372506" y="3169456"/>
+            <a:off x="4580325" y="3169456"/>
             <a:ext cx="3362208" cy="1681104"/>
           </a:xfrm>
           <a:prstGeom prst="rect">
@@ -5945,7 +8207,7 @@
         </p:nvSpPr>
         <p:spPr>
           <a:xfrm>
-            <a:off x="4372506" y="5080673"/>
+            <a:off x="4580325" y="5080673"/>
             <a:ext cx="3045982" cy="1200329"/>
           </a:xfrm>
           <a:prstGeom prst="rect">
@@ -5995,6 +8257,92 @@
                 <a:sym typeface="Wingdings" panose="05000000000000000000" pitchFamily="2" charset="2"/>
               </a:rPr>
               <a:t>[9]</a:t>
+            </a:r>
+            <a:endParaRPr lang="de-DE" cap="all" spc="200" dirty="0">
+              <a:solidFill>
+                <a:srgbClr val="262626"/>
+              </a:solidFill>
+              <a:latin typeface="Yu Gothic" panose="020B0400000000000000" pitchFamily="34" charset="-128"/>
+              <a:ea typeface="Yu Gothic" panose="020B0400000000000000" pitchFamily="34" charset="-128"/>
+              <a:cs typeface="Calibri Light" panose="020F0302020204030204" pitchFamily="34" charset="0"/>
+            </a:endParaRPr>
+          </a:p>
+        </p:txBody>
+      </p:sp>
+      <p:pic>
+        <p:nvPicPr>
+          <p:cNvPr id="3" name="Picture 2" descr="http://www.radon.com/images/figure6.gif"/>
+          <p:cNvPicPr>
+            <a:picLocks noChangeAspect="1" noChangeArrowheads="1"/>
+          </p:cNvPicPr>
+          <p:nvPr/>
+        </p:nvPicPr>
+        <p:blipFill>
+          <a:blip r:embed="rId4">
+            <a:extLst>
+              <a:ext uri="{28A0092B-C50C-407E-A947-70E740481C1C}">
+                <a14:useLocalDpi xmlns:a14="http://schemas.microsoft.com/office/drawing/2010/main" val="0"/>
+              </a:ext>
+            </a:extLst>
+          </a:blip>
+          <a:srcRect/>
+          <a:stretch>
+            <a:fillRect/>
+          </a:stretch>
+        </p:blipFill>
+        <p:spPr bwMode="auto">
+          <a:xfrm>
+            <a:off x="8568055" y="2733658"/>
+            <a:ext cx="3209925" cy="2552700"/>
+          </a:xfrm>
+          <a:prstGeom prst="rect">
+            <a:avLst/>
+          </a:prstGeom>
+          <a:noFill/>
+          <a:extLst>
+            <a:ext uri="{909E8E84-426E-40DD-AFC4-6F175D3DCCD1}">
+              <a14:hiddenFill xmlns:a14="http://schemas.microsoft.com/office/drawing/2010/main">
+                <a:solidFill>
+                  <a:srgbClr val="FFFFFF"/>
+                </a:solidFill>
+              </a14:hiddenFill>
+            </a:ext>
+          </a:extLst>
+        </p:spPr>
+      </p:pic>
+      <p:sp>
+        <p:nvSpPr>
+          <p:cNvPr id="9" name="Textfeld 8"/>
+          <p:cNvSpPr txBox="1"/>
+          <p:nvPr/>
+        </p:nvSpPr>
+        <p:spPr>
+          <a:xfrm>
+            <a:off x="8733327" y="5286358"/>
+            <a:ext cx="3209925" cy="1477328"/>
+          </a:xfrm>
+          <a:prstGeom prst="rect">
+            <a:avLst/>
+          </a:prstGeom>
+          <a:noFill/>
+        </p:spPr>
+        <p:txBody>
+          <a:bodyPr wrap="square" rtlCol="0">
+            <a:spAutoFit/>
+          </a:bodyPr>
+          <a:lstStyle/>
+          <a:p>
+            <a:r>
+              <a:rPr lang="de-DE" cap="all" spc="200" dirty="0" smtClean="0">
+                <a:solidFill>
+                  <a:srgbClr val="262626"/>
+                </a:solidFill>
+                <a:latin typeface="Yu Gothic" panose="020B0400000000000000" pitchFamily="34" charset="-128"/>
+                <a:ea typeface="Yu Gothic" panose="020B0400000000000000" pitchFamily="34" charset="-128"/>
+                <a:cs typeface="Calibri Light" panose="020F0302020204030204" pitchFamily="34" charset="0"/>
+                <a:sym typeface="Wingdings" panose="05000000000000000000" pitchFamily="2" charset="2"/>
+              </a:rPr>
+              <a:t>AUSWIRKUNG VON LUFTFEUCHTIGKEIT AUF GAMMASTRAHLEN IN DER STRAHLENTHERAPIE [10]</a:t>
             </a:r>
             <a:endParaRPr lang="de-DE" cap="all" spc="200" dirty="0">
               <a:solidFill>
@@ -6017,6 +8365,13 @@
   <p:clrMapOvr>
     <a:masterClrMapping/>
   </p:clrMapOvr>
+  <p:timing>
+    <p:tnLst>
+      <p:par>
+        <p:cTn id="1" dur="indefinite" restart="never" nodeType="tmRoot"/>
+      </p:par>
+    </p:tnLst>
+  </p:timing>
 </p:sld>
 </file>
 
@@ -6423,6 +8778,13 @@
   <p:clrMapOvr>
     <a:masterClrMapping/>
   </p:clrMapOvr>
+  <p:timing>
+    <p:tnLst>
+      <p:par>
+        <p:cTn id="1" dur="indefinite" restart="never" nodeType="tmRoot"/>
+      </p:par>
+    </p:tnLst>
+  </p:timing>
 </p:sld>
 </file>
 
@@ -6566,6 +8928,13 @@
   <p:clrMapOvr>
     <a:masterClrMapping/>
   </p:clrMapOvr>
+  <p:timing>
+    <p:tnLst>
+      <p:par>
+        <p:cTn id="1" dur="indefinite" restart="never" nodeType="tmRoot"/>
+      </p:par>
+    </p:tnLst>
+  </p:timing>
 </p:sld>
 </file>
 
@@ -6626,12 +8995,26 @@
         </p:blipFill>
         <p:spPr>
           <a:xfrm>
-            <a:off x="1350120" y="2987213"/>
+            <a:off x="329929" y="2974939"/>
             <a:ext cx="3717634" cy="3101975"/>
           </a:xfrm>
           <a:prstGeom prst="rect">
             <a:avLst/>
           </a:prstGeom>
+          <a:ln w="38100" cap="sq">
+            <a:solidFill>
+              <a:srgbClr val="000000"/>
+            </a:solidFill>
+            <a:prstDash val="solid"/>
+            <a:miter lim="800000"/>
+          </a:ln>
+          <a:effectLst>
+            <a:outerShdw blurRad="50800" dist="38100" dir="2700000" algn="tl" rotWithShape="0">
+              <a:srgbClr val="000000">
+                <a:alpha val="43000"/>
+              </a:srgbClr>
+            </a:outerShdw>
+          </a:effectLst>
         </p:spPr>
       </p:pic>
       <p:pic>
@@ -6650,14 +9033,66 @@
         </p:blipFill>
         <p:spPr>
           <a:xfrm>
-            <a:off x="5604202" y="2987213"/>
+            <a:off x="6585104" y="2987213"/>
             <a:ext cx="5411551" cy="3077428"/>
           </a:xfrm>
           <a:prstGeom prst="rect">
             <a:avLst/>
           </a:prstGeom>
+          <a:ln w="38100" cap="sq">
+            <a:solidFill>
+              <a:srgbClr val="000000"/>
+            </a:solidFill>
+            <a:prstDash val="solid"/>
+            <a:miter lim="800000"/>
+          </a:ln>
+          <a:effectLst>
+            <a:outerShdw blurRad="50800" dist="38100" dir="2700000" algn="tl" rotWithShape="0">
+              <a:srgbClr val="000000">
+                <a:alpha val="43000"/>
+              </a:srgbClr>
+            </a:outerShdw>
+          </a:effectLst>
         </p:spPr>
       </p:pic>
+      <p:sp>
+        <p:nvSpPr>
+          <p:cNvPr id="3" name="Pfeil nach rechts 2"/>
+          <p:cNvSpPr/>
+          <p:nvPr/>
+        </p:nvSpPr>
+        <p:spPr>
+          <a:xfrm>
+            <a:off x="4252304" y="3968973"/>
+            <a:ext cx="2128059" cy="1113905"/>
+          </a:xfrm>
+          <a:prstGeom prst="rightArrow">
+            <a:avLst/>
+          </a:prstGeom>
+        </p:spPr>
+        <p:style>
+          <a:lnRef idx="0">
+            <a:schemeClr val="dk1"/>
+          </a:lnRef>
+          <a:fillRef idx="3">
+            <a:schemeClr val="dk1"/>
+          </a:fillRef>
+          <a:effectRef idx="3">
+            <a:schemeClr val="dk1"/>
+          </a:effectRef>
+          <a:fontRef idx="minor">
+            <a:schemeClr val="lt1"/>
+          </a:fontRef>
+        </p:style>
+        <p:txBody>
+          <a:bodyPr rtlCol="0" anchor="ctr"/>
+          <a:lstStyle/>
+          <a:p>
+            <a:pPr algn="ctr"/>
+            <a:endParaRPr lang="de-DE"/>
+          </a:p>
+        </p:txBody>
+      </p:sp>
     </p:spTree>
     <p:extLst>
       <p:ext uri="{BB962C8B-B14F-4D97-AF65-F5344CB8AC3E}">
@@ -6668,6 +9103,13 @@
   <p:clrMapOvr>
     <a:masterClrMapping/>
   </p:clrMapOvr>
+  <p:timing>
+    <p:tnLst>
+      <p:par>
+        <p:cTn id="1" dur="indefinite" restart="never" nodeType="tmRoot"/>
+      </p:par>
+    </p:tnLst>
+  </p:timing>
 </p:sld>
 </file>
 

--- a/PES.pptx
+++ b/PES.pptx
@@ -25,10 +25,12 @@
     <p:sldId id="264" r:id="rId19"/>
     <p:sldId id="267" r:id="rId20"/>
     <p:sldId id="268" r:id="rId21"/>
-    <p:sldId id="269" r:id="rId22"/>
-    <p:sldId id="275" r:id="rId23"/>
-    <p:sldId id="276" r:id="rId24"/>
-    <p:sldId id="263" r:id="rId25"/>
+    <p:sldId id="280" r:id="rId22"/>
+    <p:sldId id="281" r:id="rId23"/>
+    <p:sldId id="269" r:id="rId24"/>
+    <p:sldId id="275" r:id="rId25"/>
+    <p:sldId id="276" r:id="rId26"/>
+    <p:sldId id="263" r:id="rId27"/>
   </p:sldIdLst>
   <p:sldSz cx="12192000" cy="6858000"/>
   <p:notesSz cx="6858000" cy="9144000"/>
@@ -298,7 +300,7 @@
           <a:p>
             <a:fld id="{86EDB6B8-2465-4E54-AD90-CE977215BECC}" type="datetimeFigureOut">
               <a:rPr lang="de-DE" smtClean="0"/>
-              <a:t>08.11.2016</a:t>
+              <a:t>09.11.2016</a:t>
             </a:fld>
             <a:endParaRPr lang="de-DE"/>
           </a:p>
@@ -468,7 +470,7 @@
           <a:p>
             <a:fld id="{86EDB6B8-2465-4E54-AD90-CE977215BECC}" type="datetimeFigureOut">
               <a:rPr lang="de-DE" smtClean="0"/>
-              <a:t>08.11.2016</a:t>
+              <a:t>09.11.2016</a:t>
             </a:fld>
             <a:endParaRPr lang="de-DE"/>
           </a:p>
@@ -648,7 +650,7 @@
           <a:p>
             <a:fld id="{86EDB6B8-2465-4E54-AD90-CE977215BECC}" type="datetimeFigureOut">
               <a:rPr lang="de-DE" smtClean="0"/>
-              <a:t>08.11.2016</a:t>
+              <a:t>09.11.2016</a:t>
             </a:fld>
             <a:endParaRPr lang="de-DE"/>
           </a:p>
@@ -881,7 +883,7 @@
             <a:fld id="{86EDB6B8-2465-4E54-AD90-CE977215BECC}" type="datetimeFigureOut">
               <a:rPr lang="de-DE" smtClean="0"/>
               <a:pPr/>
-              <a:t>08.11.2016</a:t>
+              <a:t>09.11.2016</a:t>
             </a:fld>
             <a:endParaRPr lang="de-DE"/>
           </a:p>
@@ -1207,7 +1209,7 @@
           <a:p>
             <a:fld id="{86EDB6B8-2465-4E54-AD90-CE977215BECC}" type="datetimeFigureOut">
               <a:rPr lang="de-DE" smtClean="0"/>
-              <a:t>08.11.2016</a:t>
+              <a:t>09.11.2016</a:t>
             </a:fld>
             <a:endParaRPr lang="de-DE"/>
           </a:p>
@@ -1439,7 +1441,7 @@
           <a:p>
             <a:fld id="{86EDB6B8-2465-4E54-AD90-CE977215BECC}" type="datetimeFigureOut">
               <a:rPr lang="de-DE" smtClean="0"/>
-              <a:t>08.11.2016</a:t>
+              <a:t>09.11.2016</a:t>
             </a:fld>
             <a:endParaRPr lang="de-DE"/>
           </a:p>
@@ -1798,7 +1800,7 @@
           <a:p>
             <a:fld id="{86EDB6B8-2465-4E54-AD90-CE977215BECC}" type="datetimeFigureOut">
               <a:rPr lang="de-DE" smtClean="0"/>
-              <a:t>08.11.2016</a:t>
+              <a:t>09.11.2016</a:t>
             </a:fld>
             <a:endParaRPr lang="de-DE"/>
           </a:p>
@@ -1939,7 +1941,7 @@
           <a:p>
             <a:fld id="{86EDB6B8-2465-4E54-AD90-CE977215BECC}" type="datetimeFigureOut">
               <a:rPr lang="de-DE" smtClean="0"/>
-              <a:t>08.11.2016</a:t>
+              <a:t>09.11.2016</a:t>
             </a:fld>
             <a:endParaRPr lang="de-DE"/>
           </a:p>
@@ -2034,7 +2036,7 @@
           <a:p>
             <a:fld id="{86EDB6B8-2465-4E54-AD90-CE977215BECC}" type="datetimeFigureOut">
               <a:rPr lang="de-DE" smtClean="0"/>
-              <a:t>08.11.2016</a:t>
+              <a:t>09.11.2016</a:t>
             </a:fld>
             <a:endParaRPr lang="de-DE"/>
           </a:p>
@@ -2391,7 +2393,7 @@
           <a:p>
             <a:fld id="{86EDB6B8-2465-4E54-AD90-CE977215BECC}" type="datetimeFigureOut">
               <a:rPr lang="de-DE" smtClean="0"/>
-              <a:t>08.11.2016</a:t>
+              <a:t>09.11.2016</a:t>
             </a:fld>
             <a:endParaRPr lang="de-DE"/>
           </a:p>
@@ -2748,7 +2750,7 @@
           <a:p>
             <a:fld id="{86EDB6B8-2465-4E54-AD90-CE977215BECC}" type="datetimeFigureOut">
               <a:rPr lang="de-DE" smtClean="0"/>
-              <a:t>08.11.2016</a:t>
+              <a:t>09.11.2016</a:t>
             </a:fld>
             <a:endParaRPr lang="de-DE"/>
           </a:p>
@@ -2989,7 +2991,7 @@
           <a:p>
             <a:fld id="{86EDB6B8-2465-4E54-AD90-CE977215BECC}" type="datetimeFigureOut">
               <a:rPr lang="de-DE" smtClean="0"/>
-              <a:t>08.11.2016</a:t>
+              <a:t>09.11.2016</a:t>
             </a:fld>
             <a:endParaRPr lang="de-DE"/>
           </a:p>
@@ -5678,6 +5680,13 @@
   <p:clrMapOvr>
     <a:masterClrMapping/>
   </p:clrMapOvr>
+  <p:timing>
+    <p:tnLst>
+      <p:par>
+        <p:cTn id="1" dur="indefinite" restart="never" nodeType="tmRoot"/>
+      </p:par>
+    </p:tnLst>
+  </p:timing>
 </p:sld>
 </file>
 
@@ -5756,11 +5765,11 @@
   <p:clrMapOvr>
     <a:masterClrMapping/>
   </p:clrMapOvr>
-  <mc:AlternateContent xmlns:mc="http://schemas.openxmlformats.org/markup-compatibility/2006">
-    <mc:Choice xmlns:p14="http://schemas.microsoft.com/office/powerpoint/2010/main" Requires="p14">
+  <mc:AlternateContent xmlns:mc="http://schemas.openxmlformats.org/markup-compatibility/2006" xmlns:p14="http://schemas.microsoft.com/office/powerpoint/2010/main">
+    <mc:Choice Requires="p14">
       <p:transition spd="slow" p14:dur="2000"/>
     </mc:Choice>
-    <mc:Fallback>
+    <mc:Fallback xmlns="">
       <p:transition spd="slow"/>
     </mc:Fallback>
   </mc:AlternateContent>
@@ -6674,6 +6683,320 @@
           <a:lstStyle/>
           <a:p>
             <a:r>
+              <a:rPr lang="de-DE" dirty="0" smtClean="0"/>
+              <a:t>Create - Feed</a:t>
+            </a:r>
+            <a:endParaRPr lang="de-DE" dirty="0"/>
+          </a:p>
+        </p:txBody>
+      </p:sp>
+      <p:pic>
+        <p:nvPicPr>
+          <p:cNvPr id="4" name="Inhaltsplatzhalter 3"/>
+          <p:cNvPicPr>
+            <a:picLocks noGrp="1" noChangeAspect="1"/>
+          </p:cNvPicPr>
+          <p:nvPr>
+            <p:ph idx="1"/>
+          </p:nvPr>
+        </p:nvPicPr>
+        <p:blipFill>
+          <a:blip r:embed="rId2"/>
+          <a:stretch>
+            <a:fillRect/>
+          </a:stretch>
+        </p:blipFill>
+        <p:spPr>
+          <a:xfrm>
+            <a:off x="283028" y="2759665"/>
+            <a:ext cx="6760029" cy="1625674"/>
+          </a:xfrm>
+          <a:prstGeom prst="rect">
+            <a:avLst/>
+          </a:prstGeom>
+        </p:spPr>
+      </p:pic>
+      <p:sp>
+        <p:nvSpPr>
+          <p:cNvPr id="5" name="Pfeil nach rechts 4"/>
+          <p:cNvSpPr/>
+          <p:nvPr/>
+        </p:nvSpPr>
+        <p:spPr>
+          <a:xfrm rot="10800000">
+            <a:off x="6924362" y="2791470"/>
+            <a:ext cx="1041149" cy="606582"/>
+          </a:xfrm>
+          <a:prstGeom prst="rightArrow">
+            <a:avLst/>
+          </a:prstGeom>
+          <a:solidFill>
+            <a:srgbClr val="FF0000"/>
+          </a:solidFill>
+        </p:spPr>
+        <p:style>
+          <a:lnRef idx="2">
+            <a:schemeClr val="accent1">
+              <a:shade val="50000"/>
+            </a:schemeClr>
+          </a:lnRef>
+          <a:fillRef idx="1">
+            <a:schemeClr val="accent1"/>
+          </a:fillRef>
+          <a:effectRef idx="0">
+            <a:schemeClr val="accent1"/>
+          </a:effectRef>
+          <a:fontRef idx="minor">
+            <a:schemeClr val="lt1"/>
+          </a:fontRef>
+        </p:style>
+        <p:txBody>
+          <a:bodyPr rtlCol="0" anchor="ctr"/>
+          <a:lstStyle/>
+          <a:p>
+            <a:pPr algn="ctr"/>
+            <a:endParaRPr lang="de-DE">
+              <a:solidFill>
+                <a:srgbClr val="FF0000"/>
+              </a:solidFill>
+            </a:endParaRPr>
+          </a:p>
+        </p:txBody>
+      </p:sp>
+      <p:pic>
+        <p:nvPicPr>
+          <p:cNvPr id="7" name="Grafik 6"/>
+          <p:cNvPicPr>
+            <a:picLocks noChangeAspect="1"/>
+          </p:cNvPicPr>
+          <p:nvPr/>
+        </p:nvPicPr>
+        <p:blipFill>
+          <a:blip r:embed="rId3"/>
+          <a:stretch>
+            <a:fillRect/>
+          </a:stretch>
+        </p:blipFill>
+        <p:spPr>
+          <a:xfrm>
+            <a:off x="6327224" y="4492346"/>
+            <a:ext cx="5650365" cy="2152271"/>
+          </a:xfrm>
+          <a:prstGeom prst="rect">
+            <a:avLst/>
+          </a:prstGeom>
+        </p:spPr>
+      </p:pic>
+    </p:spTree>
+    <p:extLst>
+      <p:ext uri="{BB962C8B-B14F-4D97-AF65-F5344CB8AC3E}">
+        <p14:creationId xmlns:p14="http://schemas.microsoft.com/office/powerpoint/2010/main" val="963771656"/>
+      </p:ext>
+    </p:extLst>
+  </p:cSld>
+  <p:clrMapOvr>
+    <a:masterClrMapping/>
+  </p:clrMapOvr>
+  <p:timing>
+    <p:tnLst>
+      <p:par>
+        <p:cTn id="1" dur="indefinite" restart="never" nodeType="tmRoot"/>
+      </p:par>
+    </p:tnLst>
+  </p:timing>
+</p:sld>
+</file>
+
+<file path=ppt/slides/slide22.xml><?xml version="1.0" encoding="utf-8"?>
+<p:sld xmlns:a="http://schemas.openxmlformats.org/drawingml/2006/main" xmlns:r="http://schemas.openxmlformats.org/officeDocument/2006/relationships" xmlns:p="http://schemas.openxmlformats.org/presentationml/2006/main">
+  <p:cSld>
+    <p:spTree>
+      <p:nvGrpSpPr>
+        <p:cNvPr id="1" name=""/>
+        <p:cNvGrpSpPr/>
+        <p:nvPr/>
+      </p:nvGrpSpPr>
+      <p:grpSpPr>
+        <a:xfrm>
+          <a:off x="0" y="0"/>
+          <a:ext cx="0" cy="0"/>
+          <a:chOff x="0" y="0"/>
+          <a:chExt cx="0" cy="0"/>
+        </a:xfrm>
+      </p:grpSpPr>
+      <p:sp>
+        <p:nvSpPr>
+          <p:cNvPr id="2" name="Titel 1"/>
+          <p:cNvSpPr>
+            <a:spLocks noGrp="1"/>
+          </p:cNvSpPr>
+          <p:nvPr>
+            <p:ph type="title"/>
+          </p:nvPr>
+        </p:nvSpPr>
+        <p:spPr/>
+        <p:txBody>
+          <a:bodyPr/>
+          <a:lstStyle/>
+          <a:p>
+            <a:r>
+              <a:rPr lang="de-DE" dirty="0" smtClean="0"/>
+              <a:t>Feed - </a:t>
+            </a:r>
+            <a:r>
+              <a:rPr lang="de-DE" dirty="0" err="1" smtClean="0"/>
+              <a:t>key</a:t>
+            </a:r>
+            <a:endParaRPr lang="de-DE" dirty="0"/>
+          </a:p>
+        </p:txBody>
+      </p:sp>
+      <p:pic>
+        <p:nvPicPr>
+          <p:cNvPr id="4" name="Inhaltsplatzhalter 3"/>
+          <p:cNvPicPr>
+            <a:picLocks noGrp="1" noChangeAspect="1"/>
+          </p:cNvPicPr>
+          <p:nvPr>
+            <p:ph idx="1"/>
+          </p:nvPr>
+        </p:nvPicPr>
+        <p:blipFill>
+          <a:blip r:embed="rId2"/>
+          <a:stretch>
+            <a:fillRect/>
+          </a:stretch>
+        </p:blipFill>
+        <p:spPr>
+          <a:xfrm>
+            <a:off x="218444" y="2993571"/>
+            <a:ext cx="5619889" cy="3478440"/>
+          </a:xfrm>
+          <a:prstGeom prst="rect">
+            <a:avLst/>
+          </a:prstGeom>
+        </p:spPr>
+      </p:pic>
+      <p:sp>
+        <p:nvSpPr>
+          <p:cNvPr id="5" name="Pfeil nach links 4"/>
+          <p:cNvSpPr/>
+          <p:nvPr/>
+        </p:nvSpPr>
+        <p:spPr>
+          <a:xfrm>
+            <a:off x="5718590" y="2852056"/>
+            <a:ext cx="834610" cy="522515"/>
+          </a:xfrm>
+          <a:prstGeom prst="leftArrow">
+            <a:avLst/>
+          </a:prstGeom>
+          <a:solidFill>
+            <a:srgbClr val="FF0000"/>
+          </a:solidFill>
+        </p:spPr>
+        <p:style>
+          <a:lnRef idx="2">
+            <a:schemeClr val="accent1">
+              <a:shade val="50000"/>
+            </a:schemeClr>
+          </a:lnRef>
+          <a:fillRef idx="1">
+            <a:schemeClr val="accent1"/>
+          </a:fillRef>
+          <a:effectRef idx="0">
+            <a:schemeClr val="accent1"/>
+          </a:effectRef>
+          <a:fontRef idx="minor">
+            <a:schemeClr val="lt1"/>
+          </a:fontRef>
+        </p:style>
+        <p:txBody>
+          <a:bodyPr rtlCol="0" anchor="ctr"/>
+          <a:lstStyle/>
+          <a:p>
+            <a:pPr algn="ctr"/>
+            <a:endParaRPr lang="de-DE"/>
+          </a:p>
+        </p:txBody>
+      </p:sp>
+      <p:pic>
+        <p:nvPicPr>
+          <p:cNvPr id="6" name="Grafik 5"/>
+          <p:cNvPicPr>
+            <a:picLocks noChangeAspect="1"/>
+          </p:cNvPicPr>
+          <p:nvPr/>
+        </p:nvPicPr>
+        <p:blipFill>
+          <a:blip r:embed="rId3"/>
+          <a:stretch>
+            <a:fillRect/>
+          </a:stretch>
+        </p:blipFill>
+        <p:spPr>
+          <a:xfrm>
+            <a:off x="6627025" y="2852056"/>
+            <a:ext cx="5426321" cy="1993342"/>
+          </a:xfrm>
+          <a:prstGeom prst="rect">
+            <a:avLst/>
+          </a:prstGeom>
+        </p:spPr>
+      </p:pic>
+    </p:spTree>
+    <p:extLst>
+      <p:ext uri="{BB962C8B-B14F-4D97-AF65-F5344CB8AC3E}">
+        <p14:creationId xmlns:p14="http://schemas.microsoft.com/office/powerpoint/2010/main" val="3086976786"/>
+      </p:ext>
+    </p:extLst>
+  </p:cSld>
+  <p:clrMapOvr>
+    <a:masterClrMapping/>
+  </p:clrMapOvr>
+  <p:timing>
+    <p:tnLst>
+      <p:par>
+        <p:cTn id="1" dur="indefinite" restart="never" nodeType="tmRoot"/>
+      </p:par>
+    </p:tnLst>
+  </p:timing>
+</p:sld>
+</file>
+
+<file path=ppt/slides/slide23.xml><?xml version="1.0" encoding="utf-8"?>
+<p:sld xmlns:a="http://schemas.openxmlformats.org/drawingml/2006/main" xmlns:r="http://schemas.openxmlformats.org/officeDocument/2006/relationships" xmlns:p="http://schemas.openxmlformats.org/presentationml/2006/main">
+  <p:cSld>
+    <p:spTree>
+      <p:nvGrpSpPr>
+        <p:cNvPr id="1" name=""/>
+        <p:cNvGrpSpPr/>
+        <p:nvPr/>
+      </p:nvGrpSpPr>
+      <p:grpSpPr>
+        <a:xfrm>
+          <a:off x="0" y="0"/>
+          <a:ext cx="0" cy="0"/>
+          <a:chOff x="0" y="0"/>
+          <a:chExt cx="0" cy="0"/>
+        </a:xfrm>
+      </p:grpSpPr>
+      <p:sp>
+        <p:nvSpPr>
+          <p:cNvPr id="2" name="Titel 1"/>
+          <p:cNvSpPr>
+            <a:spLocks noGrp="1"/>
+          </p:cNvSpPr>
+          <p:nvPr>
+            <p:ph type="title"/>
+          </p:nvPr>
+        </p:nvSpPr>
+        <p:spPr/>
+        <p:txBody>
+          <a:bodyPr/>
+          <a:lstStyle/>
+          <a:p>
+            <a:r>
               <a:rPr lang="de-DE" dirty="0"/>
               <a:t>Architektur – </a:t>
             </a:r>
@@ -6739,7 +7062,7 @@
 </p:sld>
 </file>
 
-<file path=ppt/slides/slide22.xml><?xml version="1.0" encoding="utf-8"?>
+<file path=ppt/slides/slide24.xml><?xml version="1.0" encoding="utf-8"?>
 <p:sld xmlns:a="http://schemas.openxmlformats.org/drawingml/2006/main" xmlns:r="http://schemas.openxmlformats.org/officeDocument/2006/relationships" xmlns:p="http://schemas.openxmlformats.org/presentationml/2006/main">
   <p:cSld>
     <p:spTree>
@@ -6841,7 +7164,7 @@
 </p:sld>
 </file>
 
-<file path=ppt/slides/slide23.xml><?xml version="1.0" encoding="utf-8"?>
+<file path=ppt/slides/slide25.xml><?xml version="1.0" encoding="utf-8"?>
 <p:sld xmlns:a="http://schemas.openxmlformats.org/drawingml/2006/main" xmlns:r="http://schemas.openxmlformats.org/officeDocument/2006/relationships" xmlns:p="http://schemas.openxmlformats.org/presentationml/2006/main">
   <p:cSld>
     <p:spTree>
@@ -6920,7 +7243,7 @@
 </p:sld>
 </file>
 
-<file path=ppt/slides/slide24.xml><?xml version="1.0" encoding="utf-8"?>
+<file path=ppt/slides/slide26.xml><?xml version="1.0" encoding="utf-8"?>
 <p:sld xmlns:a="http://schemas.openxmlformats.org/drawingml/2006/main" xmlns:r="http://schemas.openxmlformats.org/officeDocument/2006/relationships" xmlns:p="http://schemas.openxmlformats.org/presentationml/2006/main">
   <p:cSld>
     <p:spTree>
@@ -7198,7 +7521,6 @@
               <a:rPr lang="de-DE" dirty="0" smtClean="0"/>
               <a:t>images.google.de/imgres?imgurl=http%3A%2F%2Fwww.radon.com%2Fimages%2Ffigure6.gif&amp;imgrefurl=http%3A%2F%2Fwww.radon.com%2Fradon%2Fradon_analysis.html&amp;h=268&amp;w=337&amp;tbnid=OpSfZ3xZmypDgM%3A&amp;vet=1&amp;docid=NvviVYV6guTSMM&amp;ei=WKwhWKbEJcHlUea2gfgL&amp;tbm=isch&amp;client=firefox-b-ab&amp;iact=rc&amp;uact=3&amp;dur=460&amp;page=0&amp;start=0&amp;ndsp=41&amp;ved=0ahUKEwim0KyA_ZjQAhXBchQKHWZbAL8QMwggKAQwBA&amp;bih=969&amp;biw=1920 08.11.2016 </a:t>
             </a:r>
-            <a:endParaRPr lang="de-DE" dirty="0" smtClean="0"/>
           </a:p>
         </p:txBody>
       </p:sp>
@@ -8036,7 +8358,7 @@
         <p:spPr/>
         <p:txBody>
           <a:bodyPr>
-            <a:normAutofit/>
+            <a:normAutofit fontScale="90000"/>
           </a:bodyPr>
           <a:lstStyle/>
           <a:p>

--- a/PES.pptx
+++ b/PES.pptx
@@ -2,7 +2,7 @@
 <file path=ppt/presentation.xml><?xml version="1.0" encoding="utf-8"?>
 <p:presentation xmlns:a="http://schemas.openxmlformats.org/drawingml/2006/main" xmlns:r="http://schemas.openxmlformats.org/officeDocument/2006/relationships" xmlns:p="http://schemas.openxmlformats.org/presentationml/2006/main" saveSubsetFonts="1">
   <p:sldMasterIdLst>
-    <p:sldMasterId id="2147483672" r:id="rId1"/>
+    <p:sldMasterId id="2147483696" r:id="rId1"/>
   </p:sldMasterIdLst>
   <p:sldIdLst>
     <p:sldId id="256" r:id="rId2"/>
@@ -20,17 +20,20 @@
     <p:sldId id="277" r:id="rId14"/>
     <p:sldId id="278" r:id="rId15"/>
     <p:sldId id="279" r:id="rId16"/>
-    <p:sldId id="270" r:id="rId17"/>
-    <p:sldId id="262" r:id="rId18"/>
-    <p:sldId id="264" r:id="rId19"/>
-    <p:sldId id="267" r:id="rId20"/>
-    <p:sldId id="268" r:id="rId21"/>
-    <p:sldId id="280" r:id="rId22"/>
-    <p:sldId id="281" r:id="rId23"/>
-    <p:sldId id="269" r:id="rId24"/>
-    <p:sldId id="275" r:id="rId25"/>
-    <p:sldId id="276" r:id="rId26"/>
-    <p:sldId id="263" r:id="rId27"/>
+    <p:sldId id="282" r:id="rId17"/>
+    <p:sldId id="283" r:id="rId18"/>
+    <p:sldId id="284" r:id="rId19"/>
+    <p:sldId id="270" r:id="rId20"/>
+    <p:sldId id="262" r:id="rId21"/>
+    <p:sldId id="264" r:id="rId22"/>
+    <p:sldId id="267" r:id="rId23"/>
+    <p:sldId id="268" r:id="rId24"/>
+    <p:sldId id="280" r:id="rId25"/>
+    <p:sldId id="281" r:id="rId26"/>
+    <p:sldId id="269" r:id="rId27"/>
+    <p:sldId id="275" r:id="rId28"/>
+    <p:sldId id="276" r:id="rId29"/>
+    <p:sldId id="263" r:id="rId30"/>
   </p:sldIdLst>
   <p:sldSz cx="12192000" cy="6858000"/>
   <p:notesSz cx="6858000" cy="9144000"/>
@@ -300,7 +303,7 @@
           <a:p>
             <a:fld id="{86EDB6B8-2465-4E54-AD90-CE977215BECC}" type="datetimeFigureOut">
               <a:rPr lang="de-DE" smtClean="0"/>
-              <a:t>09.11.2016</a:t>
+              <a:t>06.12.2016</a:t>
             </a:fld>
             <a:endParaRPr lang="de-DE"/>
           </a:p>
@@ -351,7 +354,7 @@
     </p:spTree>
     <p:extLst>
       <p:ext uri="{BB962C8B-B14F-4D97-AF65-F5344CB8AC3E}">
-        <p14:creationId xmlns:p14="http://schemas.microsoft.com/office/powerpoint/2010/main" val="2126932874"/>
+        <p14:creationId xmlns:p14="http://schemas.microsoft.com/office/powerpoint/2010/main" val="2643354737"/>
       </p:ext>
     </p:extLst>
   </p:cSld>
@@ -470,7 +473,7 @@
           <a:p>
             <a:fld id="{86EDB6B8-2465-4E54-AD90-CE977215BECC}" type="datetimeFigureOut">
               <a:rPr lang="de-DE" smtClean="0"/>
-              <a:t>09.11.2016</a:t>
+              <a:t>06.12.2016</a:t>
             </a:fld>
             <a:endParaRPr lang="de-DE"/>
           </a:p>
@@ -521,7 +524,7 @@
     </p:spTree>
     <p:extLst>
       <p:ext uri="{BB962C8B-B14F-4D97-AF65-F5344CB8AC3E}">
-        <p14:creationId xmlns:p14="http://schemas.microsoft.com/office/powerpoint/2010/main" val="1372691458"/>
+        <p14:creationId xmlns:p14="http://schemas.microsoft.com/office/powerpoint/2010/main" val="3854659159"/>
       </p:ext>
     </p:extLst>
   </p:cSld>
@@ -650,7 +653,7 @@
           <a:p>
             <a:fld id="{86EDB6B8-2465-4E54-AD90-CE977215BECC}" type="datetimeFigureOut">
               <a:rPr lang="de-DE" smtClean="0"/>
-              <a:t>09.11.2016</a:t>
+              <a:t>06.12.2016</a:t>
             </a:fld>
             <a:endParaRPr lang="de-DE"/>
           </a:p>
@@ -701,7 +704,7 @@
     </p:spTree>
     <p:extLst>
       <p:ext uri="{BB962C8B-B14F-4D97-AF65-F5344CB8AC3E}">
-        <p14:creationId xmlns:p14="http://schemas.microsoft.com/office/powerpoint/2010/main" val="3039760176"/>
+        <p14:creationId xmlns:p14="http://schemas.microsoft.com/office/powerpoint/2010/main" val="1338812699"/>
       </p:ext>
     </p:extLst>
   </p:cSld>
@@ -711,9 +714,9 @@
 </p:sldLayout>
 </file>
 
-<file path=ppt/slideLayouts/slideLayout2.xml><?xml version="1.0" encoding="utf-8"?>
-<p:sldLayout xmlns:a="http://schemas.openxmlformats.org/drawingml/2006/main" xmlns:r="http://schemas.openxmlformats.org/officeDocument/2006/relationships" xmlns:p="http://schemas.openxmlformats.org/presentationml/2006/main" type="obj" preserve="1">
-  <p:cSld name="Titel und Inhalt">
+<file path=ppt/slideLayouts/slideLayout12.xml><?xml version="1.0" encoding="utf-8"?>
+<p:sldLayout xmlns:a="http://schemas.openxmlformats.org/drawingml/2006/main" xmlns:r="http://schemas.openxmlformats.org/officeDocument/2006/relationships" xmlns:p="http://schemas.openxmlformats.org/presentationml/2006/main" preserve="1" userDrawn="1">
+  <p:cSld name="1_Titel und Inhalt">
     <p:spTree>
       <p:nvGrpSpPr>
         <p:cNvPr id="1" name=""/>
@@ -730,54 +733,18 @@
       </p:grpSpPr>
       <p:sp>
         <p:nvSpPr>
-          <p:cNvPr id="2" name="Title 1"/>
+          <p:cNvPr id="3" name="Content Placeholder 2"/>
           <p:cNvSpPr>
             <a:spLocks noGrp="1"/>
           </p:cNvSpPr>
           <p:nvPr>
-            <p:ph type="title"/>
-          </p:nvPr>
-        </p:nvSpPr>
-        <p:spPr>
-          <a:xfrm>
-            <a:off x="2188746" y="1483248"/>
-            <a:ext cx="7729728" cy="1188720"/>
-          </a:xfrm>
-        </p:spPr>
-        <p:txBody>
-          <a:bodyPr/>
-          <a:lstStyle>
-            <a:lvl1pPr>
-              <a:defRPr>
-                <a:latin typeface="Yu Gothic" panose="020B0400000000000000" pitchFamily="34" charset="-128"/>
-                <a:ea typeface="Yu Gothic" panose="020B0400000000000000" pitchFamily="34" charset="-128"/>
-                <a:cs typeface="Calibri Light" panose="020F0302020204030204" pitchFamily="34" charset="0"/>
-              </a:defRPr>
-            </a:lvl1pPr>
-          </a:lstStyle>
-          <a:p>
-            <a:r>
-              <a:rPr lang="de-DE" dirty="0"/>
-              <a:t>Titelmasterformat durch Klicken bearbeiten</a:t>
-            </a:r>
-            <a:endParaRPr lang="en-US" dirty="0"/>
-          </a:p>
-        </p:txBody>
-      </p:sp>
-      <p:sp>
-        <p:nvSpPr>
-          <p:cNvPr id="3" name="Content Placeholder 2"/>
-          <p:cNvSpPr>
-            <a:spLocks noGrp="1"/>
-          </p:cNvSpPr>
-          <p:nvPr>
             <p:ph idx="1"/>
           </p:nvPr>
         </p:nvSpPr>
         <p:spPr>
           <a:xfrm>
-            <a:off x="2188746" y="2901793"/>
-            <a:ext cx="7729728" cy="3101983"/>
+            <a:off x="2188747" y="1641077"/>
+            <a:ext cx="7729728" cy="4362701"/>
           </a:xfrm>
         </p:spPr>
         <p:txBody>
@@ -883,7 +850,7 @@
             <a:fld id="{86EDB6B8-2465-4E54-AD90-CE977215BECC}" type="datetimeFigureOut">
               <a:rPr lang="de-DE" smtClean="0"/>
               <a:pPr/>
-              <a:t>09.11.2016</a:t>
+              <a:t>06.12.2016</a:t>
             </a:fld>
             <a:endParaRPr lang="de-DE"/>
           </a:p>
@@ -971,7 +938,7 @@
         </p:blipFill>
         <p:spPr bwMode="auto">
           <a:xfrm>
-            <a:off x="0" y="0"/>
+            <a:off x="2" y="0"/>
             <a:ext cx="12199847" cy="1301960"/>
           </a:xfrm>
           <a:prstGeom prst="rect">
@@ -989,10 +956,283 @@
           </a:extLst>
         </p:spPr>
       </p:pic>
+      <p:sp>
+        <p:nvSpPr>
+          <p:cNvPr id="11" name="Title 1"/>
+          <p:cNvSpPr>
+            <a:spLocks noGrp="1"/>
+          </p:cNvSpPr>
+          <p:nvPr>
+            <p:ph type="title"/>
+          </p:nvPr>
+        </p:nvSpPr>
+        <p:spPr>
+          <a:xfrm>
+            <a:off x="2695287" y="334835"/>
+            <a:ext cx="5562148" cy="1188720"/>
+          </a:xfrm>
+          <a:noFill/>
+          <a:ln>
+            <a:noFill/>
+          </a:ln>
+        </p:spPr>
+        <p:txBody>
+          <a:bodyPr>
+            <a:normAutofit/>
+          </a:bodyPr>
+          <a:lstStyle>
+            <a:lvl1pPr algn="l">
+              <a:defRPr sz="1500" b="1">
+                <a:solidFill>
+                  <a:schemeClr val="bg1"/>
+                </a:solidFill>
+                <a:latin typeface="Yu Gothic" panose="020B0400000000000000" pitchFamily="34" charset="-128"/>
+                <a:ea typeface="Yu Gothic" panose="020B0400000000000000" pitchFamily="34" charset="-128"/>
+                <a:cs typeface="Calibri Light" panose="020F0302020204030204" pitchFamily="34" charset="0"/>
+              </a:defRPr>
+            </a:lvl1pPr>
+          </a:lstStyle>
+          <a:p>
+            <a:r>
+              <a:rPr lang="de-DE" dirty="0"/>
+              <a:t>Titelmasterformat durch Klicken bearbeiten</a:t>
+            </a:r>
+            <a:endParaRPr lang="en-US" dirty="0"/>
+          </a:p>
+        </p:txBody>
+      </p:sp>
     </p:spTree>
     <p:extLst>
       <p:ext uri="{BB962C8B-B14F-4D97-AF65-F5344CB8AC3E}">
         <p14:creationId xmlns:p14="http://schemas.microsoft.com/office/powerpoint/2010/main" val="1054155402"/>
+      </p:ext>
+    </p:extLst>
+  </p:cSld>
+  <p:clrMapOvr>
+    <a:masterClrMapping/>
+  </p:clrMapOvr>
+</p:sldLayout>
+</file>
+
+<file path=ppt/slideLayouts/slideLayout2.xml><?xml version="1.0" encoding="utf-8"?>
+<p:sldLayout xmlns:a="http://schemas.openxmlformats.org/drawingml/2006/main" xmlns:r="http://schemas.openxmlformats.org/officeDocument/2006/relationships" xmlns:p="http://schemas.openxmlformats.org/presentationml/2006/main" type="obj" preserve="1">
+  <p:cSld name="Titel und Inhalt">
+    <p:spTree>
+      <p:nvGrpSpPr>
+        <p:cNvPr id="1" name=""/>
+        <p:cNvGrpSpPr/>
+        <p:nvPr/>
+      </p:nvGrpSpPr>
+      <p:grpSpPr>
+        <a:xfrm>
+          <a:off x="0" y="0"/>
+          <a:ext cx="0" cy="0"/>
+          <a:chOff x="0" y="0"/>
+          <a:chExt cx="0" cy="0"/>
+        </a:xfrm>
+      </p:grpSpPr>
+      <p:sp>
+        <p:nvSpPr>
+          <p:cNvPr id="2" name="Title 1"/>
+          <p:cNvSpPr>
+            <a:spLocks noGrp="1"/>
+          </p:cNvSpPr>
+          <p:nvPr>
+            <p:ph type="title"/>
+          </p:nvPr>
+        </p:nvSpPr>
+        <p:spPr>
+          <a:xfrm>
+            <a:off x="2231136" y="1206389"/>
+            <a:ext cx="7729728" cy="1188720"/>
+          </a:xfrm>
+          <a:noFill/>
+          <a:ln>
+            <a:noFill/>
+          </a:ln>
+        </p:spPr>
+        <p:txBody>
+          <a:bodyPr>
+            <a:normAutofit/>
+          </a:bodyPr>
+          <a:lstStyle>
+            <a:lvl1pPr algn="l">
+              <a:defRPr sz="2400"/>
+            </a:lvl1pPr>
+          </a:lstStyle>
+          <a:p>
+            <a:r>
+              <a:rPr lang="de-DE" dirty="0"/>
+              <a:t>Titelmasterformat durch Klicken bearbeiten</a:t>
+            </a:r>
+            <a:endParaRPr lang="en-US" dirty="0"/>
+          </a:p>
+        </p:txBody>
+      </p:sp>
+      <p:sp>
+        <p:nvSpPr>
+          <p:cNvPr id="3" name="Content Placeholder 2"/>
+          <p:cNvSpPr>
+            <a:spLocks noGrp="1"/>
+          </p:cNvSpPr>
+          <p:nvPr>
+            <p:ph idx="1"/>
+          </p:nvPr>
+        </p:nvSpPr>
+        <p:spPr/>
+        <p:txBody>
+          <a:bodyPr/>
+          <a:lstStyle/>
+          <a:p>
+            <a:pPr lvl="0"/>
+            <a:r>
+              <a:rPr lang="de-DE"/>
+              <a:t>Formatvorlagen des Textmasters bearbeiten</a:t>
+            </a:r>
+          </a:p>
+          <a:p>
+            <a:pPr lvl="1"/>
+            <a:r>
+              <a:rPr lang="de-DE"/>
+              <a:t>Zweite Ebene</a:t>
+            </a:r>
+          </a:p>
+          <a:p>
+            <a:pPr lvl="2"/>
+            <a:r>
+              <a:rPr lang="de-DE"/>
+              <a:t>Dritte Ebene</a:t>
+            </a:r>
+          </a:p>
+          <a:p>
+            <a:pPr lvl="3"/>
+            <a:r>
+              <a:rPr lang="de-DE"/>
+              <a:t>Vierte Ebene</a:t>
+            </a:r>
+          </a:p>
+          <a:p>
+            <a:pPr lvl="4"/>
+            <a:r>
+              <a:rPr lang="de-DE"/>
+              <a:t>Fünfte Ebene</a:t>
+            </a:r>
+            <a:endParaRPr lang="en-US" dirty="0"/>
+          </a:p>
+        </p:txBody>
+      </p:sp>
+      <p:sp>
+        <p:nvSpPr>
+          <p:cNvPr id="7" name="Date Placeholder 6"/>
+          <p:cNvSpPr>
+            <a:spLocks noGrp="1"/>
+          </p:cNvSpPr>
+          <p:nvPr>
+            <p:ph type="dt" sz="half" idx="10"/>
+          </p:nvPr>
+        </p:nvSpPr>
+        <p:spPr/>
+        <p:txBody>
+          <a:bodyPr/>
+          <a:lstStyle/>
+          <a:p>
+            <a:fld id="{86EDB6B8-2465-4E54-AD90-CE977215BECC}" type="datetimeFigureOut">
+              <a:rPr lang="de-DE" smtClean="0"/>
+              <a:pPr/>
+              <a:t>06.12.2016</a:t>
+            </a:fld>
+            <a:endParaRPr lang="de-DE"/>
+          </a:p>
+        </p:txBody>
+      </p:sp>
+      <p:sp>
+        <p:nvSpPr>
+          <p:cNvPr id="8" name="Footer Placeholder 7"/>
+          <p:cNvSpPr>
+            <a:spLocks noGrp="1"/>
+          </p:cNvSpPr>
+          <p:nvPr>
+            <p:ph type="ftr" sz="quarter" idx="11"/>
+          </p:nvPr>
+        </p:nvSpPr>
+        <p:spPr/>
+        <p:txBody>
+          <a:bodyPr/>
+          <a:lstStyle/>
+          <a:p>
+            <a:endParaRPr lang="de-DE"/>
+          </a:p>
+        </p:txBody>
+      </p:sp>
+      <p:sp>
+        <p:nvSpPr>
+          <p:cNvPr id="9" name="Slide Number Placeholder 8"/>
+          <p:cNvSpPr>
+            <a:spLocks noGrp="1"/>
+          </p:cNvSpPr>
+          <p:nvPr>
+            <p:ph type="sldNum" sz="quarter" idx="12"/>
+          </p:nvPr>
+        </p:nvSpPr>
+        <p:spPr/>
+        <p:txBody>
+          <a:bodyPr/>
+          <a:lstStyle/>
+          <a:p>
+            <a:fld id="{DDE17A4D-68EA-4FCB-830F-56DEEF4F211F}" type="slidenum">
+              <a:rPr lang="de-DE" smtClean="0"/>
+              <a:pPr/>
+              <a:t>‹Nr.›</a:t>
+            </a:fld>
+            <a:endParaRPr lang="de-DE"/>
+          </a:p>
+        </p:txBody>
+      </p:sp>
+      <p:pic>
+        <p:nvPicPr>
+          <p:cNvPr id="10" name="Picture 2" descr="https://stud.hs-mannheim.de/companylogo.gif"/>
+          <p:cNvPicPr>
+            <a:picLocks noChangeAspect="1" noChangeArrowheads="1"/>
+          </p:cNvPicPr>
+          <p:nvPr userDrawn="1"/>
+        </p:nvPicPr>
+        <p:blipFill>
+          <a:blip r:embed="rId2">
+            <a:extLst>
+              <a:ext uri="{28A0092B-C50C-407E-A947-70E740481C1C}">
+                <a14:useLocalDpi xmlns:a14="http://schemas.microsoft.com/office/drawing/2010/main" val="0"/>
+              </a:ext>
+            </a:extLst>
+          </a:blip>
+          <a:srcRect/>
+          <a:stretch>
+            <a:fillRect/>
+          </a:stretch>
+        </p:blipFill>
+        <p:spPr bwMode="auto">
+          <a:xfrm>
+            <a:off x="2" y="0"/>
+            <a:ext cx="12199847" cy="1301960"/>
+          </a:xfrm>
+          <a:prstGeom prst="rect">
+            <a:avLst/>
+          </a:prstGeom>
+          <a:noFill/>
+          <a:extLst>
+            <a:ext uri="{909E8E84-426E-40DD-AFC4-6F175D3DCCD1}">
+              <a14:hiddenFill xmlns:a14="http://schemas.microsoft.com/office/drawing/2010/main">
+                <a:solidFill>
+                  <a:srgbClr val="FFFFFF"/>
+                </a:solidFill>
+              </a14:hiddenFill>
+            </a:ext>
+          </a:extLst>
+        </p:spPr>
+      </p:pic>
+    </p:spTree>
+    <p:extLst>
+      <p:ext uri="{BB962C8B-B14F-4D97-AF65-F5344CB8AC3E}">
+        <p14:creationId xmlns:p14="http://schemas.microsoft.com/office/powerpoint/2010/main" val="2865596751"/>
       </p:ext>
     </p:extLst>
   </p:cSld>
@@ -1209,7 +1449,7 @@
           <a:p>
             <a:fld id="{86EDB6B8-2465-4E54-AD90-CE977215BECC}" type="datetimeFigureOut">
               <a:rPr lang="de-DE" smtClean="0"/>
-              <a:t>09.11.2016</a:t>
+              <a:t>06.12.2016</a:t>
             </a:fld>
             <a:endParaRPr lang="de-DE"/>
           </a:p>
@@ -1260,7 +1500,7 @@
     </p:spTree>
     <p:extLst>
       <p:ext uri="{BB962C8B-B14F-4D97-AF65-F5344CB8AC3E}">
-        <p14:creationId xmlns:p14="http://schemas.microsoft.com/office/powerpoint/2010/main" val="3511754978"/>
+        <p14:creationId xmlns:p14="http://schemas.microsoft.com/office/powerpoint/2010/main" val="1179520244"/>
       </p:ext>
     </p:extLst>
   </p:cSld>
@@ -1441,7 +1681,7 @@
           <a:p>
             <a:fld id="{86EDB6B8-2465-4E54-AD90-CE977215BECC}" type="datetimeFigureOut">
               <a:rPr lang="de-DE" smtClean="0"/>
-              <a:t>09.11.2016</a:t>
+              <a:t>06.12.2016</a:t>
             </a:fld>
             <a:endParaRPr lang="de-DE"/>
           </a:p>
@@ -1492,7 +1732,7 @@
     </p:spTree>
     <p:extLst>
       <p:ext uri="{BB962C8B-B14F-4D97-AF65-F5344CB8AC3E}">
-        <p14:creationId xmlns:p14="http://schemas.microsoft.com/office/powerpoint/2010/main" val="1329438851"/>
+        <p14:creationId xmlns:p14="http://schemas.microsoft.com/office/powerpoint/2010/main" val="734440588"/>
       </p:ext>
     </p:extLst>
   </p:cSld>
@@ -1800,7 +2040,7 @@
           <a:p>
             <a:fld id="{86EDB6B8-2465-4E54-AD90-CE977215BECC}" type="datetimeFigureOut">
               <a:rPr lang="de-DE" smtClean="0"/>
-              <a:t>09.11.2016</a:t>
+              <a:t>06.12.2016</a:t>
             </a:fld>
             <a:endParaRPr lang="de-DE"/>
           </a:p>
@@ -1874,7 +2114,7 @@
     </p:spTree>
     <p:extLst>
       <p:ext uri="{BB962C8B-B14F-4D97-AF65-F5344CB8AC3E}">
-        <p14:creationId xmlns:p14="http://schemas.microsoft.com/office/powerpoint/2010/main" val="1083375717"/>
+        <p14:creationId xmlns:p14="http://schemas.microsoft.com/office/powerpoint/2010/main" val="2263040565"/>
       </p:ext>
     </p:extLst>
   </p:cSld>
@@ -1941,7 +2181,7 @@
           <a:p>
             <a:fld id="{86EDB6B8-2465-4E54-AD90-CE977215BECC}" type="datetimeFigureOut">
               <a:rPr lang="de-DE" smtClean="0"/>
-              <a:t>09.11.2016</a:t>
+              <a:t>06.12.2016</a:t>
             </a:fld>
             <a:endParaRPr lang="de-DE"/>
           </a:p>
@@ -1992,7 +2232,7 @@
     </p:spTree>
     <p:extLst>
       <p:ext uri="{BB962C8B-B14F-4D97-AF65-F5344CB8AC3E}">
-        <p14:creationId xmlns:p14="http://schemas.microsoft.com/office/powerpoint/2010/main" val="3679273464"/>
+        <p14:creationId xmlns:p14="http://schemas.microsoft.com/office/powerpoint/2010/main" val="2639465247"/>
       </p:ext>
     </p:extLst>
   </p:cSld>
@@ -2036,7 +2276,7 @@
           <a:p>
             <a:fld id="{86EDB6B8-2465-4E54-AD90-CE977215BECC}" type="datetimeFigureOut">
               <a:rPr lang="de-DE" smtClean="0"/>
-              <a:t>09.11.2016</a:t>
+              <a:t>06.12.2016</a:t>
             </a:fld>
             <a:endParaRPr lang="de-DE"/>
           </a:p>
@@ -2087,7 +2327,7 @@
     </p:spTree>
     <p:extLst>
       <p:ext uri="{BB962C8B-B14F-4D97-AF65-F5344CB8AC3E}">
-        <p14:creationId xmlns:p14="http://schemas.microsoft.com/office/powerpoint/2010/main" val="2811289125"/>
+        <p14:creationId xmlns:p14="http://schemas.microsoft.com/office/powerpoint/2010/main" val="697544969"/>
       </p:ext>
     </p:extLst>
   </p:cSld>
@@ -2393,7 +2633,7 @@
           <a:p>
             <a:fld id="{86EDB6B8-2465-4E54-AD90-CE977215BECC}" type="datetimeFigureOut">
               <a:rPr lang="de-DE" smtClean="0"/>
-              <a:t>09.11.2016</a:t>
+              <a:t>06.12.2016</a:t>
             </a:fld>
             <a:endParaRPr lang="de-DE"/>
           </a:p>
@@ -2459,7 +2699,7 @@
     </p:spTree>
     <p:extLst>
       <p:ext uri="{BB962C8B-B14F-4D97-AF65-F5344CB8AC3E}">
-        <p14:creationId xmlns:p14="http://schemas.microsoft.com/office/powerpoint/2010/main" val="201406177"/>
+        <p14:creationId xmlns:p14="http://schemas.microsoft.com/office/powerpoint/2010/main" val="1635451108"/>
       </p:ext>
     </p:extLst>
   </p:cSld>
@@ -2750,7 +2990,7 @@
           <a:p>
             <a:fld id="{86EDB6B8-2465-4E54-AD90-CE977215BECC}" type="datetimeFigureOut">
               <a:rPr lang="de-DE" smtClean="0"/>
-              <a:t>09.11.2016</a:t>
+              <a:t>06.12.2016</a:t>
             </a:fld>
             <a:endParaRPr lang="de-DE"/>
           </a:p>
@@ -2816,7 +3056,7 @@
     </p:spTree>
     <p:extLst>
       <p:ext uri="{BB962C8B-B14F-4D97-AF65-F5344CB8AC3E}">
-        <p14:creationId xmlns:p14="http://schemas.microsoft.com/office/powerpoint/2010/main" val="2178151063"/>
+        <p14:creationId xmlns:p14="http://schemas.microsoft.com/office/powerpoint/2010/main" val="4188884991"/>
       </p:ext>
     </p:extLst>
   </p:cSld>
@@ -2991,7 +3231,7 @@
           <a:p>
             <a:fld id="{86EDB6B8-2465-4E54-AD90-CE977215BECC}" type="datetimeFigureOut">
               <a:rPr lang="de-DE" smtClean="0"/>
-              <a:t>09.11.2016</a:t>
+              <a:t>06.12.2016</a:t>
             </a:fld>
             <a:endParaRPr lang="de-DE"/>
           </a:p>
@@ -3083,23 +3323,24 @@
     </p:spTree>
     <p:extLst>
       <p:ext uri="{BB962C8B-B14F-4D97-AF65-F5344CB8AC3E}">
-        <p14:creationId xmlns:p14="http://schemas.microsoft.com/office/powerpoint/2010/main" val="3725533096"/>
+        <p14:creationId xmlns:p14="http://schemas.microsoft.com/office/powerpoint/2010/main" val="1813520262"/>
       </p:ext>
     </p:extLst>
   </p:cSld>
   <p:clrMap bg1="lt1" tx1="dk1" bg2="lt2" tx2="dk2" accent1="accent1" accent2="accent2" accent3="accent3" accent4="accent4" accent5="accent5" accent6="accent6" hlink="hlink" folHlink="folHlink"/>
   <p:sldLayoutIdLst>
-    <p:sldLayoutId id="2147483673" r:id="rId1"/>
-    <p:sldLayoutId id="2147483674" r:id="rId2"/>
-    <p:sldLayoutId id="2147483675" r:id="rId3"/>
-    <p:sldLayoutId id="2147483676" r:id="rId4"/>
-    <p:sldLayoutId id="2147483677" r:id="rId5"/>
-    <p:sldLayoutId id="2147483678" r:id="rId6"/>
-    <p:sldLayoutId id="2147483679" r:id="rId7"/>
-    <p:sldLayoutId id="2147483680" r:id="rId8"/>
-    <p:sldLayoutId id="2147483681" r:id="rId9"/>
-    <p:sldLayoutId id="2147483682" r:id="rId10"/>
-    <p:sldLayoutId id="2147483683" r:id="rId11"/>
+    <p:sldLayoutId id="2147483697" r:id="rId1"/>
+    <p:sldLayoutId id="2147483698" r:id="rId2"/>
+    <p:sldLayoutId id="2147483699" r:id="rId3"/>
+    <p:sldLayoutId id="2147483700" r:id="rId4"/>
+    <p:sldLayoutId id="2147483701" r:id="rId5"/>
+    <p:sldLayoutId id="2147483702" r:id="rId6"/>
+    <p:sldLayoutId id="2147483703" r:id="rId7"/>
+    <p:sldLayoutId id="2147483704" r:id="rId8"/>
+    <p:sldLayoutId id="2147483705" r:id="rId9"/>
+    <p:sldLayoutId id="2147483706" r:id="rId10"/>
+    <p:sldLayoutId id="2147483707" r:id="rId11"/>
+    <p:sldLayoutId id="2147483674" r:id="rId12"/>
   </p:sldLayoutIdLst>
   <p:txStyles>
     <p:titleStyle>
@@ -3575,18 +3816,11 @@
   <p:clrMapOvr>
     <a:masterClrMapping/>
   </p:clrMapOvr>
-  <p:timing>
-    <p:tnLst>
-      <p:par>
-        <p:cTn id="1" dur="indefinite" restart="never" nodeType="tmRoot"/>
-      </p:par>
-    </p:tnLst>
-  </p:timing>
 </p:sld>
 </file>
 
 <file path=ppt/slides/slide10.xml><?xml version="1.0" encoding="utf-8"?>
-<p:sld xmlns:a="http://schemas.openxmlformats.org/drawingml/2006/main" xmlns:r="http://schemas.openxmlformats.org/officeDocument/2006/relationships" xmlns:p="http://schemas.openxmlformats.org/presentationml/2006/main">
+<p:sld xmlns:a="http://schemas.openxmlformats.org/drawingml/2006/main" xmlns:r="http://schemas.openxmlformats.org/officeDocument/2006/relationships" xmlns:p="http://schemas.openxmlformats.org/presentationml/2006/main" show="0">
   <p:cSld>
     <p:spTree>
       <p:nvGrpSpPr>
@@ -3612,9 +3846,16 @@
             <p:ph type="title"/>
           </p:nvPr>
         </p:nvSpPr>
-        <p:spPr/>
-        <p:txBody>
-          <a:bodyPr/>
+        <p:spPr>
+          <a:xfrm>
+            <a:off x="3165560" y="1969686"/>
+            <a:ext cx="5797296" cy="891540"/>
+          </a:xfrm>
+        </p:spPr>
+        <p:txBody>
+          <a:bodyPr>
+            <a:normAutofit fontScale="90000"/>
+          </a:bodyPr>
           <a:lstStyle/>
           <a:p>
             <a:r>
@@ -3650,8 +3891,8 @@
         </p:blipFill>
         <p:spPr>
           <a:xfrm>
-            <a:off x="2188746" y="2930959"/>
-            <a:ext cx="3586772" cy="3101975"/>
+            <a:off x="3165561" y="3055471"/>
+            <a:ext cx="2690079" cy="2326481"/>
           </a:xfrm>
           <a:prstGeom prst="rect">
             <a:avLst/>
@@ -3680,8 +3921,8 @@
         </p:nvSpPr>
         <p:spPr>
           <a:xfrm>
-            <a:off x="6051665" y="2930959"/>
-            <a:ext cx="4929448" cy="646331"/>
+            <a:off x="6062749" y="3055471"/>
+            <a:ext cx="3697086" cy="507831"/>
           </a:xfrm>
           <a:prstGeom prst="rect">
             <a:avLst/>
@@ -3694,12 +3935,12 @@
           </a:bodyPr>
           <a:lstStyle/>
           <a:p>
-            <a:pPr marL="285750" indent="-285750">
+            <a:pPr marL="214313" indent="-214313">
               <a:buFont typeface="Wingdings" panose="05000000000000000000" pitchFamily="2" charset="2"/>
               <a:buChar char="à"/>
             </a:pPr>
             <a:r>
-              <a:rPr lang="de-DE" dirty="0">
+              <a:rPr lang="de-DE" sz="1350" dirty="0">
                 <a:solidFill>
                   <a:schemeClr val="tx1">
                     <a:lumMod val="85000"/>
@@ -3714,7 +3955,7 @@
               <a:t>Board „</a:t>
             </a:r>
             <a:r>
-              <a:rPr lang="de-DE" dirty="0" err="1">
+              <a:rPr lang="de-DE" sz="1350" dirty="0" err="1">
                 <a:solidFill>
                   <a:schemeClr val="tx1">
                     <a:lumMod val="85000"/>
@@ -3729,7 +3970,7 @@
               <a:t>Arduino</a:t>
             </a:r>
             <a:r>
-              <a:rPr lang="de-DE" dirty="0">
+              <a:rPr lang="de-DE" sz="1350" dirty="0">
                 <a:solidFill>
                   <a:schemeClr val="tx1">
                     <a:lumMod val="85000"/>
@@ -3744,7 +3985,7 @@
               <a:t> Due (</a:t>
             </a:r>
             <a:r>
-              <a:rPr lang="de-DE" dirty="0" err="1">
+              <a:rPr lang="de-DE" sz="1350" dirty="0" err="1">
                 <a:solidFill>
                   <a:schemeClr val="tx1">
                     <a:lumMod val="85000"/>
@@ -3759,7 +4000,7 @@
               <a:t>Programming</a:t>
             </a:r>
             <a:r>
-              <a:rPr lang="de-DE" dirty="0">
+              <a:rPr lang="de-DE" sz="1350" dirty="0">
                 <a:solidFill>
                   <a:schemeClr val="tx1">
                     <a:lumMod val="85000"/>
@@ -3775,12 +4016,12 @@
             </a:r>
           </a:p>
           <a:p>
-            <a:pPr marL="742950" lvl="1" indent="-285750">
+            <a:pPr marL="557213" lvl="1" indent="-214313">
               <a:buFont typeface="Wingdings" panose="05000000000000000000" pitchFamily="2" charset="2"/>
               <a:buChar char="à"/>
             </a:pPr>
             <a:r>
-              <a:rPr lang="de-DE" dirty="0" err="1">
+              <a:rPr lang="de-DE" sz="1350" dirty="0" err="1">
                 <a:solidFill>
                   <a:schemeClr val="tx1">
                     <a:lumMod val="85000"/>
@@ -3795,7 +4036,7 @@
               <a:t>Arduino</a:t>
             </a:r>
             <a:r>
-              <a:rPr lang="de-DE" dirty="0">
+              <a:rPr lang="de-DE" sz="1350" dirty="0">
                 <a:solidFill>
                   <a:schemeClr val="tx1">
                     <a:lumMod val="85000"/>
@@ -3810,7 +4051,7 @@
               <a:t> Due (</a:t>
             </a:r>
             <a:r>
-              <a:rPr lang="de-DE" dirty="0" err="1">
+              <a:rPr lang="de-DE" sz="1350" dirty="0" err="1">
                 <a:solidFill>
                   <a:schemeClr val="tx1">
                     <a:lumMod val="85000"/>
@@ -3825,7 +4066,7 @@
               <a:t>Programming</a:t>
             </a:r>
             <a:r>
-              <a:rPr lang="de-DE" dirty="0">
+              <a:rPr lang="de-DE" sz="1350" dirty="0">
                 <a:solidFill>
                   <a:schemeClr val="tx1">
                     <a:lumMod val="85000"/>
@@ -3839,7 +4080,7 @@
               </a:rPr>
               <a:t> Port) </a:t>
             </a:r>
-            <a:endParaRPr lang="de-DE" dirty="0">
+            <a:endParaRPr lang="de-DE" sz="1350" dirty="0">
               <a:solidFill>
                 <a:schemeClr val="tx1">
                   <a:lumMod val="85000"/>
@@ -3863,18 +4104,11 @@
   <p:clrMapOvr>
     <a:masterClrMapping/>
   </p:clrMapOvr>
-  <p:timing>
-    <p:tnLst>
-      <p:par>
-        <p:cTn id="1" dur="indefinite" restart="never" nodeType="tmRoot"/>
-      </p:par>
-    </p:tnLst>
-  </p:timing>
 </p:sld>
 </file>
 
 <file path=ppt/slides/slide11.xml><?xml version="1.0" encoding="utf-8"?>
-<p:sld xmlns:a="http://schemas.openxmlformats.org/drawingml/2006/main" xmlns:r="http://schemas.openxmlformats.org/officeDocument/2006/relationships" xmlns:p="http://schemas.openxmlformats.org/presentationml/2006/main">
+<p:sld xmlns:a="http://schemas.openxmlformats.org/drawingml/2006/main" xmlns:r="http://schemas.openxmlformats.org/officeDocument/2006/relationships" xmlns:p="http://schemas.openxmlformats.org/presentationml/2006/main" show="0">
   <p:cSld>
     <p:spTree>
       <p:nvGrpSpPr>
@@ -3900,16 +4134,20 @@
             <p:ph type="title"/>
           </p:nvPr>
         </p:nvSpPr>
-        <p:spPr/>
+        <p:spPr>
+          <a:xfrm>
+            <a:off x="3165560" y="1969686"/>
+            <a:ext cx="5797296" cy="891540"/>
+          </a:xfrm>
+        </p:spPr>
         <p:txBody>
           <a:bodyPr/>
           <a:lstStyle/>
           <a:p>
             <a:r>
-              <a:rPr lang="de-DE" dirty="0" smtClean="0"/>
+              <a:rPr lang="de-DE" dirty="0"/>
               <a:t>Bibliotheken einbinden</a:t>
             </a:r>
-            <a:endParaRPr lang="de-DE" dirty="0"/>
           </a:p>
         </p:txBody>
       </p:sp>
@@ -3929,8 +4167,8 @@
         </p:blipFill>
         <p:spPr>
           <a:xfrm>
-            <a:off x="2188746" y="2877312"/>
-            <a:ext cx="3353429" cy="3828288"/>
+            <a:off x="3165560" y="3015234"/>
+            <a:ext cx="2515072" cy="2871216"/>
           </a:xfrm>
           <a:prstGeom prst="rect">
             <a:avLst/>
@@ -3959,8 +4197,8 @@
         </p:nvSpPr>
         <p:spPr>
           <a:xfrm>
-            <a:off x="6134793" y="2877312"/>
-            <a:ext cx="3715789" cy="646331"/>
+            <a:off x="6125095" y="3015236"/>
+            <a:ext cx="2786842" cy="507831"/>
           </a:xfrm>
           <a:prstGeom prst="rect">
             <a:avLst/>
@@ -3973,12 +4211,12 @@
           </a:bodyPr>
           <a:lstStyle/>
           <a:p>
-            <a:pPr marL="285750" indent="-285750">
+            <a:pPr marL="214313" indent="-214313">
               <a:buFont typeface="Wingdings" panose="05000000000000000000" pitchFamily="2" charset="2"/>
               <a:buChar char="à"/>
             </a:pPr>
             <a:r>
-              <a:rPr lang="de-DE" dirty="0">
+              <a:rPr lang="de-DE" sz="1350" dirty="0">
                 <a:solidFill>
                   <a:schemeClr val="tx1">
                     <a:lumMod val="85000"/>
@@ -3994,12 +4232,12 @@
             </a:r>
           </a:p>
           <a:p>
-            <a:pPr marL="742950" lvl="1" indent="-285750">
+            <a:pPr marL="557213" lvl="1" indent="-214313">
               <a:buFont typeface="Wingdings" panose="05000000000000000000" pitchFamily="2" charset="2"/>
               <a:buChar char="à"/>
             </a:pPr>
             <a:r>
-              <a:rPr lang="de-DE" dirty="0">
+              <a:rPr lang="de-DE" sz="1350" dirty="0">
                 <a:solidFill>
                   <a:schemeClr val="tx1">
                     <a:lumMod val="85000"/>
@@ -4013,7 +4251,7 @@
               </a:rPr>
               <a:t>Bibliothek verwalten</a:t>
             </a:r>
-            <a:endParaRPr lang="de-DE" dirty="0">
+            <a:endParaRPr lang="de-DE" sz="1350" dirty="0">
               <a:solidFill>
                 <a:schemeClr val="tx1">
                   <a:lumMod val="85000"/>
@@ -4037,18 +4275,11 @@
   <p:clrMapOvr>
     <a:masterClrMapping/>
   </p:clrMapOvr>
-  <p:timing>
-    <p:tnLst>
-      <p:par>
-        <p:cTn id="1" dur="indefinite" restart="never" nodeType="tmRoot"/>
-      </p:par>
-    </p:tnLst>
-  </p:timing>
 </p:sld>
 </file>
 
 <file path=ppt/slides/slide12.xml><?xml version="1.0" encoding="utf-8"?>
-<p:sld xmlns:a="http://schemas.openxmlformats.org/drawingml/2006/main" xmlns:r="http://schemas.openxmlformats.org/officeDocument/2006/relationships" xmlns:p="http://schemas.openxmlformats.org/presentationml/2006/main">
+<p:sld xmlns:a="http://schemas.openxmlformats.org/drawingml/2006/main" xmlns:r="http://schemas.openxmlformats.org/officeDocument/2006/relationships" xmlns:p="http://schemas.openxmlformats.org/presentationml/2006/main" show="0">
   <p:cSld>
     <p:spTree>
       <p:nvGrpSpPr>
@@ -4074,83 +4305,80 @@
             <p:ph type="title"/>
           </p:nvPr>
         </p:nvSpPr>
+        <p:spPr>
+          <a:xfrm>
+            <a:off x="3165560" y="1969686"/>
+            <a:ext cx="5797296" cy="891540"/>
+          </a:xfrm>
+        </p:spPr>
+        <p:txBody>
+          <a:bodyPr>
+            <a:normAutofit/>
+          </a:bodyPr>
+          <a:lstStyle/>
+          <a:p>
+            <a:r>
+              <a:rPr lang="de-DE" dirty="0"/>
+              <a:t>SPEICHERORT DER BIBLIOTHEKEN </a:t>
+            </a:r>
+          </a:p>
+        </p:txBody>
+      </p:sp>
+      <p:sp>
+        <p:nvSpPr>
+          <p:cNvPr id="3" name="Inhaltsplatzhalter 2"/>
+          <p:cNvSpPr>
+            <a:spLocks noGrp="1"/>
+          </p:cNvSpPr>
+          <p:nvPr>
+            <p:ph idx="1"/>
+          </p:nvPr>
+        </p:nvSpPr>
         <p:spPr/>
         <p:txBody>
           <a:bodyPr/>
           <a:lstStyle/>
           <a:p>
             <a:r>
-              <a:rPr lang="de-DE" dirty="0" smtClean="0"/>
-              <a:t>SPEICHERORT DER BIBLIOTHEKEN </a:t>
+              <a:rPr lang="de-DE" dirty="0"/>
+              <a:t>Erfolglose Suche nach Bibliotheken innerhalb der </a:t>
+            </a:r>
+            <a:r>
+              <a:rPr lang="de-DE" dirty="0" err="1"/>
+              <a:t>Arduino</a:t>
+            </a:r>
+            <a:r>
+              <a:rPr lang="de-DE" dirty="0"/>
+              <a:t> IDE Installation</a:t>
+            </a:r>
+          </a:p>
+          <a:p>
+            <a:pPr lvl="1"/>
+            <a:r>
+              <a:rPr lang="de-DE" dirty="0"/>
+              <a:t>Standard vorinstallierte Libraries in:</a:t>
+            </a:r>
+          </a:p>
+          <a:p>
+            <a:pPr lvl="2"/>
+            <a:r>
+              <a:rPr lang="de-DE" dirty="0"/>
+              <a:t>\..\arduino-1.6.12-windows\arduino-1.6.12\</a:t>
+            </a:r>
+            <a:r>
+              <a:rPr lang="de-DE" dirty="0" err="1"/>
+              <a:t>libraries</a:t>
             </a:r>
             <a:endParaRPr lang="de-DE" dirty="0"/>
           </a:p>
-        </p:txBody>
-      </p:sp>
-      <p:sp>
-        <p:nvSpPr>
-          <p:cNvPr id="3" name="Inhaltsplatzhalter 2"/>
-          <p:cNvSpPr>
-            <a:spLocks noGrp="1"/>
-          </p:cNvSpPr>
-          <p:nvPr>
-            <p:ph idx="1"/>
-          </p:nvPr>
-        </p:nvSpPr>
-        <p:spPr/>
-        <p:txBody>
-          <a:bodyPr/>
-          <a:lstStyle/>
-          <a:p>
-            <a:r>
-              <a:rPr lang="de-DE" dirty="0" smtClean="0"/>
-              <a:t>Erfolglose Suche nach Bibliotheken innerhalb der </a:t>
-            </a:r>
-            <a:r>
-              <a:rPr lang="de-DE" dirty="0" err="1" smtClean="0"/>
-              <a:t>Arduino</a:t>
-            </a:r>
-            <a:r>
-              <a:rPr lang="de-DE" dirty="0" smtClean="0"/>
-              <a:t> IDE Installation</a:t>
-            </a:r>
-          </a:p>
-          <a:p>
-            <a:pPr lvl="1"/>
-            <a:r>
-              <a:rPr lang="de-DE" dirty="0" smtClean="0"/>
-              <a:t>Standard vorinstallierte Libraries in:</a:t>
-            </a:r>
-          </a:p>
-          <a:p>
-            <a:pPr lvl="2"/>
-            <a:r>
-              <a:rPr lang="de-DE" dirty="0" smtClean="0"/>
-              <a:t>\..\arduino-1.6.12-windows\arduino-1.6.12\</a:t>
-            </a:r>
-            <a:r>
-              <a:rPr lang="de-DE" dirty="0" err="1" smtClean="0"/>
-              <a:t>libraries</a:t>
-            </a:r>
-            <a:endParaRPr lang="de-DE" dirty="0" smtClean="0"/>
-          </a:p>
           <a:p>
             <a:endParaRPr lang="de-DE" dirty="0"/>
           </a:p>
           <a:p>
             <a:r>
               <a:rPr lang="de-DE" dirty="0"/>
-              <a:t>Stattdessen: C:\Users</a:t>
-            </a:r>
-            <a:r>
-              <a:rPr lang="de-DE" dirty="0" smtClean="0"/>
-              <a:t>\*\</a:t>
-            </a:r>
-            <a:r>
-              <a:rPr lang="de-DE" dirty="0"/>
-              <a:t>Documents\Arduino\libraries</a:t>
-            </a:r>
-            <a:endParaRPr lang="de-DE" dirty="0" smtClean="0"/>
+              <a:t>Stattdessen: C:\Users\*\Documents\Arduino\libraries</a:t>
+            </a:r>
           </a:p>
           <a:p>
             <a:pPr lvl="1"/>
@@ -4168,18 +4396,11 @@
   <p:clrMapOvr>
     <a:masterClrMapping/>
   </p:clrMapOvr>
-  <p:timing>
-    <p:tnLst>
-      <p:par>
-        <p:cTn id="1" dur="indefinite" restart="never" nodeType="tmRoot"/>
-      </p:par>
-    </p:tnLst>
-  </p:timing>
 </p:sld>
 </file>
 
 <file path=ppt/slides/slide13.xml><?xml version="1.0" encoding="utf-8"?>
-<p:sld xmlns:a="http://schemas.openxmlformats.org/drawingml/2006/main" xmlns:r="http://schemas.openxmlformats.org/officeDocument/2006/relationships" xmlns:p="http://schemas.openxmlformats.org/presentationml/2006/main">
+<p:sld xmlns:a="http://schemas.openxmlformats.org/drawingml/2006/main" xmlns:r="http://schemas.openxmlformats.org/officeDocument/2006/relationships" xmlns:p="http://schemas.openxmlformats.org/presentationml/2006/main" show="0">
   <p:cSld>
     <p:spTree>
       <p:nvGrpSpPr>
@@ -4205,16 +4426,22 @@
             <p:ph type="title"/>
           </p:nvPr>
         </p:nvSpPr>
-        <p:spPr/>
-        <p:txBody>
-          <a:bodyPr/>
-          <a:lstStyle/>
-          <a:p>
-            <a:r>
-              <a:rPr lang="de-DE" dirty="0" smtClean="0"/>
+        <p:spPr>
+          <a:xfrm>
+            <a:off x="3165560" y="1969686"/>
+            <a:ext cx="5797296" cy="891540"/>
+          </a:xfrm>
+        </p:spPr>
+        <p:txBody>
+          <a:bodyPr>
+            <a:normAutofit fontScale="90000"/>
+          </a:bodyPr>
+          <a:lstStyle/>
+          <a:p>
+            <a:r>
+              <a:rPr lang="de-DE" dirty="0"/>
               <a:t>IMPORT DER BIBLIOTHEKEN IN ARDUINO IDE</a:t>
             </a:r>
-            <a:endParaRPr lang="de-DE" dirty="0"/>
           </a:p>
         </p:txBody>
       </p:sp>
@@ -4236,8 +4463,8 @@
         </p:blipFill>
         <p:spPr>
           <a:xfrm>
-            <a:off x="2188746" y="2802196"/>
-            <a:ext cx="2832141" cy="3719156"/>
+            <a:off x="3165560" y="2958898"/>
+            <a:ext cx="2124106" cy="2789367"/>
           </a:xfrm>
           <a:prstGeom prst="rect">
             <a:avLst/>
@@ -4266,8 +4493,8 @@
         </p:nvSpPr>
         <p:spPr>
           <a:xfrm>
-            <a:off x="6879475" y="3118080"/>
-            <a:ext cx="3715789" cy="646331"/>
+            <a:off x="6683607" y="3195812"/>
+            <a:ext cx="2786842" cy="507831"/>
           </a:xfrm>
           <a:prstGeom prst="rect">
             <a:avLst/>
@@ -4280,12 +4507,12 @@
           </a:bodyPr>
           <a:lstStyle/>
           <a:p>
-            <a:pPr marL="285750" indent="-285750">
+            <a:pPr marL="214313" indent="-214313">
               <a:buFont typeface="Wingdings" panose="05000000000000000000" pitchFamily="2" charset="2"/>
               <a:buChar char="à"/>
             </a:pPr>
             <a:r>
-              <a:rPr lang="de-DE" dirty="0">
+              <a:rPr lang="de-DE" sz="1350" dirty="0">
                 <a:solidFill>
                   <a:schemeClr val="tx1">
                     <a:lumMod val="85000"/>
@@ -4301,12 +4528,12 @@
             </a:r>
           </a:p>
           <a:p>
-            <a:pPr marL="742950" lvl="1" indent="-285750">
+            <a:pPr marL="557213" lvl="1" indent="-214313">
               <a:buFont typeface="Wingdings" panose="05000000000000000000" pitchFamily="2" charset="2"/>
               <a:buChar char="à"/>
             </a:pPr>
             <a:r>
-              <a:rPr lang="de-DE" dirty="0" err="1" smtClean="0">
+              <a:rPr lang="de-DE" sz="1350" dirty="0" err="1">
                 <a:solidFill>
                   <a:schemeClr val="tx1">
                     <a:lumMod val="85000"/>
@@ -4320,7 +4547,7 @@
               </a:rPr>
               <a:t>SimpleDHT</a:t>
             </a:r>
-            <a:endParaRPr lang="de-DE" dirty="0">
+            <a:endParaRPr lang="de-DE" sz="1350" dirty="0">
               <a:solidFill>
                 <a:schemeClr val="tx1">
                   <a:lumMod val="85000"/>
@@ -4350,8 +4577,8 @@
         </p:blipFill>
         <p:spPr>
           <a:xfrm>
-            <a:off x="6879475" y="4842596"/>
-            <a:ext cx="1638300" cy="581025"/>
+            <a:off x="6683607" y="4489198"/>
+            <a:ext cx="1228725" cy="435769"/>
           </a:xfrm>
           <a:prstGeom prst="rect">
             <a:avLst/>
@@ -4380,8 +4607,8 @@
         </p:nvSpPr>
         <p:spPr>
           <a:xfrm>
-            <a:off x="5239442" y="4886021"/>
-            <a:ext cx="1421477" cy="494174"/>
+            <a:off x="5453582" y="4521767"/>
+            <a:ext cx="1066108" cy="370631"/>
           </a:xfrm>
           <a:prstGeom prst="rightArrow">
             <a:avLst/>
@@ -4408,7 +4635,7 @@
           <a:lstStyle/>
           <a:p>
             <a:pPr algn="ctr"/>
-            <a:endParaRPr lang="de-DE"/>
+            <a:endParaRPr lang="de-DE" sz="1350"/>
           </a:p>
         </p:txBody>
       </p:sp>
@@ -4422,13 +4649,6 @@
   <p:clrMapOvr>
     <a:masterClrMapping/>
   </p:clrMapOvr>
-  <p:timing>
-    <p:tnLst>
-      <p:par>
-        <p:cTn id="1" dur="indefinite" restart="never" nodeType="tmRoot"/>
-      </p:par>
-    </p:tnLst>
-  </p:timing>
 </p:sld>
 </file>
 
@@ -4459,24 +4679,22 @@
             <p:ph type="title"/>
           </p:nvPr>
         </p:nvSpPr>
-        <p:spPr/>
-        <p:txBody>
-          <a:bodyPr/>
-          <a:lstStyle/>
-          <a:p>
-            <a:r>
-              <a:rPr lang="de-DE" dirty="0" smtClean="0"/>
-              <a:t>AUFBAU DER SIMPLEDHT</a:t>
-            </a:r>
-            <a:r>
-              <a:rPr lang="de-DE" dirty="0"/>
-              <a:t> </a:t>
-            </a:r>
-            <a:r>
-              <a:rPr lang="de-DE" dirty="0" smtClean="0"/>
-              <a:t>CLASS</a:t>
-            </a:r>
-            <a:endParaRPr lang="de-DE" dirty="0"/>
+        <p:spPr>
+          <a:xfrm>
+            <a:off x="3165560" y="1969686"/>
+            <a:ext cx="5797296" cy="891540"/>
+          </a:xfrm>
+        </p:spPr>
+        <p:txBody>
+          <a:bodyPr>
+            <a:normAutofit/>
+          </a:bodyPr>
+          <a:lstStyle/>
+          <a:p>
+            <a:r>
+              <a:rPr lang="de-DE" dirty="0"/>
+              <a:t>AUFBAU DER SIMPLEDHT CLASS</a:t>
+            </a:r>
           </a:p>
         </p:txBody>
       </p:sp>
@@ -4488,8 +4706,8 @@
         </p:nvSpPr>
         <p:spPr>
           <a:xfrm>
-            <a:off x="2188746" y="3599412"/>
-            <a:ext cx="7587021" cy="1995055"/>
+            <a:off x="3165560" y="3556811"/>
+            <a:ext cx="5690266" cy="1496291"/>
           </a:xfrm>
           <a:prstGeom prst="rect">
             <a:avLst/>
@@ -4514,11 +4732,11 @@
           <a:lstStyle/>
           <a:p>
             <a:r>
-              <a:rPr lang="de-DE" dirty="0" smtClean="0"/>
+              <a:rPr lang="de-DE" sz="1350" dirty="0"/>
               <a:t>+ </a:t>
             </a:r>
             <a:r>
-              <a:rPr lang="de-DE" dirty="0" err="1" smtClean="0">
+              <a:rPr lang="de-DE" sz="1350" dirty="0" err="1">
                 <a:solidFill>
                   <a:srgbClr val="0070C0"/>
                 </a:solidFill>
@@ -4526,19 +4744,19 @@
               <a:t>int</a:t>
             </a:r>
             <a:r>
-              <a:rPr lang="de-DE" dirty="0" smtClean="0"/>
+              <a:rPr lang="de-DE" sz="1350" dirty="0"/>
               <a:t> </a:t>
             </a:r>
             <a:r>
-              <a:rPr lang="de-DE" dirty="0" err="1" smtClean="0"/>
+              <a:rPr lang="de-DE" sz="1350" dirty="0" err="1"/>
               <a:t>read</a:t>
             </a:r>
             <a:r>
-              <a:rPr lang="de-DE" dirty="0" smtClean="0"/>
+              <a:rPr lang="de-DE" sz="1350" dirty="0"/>
               <a:t>(</a:t>
             </a:r>
             <a:r>
-              <a:rPr lang="de-DE" dirty="0" err="1" smtClean="0">
+              <a:rPr lang="de-DE" sz="1350" dirty="0" err="1">
                 <a:solidFill>
                   <a:srgbClr val="0070C0"/>
                 </a:solidFill>
@@ -4546,73 +4764,73 @@
               <a:t>int</a:t>
             </a:r>
             <a:r>
-              <a:rPr lang="de-DE" dirty="0" smtClean="0"/>
+              <a:rPr lang="de-DE" sz="1350" dirty="0"/>
               <a:t> </a:t>
             </a:r>
             <a:r>
-              <a:rPr lang="de-DE" dirty="0" err="1" smtClean="0"/>
+              <a:rPr lang="de-DE" sz="1350" dirty="0" err="1"/>
               <a:t>pin</a:t>
             </a:r>
             <a:r>
-              <a:rPr lang="de-DE" dirty="0" smtClean="0"/>
+              <a:rPr lang="de-DE" sz="1350" dirty="0"/>
               <a:t>, </a:t>
             </a:r>
             <a:r>
-              <a:rPr lang="de-DE" dirty="0" err="1" smtClean="0"/>
+              <a:rPr lang="de-DE" sz="1350" dirty="0" err="1"/>
               <a:t>byte</a:t>
             </a:r>
             <a:r>
-              <a:rPr lang="de-DE" dirty="0" smtClean="0"/>
+              <a:rPr lang="de-DE" sz="1350" dirty="0"/>
               <a:t>* </a:t>
             </a:r>
             <a:r>
-              <a:rPr lang="de-DE" dirty="0" err="1" smtClean="0"/>
+              <a:rPr lang="de-DE" sz="1350" dirty="0" err="1"/>
               <a:t>ptemperature</a:t>
             </a:r>
             <a:r>
-              <a:rPr lang="de-DE" dirty="0" smtClean="0"/>
+              <a:rPr lang="de-DE" sz="1350" dirty="0"/>
               <a:t>, </a:t>
             </a:r>
             <a:r>
-              <a:rPr lang="de-DE" dirty="0" err="1" smtClean="0"/>
+              <a:rPr lang="de-DE" sz="1350" dirty="0" err="1"/>
               <a:t>byte</a:t>
             </a:r>
             <a:r>
-              <a:rPr lang="de-DE" dirty="0" smtClean="0"/>
+              <a:rPr lang="de-DE" sz="1350" dirty="0"/>
               <a:t>* </a:t>
             </a:r>
             <a:r>
-              <a:rPr lang="de-DE" dirty="0" err="1" smtClean="0"/>
+              <a:rPr lang="de-DE" sz="1350" dirty="0" err="1"/>
               <a:t>phumidity</a:t>
             </a:r>
             <a:r>
-              <a:rPr lang="de-DE" dirty="0" smtClean="0"/>
+              <a:rPr lang="de-DE" sz="1350" dirty="0"/>
               <a:t>, </a:t>
             </a:r>
             <a:r>
-              <a:rPr lang="de-DE" dirty="0" err="1" smtClean="0"/>
+              <a:rPr lang="de-DE" sz="1350" dirty="0" err="1"/>
               <a:t>byte</a:t>
             </a:r>
             <a:r>
-              <a:rPr lang="de-DE" dirty="0" smtClean="0"/>
+              <a:rPr lang="de-DE" sz="1350" dirty="0"/>
               <a:t> </a:t>
             </a:r>
             <a:r>
-              <a:rPr lang="de-DE" dirty="0" err="1" smtClean="0"/>
+              <a:rPr lang="de-DE" sz="1350" dirty="0" err="1"/>
               <a:t>pdata</a:t>
             </a:r>
             <a:r>
-              <a:rPr lang="de-DE" dirty="0" smtClean="0"/>
+              <a:rPr lang="de-DE" sz="1350" dirty="0"/>
               <a:t>[40])</a:t>
             </a:r>
           </a:p>
           <a:p>
             <a:r>
-              <a:rPr lang="de-DE" dirty="0" smtClean="0"/>
+              <a:rPr lang="de-DE" sz="1350" dirty="0"/>
               <a:t>-  </a:t>
             </a:r>
             <a:r>
-              <a:rPr lang="de-DE" dirty="0" err="1" smtClean="0">
+              <a:rPr lang="de-DE" sz="1350" dirty="0" err="1">
                 <a:solidFill>
                   <a:srgbClr val="0070C0"/>
                 </a:solidFill>
@@ -4620,19 +4838,19 @@
               <a:t>int</a:t>
             </a:r>
             <a:r>
-              <a:rPr lang="de-DE" dirty="0" smtClean="0"/>
+              <a:rPr lang="de-DE" sz="1350" dirty="0"/>
               <a:t> </a:t>
             </a:r>
             <a:r>
-              <a:rPr lang="de-DE" dirty="0" err="1" smtClean="0"/>
+              <a:rPr lang="de-DE" sz="1350" dirty="0" err="1"/>
               <a:t>confirm</a:t>
             </a:r>
             <a:r>
-              <a:rPr lang="de-DE" dirty="0" smtClean="0"/>
+              <a:rPr lang="de-DE" sz="1350" dirty="0"/>
               <a:t>(</a:t>
             </a:r>
             <a:r>
-              <a:rPr lang="de-DE" dirty="0" err="1" smtClean="0">
+              <a:rPr lang="de-DE" sz="1350" dirty="0" err="1">
                 <a:solidFill>
                   <a:srgbClr val="0070C0"/>
                 </a:solidFill>
@@ -4640,87 +4858,87 @@
               <a:t>int</a:t>
             </a:r>
             <a:r>
-              <a:rPr lang="de-DE" dirty="0" smtClean="0"/>
+              <a:rPr lang="de-DE" sz="1350" dirty="0"/>
               <a:t> </a:t>
             </a:r>
             <a:r>
-              <a:rPr lang="de-DE" dirty="0" err="1" smtClean="0"/>
+              <a:rPr lang="de-DE" sz="1350" dirty="0" err="1"/>
               <a:t>pin</a:t>
             </a:r>
             <a:r>
-              <a:rPr lang="de-DE" dirty="0" smtClean="0"/>
+              <a:rPr lang="de-DE" sz="1350" dirty="0"/>
               <a:t>, </a:t>
             </a:r>
             <a:r>
-              <a:rPr lang="de-DE" dirty="0" err="1" smtClean="0"/>
+              <a:rPr lang="de-DE" sz="1350" dirty="0" err="1"/>
               <a:t>int</a:t>
             </a:r>
             <a:r>
-              <a:rPr lang="de-DE" dirty="0" smtClean="0"/>
+              <a:rPr lang="de-DE" sz="1350" dirty="0"/>
               <a:t> </a:t>
             </a:r>
             <a:r>
-              <a:rPr lang="de-DE" dirty="0" err="1" smtClean="0"/>
+              <a:rPr lang="de-DE" sz="1350" dirty="0" err="1"/>
               <a:t>us</a:t>
             </a:r>
             <a:r>
-              <a:rPr lang="de-DE" dirty="0" smtClean="0"/>
+              <a:rPr lang="de-DE" sz="1350" dirty="0"/>
               <a:t>, </a:t>
             </a:r>
             <a:r>
-              <a:rPr lang="de-DE" dirty="0" err="1" smtClean="0"/>
+              <a:rPr lang="de-DE" sz="1350" dirty="0" err="1"/>
               <a:t>byte</a:t>
             </a:r>
             <a:r>
-              <a:rPr lang="de-DE" dirty="0" smtClean="0"/>
+              <a:rPr lang="de-DE" sz="1350" dirty="0"/>
               <a:t> </a:t>
             </a:r>
             <a:r>
-              <a:rPr lang="de-DE" dirty="0" err="1" smtClean="0"/>
+              <a:rPr lang="de-DE" sz="1350" dirty="0" err="1"/>
               <a:t>level</a:t>
             </a:r>
             <a:r>
-              <a:rPr lang="de-DE" dirty="0" smtClean="0"/>
+              <a:rPr lang="de-DE" sz="1350" dirty="0"/>
               <a:t>)</a:t>
             </a:r>
           </a:p>
           <a:p>
             <a:r>
-              <a:rPr lang="de-DE" dirty="0" smtClean="0"/>
+              <a:rPr lang="de-DE" sz="1350" dirty="0"/>
               <a:t>-  </a:t>
             </a:r>
             <a:r>
-              <a:rPr lang="de-DE" dirty="0" err="1" smtClean="0"/>
+              <a:rPr lang="de-DE" sz="1350" dirty="0" err="1"/>
               <a:t>byte</a:t>
             </a:r>
             <a:r>
-              <a:rPr lang="de-DE" dirty="0" smtClean="0"/>
+              <a:rPr lang="de-DE" sz="1350" dirty="0"/>
               <a:t> bits2byte (</a:t>
             </a:r>
             <a:r>
-              <a:rPr lang="de-DE" dirty="0" err="1" smtClean="0"/>
+              <a:rPr lang="de-DE" sz="1350" dirty="0" err="1"/>
               <a:t>byte</a:t>
             </a:r>
             <a:r>
-              <a:rPr lang="de-DE" dirty="0" smtClean="0"/>
+              <a:rPr lang="de-DE" sz="1350" dirty="0"/>
               <a:t> </a:t>
             </a:r>
             <a:r>
-              <a:rPr lang="de-DE" dirty="0" err="1" smtClean="0"/>
+              <a:rPr lang="de-DE" sz="1350" dirty="0" err="1"/>
               <a:t>data</a:t>
             </a:r>
             <a:r>
-              <a:rPr lang="de-DE" dirty="0" smtClean="0"/>
+              <a:rPr lang="de-DE" sz="1350" dirty="0"/>
               <a:t>[8])</a:t>
             </a:r>
           </a:p>
           <a:p>
             <a:r>
-              <a:rPr lang="de-DE" dirty="0" smtClean="0"/>
+              <a:rPr lang="de-DE" sz="1350" dirty="0"/>
               <a:t>-  </a:t>
             </a:r>
             <a:r>
-              <a:rPr lang="de-DE" dirty="0" err="1" smtClean="0">
+              <a:rPr lang="de-DE" sz="1350" dirty="0" err="1">
                 <a:solidFill>
                   <a:srgbClr val="0070C0"/>
                 </a:solidFill>
@@ -4728,15 +4946,11 @@
               <a:t>int</a:t>
             </a:r>
             <a:r>
-              <a:rPr lang="de-DE" dirty="0"/>
-              <a:t> </a:t>
-            </a:r>
-            <a:r>
-              <a:rPr lang="de-DE" dirty="0" smtClean="0"/>
-              <a:t>sample(</a:t>
-            </a:r>
-            <a:r>
-              <a:rPr lang="de-DE" dirty="0" err="1" smtClean="0">
+              <a:rPr lang="de-DE" sz="1350" dirty="0"/>
+              <a:t> sample(</a:t>
+            </a:r>
+            <a:r>
+              <a:rPr lang="de-DE" sz="1350" dirty="0" err="1">
                 <a:solidFill>
                   <a:srgbClr val="0070C0"/>
                 </a:solidFill>
@@ -4744,109 +4958,100 @@
               <a:t>int</a:t>
             </a:r>
             <a:r>
-              <a:rPr lang="de-DE" dirty="0" smtClean="0"/>
+              <a:rPr lang="de-DE" sz="1350" dirty="0"/>
               <a:t> </a:t>
             </a:r>
             <a:r>
-              <a:rPr lang="de-DE" dirty="0" err="1" smtClean="0"/>
+              <a:rPr lang="de-DE" sz="1350" dirty="0" err="1"/>
               <a:t>pin</a:t>
             </a:r>
             <a:r>
-              <a:rPr lang="de-DE" dirty="0" smtClean="0"/>
+              <a:rPr lang="de-DE" sz="1350" dirty="0"/>
               <a:t>, </a:t>
             </a:r>
             <a:r>
-              <a:rPr lang="de-DE" dirty="0" err="1" smtClean="0"/>
+              <a:rPr lang="de-DE" sz="1350" dirty="0" err="1"/>
               <a:t>byte</a:t>
             </a:r>
             <a:r>
-              <a:rPr lang="de-DE" dirty="0" smtClean="0"/>
+              <a:rPr lang="de-DE" sz="1350" dirty="0"/>
               <a:t> </a:t>
             </a:r>
             <a:r>
-              <a:rPr lang="de-DE" dirty="0" err="1" smtClean="0"/>
+              <a:rPr lang="de-DE" sz="1350" dirty="0" err="1"/>
               <a:t>data</a:t>
             </a:r>
             <a:r>
-              <a:rPr lang="de-DE" dirty="0" smtClean="0"/>
+              <a:rPr lang="de-DE" sz="1350" dirty="0"/>
               <a:t>[40])</a:t>
             </a:r>
             <a:br>
-              <a:rPr lang="de-DE" dirty="0" smtClean="0"/>
+              <a:rPr lang="de-DE" sz="1350" dirty="0"/>
             </a:br>
             <a:r>
-              <a:rPr lang="de-DE" dirty="0" smtClean="0"/>
+              <a:rPr lang="de-DE" sz="1350" dirty="0"/>
               <a:t>-  </a:t>
             </a:r>
             <a:r>
-              <a:rPr lang="de-DE" dirty="0" err="1">
+              <a:rPr lang="de-DE" sz="1350" dirty="0" err="1">
                 <a:solidFill>
                   <a:srgbClr val="0070C0"/>
                 </a:solidFill>
               </a:rPr>
-              <a:t>i</a:t>
-            </a:r>
-            <a:r>
-              <a:rPr lang="de-DE" dirty="0" err="1" smtClean="0">
-                <a:solidFill>
-                  <a:srgbClr val="0070C0"/>
-                </a:solidFill>
-              </a:rPr>
-              <a:t>nt</a:t>
-            </a:r>
-            <a:r>
-              <a:rPr lang="de-DE" dirty="0" smtClean="0"/>
+              <a:t>int</a:t>
+            </a:r>
+            <a:r>
+              <a:rPr lang="de-DE" sz="1350" dirty="0"/>
               <a:t> parse(</a:t>
             </a:r>
             <a:r>
-              <a:rPr lang="de-DE" dirty="0" err="1" smtClean="0"/>
+              <a:rPr lang="de-DE" sz="1350" dirty="0" err="1"/>
               <a:t>byte</a:t>
             </a:r>
             <a:r>
-              <a:rPr lang="de-DE" dirty="0" smtClean="0"/>
+              <a:rPr lang="de-DE" sz="1350" dirty="0"/>
               <a:t> </a:t>
             </a:r>
             <a:r>
-              <a:rPr lang="de-DE" dirty="0" err="1" smtClean="0"/>
+              <a:rPr lang="de-DE" sz="1350" dirty="0" err="1"/>
               <a:t>data</a:t>
             </a:r>
             <a:r>
-              <a:rPr lang="de-DE" dirty="0" smtClean="0"/>
+              <a:rPr lang="de-DE" sz="1350" dirty="0"/>
               <a:t>[40], </a:t>
             </a:r>
             <a:r>
-              <a:rPr lang="de-DE" dirty="0" err="1" smtClean="0"/>
+              <a:rPr lang="de-DE" sz="1350" dirty="0" err="1"/>
               <a:t>byte</a:t>
             </a:r>
             <a:r>
-              <a:rPr lang="de-DE" dirty="0" smtClean="0"/>
+              <a:rPr lang="de-DE" sz="1350" dirty="0"/>
               <a:t>* </a:t>
             </a:r>
             <a:r>
-              <a:rPr lang="de-DE" dirty="0" err="1" smtClean="0"/>
+              <a:rPr lang="de-DE" sz="1350" dirty="0" err="1"/>
               <a:t>ptemperature</a:t>
             </a:r>
             <a:r>
-              <a:rPr lang="de-DE" dirty="0" smtClean="0"/>
+              <a:rPr lang="de-DE" sz="1350" dirty="0"/>
               <a:t>, </a:t>
             </a:r>
             <a:r>
-              <a:rPr lang="de-DE" dirty="0" err="1" smtClean="0"/>
+              <a:rPr lang="de-DE" sz="1350" dirty="0" err="1"/>
               <a:t>byte</a:t>
             </a:r>
             <a:r>
-              <a:rPr lang="de-DE" dirty="0" smtClean="0"/>
+              <a:rPr lang="de-DE" sz="1350" dirty="0"/>
               <a:t>* </a:t>
             </a:r>
             <a:r>
-              <a:rPr lang="de-DE" dirty="0" err="1" smtClean="0"/>
+              <a:rPr lang="de-DE" sz="1350" dirty="0" err="1"/>
               <a:t>phumidity</a:t>
             </a:r>
             <a:r>
-              <a:rPr lang="de-DE" dirty="0" smtClean="0"/>
+              <a:rPr lang="de-DE" sz="1350" dirty="0"/>
               <a:t>) </a:t>
             </a:r>
-            <a:endParaRPr lang="de-DE" dirty="0"/>
           </a:p>
         </p:txBody>
       </p:sp>
@@ -4858,8 +5063,8 @@
         </p:nvSpPr>
         <p:spPr>
           <a:xfrm>
-            <a:off x="2188746" y="2942706"/>
-            <a:ext cx="7587021" cy="656706"/>
+            <a:off x="3165560" y="3064279"/>
+            <a:ext cx="5690266" cy="492530"/>
           </a:xfrm>
           <a:prstGeom prst="rect">
             <a:avLst/>
@@ -4885,10 +5090,9 @@
           <a:p>
             <a:pPr algn="ctr"/>
             <a:r>
-              <a:rPr lang="de-DE" dirty="0" smtClean="0"/>
+              <a:rPr lang="de-DE" sz="1350" dirty="0"/>
               <a:t>SimpleDHT11</a:t>
             </a:r>
-            <a:endParaRPr lang="de-DE" dirty="0"/>
           </a:p>
         </p:txBody>
       </p:sp>
@@ -4902,13 +5106,6 @@
   <p:clrMapOvr>
     <a:masterClrMapping/>
   </p:clrMapOvr>
-  <p:timing>
-    <p:tnLst>
-      <p:par>
-        <p:cTn id="1" dur="indefinite" restart="never" nodeType="tmRoot"/>
-      </p:par>
-    </p:tnLst>
-  </p:timing>
 </p:sld>
 </file>
 
@@ -4939,24 +5136,28 @@
             <p:ph type="title"/>
           </p:nvPr>
         </p:nvSpPr>
-        <p:spPr/>
+        <p:spPr>
+          <a:xfrm>
+            <a:off x="1724320" y="1321734"/>
+            <a:ext cx="5797296" cy="891540"/>
+          </a:xfrm>
+        </p:spPr>
         <p:txBody>
           <a:bodyPr/>
           <a:lstStyle/>
           <a:p>
             <a:r>
-              <a:rPr lang="de-DE" dirty="0" smtClean="0"/>
+              <a:rPr lang="de-DE" dirty="0"/>
               <a:t>FUNKTIONEN – </a:t>
             </a:r>
             <a:r>
-              <a:rPr lang="de-DE" dirty="0" err="1" smtClean="0"/>
+              <a:rPr lang="de-DE" dirty="0" err="1"/>
               <a:t>read</a:t>
             </a:r>
             <a:r>
-              <a:rPr lang="de-DE" dirty="0" smtClean="0"/>
+              <a:rPr lang="de-DE" dirty="0"/>
               <a:t> </a:t>
             </a:r>
-            <a:endParaRPr lang="de-DE" dirty="0"/>
           </a:p>
         </p:txBody>
       </p:sp>
@@ -4978,8 +5179,8 @@
         </p:blipFill>
         <p:spPr>
           <a:xfrm>
-            <a:off x="504726" y="2863850"/>
-            <a:ext cx="6178014" cy="3862941"/>
+            <a:off x="1724320" y="2387463"/>
+            <a:ext cx="5043302" cy="3153437"/>
           </a:xfrm>
           <a:prstGeom prst="rect">
             <a:avLst/>
@@ -5008,8 +5209,8 @@
         </p:nvSpPr>
         <p:spPr>
           <a:xfrm>
-            <a:off x="6780415" y="2863850"/>
-            <a:ext cx="5350625" cy="3416320"/>
+            <a:off x="6812593" y="2376899"/>
+            <a:ext cx="4012969" cy="2585323"/>
           </a:xfrm>
           <a:prstGeom prst="rect">
             <a:avLst/>
@@ -5023,7 +5224,7 @@
           <a:lstStyle/>
           <a:p>
             <a:r>
-              <a:rPr lang="en-US" dirty="0" smtClean="0">
+              <a:rPr lang="en-US" sz="1350" dirty="0">
                 <a:solidFill>
                   <a:schemeClr val="tx1">
                     <a:lumMod val="85000"/>
@@ -5038,7 +5239,7 @@
               <a:t> Um </a:t>
             </a:r>
             <a:r>
-              <a:rPr lang="en-US" dirty="0" err="1" smtClean="0">
+              <a:rPr lang="en-US" sz="1350" dirty="0" err="1">
                 <a:solidFill>
                   <a:schemeClr val="tx1">
                     <a:lumMod val="85000"/>
@@ -5053,7 +5254,7 @@
               <a:t>vom</a:t>
             </a:r>
             <a:r>
-              <a:rPr lang="en-US" dirty="0" smtClean="0">
+              <a:rPr lang="en-US" sz="1350" dirty="0">
                 <a:solidFill>
                   <a:schemeClr val="tx1">
                     <a:lumMod val="85000"/>
@@ -5068,7 +5269,7 @@
               <a:t> DHT11 Sensor </a:t>
             </a:r>
             <a:r>
-              <a:rPr lang="en-US" dirty="0" err="1" smtClean="0">
+              <a:rPr lang="en-US" sz="1350" dirty="0" err="1">
                 <a:solidFill>
                   <a:schemeClr val="tx1">
                     <a:lumMod val="85000"/>
@@ -5083,7 +5284,7 @@
               <a:t>zu</a:t>
             </a:r>
             <a:r>
-              <a:rPr lang="en-US" dirty="0" smtClean="0">
+              <a:rPr lang="en-US" sz="1350" dirty="0">
                 <a:solidFill>
                   <a:schemeClr val="tx1">
                     <a:lumMod val="85000"/>
@@ -5098,7 +5299,7 @@
               <a:t> </a:t>
             </a:r>
             <a:r>
-              <a:rPr lang="en-US" dirty="0" err="1" smtClean="0">
+              <a:rPr lang="en-US" sz="1350" dirty="0" err="1">
                 <a:solidFill>
                   <a:schemeClr val="tx1">
                     <a:lumMod val="85000"/>
@@ -5112,7 +5313,7 @@
               </a:rPr>
               <a:t>lesen</a:t>
             </a:r>
-            <a:endParaRPr lang="en-US" dirty="0" smtClean="0">
+            <a:endParaRPr lang="en-US" sz="1350" dirty="0">
               <a:solidFill>
                 <a:schemeClr val="tx1">
                   <a:lumMod val="85000"/>
@@ -5125,7 +5326,7 @@
             </a:endParaRPr>
           </a:p>
           <a:p>
-            <a:endParaRPr lang="en-US" dirty="0">
+            <a:endParaRPr lang="en-US" sz="1350" dirty="0">
               <a:solidFill>
                 <a:schemeClr val="tx1">
                   <a:lumMod val="85000"/>
@@ -5139,7 +5340,7 @@
           </a:p>
           <a:p>
             <a:r>
-              <a:rPr lang="en-US" dirty="0" smtClean="0">
+              <a:rPr lang="en-US" sz="1350" dirty="0">
                 <a:solidFill>
                   <a:schemeClr val="tx1">
                     <a:lumMod val="85000"/>
@@ -5154,7 +5355,7 @@
               <a:t> </a:t>
             </a:r>
             <a:r>
-              <a:rPr lang="en-US" b="1" dirty="0" smtClean="0">
+              <a:rPr lang="en-US" sz="1350" b="1" dirty="0">
                 <a:solidFill>
                   <a:schemeClr val="tx1">
                     <a:lumMod val="85000"/>
@@ -5169,7 +5370,7 @@
               <a:t>Input</a:t>
             </a:r>
             <a:r>
-              <a:rPr lang="en-US" dirty="0" smtClean="0">
+              <a:rPr lang="en-US" sz="1350" dirty="0">
                 <a:solidFill>
                   <a:schemeClr val="tx1">
                     <a:lumMod val="85000"/>
@@ -5184,7 +5385,7 @@
               <a:t> </a:t>
             </a:r>
             <a:r>
-              <a:rPr lang="en-US" dirty="0" err="1" smtClean="0">
+              <a:rPr lang="en-US" sz="1350" dirty="0" err="1">
                 <a:solidFill>
                   <a:schemeClr val="tx1">
                     <a:lumMod val="85000"/>
@@ -5199,7 +5400,7 @@
               <a:t>Daten</a:t>
             </a:r>
             <a:r>
-              <a:rPr lang="en-US" dirty="0" smtClean="0">
+              <a:rPr lang="en-US" sz="1350" dirty="0">
                 <a:solidFill>
                   <a:schemeClr val="tx1">
                     <a:lumMod val="85000"/>
@@ -5213,7 +5414,7 @@
               </a:rPr>
               <a:t>-Pin des DHT11 am Arduino IDE</a:t>
             </a:r>
-            <a:endParaRPr lang="en-US" dirty="0">
+            <a:endParaRPr lang="en-US" sz="1350" dirty="0">
               <a:solidFill>
                 <a:schemeClr val="tx1">
                   <a:lumMod val="85000"/>
@@ -5227,7 +5428,7 @@
           </a:p>
           <a:p>
             <a:r>
-              <a:rPr lang="en-US" dirty="0" smtClean="0">
+              <a:rPr lang="en-US" sz="1350" dirty="0">
                 <a:solidFill>
                   <a:schemeClr val="tx1">
                     <a:lumMod val="85000"/>
@@ -5242,7 +5443,7 @@
             </a:r>
           </a:p>
           <a:p>
-            <a:endParaRPr lang="en-US" dirty="0" smtClean="0">
+            <a:endParaRPr lang="en-US" sz="1350" dirty="0">
               <a:solidFill>
                 <a:schemeClr val="tx1">
                   <a:lumMod val="85000"/>
@@ -5255,12 +5456,12 @@
             </a:endParaRPr>
           </a:p>
           <a:p>
-            <a:pPr marL="285750" indent="-285750">
+            <a:pPr marL="214313" indent="-214313">
               <a:buFont typeface="Wingdings" panose="05000000000000000000" pitchFamily="2" charset="2"/>
               <a:buChar char="à"/>
             </a:pPr>
             <a:r>
-              <a:rPr lang="en-US" b="1" dirty="0" smtClean="0">
+              <a:rPr lang="en-US" sz="1350" b="1" dirty="0">
                 <a:solidFill>
                   <a:schemeClr val="tx1">
                     <a:lumMod val="85000"/>
@@ -5275,7 +5476,7 @@
               <a:t>Output</a:t>
             </a:r>
             <a:r>
-              <a:rPr lang="en-US" dirty="0" smtClean="0">
+              <a:rPr lang="en-US" sz="1350" dirty="0">
                 <a:solidFill>
                   <a:schemeClr val="tx1">
                     <a:lumMod val="85000"/>
@@ -5290,7 +5491,7 @@
               <a:t> </a:t>
             </a:r>
             <a:r>
-              <a:rPr lang="en-US" dirty="0" err="1" smtClean="0">
+              <a:rPr lang="en-US" sz="1350" dirty="0" err="1">
                 <a:solidFill>
                   <a:schemeClr val="tx1">
                     <a:lumMod val="85000"/>
@@ -5304,7 +5505,7 @@
               <a:t>ptemperature</a:t>
             </a:r>
             <a:r>
-              <a:rPr lang="en-US" dirty="0" smtClean="0">
+              <a:rPr lang="en-US" sz="1350" dirty="0">
                 <a:solidFill>
                   <a:schemeClr val="tx1">
                     <a:lumMod val="85000"/>
@@ -5318,7 +5519,7 @@
               <a:t>: </a:t>
             </a:r>
             <a:r>
-              <a:rPr lang="en-US" dirty="0" err="1" smtClean="0">
+              <a:rPr lang="en-US" sz="1350" dirty="0" err="1">
                 <a:solidFill>
                   <a:schemeClr val="tx1">
                     <a:lumMod val="85000"/>
@@ -5332,7 +5533,7 @@
               <a:t>Temperatur</a:t>
             </a:r>
             <a:r>
-              <a:rPr lang="en-US" dirty="0" smtClean="0">
+              <a:rPr lang="en-US" sz="1350" dirty="0">
                 <a:solidFill>
                   <a:schemeClr val="tx1">
                     <a:lumMod val="85000"/>
@@ -5347,12 +5548,12 @@
             </a:r>
           </a:p>
           <a:p>
-            <a:pPr marL="285750" indent="-285750">
+            <a:pPr marL="214313" indent="-214313">
               <a:buFont typeface="Wingdings" panose="05000000000000000000" pitchFamily="2" charset="2"/>
               <a:buChar char="à"/>
             </a:pPr>
             <a:r>
-              <a:rPr lang="en-US" b="1" dirty="0" smtClean="0">
+              <a:rPr lang="en-US" sz="1350" b="1" dirty="0">
                 <a:solidFill>
                   <a:schemeClr val="tx1">
                     <a:lumMod val="85000"/>
@@ -5366,7 +5567,7 @@
               <a:t>Output</a:t>
             </a:r>
             <a:r>
-              <a:rPr lang="en-US" dirty="0" smtClean="0">
+              <a:rPr lang="en-US" sz="1350" dirty="0">
                 <a:solidFill>
                   <a:schemeClr val="tx1">
                     <a:lumMod val="85000"/>
@@ -5380,7 +5581,7 @@
               <a:t> </a:t>
             </a:r>
             <a:r>
-              <a:rPr lang="en-US" dirty="0" err="1" smtClean="0">
+              <a:rPr lang="en-US" sz="1350" dirty="0" err="1">
                 <a:solidFill>
                   <a:schemeClr val="tx1">
                     <a:lumMod val="85000"/>
@@ -5394,7 +5595,7 @@
               <a:t>phumidity</a:t>
             </a:r>
             <a:r>
-              <a:rPr lang="en-US" dirty="0" smtClean="0">
+              <a:rPr lang="en-US" sz="1350" dirty="0">
                 <a:solidFill>
                   <a:schemeClr val="tx1">
                     <a:lumMod val="85000"/>
@@ -5408,7 +5609,7 @@
               <a:t>: </a:t>
             </a:r>
             <a:r>
-              <a:rPr lang="en-US" dirty="0" err="1" smtClean="0">
+              <a:rPr lang="en-US" sz="1350" dirty="0" err="1">
                 <a:solidFill>
                   <a:schemeClr val="tx1">
                     <a:lumMod val="85000"/>
@@ -5421,7 +5622,7 @@
               </a:rPr>
               <a:t>Feuchtigkeit</a:t>
             </a:r>
-            <a:endParaRPr lang="en-US" dirty="0" smtClean="0">
+            <a:endParaRPr lang="en-US" sz="1350" dirty="0">
               <a:solidFill>
                 <a:schemeClr val="tx1">
                   <a:lumMod val="85000"/>
@@ -5434,12 +5635,12 @@
             </a:endParaRPr>
           </a:p>
           <a:p>
-            <a:pPr marL="285750" indent="-285750">
+            <a:pPr marL="214313" indent="-214313">
               <a:buFont typeface="Wingdings" panose="05000000000000000000" pitchFamily="2" charset="2"/>
               <a:buChar char="à"/>
             </a:pPr>
             <a:r>
-              <a:rPr lang="en-US" b="1" dirty="0" smtClean="0">
+              <a:rPr lang="en-US" sz="1350" b="1" dirty="0">
                 <a:solidFill>
                   <a:schemeClr val="tx1">
                     <a:lumMod val="85000"/>
@@ -5453,7 +5654,7 @@
               <a:t>Output</a:t>
             </a:r>
             <a:r>
-              <a:rPr lang="en-US" dirty="0" smtClean="0">
+              <a:rPr lang="en-US" sz="1350" dirty="0">
                 <a:solidFill>
                   <a:schemeClr val="tx1">
                     <a:lumMod val="85000"/>
@@ -5467,7 +5668,7 @@
               <a:t> </a:t>
             </a:r>
             <a:r>
-              <a:rPr lang="en-US" dirty="0" err="1" smtClean="0">
+              <a:rPr lang="en-US" sz="1350" dirty="0" err="1">
                 <a:solidFill>
                   <a:schemeClr val="tx1">
                     <a:lumMod val="85000"/>
@@ -5481,7 +5682,7 @@
               <a:t>pdata</a:t>
             </a:r>
             <a:r>
-              <a:rPr lang="en-US" dirty="0" smtClean="0">
+              <a:rPr lang="en-US" sz="1350" dirty="0">
                 <a:solidFill>
                   <a:schemeClr val="tx1">
                     <a:lumMod val="85000"/>
@@ -5495,7 +5696,7 @@
               <a:t>: 40 Bit-</a:t>
             </a:r>
             <a:r>
-              <a:rPr lang="en-US" dirty="0" err="1" smtClean="0">
+              <a:rPr lang="en-US" sz="1350" dirty="0" err="1">
                 <a:solidFill>
                   <a:schemeClr val="tx1">
                     <a:lumMod val="85000"/>
@@ -5508,7 +5709,7 @@
               </a:rPr>
               <a:t>Daten</a:t>
             </a:r>
-            <a:endParaRPr lang="en-US" dirty="0">
+            <a:endParaRPr lang="en-US" sz="1350" dirty="0">
               <a:solidFill>
                 <a:schemeClr val="tx1">
                   <a:lumMod val="85000"/>
@@ -5521,7 +5722,7 @@
             </a:endParaRPr>
           </a:p>
           <a:p>
-            <a:endParaRPr lang="en-US" dirty="0" smtClean="0">
+            <a:endParaRPr lang="en-US" sz="1350" dirty="0">
               <a:solidFill>
                 <a:schemeClr val="tx1">
                   <a:lumMod val="85000"/>
@@ -5534,22 +5735,8 @@
             </a:endParaRPr>
           </a:p>
           <a:p>
-            <a:r>
-              <a:rPr lang="en-US" dirty="0" smtClean="0">
-                <a:solidFill>
-                  <a:schemeClr val="tx1">
-                    <a:lumMod val="85000"/>
-                    <a:lumOff val="15000"/>
-                  </a:schemeClr>
-                </a:solidFill>
-                <a:latin typeface="Yu Gothic" panose="020B0400000000000000" pitchFamily="34" charset="-128"/>
-                <a:ea typeface="Yu Gothic" panose="020B0400000000000000" pitchFamily="34" charset="-128"/>
-                <a:cs typeface="Calibri Light" panose="020F0302020204030204" pitchFamily="34" charset="0"/>
-              </a:rPr>
-              <a:t/>
-            </a:r>
             <a:br>
-              <a:rPr lang="en-US" dirty="0" smtClean="0">
+              <a:rPr lang="en-US" sz="1350" dirty="0">
                 <a:solidFill>
                   <a:schemeClr val="tx1">
                     <a:lumMod val="85000"/>
@@ -5562,7 +5749,7 @@
               </a:rPr>
             </a:br>
             <a:r>
-              <a:rPr lang="en-US" dirty="0" smtClean="0">
+              <a:rPr lang="en-US" sz="1350" dirty="0">
                 <a:solidFill>
                   <a:schemeClr val="tx1">
                     <a:lumMod val="85000"/>
@@ -5576,7 +5763,7 @@
               <a:t>Min-Delay: 1s</a:t>
             </a:r>
             <a:br>
-              <a:rPr lang="en-US" dirty="0" smtClean="0">
+              <a:rPr lang="en-US" sz="1350" dirty="0">
                 <a:solidFill>
                   <a:schemeClr val="tx1">
                     <a:lumMod val="85000"/>
@@ -5588,7 +5775,7 @@
                 <a:cs typeface="Calibri Light" panose="020F0302020204030204" pitchFamily="34" charset="0"/>
               </a:rPr>
             </a:br>
-            <a:endParaRPr lang="de-DE" dirty="0">
+            <a:endParaRPr lang="de-DE" sz="1350" dirty="0">
               <a:solidFill>
                 <a:schemeClr val="tx1">
                   <a:lumMod val="85000"/>
@@ -5610,8 +5797,8 @@
         </p:nvSpPr>
         <p:spPr>
           <a:xfrm>
-            <a:off x="10619163" y="4152900"/>
-            <a:ext cx="243840" cy="1127760"/>
+            <a:off x="9945988" y="3336084"/>
+            <a:ext cx="182880" cy="845820"/>
           </a:xfrm>
           <a:prstGeom prst="rightBrace">
             <a:avLst/>
@@ -5636,7 +5823,7 @@
           <a:lstStyle/>
           <a:p>
             <a:pPr algn="ctr"/>
-            <a:endParaRPr lang="de-DE" b="1" dirty="0"/>
+            <a:endParaRPr lang="de-DE" sz="1350" b="1" dirty="0"/>
           </a:p>
         </p:txBody>
       </p:sp>
@@ -5648,8 +5835,8 @@
         </p:nvSpPr>
         <p:spPr>
           <a:xfrm>
-            <a:off x="10948381" y="4116615"/>
-            <a:ext cx="1097280" cy="1200329"/>
+            <a:off x="10192902" y="3308871"/>
+            <a:ext cx="822960" cy="923330"/>
           </a:xfrm>
           <a:prstGeom prst="rect">
             <a:avLst/>
@@ -5663,10 +5850,9 @@
           <a:lstStyle/>
           <a:p>
             <a:r>
-              <a:rPr lang="de-DE" dirty="0" smtClean="0"/>
+              <a:rPr lang="de-DE" sz="1350" dirty="0"/>
               <a:t>NULL wenn nicht benötigt</a:t>
             </a:r>
-            <a:endParaRPr lang="de-DE" dirty="0"/>
           </a:p>
         </p:txBody>
       </p:sp>
@@ -5680,17 +5866,694 @@
   <p:clrMapOvr>
     <a:masterClrMapping/>
   </p:clrMapOvr>
-  <p:timing>
-    <p:tnLst>
-      <p:par>
-        <p:cTn id="1" dur="indefinite" restart="never" nodeType="tmRoot"/>
-      </p:par>
-    </p:tnLst>
-  </p:timing>
 </p:sld>
 </file>
 
 <file path=ppt/slides/slide16.xml><?xml version="1.0" encoding="utf-8"?>
+<p:sld xmlns:a="http://schemas.openxmlformats.org/drawingml/2006/main" xmlns:r="http://schemas.openxmlformats.org/officeDocument/2006/relationships" xmlns:p="http://schemas.openxmlformats.org/presentationml/2006/main">
+  <p:cSld>
+    <p:spTree>
+      <p:nvGrpSpPr>
+        <p:cNvPr id="1" name=""/>
+        <p:cNvGrpSpPr/>
+        <p:nvPr/>
+      </p:nvGrpSpPr>
+      <p:grpSpPr>
+        <a:xfrm>
+          <a:off x="0" y="0"/>
+          <a:ext cx="0" cy="0"/>
+          <a:chOff x="0" y="0"/>
+          <a:chExt cx="0" cy="0"/>
+        </a:xfrm>
+      </p:grpSpPr>
+      <p:sp>
+        <p:nvSpPr>
+          <p:cNvPr id="2" name="Titel 1"/>
+          <p:cNvSpPr>
+            <a:spLocks noGrp="1"/>
+          </p:cNvSpPr>
+          <p:nvPr>
+            <p:ph type="title"/>
+          </p:nvPr>
+        </p:nvSpPr>
+        <p:spPr>
+          <a:xfrm>
+            <a:off x="1843576" y="1260889"/>
+            <a:ext cx="7729728" cy="1188720"/>
+          </a:xfrm>
+        </p:spPr>
+        <p:txBody>
+          <a:bodyPr/>
+          <a:lstStyle/>
+          <a:p>
+            <a:r>
+              <a:rPr lang="de-DE" dirty="0"/>
+              <a:t>ULTRASCHALLSENSOR</a:t>
+            </a:r>
+          </a:p>
+        </p:txBody>
+      </p:sp>
+      <p:pic>
+        <p:nvPicPr>
+          <p:cNvPr id="1026" name="Picture 2" descr="http://arduinosensors.com/wp-content/uploads/2014/05/Ultrasonic_3.png"/>
+          <p:cNvPicPr>
+            <a:picLocks noChangeAspect="1" noChangeArrowheads="1"/>
+          </p:cNvPicPr>
+          <p:nvPr/>
+        </p:nvPicPr>
+        <p:blipFill>
+          <a:blip r:embed="rId2">
+            <a:extLst>
+              <a:ext uri="{28A0092B-C50C-407E-A947-70E740481C1C}">
+                <a14:useLocalDpi xmlns:a14="http://schemas.microsoft.com/office/drawing/2010/main" val="0"/>
+              </a:ext>
+            </a:extLst>
+          </a:blip>
+          <a:srcRect/>
+          <a:stretch>
+            <a:fillRect/>
+          </a:stretch>
+        </p:blipFill>
+        <p:spPr bwMode="auto">
+          <a:xfrm rot="5400000">
+            <a:off x="7670779" y="2375635"/>
+            <a:ext cx="2990850" cy="2990850"/>
+          </a:xfrm>
+          <a:prstGeom prst="rect">
+            <a:avLst/>
+          </a:prstGeom>
+          <a:noFill/>
+          <a:extLst>
+            <a:ext uri="{909E8E84-426E-40DD-AFC4-6F175D3DCCD1}">
+              <a14:hiddenFill xmlns:a14="http://schemas.microsoft.com/office/drawing/2010/main">
+                <a:solidFill>
+                  <a:srgbClr val="FFFFFF"/>
+                </a:solidFill>
+              </a14:hiddenFill>
+            </a:ext>
+          </a:extLst>
+        </p:spPr>
+      </p:pic>
+      <p:sp>
+        <p:nvSpPr>
+          <p:cNvPr id="14" name="Textfeld 13"/>
+          <p:cNvSpPr txBox="1"/>
+          <p:nvPr/>
+        </p:nvSpPr>
+        <p:spPr>
+          <a:xfrm>
+            <a:off x="1998358" y="2797701"/>
+            <a:ext cx="5807348" cy="1754326"/>
+          </a:xfrm>
+          <a:prstGeom prst="rect">
+            <a:avLst/>
+          </a:prstGeom>
+          <a:noFill/>
+        </p:spPr>
+        <p:txBody>
+          <a:bodyPr wrap="square" rtlCol="0">
+            <a:spAutoFit/>
+          </a:bodyPr>
+          <a:lstStyle/>
+          <a:p>
+            <a:r>
+              <a:rPr lang="de-DE" dirty="0"/>
+              <a:t>Pins:</a:t>
+            </a:r>
+          </a:p>
+          <a:p>
+            <a:endParaRPr lang="de-DE" dirty="0"/>
+          </a:p>
+          <a:p>
+            <a:pPr marL="285750" indent="-285750">
+              <a:buFont typeface="Arial" panose="020B0604020202020204" pitchFamily="34" charset="0"/>
+              <a:buChar char="•"/>
+            </a:pPr>
+            <a:r>
+              <a:rPr lang="de-DE" dirty="0"/>
+              <a:t>VCC (5 V)</a:t>
+            </a:r>
+          </a:p>
+          <a:p>
+            <a:pPr marL="285750" indent="-285750">
+              <a:buFont typeface="Arial" panose="020B0604020202020204" pitchFamily="34" charset="0"/>
+              <a:buChar char="•"/>
+            </a:pPr>
+            <a:r>
+              <a:rPr lang="de-DE" dirty="0"/>
+              <a:t>Trigger</a:t>
+            </a:r>
+          </a:p>
+          <a:p>
+            <a:pPr marL="285750" indent="-285750">
+              <a:buFont typeface="Arial" panose="020B0604020202020204" pitchFamily="34" charset="0"/>
+              <a:buChar char="•"/>
+            </a:pPr>
+            <a:r>
+              <a:rPr lang="de-DE" dirty="0"/>
+              <a:t>Echo</a:t>
+            </a:r>
+          </a:p>
+          <a:p>
+            <a:pPr marL="285750" indent="-285750">
+              <a:buFont typeface="Arial" panose="020B0604020202020204" pitchFamily="34" charset="0"/>
+              <a:buChar char="•"/>
+            </a:pPr>
+            <a:r>
+              <a:rPr lang="de-DE" dirty="0"/>
+              <a:t>GND</a:t>
+            </a:r>
+          </a:p>
+        </p:txBody>
+      </p:sp>
+    </p:spTree>
+    <p:extLst>
+      <p:ext uri="{BB962C8B-B14F-4D97-AF65-F5344CB8AC3E}">
+        <p14:creationId xmlns:p14="http://schemas.microsoft.com/office/powerpoint/2010/main" val="3659203789"/>
+      </p:ext>
+    </p:extLst>
+  </p:cSld>
+  <p:clrMapOvr>
+    <a:masterClrMapping/>
+  </p:clrMapOvr>
+</p:sld>
+</file>
+
+<file path=ppt/slides/slide17.xml><?xml version="1.0" encoding="utf-8"?>
+<p:sld xmlns:a="http://schemas.openxmlformats.org/drawingml/2006/main" xmlns:r="http://schemas.openxmlformats.org/officeDocument/2006/relationships" xmlns:p="http://schemas.openxmlformats.org/presentationml/2006/main">
+  <p:cSld>
+    <p:spTree>
+      <p:nvGrpSpPr>
+        <p:cNvPr id="1" name=""/>
+        <p:cNvGrpSpPr/>
+        <p:nvPr/>
+      </p:nvGrpSpPr>
+      <p:grpSpPr>
+        <a:xfrm>
+          <a:off x="0" y="0"/>
+          <a:ext cx="0" cy="0"/>
+          <a:chOff x="0" y="0"/>
+          <a:chExt cx="0" cy="0"/>
+        </a:xfrm>
+      </p:grpSpPr>
+      <p:sp>
+        <p:nvSpPr>
+          <p:cNvPr id="2" name="Titel 1"/>
+          <p:cNvSpPr>
+            <a:spLocks noGrp="1"/>
+          </p:cNvSpPr>
+          <p:nvPr>
+            <p:ph type="title"/>
+          </p:nvPr>
+        </p:nvSpPr>
+        <p:spPr>
+          <a:xfrm>
+            <a:off x="1843576" y="1260889"/>
+            <a:ext cx="7729728" cy="1188720"/>
+          </a:xfrm>
+        </p:spPr>
+        <p:txBody>
+          <a:bodyPr/>
+          <a:lstStyle/>
+          <a:p>
+            <a:r>
+              <a:rPr lang="de-DE" dirty="0"/>
+              <a:t>ULTRASCHALLSENSOR</a:t>
+            </a:r>
+          </a:p>
+        </p:txBody>
+      </p:sp>
+      <p:pic>
+        <p:nvPicPr>
+          <p:cNvPr id="1026" name="Picture 2" descr="http://arduinosensors.com/wp-content/uploads/2014/05/Ultrasonic_3.png"/>
+          <p:cNvPicPr>
+            <a:picLocks noChangeAspect="1" noChangeArrowheads="1"/>
+          </p:cNvPicPr>
+          <p:nvPr/>
+        </p:nvPicPr>
+        <p:blipFill>
+          <a:blip r:embed="rId2">
+            <a:extLst>
+              <a:ext uri="{28A0092B-C50C-407E-A947-70E740481C1C}">
+                <a14:useLocalDpi xmlns:a14="http://schemas.microsoft.com/office/drawing/2010/main" val="0"/>
+              </a:ext>
+            </a:extLst>
+          </a:blip>
+          <a:srcRect/>
+          <a:stretch>
+            <a:fillRect/>
+          </a:stretch>
+        </p:blipFill>
+        <p:spPr bwMode="auto">
+          <a:xfrm rot="5400000">
+            <a:off x="4384088" y="4361314"/>
+            <a:ext cx="1994005" cy="1994005"/>
+          </a:xfrm>
+          <a:prstGeom prst="rect">
+            <a:avLst/>
+          </a:prstGeom>
+          <a:noFill/>
+          <a:extLst>
+            <a:ext uri="{909E8E84-426E-40DD-AFC4-6F175D3DCCD1}">
+              <a14:hiddenFill xmlns:a14="http://schemas.microsoft.com/office/drawing/2010/main">
+                <a:solidFill>
+                  <a:srgbClr val="FFFFFF"/>
+                </a:solidFill>
+              </a14:hiddenFill>
+            </a:ext>
+          </a:extLst>
+        </p:spPr>
+      </p:pic>
+      <p:sp>
+        <p:nvSpPr>
+          <p:cNvPr id="14" name="Textfeld 13"/>
+          <p:cNvSpPr txBox="1"/>
+          <p:nvPr/>
+        </p:nvSpPr>
+        <p:spPr>
+          <a:xfrm>
+            <a:off x="1949462" y="2071943"/>
+            <a:ext cx="5807348" cy="2031325"/>
+          </a:xfrm>
+          <a:prstGeom prst="rect">
+            <a:avLst/>
+          </a:prstGeom>
+          <a:noFill/>
+        </p:spPr>
+        <p:txBody>
+          <a:bodyPr wrap="square" rtlCol="0">
+            <a:spAutoFit/>
+          </a:bodyPr>
+          <a:lstStyle/>
+          <a:p>
+            <a:r>
+              <a:rPr lang="de-DE" dirty="0"/>
+              <a:t>Funktionsweise</a:t>
+            </a:r>
+          </a:p>
+          <a:p>
+            <a:endParaRPr lang="de-DE" dirty="0"/>
+          </a:p>
+          <a:p>
+            <a:pPr marL="342900" indent="-342900">
+              <a:buFont typeface="+mj-lt"/>
+              <a:buAutoNum type="arabicPeriod"/>
+            </a:pPr>
+            <a:r>
+              <a:rPr lang="de-DE" dirty="0"/>
+              <a:t>Ein Signal wird gesendet (Trigger Pin) – 330 m/s</a:t>
+            </a:r>
+          </a:p>
+          <a:p>
+            <a:pPr marL="342900" indent="-342900">
+              <a:buFont typeface="+mj-lt"/>
+              <a:buAutoNum type="arabicPeriod"/>
+            </a:pPr>
+            <a:r>
+              <a:rPr lang="de-DE" dirty="0"/>
+              <a:t>Das Echo wird empfangen (Echo Pin)</a:t>
+            </a:r>
+          </a:p>
+          <a:p>
+            <a:pPr marL="342900" indent="-342900">
+              <a:buFont typeface="+mj-lt"/>
+              <a:buAutoNum type="arabicPeriod"/>
+            </a:pPr>
+            <a:r>
+              <a:rPr lang="de-DE" dirty="0"/>
+              <a:t>Die Zeit zwischen Senden und Empfangen bestimmt die Distanz</a:t>
+            </a:r>
+          </a:p>
+          <a:p>
+            <a:endParaRPr lang="de-DE" dirty="0"/>
+          </a:p>
+        </p:txBody>
+      </p:sp>
+      <p:cxnSp>
+        <p:nvCxnSpPr>
+          <p:cNvPr id="4" name="Gerade Verbindung mit Pfeil 3"/>
+          <p:cNvCxnSpPr/>
+          <p:nvPr/>
+        </p:nvCxnSpPr>
+        <p:spPr>
+          <a:xfrm>
+            <a:off x="2902163" y="5306667"/>
+            <a:ext cx="1871190" cy="0"/>
+          </a:xfrm>
+          <a:prstGeom prst="straightConnector1">
+            <a:avLst/>
+          </a:prstGeom>
+          <a:ln>
+            <a:tailEnd type="triangle"/>
+          </a:ln>
+        </p:spPr>
+        <p:style>
+          <a:lnRef idx="3">
+            <a:schemeClr val="dk1"/>
+          </a:lnRef>
+          <a:fillRef idx="0">
+            <a:schemeClr val="dk1"/>
+          </a:fillRef>
+          <a:effectRef idx="2">
+            <a:schemeClr val="dk1"/>
+          </a:effectRef>
+          <a:fontRef idx="minor">
+            <a:schemeClr val="tx1"/>
+          </a:fontRef>
+        </p:style>
+      </p:cxnSp>
+      <p:cxnSp>
+        <p:nvCxnSpPr>
+          <p:cNvPr id="6" name="Gerade Verbindung mit Pfeil 5"/>
+          <p:cNvCxnSpPr/>
+          <p:nvPr/>
+        </p:nvCxnSpPr>
+        <p:spPr>
+          <a:xfrm flipH="1">
+            <a:off x="2902163" y="5415668"/>
+            <a:ext cx="1871190" cy="6055"/>
+          </a:xfrm>
+          <a:prstGeom prst="straightConnector1">
+            <a:avLst/>
+          </a:prstGeom>
+          <a:ln>
+            <a:tailEnd type="triangle"/>
+          </a:ln>
+        </p:spPr>
+        <p:style>
+          <a:lnRef idx="3">
+            <a:schemeClr val="accent3"/>
+          </a:lnRef>
+          <a:fillRef idx="0">
+            <a:schemeClr val="accent3"/>
+          </a:fillRef>
+          <a:effectRef idx="2">
+            <a:schemeClr val="accent3"/>
+          </a:effectRef>
+          <a:fontRef idx="minor">
+            <a:schemeClr val="tx1"/>
+          </a:fontRef>
+        </p:style>
+      </p:cxnSp>
+      <p:pic>
+        <p:nvPicPr>
+          <p:cNvPr id="2050" name="Picture 2" descr="http://worldartsme.com/images/echo-sound-waves-clipart-1.jpg"/>
+          <p:cNvPicPr>
+            <a:picLocks noChangeAspect="1" noChangeArrowheads="1"/>
+          </p:cNvPicPr>
+          <p:nvPr/>
+        </p:nvPicPr>
+        <p:blipFill rotWithShape="1">
+          <a:blip r:embed="rId3">
+            <a:extLst>
+              <a:ext uri="{28A0092B-C50C-407E-A947-70E740481C1C}">
+                <a14:useLocalDpi xmlns:a14="http://schemas.microsoft.com/office/drawing/2010/main" val="0"/>
+              </a:ext>
+            </a:extLst>
+          </a:blip>
+          <a:srcRect l="54697"/>
+          <a:stretch/>
+        </p:blipFill>
+        <p:spPr bwMode="auto">
+          <a:xfrm>
+            <a:off x="6052166" y="4103268"/>
+            <a:ext cx="803489" cy="1315427"/>
+          </a:xfrm>
+          <a:prstGeom prst="rect">
+            <a:avLst/>
+          </a:prstGeom>
+          <a:noFill/>
+          <a:extLst>
+            <a:ext uri="{909E8E84-426E-40DD-AFC4-6F175D3DCCD1}">
+              <a14:hiddenFill xmlns:a14="http://schemas.microsoft.com/office/drawing/2010/main">
+                <a:solidFill>
+                  <a:srgbClr val="FFFFFF"/>
+                </a:solidFill>
+              </a14:hiddenFill>
+            </a:ext>
+          </a:extLst>
+        </p:spPr>
+      </p:pic>
+      <p:sp>
+        <p:nvSpPr>
+          <p:cNvPr id="8" name="Rechteck: abgerundete Ecken 7"/>
+          <p:cNvSpPr/>
+          <p:nvPr/>
+        </p:nvSpPr>
+        <p:spPr>
+          <a:xfrm>
+            <a:off x="7278328" y="4229441"/>
+            <a:ext cx="1168736" cy="1180848"/>
+          </a:xfrm>
+          <a:prstGeom prst="roundRect">
+            <a:avLst/>
+          </a:prstGeom>
+        </p:spPr>
+        <p:style>
+          <a:lnRef idx="0">
+            <a:schemeClr val="dk1"/>
+          </a:lnRef>
+          <a:fillRef idx="3">
+            <a:schemeClr val="dk1"/>
+          </a:fillRef>
+          <a:effectRef idx="3">
+            <a:schemeClr val="dk1"/>
+          </a:effectRef>
+          <a:fontRef idx="minor">
+            <a:schemeClr val="lt1"/>
+          </a:fontRef>
+        </p:style>
+        <p:txBody>
+          <a:bodyPr rtlCol="0" anchor="ctr"/>
+          <a:lstStyle/>
+          <a:p>
+            <a:pPr algn="ctr"/>
+            <a:r>
+              <a:rPr lang="de-DE" dirty="0"/>
+              <a:t>Objekt</a:t>
+            </a:r>
+          </a:p>
+        </p:txBody>
+      </p:sp>
+      <p:cxnSp>
+        <p:nvCxnSpPr>
+          <p:cNvPr id="10" name="Gerade Verbindung mit Pfeil 9"/>
+          <p:cNvCxnSpPr/>
+          <p:nvPr/>
+        </p:nvCxnSpPr>
+        <p:spPr>
+          <a:xfrm flipH="1">
+            <a:off x="6032923" y="4991774"/>
+            <a:ext cx="1245405" cy="787232"/>
+          </a:xfrm>
+          <a:prstGeom prst="straightConnector1">
+            <a:avLst/>
+          </a:prstGeom>
+          <a:ln>
+            <a:tailEnd type="triangle"/>
+          </a:ln>
+        </p:spPr>
+        <p:style>
+          <a:lnRef idx="3">
+            <a:schemeClr val="accent1"/>
+          </a:lnRef>
+          <a:fillRef idx="0">
+            <a:schemeClr val="accent1"/>
+          </a:fillRef>
+          <a:effectRef idx="2">
+            <a:schemeClr val="accent1"/>
+          </a:effectRef>
+          <a:fontRef idx="minor">
+            <a:schemeClr val="tx1"/>
+          </a:fontRef>
+        </p:style>
+      </p:cxnSp>
+      <p:cxnSp>
+        <p:nvCxnSpPr>
+          <p:cNvPr id="15" name="Gerade Verbindung mit Pfeil 14"/>
+          <p:cNvCxnSpPr/>
+          <p:nvPr/>
+        </p:nvCxnSpPr>
+        <p:spPr>
+          <a:xfrm flipH="1">
+            <a:off x="6032923" y="5155373"/>
+            <a:ext cx="1245405" cy="787232"/>
+          </a:xfrm>
+          <a:prstGeom prst="straightConnector1">
+            <a:avLst/>
+          </a:prstGeom>
+          <a:ln>
+            <a:tailEnd type="triangle"/>
+          </a:ln>
+        </p:spPr>
+        <p:style>
+          <a:lnRef idx="3">
+            <a:schemeClr val="accent1"/>
+          </a:lnRef>
+          <a:fillRef idx="0">
+            <a:schemeClr val="accent1"/>
+          </a:fillRef>
+          <a:effectRef idx="2">
+            <a:schemeClr val="accent1"/>
+          </a:effectRef>
+          <a:fontRef idx="minor">
+            <a:schemeClr val="tx1"/>
+          </a:fontRef>
+        </p:style>
+      </p:cxnSp>
+      <p:cxnSp>
+        <p:nvCxnSpPr>
+          <p:cNvPr id="16" name="Gerade Verbindung mit Pfeil 15"/>
+          <p:cNvCxnSpPr/>
+          <p:nvPr/>
+        </p:nvCxnSpPr>
+        <p:spPr>
+          <a:xfrm flipH="1">
+            <a:off x="6068729" y="5270817"/>
+            <a:ext cx="1245405" cy="787232"/>
+          </a:xfrm>
+          <a:prstGeom prst="straightConnector1">
+            <a:avLst/>
+          </a:prstGeom>
+          <a:ln>
+            <a:tailEnd type="triangle"/>
+          </a:ln>
+        </p:spPr>
+        <p:style>
+          <a:lnRef idx="3">
+            <a:schemeClr val="accent1"/>
+          </a:lnRef>
+          <a:fillRef idx="0">
+            <a:schemeClr val="accent1"/>
+          </a:fillRef>
+          <a:effectRef idx="2">
+            <a:schemeClr val="accent1"/>
+          </a:effectRef>
+          <a:fontRef idx="minor">
+            <a:schemeClr val="tx1"/>
+          </a:fontRef>
+        </p:style>
+      </p:cxnSp>
+    </p:spTree>
+    <p:extLst>
+      <p:ext uri="{BB962C8B-B14F-4D97-AF65-F5344CB8AC3E}">
+        <p14:creationId xmlns:p14="http://schemas.microsoft.com/office/powerpoint/2010/main" val="1464254576"/>
+      </p:ext>
+    </p:extLst>
+  </p:cSld>
+  <p:clrMapOvr>
+    <a:masterClrMapping/>
+  </p:clrMapOvr>
+</p:sld>
+</file>
+
+<file path=ppt/slides/slide18.xml><?xml version="1.0" encoding="utf-8"?>
+<p:sld xmlns:a="http://schemas.openxmlformats.org/drawingml/2006/main" xmlns:r="http://schemas.openxmlformats.org/officeDocument/2006/relationships" xmlns:p="http://schemas.openxmlformats.org/presentationml/2006/main">
+  <p:cSld>
+    <p:spTree>
+      <p:nvGrpSpPr>
+        <p:cNvPr id="1" name=""/>
+        <p:cNvGrpSpPr/>
+        <p:nvPr/>
+      </p:nvGrpSpPr>
+      <p:grpSpPr>
+        <a:xfrm>
+          <a:off x="0" y="0"/>
+          <a:ext cx="0" cy="0"/>
+          <a:chOff x="0" y="0"/>
+          <a:chExt cx="0" cy="0"/>
+        </a:xfrm>
+      </p:grpSpPr>
+      <p:sp>
+        <p:nvSpPr>
+          <p:cNvPr id="2" name="Titel 1"/>
+          <p:cNvSpPr>
+            <a:spLocks noGrp="1"/>
+          </p:cNvSpPr>
+          <p:nvPr>
+            <p:ph type="title"/>
+          </p:nvPr>
+        </p:nvSpPr>
+        <p:spPr/>
+        <p:txBody>
+          <a:bodyPr/>
+          <a:lstStyle/>
+          <a:p>
+            <a:r>
+              <a:rPr lang="de-DE" dirty="0"/>
+              <a:t>Probleme mit </a:t>
+            </a:r>
+            <a:r>
+              <a:rPr lang="de-DE" dirty="0" err="1"/>
+              <a:t>sensoren</a:t>
+            </a:r>
+            <a:endParaRPr lang="de-DE" dirty="0"/>
+          </a:p>
+        </p:txBody>
+      </p:sp>
+      <p:sp>
+        <p:nvSpPr>
+          <p:cNvPr id="3" name="Inhaltsplatzhalter 2"/>
+          <p:cNvSpPr>
+            <a:spLocks noGrp="1"/>
+          </p:cNvSpPr>
+          <p:nvPr>
+            <p:ph idx="1"/>
+          </p:nvPr>
+        </p:nvSpPr>
+        <p:spPr/>
+        <p:txBody>
+          <a:bodyPr/>
+          <a:lstStyle/>
+          <a:p>
+            <a:r>
+              <a:rPr lang="de-DE" dirty="0"/>
+              <a:t>DHT11:</a:t>
+            </a:r>
+          </a:p>
+          <a:p>
+            <a:pPr lvl="1"/>
+            <a:r>
+              <a:rPr lang="de-DE" dirty="0"/>
+              <a:t>Bibliotheken</a:t>
+            </a:r>
+          </a:p>
+          <a:p>
+            <a:pPr lvl="1"/>
+            <a:r>
+              <a:rPr lang="de-DE" dirty="0"/>
+              <a:t>Trotz einer Abtastrate von 1 Hz kann nicht jede Sekunde ein Wert gelesen werden</a:t>
+            </a:r>
+          </a:p>
+          <a:p>
+            <a:r>
+              <a:rPr lang="de-DE" dirty="0"/>
+              <a:t>Ultraschallsensor</a:t>
+            </a:r>
+          </a:p>
+          <a:p>
+            <a:pPr lvl="1"/>
+            <a:r>
+              <a:rPr lang="de-DE" dirty="0"/>
+              <a:t>-</a:t>
+            </a:r>
+          </a:p>
+        </p:txBody>
+      </p:sp>
+    </p:spTree>
+    <p:extLst>
+      <p:ext uri="{BB962C8B-B14F-4D97-AF65-F5344CB8AC3E}">
+        <p14:creationId xmlns:p14="http://schemas.microsoft.com/office/powerpoint/2010/main" val="2355949537"/>
+      </p:ext>
+    </p:extLst>
+  </p:cSld>
+  <p:clrMapOvr>
+    <a:masterClrMapping/>
+  </p:clrMapOvr>
+</p:sld>
+</file>
+
+<file path=ppt/slides/slide19.xml><?xml version="1.0" encoding="utf-8"?>
 <p:sld xmlns:a="http://schemas.openxmlformats.org/drawingml/2006/main" xmlns:r="http://schemas.openxmlformats.org/officeDocument/2006/relationships" xmlns:p="http://schemas.openxmlformats.org/presentationml/2006/main" show="0">
   <p:cSld>
     <p:spTree>
@@ -5717,7 +6580,12 @@
             <p:ph type="title"/>
           </p:nvPr>
         </p:nvSpPr>
-        <p:spPr/>
+        <p:spPr>
+          <a:xfrm>
+            <a:off x="3165560" y="1969686"/>
+            <a:ext cx="5797296" cy="891540"/>
+          </a:xfrm>
+        </p:spPr>
         <p:txBody>
           <a:bodyPr/>
           <a:lstStyle/>
@@ -5747,8 +6615,8 @@
         </p:blipFill>
         <p:spPr>
           <a:xfrm>
-            <a:off x="2188746" y="2918576"/>
-            <a:ext cx="6151129" cy="3101975"/>
+            <a:off x="3165561" y="3046184"/>
+            <a:ext cx="4613347" cy="2326481"/>
           </a:xfrm>
           <a:prstGeom prst="rect">
             <a:avLst/>
@@ -5765,25 +6633,110 @@
   <p:clrMapOvr>
     <a:masterClrMapping/>
   </p:clrMapOvr>
-  <mc:AlternateContent xmlns:mc="http://schemas.openxmlformats.org/markup-compatibility/2006" xmlns:p14="http://schemas.microsoft.com/office/powerpoint/2010/main">
-    <mc:Choice Requires="p14">
-      <p:transition spd="slow" p14:dur="2000"/>
-    </mc:Choice>
-    <mc:Fallback xmlns="">
-      <p:transition spd="slow"/>
-    </mc:Fallback>
-  </mc:AlternateContent>
-  <p:timing>
-    <p:tnLst>
-      <p:par>
-        <p:cTn id="1" dur="indefinite" restart="never" nodeType="tmRoot"/>
-      </p:par>
-    </p:tnLst>
-  </p:timing>
 </p:sld>
 </file>
 
-<file path=ppt/slides/slide17.xml><?xml version="1.0" encoding="utf-8"?>
+<file path=ppt/slides/slide2.xml><?xml version="1.0" encoding="utf-8"?>
+<p:sld xmlns:a="http://schemas.openxmlformats.org/drawingml/2006/main" xmlns:r="http://schemas.openxmlformats.org/officeDocument/2006/relationships" xmlns:p="http://schemas.openxmlformats.org/presentationml/2006/main">
+  <p:cSld>
+    <p:spTree>
+      <p:nvGrpSpPr>
+        <p:cNvPr id="1" name=""/>
+        <p:cNvGrpSpPr/>
+        <p:nvPr/>
+      </p:nvGrpSpPr>
+      <p:grpSpPr>
+        <a:xfrm>
+          <a:off x="0" y="0"/>
+          <a:ext cx="0" cy="0"/>
+          <a:chOff x="0" y="0"/>
+          <a:chExt cx="0" cy="0"/>
+        </a:xfrm>
+      </p:grpSpPr>
+      <p:sp>
+        <p:nvSpPr>
+          <p:cNvPr id="2" name="Titel 1"/>
+          <p:cNvSpPr>
+            <a:spLocks noGrp="1"/>
+          </p:cNvSpPr>
+          <p:nvPr>
+            <p:ph type="title"/>
+          </p:nvPr>
+        </p:nvSpPr>
+        <p:spPr>
+          <a:xfrm>
+            <a:off x="2016504" y="1284043"/>
+            <a:ext cx="5797296" cy="891540"/>
+          </a:xfrm>
+        </p:spPr>
+        <p:txBody>
+          <a:bodyPr/>
+          <a:lstStyle/>
+          <a:p>
+            <a:r>
+              <a:rPr lang="de-DE" dirty="0" err="1"/>
+              <a:t>Overview</a:t>
+            </a:r>
+            <a:endParaRPr lang="de-DE" dirty="0"/>
+          </a:p>
+        </p:txBody>
+      </p:sp>
+      <p:sp>
+        <p:nvSpPr>
+          <p:cNvPr id="3" name="Inhaltsplatzhalter 2"/>
+          <p:cNvSpPr>
+            <a:spLocks noGrp="1"/>
+          </p:cNvSpPr>
+          <p:nvPr>
+            <p:ph idx="1"/>
+          </p:nvPr>
+        </p:nvSpPr>
+        <p:spPr>
+          <a:xfrm>
+            <a:off x="2149728" y="2175583"/>
+            <a:ext cx="5797296" cy="2326487"/>
+          </a:xfrm>
+        </p:spPr>
+        <p:txBody>
+          <a:bodyPr/>
+          <a:lstStyle/>
+          <a:p>
+            <a:r>
+              <a:rPr lang="de-DE" dirty="0"/>
+              <a:t>INTRO</a:t>
+            </a:r>
+          </a:p>
+          <a:p>
+            <a:r>
+              <a:rPr lang="de-DE" dirty="0"/>
+              <a:t>Sensor &amp; Bibliotheken</a:t>
+            </a:r>
+          </a:p>
+          <a:p>
+            <a:r>
+              <a:rPr lang="de-DE" dirty="0"/>
+              <a:t>IOT</a:t>
+            </a:r>
+          </a:p>
+          <a:p>
+            <a:endParaRPr lang="de-DE" dirty="0"/>
+          </a:p>
+        </p:txBody>
+      </p:sp>
+    </p:spTree>
+    <p:extLst>
+      <p:ext uri="{BB962C8B-B14F-4D97-AF65-F5344CB8AC3E}">
+        <p14:creationId xmlns:p14="http://schemas.microsoft.com/office/powerpoint/2010/main" val="1005663416"/>
+      </p:ext>
+    </p:extLst>
+  </p:cSld>
+  <p:clrMapOvr>
+    <a:masterClrMapping/>
+  </p:clrMapOvr>
+</p:sld>
+</file>
+
+<file path=ppt/slides/slide20.xml><?xml version="1.0" encoding="utf-8"?>
 <p:sld xmlns:a="http://schemas.openxmlformats.org/drawingml/2006/main" xmlns:r="http://schemas.openxmlformats.org/officeDocument/2006/relationships" xmlns:p="http://schemas.openxmlformats.org/presentationml/2006/main">
   <p:cSld>
     <p:bg>
@@ -5818,8 +6771,8 @@
         </p:nvSpPr>
         <p:spPr>
           <a:xfrm>
-            <a:off x="2188746" y="1368191"/>
-            <a:ext cx="7729728" cy="1188720"/>
+            <a:off x="3165560" y="1883393"/>
+            <a:ext cx="5797296" cy="891540"/>
           </a:xfrm>
         </p:spPr>
         <p:txBody>
@@ -5854,13 +6807,13 @@
         </p:nvSpPr>
         <p:spPr>
           <a:xfrm>
-            <a:off x="2188746" y="2665624"/>
-            <a:ext cx="7729728" cy="3101983"/>
+            <a:off x="3165560" y="2856470"/>
+            <a:ext cx="5797296" cy="2326487"/>
           </a:xfrm>
         </p:spPr>
         <p:txBody>
           <a:bodyPr>
-            <a:normAutofit/>
+            <a:normAutofit fontScale="77500" lnSpcReduction="20000"/>
           </a:bodyPr>
           <a:lstStyle/>
           <a:p>
@@ -6124,8 +7077,8 @@
         </p:blipFill>
         <p:spPr bwMode="auto">
           <a:xfrm>
-            <a:off x="242856" y="5512863"/>
-            <a:ext cx="3276600" cy="1143000"/>
+            <a:off x="1706142" y="4991897"/>
+            <a:ext cx="2457450" cy="857250"/>
           </a:xfrm>
           <a:prstGeom prst="rect">
             <a:avLst/>
@@ -6150,8 +7103,8 @@
         </p:nvSpPr>
         <p:spPr>
           <a:xfrm>
-            <a:off x="10048307" y="6286531"/>
-            <a:ext cx="1489685" cy="369332"/>
+            <a:off x="9060231" y="5572148"/>
+            <a:ext cx="1117264" cy="300082"/>
           </a:xfrm>
           <a:prstGeom prst="rect">
             <a:avLst/>
@@ -6165,7 +7118,7 @@
           <a:lstStyle/>
           <a:p>
             <a:r>
-              <a:rPr lang="de-DE" dirty="0">
+              <a:rPr lang="de-DE" sz="1350" dirty="0">
                 <a:solidFill>
                   <a:schemeClr val="tx1">
                     <a:lumMod val="85000"/>
@@ -6189,8 +7142,8 @@
         </p:nvSpPr>
         <p:spPr>
           <a:xfrm>
-            <a:off x="4106978" y="6286531"/>
-            <a:ext cx="1489685" cy="369332"/>
+            <a:off x="4604234" y="5572148"/>
+            <a:ext cx="1117264" cy="300082"/>
           </a:xfrm>
           <a:prstGeom prst="rect">
             <a:avLst/>
@@ -6204,7 +7157,7 @@
           <a:lstStyle/>
           <a:p>
             <a:r>
-              <a:rPr lang="de-DE" dirty="0">
+              <a:rPr lang="de-DE" sz="1350" dirty="0">
                 <a:solidFill>
                   <a:schemeClr val="tx1">
                     <a:lumMod val="85000"/>
@@ -6230,423 +7183,6 @@
   <p:clrMapOvr>
     <a:masterClrMapping/>
   </p:clrMapOvr>
-  <p:timing>
-    <p:tnLst>
-      <p:par>
-        <p:cTn id="1" dur="indefinite" restart="never" nodeType="tmRoot"/>
-      </p:par>
-    </p:tnLst>
-  </p:timing>
-</p:sld>
-</file>
-
-<file path=ppt/slides/slide18.xml><?xml version="1.0" encoding="utf-8"?>
-<p:sld xmlns:a="http://schemas.openxmlformats.org/drawingml/2006/main" xmlns:r="http://schemas.openxmlformats.org/officeDocument/2006/relationships" xmlns:p="http://schemas.openxmlformats.org/presentationml/2006/main">
-  <p:cSld>
-    <p:spTree>
-      <p:nvGrpSpPr>
-        <p:cNvPr id="1" name=""/>
-        <p:cNvGrpSpPr/>
-        <p:nvPr/>
-      </p:nvGrpSpPr>
-      <p:grpSpPr>
-        <a:xfrm>
-          <a:off x="0" y="0"/>
-          <a:ext cx="0" cy="0"/>
-          <a:chOff x="0" y="0"/>
-          <a:chExt cx="0" cy="0"/>
-        </a:xfrm>
-      </p:grpSpPr>
-      <p:sp>
-        <p:nvSpPr>
-          <p:cNvPr id="2" name="Titel 1"/>
-          <p:cNvSpPr>
-            <a:spLocks noGrp="1"/>
-          </p:cNvSpPr>
-          <p:nvPr>
-            <p:ph type="title"/>
-          </p:nvPr>
-        </p:nvSpPr>
-        <p:spPr/>
-        <p:txBody>
-          <a:bodyPr/>
-          <a:lstStyle/>
-          <a:p>
-            <a:r>
-              <a:rPr lang="de-DE" dirty="0"/>
-              <a:t>ADAFRUIT IO </a:t>
-            </a:r>
-          </a:p>
-        </p:txBody>
-      </p:sp>
-      <p:pic>
-        <p:nvPicPr>
-          <p:cNvPr id="4" name="Inhaltsplatzhalter 3"/>
-          <p:cNvPicPr>
-            <a:picLocks noGrp="1" noChangeAspect="1"/>
-          </p:cNvPicPr>
-          <p:nvPr>
-            <p:ph idx="1"/>
-          </p:nvPr>
-        </p:nvPicPr>
-        <p:blipFill>
-          <a:blip r:embed="rId2"/>
-          <a:stretch>
-            <a:fillRect/>
-          </a:stretch>
-        </p:blipFill>
-        <p:spPr>
-          <a:xfrm>
-            <a:off x="2188746" y="3089674"/>
-            <a:ext cx="6794021" cy="3101975"/>
-          </a:xfrm>
-          <a:prstGeom prst="rect">
-            <a:avLst/>
-          </a:prstGeom>
-        </p:spPr>
-      </p:pic>
-    </p:spTree>
-    <p:extLst>
-      <p:ext uri="{BB962C8B-B14F-4D97-AF65-F5344CB8AC3E}">
-        <p14:creationId xmlns:p14="http://schemas.microsoft.com/office/powerpoint/2010/main" val="1016768021"/>
-      </p:ext>
-    </p:extLst>
-  </p:cSld>
-  <p:clrMapOvr>
-    <a:masterClrMapping/>
-  </p:clrMapOvr>
-  <p:timing>
-    <p:tnLst>
-      <p:par>
-        <p:cTn id="1" dur="indefinite" restart="never" nodeType="tmRoot"/>
-      </p:par>
-    </p:tnLst>
-  </p:timing>
-</p:sld>
-</file>
-
-<file path=ppt/slides/slide19.xml><?xml version="1.0" encoding="utf-8"?>
-<p:sld xmlns:a="http://schemas.openxmlformats.org/drawingml/2006/main" xmlns:r="http://schemas.openxmlformats.org/officeDocument/2006/relationships" xmlns:p="http://schemas.openxmlformats.org/presentationml/2006/main">
-  <p:cSld>
-    <p:spTree>
-      <p:nvGrpSpPr>
-        <p:cNvPr id="1" name=""/>
-        <p:cNvGrpSpPr/>
-        <p:nvPr/>
-      </p:nvGrpSpPr>
-      <p:grpSpPr>
-        <a:xfrm>
-          <a:off x="0" y="0"/>
-          <a:ext cx="0" cy="0"/>
-          <a:chOff x="0" y="0"/>
-          <a:chExt cx="0" cy="0"/>
-        </a:xfrm>
-      </p:grpSpPr>
-      <p:sp>
-        <p:nvSpPr>
-          <p:cNvPr id="2" name="Titel 1"/>
-          <p:cNvSpPr>
-            <a:spLocks noGrp="1"/>
-          </p:cNvSpPr>
-          <p:nvPr>
-            <p:ph type="title"/>
-          </p:nvPr>
-        </p:nvSpPr>
-        <p:spPr/>
-        <p:txBody>
-          <a:bodyPr/>
-          <a:lstStyle/>
-          <a:p>
-            <a:r>
-              <a:rPr lang="de-DE" dirty="0"/>
-              <a:t>Architektur – </a:t>
-            </a:r>
-            <a:r>
-              <a:rPr lang="de-DE" dirty="0" err="1"/>
-              <a:t>Active</a:t>
-            </a:r>
-            <a:r>
-              <a:rPr lang="de-DE" dirty="0"/>
-              <a:t> Stream</a:t>
-            </a:r>
-          </a:p>
-        </p:txBody>
-      </p:sp>
-      <p:pic>
-        <p:nvPicPr>
-          <p:cNvPr id="5" name="Grafik 4"/>
-          <p:cNvPicPr>
-            <a:picLocks noChangeAspect="1"/>
-          </p:cNvPicPr>
-          <p:nvPr/>
-        </p:nvPicPr>
-        <p:blipFill>
-          <a:blip r:embed="rId2"/>
-          <a:stretch>
-            <a:fillRect/>
-          </a:stretch>
-        </p:blipFill>
-        <p:spPr>
-          <a:xfrm>
-            <a:off x="0" y="3028237"/>
-            <a:ext cx="12192000" cy="3550782"/>
-          </a:xfrm>
-          <a:prstGeom prst="rect">
-            <a:avLst/>
-          </a:prstGeom>
-        </p:spPr>
-      </p:pic>
-    </p:spTree>
-    <p:extLst>
-      <p:ext uri="{BB962C8B-B14F-4D97-AF65-F5344CB8AC3E}">
-        <p14:creationId xmlns:p14="http://schemas.microsoft.com/office/powerpoint/2010/main" val="1884983556"/>
-      </p:ext>
-    </p:extLst>
-  </p:cSld>
-  <p:clrMapOvr>
-    <a:masterClrMapping/>
-  </p:clrMapOvr>
-  <p:timing>
-    <p:tnLst>
-      <p:par>
-        <p:cTn id="1" dur="indefinite" restart="never" nodeType="tmRoot"/>
-      </p:par>
-    </p:tnLst>
-  </p:timing>
-</p:sld>
-</file>
-
-<file path=ppt/slides/slide2.xml><?xml version="1.0" encoding="utf-8"?>
-<p:sld xmlns:a="http://schemas.openxmlformats.org/drawingml/2006/main" xmlns:r="http://schemas.openxmlformats.org/officeDocument/2006/relationships" xmlns:p="http://schemas.openxmlformats.org/presentationml/2006/main">
-  <p:cSld>
-    <p:spTree>
-      <p:nvGrpSpPr>
-        <p:cNvPr id="1" name=""/>
-        <p:cNvGrpSpPr/>
-        <p:nvPr/>
-      </p:nvGrpSpPr>
-      <p:grpSpPr>
-        <a:xfrm>
-          <a:off x="0" y="0"/>
-          <a:ext cx="0" cy="0"/>
-          <a:chOff x="0" y="0"/>
-          <a:chExt cx="0" cy="0"/>
-        </a:xfrm>
-      </p:grpSpPr>
-      <p:sp>
-        <p:nvSpPr>
-          <p:cNvPr id="2" name="Titel 1"/>
-          <p:cNvSpPr>
-            <a:spLocks noGrp="1"/>
-          </p:cNvSpPr>
-          <p:nvPr>
-            <p:ph type="title"/>
-          </p:nvPr>
-        </p:nvSpPr>
-        <p:spPr>
-          <a:xfrm>
-            <a:off x="2182691" y="1527865"/>
-            <a:ext cx="7729728" cy="1188720"/>
-          </a:xfrm>
-        </p:spPr>
-        <p:txBody>
-          <a:bodyPr/>
-          <a:lstStyle/>
-          <a:p>
-            <a:r>
-              <a:rPr lang="de-DE" dirty="0" err="1"/>
-              <a:t>Overview</a:t>
-            </a:r>
-            <a:endParaRPr lang="de-DE" dirty="0"/>
-          </a:p>
-        </p:txBody>
-      </p:sp>
-      <p:sp>
-        <p:nvSpPr>
-          <p:cNvPr id="3" name="Inhaltsplatzhalter 2"/>
-          <p:cNvSpPr>
-            <a:spLocks noGrp="1"/>
-          </p:cNvSpPr>
-          <p:nvPr>
-            <p:ph idx="1"/>
-          </p:nvPr>
-        </p:nvSpPr>
-        <p:spPr>
-          <a:xfrm>
-            <a:off x="2231136" y="3201218"/>
-            <a:ext cx="7729728" cy="3101983"/>
-          </a:xfrm>
-        </p:spPr>
-        <p:txBody>
-          <a:bodyPr/>
-          <a:lstStyle/>
-          <a:p>
-            <a:r>
-              <a:rPr lang="de-DE" dirty="0" smtClean="0"/>
-              <a:t>INTRO</a:t>
-            </a:r>
-          </a:p>
-          <a:p>
-            <a:r>
-              <a:rPr lang="de-DE" dirty="0" smtClean="0"/>
-              <a:t>Sensor &amp; Bibliotheken</a:t>
-            </a:r>
-          </a:p>
-          <a:p>
-            <a:r>
-              <a:rPr lang="de-DE" dirty="0" smtClean="0"/>
-              <a:t>IOT</a:t>
-            </a:r>
-            <a:endParaRPr lang="de-DE" dirty="0"/>
-          </a:p>
-          <a:p>
-            <a:endParaRPr lang="de-DE" dirty="0"/>
-          </a:p>
-        </p:txBody>
-      </p:sp>
-      <p:pic>
-        <p:nvPicPr>
-          <p:cNvPr id="4" name="Picture 2" descr="https://stud.hs-mannheim.de/companylogo.gif"/>
-          <p:cNvPicPr>
-            <a:picLocks noChangeAspect="1" noChangeArrowheads="1"/>
-          </p:cNvPicPr>
-          <p:nvPr/>
-        </p:nvPicPr>
-        <p:blipFill>
-          <a:blip r:embed="rId2">
-            <a:extLst>
-              <a:ext uri="{28A0092B-C50C-407E-A947-70E740481C1C}">
-                <a14:useLocalDpi xmlns:a14="http://schemas.microsoft.com/office/drawing/2010/main" val="0"/>
-              </a:ext>
-            </a:extLst>
-          </a:blip>
-          <a:srcRect/>
-          <a:stretch>
-            <a:fillRect/>
-          </a:stretch>
-        </p:blipFill>
-        <p:spPr bwMode="auto">
-          <a:xfrm>
-            <a:off x="0" y="0"/>
-            <a:ext cx="12199847" cy="1301960"/>
-          </a:xfrm>
-          <a:prstGeom prst="rect">
-            <a:avLst/>
-          </a:prstGeom>
-          <a:noFill/>
-          <a:extLst>
-            <a:ext uri="{909E8E84-426E-40DD-AFC4-6F175D3DCCD1}">
-              <a14:hiddenFill xmlns:a14="http://schemas.microsoft.com/office/drawing/2010/main">
-                <a:solidFill>
-                  <a:srgbClr val="FFFFFF"/>
-                </a:solidFill>
-              </a14:hiddenFill>
-            </a:ext>
-          </a:extLst>
-        </p:spPr>
-      </p:pic>
-    </p:spTree>
-    <p:extLst>
-      <p:ext uri="{BB962C8B-B14F-4D97-AF65-F5344CB8AC3E}">
-        <p14:creationId xmlns:p14="http://schemas.microsoft.com/office/powerpoint/2010/main" val="1005663416"/>
-      </p:ext>
-    </p:extLst>
-  </p:cSld>
-  <p:clrMapOvr>
-    <a:masterClrMapping/>
-  </p:clrMapOvr>
-  <p:timing>
-    <p:tnLst>
-      <p:par>
-        <p:cTn id="1" dur="indefinite" restart="never" nodeType="tmRoot"/>
-      </p:par>
-    </p:tnLst>
-  </p:timing>
-</p:sld>
-</file>
-
-<file path=ppt/slides/slide20.xml><?xml version="1.0" encoding="utf-8"?>
-<p:sld xmlns:a="http://schemas.openxmlformats.org/drawingml/2006/main" xmlns:r="http://schemas.openxmlformats.org/officeDocument/2006/relationships" xmlns:p="http://schemas.openxmlformats.org/presentationml/2006/main">
-  <p:cSld>
-    <p:spTree>
-      <p:nvGrpSpPr>
-        <p:cNvPr id="1" name=""/>
-        <p:cNvGrpSpPr/>
-        <p:nvPr/>
-      </p:nvGrpSpPr>
-      <p:grpSpPr>
-        <a:xfrm>
-          <a:off x="0" y="0"/>
-          <a:ext cx="0" cy="0"/>
-          <a:chOff x="0" y="0"/>
-          <a:chExt cx="0" cy="0"/>
-        </a:xfrm>
-      </p:grpSpPr>
-      <p:sp>
-        <p:nvSpPr>
-          <p:cNvPr id="2" name="Titel 1"/>
-          <p:cNvSpPr>
-            <a:spLocks noGrp="1"/>
-          </p:cNvSpPr>
-          <p:nvPr>
-            <p:ph type="title"/>
-          </p:nvPr>
-        </p:nvSpPr>
-        <p:spPr/>
-        <p:txBody>
-          <a:bodyPr/>
-          <a:lstStyle/>
-          <a:p>
-            <a:r>
-              <a:rPr lang="de-DE" dirty="0"/>
-              <a:t>ARCHITEKTUR – YOUR FEEDS</a:t>
-            </a:r>
-          </a:p>
-        </p:txBody>
-      </p:sp>
-      <p:pic>
-        <p:nvPicPr>
-          <p:cNvPr id="4" name="Inhaltsplatzhalter 3"/>
-          <p:cNvPicPr>
-            <a:picLocks noGrp="1" noChangeAspect="1"/>
-          </p:cNvPicPr>
-          <p:nvPr>
-            <p:ph idx="1"/>
-          </p:nvPr>
-        </p:nvPicPr>
-        <p:blipFill>
-          <a:blip r:embed="rId2"/>
-          <a:stretch>
-            <a:fillRect/>
-          </a:stretch>
-        </p:blipFill>
-        <p:spPr>
-          <a:xfrm>
-            <a:off x="0" y="2893197"/>
-            <a:ext cx="12173703" cy="2927573"/>
-          </a:xfrm>
-          <a:prstGeom prst="rect">
-            <a:avLst/>
-          </a:prstGeom>
-        </p:spPr>
-      </p:pic>
-    </p:spTree>
-    <p:extLst>
-      <p:ext uri="{BB962C8B-B14F-4D97-AF65-F5344CB8AC3E}">
-        <p14:creationId xmlns:p14="http://schemas.microsoft.com/office/powerpoint/2010/main" val="3079201682"/>
-      </p:ext>
-    </p:extLst>
-  </p:cSld>
-  <p:clrMapOvr>
-    <a:masterClrMapping/>
-  </p:clrMapOvr>
-  <p:timing>
-    <p:tnLst>
-      <p:par>
-        <p:cTn id="1" dur="indefinite" restart="never" nodeType="tmRoot"/>
-      </p:par>
-    </p:tnLst>
-  </p:timing>
 </p:sld>
 </file>
 
@@ -6677,16 +7213,20 @@
             <p:ph type="title"/>
           </p:nvPr>
         </p:nvSpPr>
-        <p:spPr/>
+        <p:spPr>
+          <a:xfrm>
+            <a:off x="3165560" y="1969686"/>
+            <a:ext cx="5797296" cy="891540"/>
+          </a:xfrm>
+        </p:spPr>
         <p:txBody>
           <a:bodyPr/>
           <a:lstStyle/>
           <a:p>
             <a:r>
-              <a:rPr lang="de-DE" dirty="0" smtClean="0"/>
-              <a:t>Create - Feed</a:t>
-            </a:r>
-            <a:endParaRPr lang="de-DE" dirty="0"/>
+              <a:rPr lang="de-DE" dirty="0"/>
+              <a:t>ADAFRUIT IO </a:t>
+            </a:r>
           </a:p>
         </p:txBody>
       </p:sp>
@@ -6708,79 +7248,8 @@
         </p:blipFill>
         <p:spPr>
           <a:xfrm>
-            <a:off x="283028" y="2759665"/>
-            <a:ext cx="6760029" cy="1625674"/>
-          </a:xfrm>
-          <a:prstGeom prst="rect">
-            <a:avLst/>
-          </a:prstGeom>
-        </p:spPr>
-      </p:pic>
-      <p:sp>
-        <p:nvSpPr>
-          <p:cNvPr id="5" name="Pfeil nach rechts 4"/>
-          <p:cNvSpPr/>
-          <p:nvPr/>
-        </p:nvSpPr>
-        <p:spPr>
-          <a:xfrm rot="10800000">
-            <a:off x="6924362" y="2791470"/>
-            <a:ext cx="1041149" cy="606582"/>
-          </a:xfrm>
-          <a:prstGeom prst="rightArrow">
-            <a:avLst/>
-          </a:prstGeom>
-          <a:solidFill>
-            <a:srgbClr val="FF0000"/>
-          </a:solidFill>
-        </p:spPr>
-        <p:style>
-          <a:lnRef idx="2">
-            <a:schemeClr val="accent1">
-              <a:shade val="50000"/>
-            </a:schemeClr>
-          </a:lnRef>
-          <a:fillRef idx="1">
-            <a:schemeClr val="accent1"/>
-          </a:fillRef>
-          <a:effectRef idx="0">
-            <a:schemeClr val="accent1"/>
-          </a:effectRef>
-          <a:fontRef idx="minor">
-            <a:schemeClr val="lt1"/>
-          </a:fontRef>
-        </p:style>
-        <p:txBody>
-          <a:bodyPr rtlCol="0" anchor="ctr"/>
-          <a:lstStyle/>
-          <a:p>
-            <a:pPr algn="ctr"/>
-            <a:endParaRPr lang="de-DE">
-              <a:solidFill>
-                <a:srgbClr val="FF0000"/>
-              </a:solidFill>
-            </a:endParaRPr>
-          </a:p>
-        </p:txBody>
-      </p:sp>
-      <p:pic>
-        <p:nvPicPr>
-          <p:cNvPr id="7" name="Grafik 6"/>
-          <p:cNvPicPr>
-            <a:picLocks noChangeAspect="1"/>
-          </p:cNvPicPr>
-          <p:nvPr/>
-        </p:nvPicPr>
-        <p:blipFill>
-          <a:blip r:embed="rId3"/>
-          <a:stretch>
-            <a:fillRect/>
-          </a:stretch>
-        </p:blipFill>
-        <p:spPr>
-          <a:xfrm>
-            <a:off x="6327224" y="4492346"/>
-            <a:ext cx="5650365" cy="2152271"/>
+            <a:off x="3165560" y="3174507"/>
+            <a:ext cx="5095516" cy="2326481"/>
           </a:xfrm>
           <a:prstGeom prst="rect">
             <a:avLst/>
@@ -6790,20 +7259,13 @@
     </p:spTree>
     <p:extLst>
       <p:ext uri="{BB962C8B-B14F-4D97-AF65-F5344CB8AC3E}">
-        <p14:creationId xmlns:p14="http://schemas.microsoft.com/office/powerpoint/2010/main" val="963771656"/>
+        <p14:creationId xmlns:p14="http://schemas.microsoft.com/office/powerpoint/2010/main" val="1016768021"/>
       </p:ext>
     </p:extLst>
   </p:cSld>
   <p:clrMapOvr>
     <a:masterClrMapping/>
   </p:clrMapOvr>
-  <p:timing>
-    <p:tnLst>
-      <p:par>
-        <p:cTn id="1" dur="indefinite" restart="never" nodeType="tmRoot"/>
-      </p:par>
-    </p:tnLst>
-  </p:timing>
 </p:sld>
 </file>
 
@@ -6834,32 +7296,40 @@
             <p:ph type="title"/>
           </p:nvPr>
         </p:nvSpPr>
-        <p:spPr/>
-        <p:txBody>
-          <a:bodyPr/>
-          <a:lstStyle/>
-          <a:p>
-            <a:r>
-              <a:rPr lang="de-DE" dirty="0" smtClean="0"/>
-              <a:t>Feed - </a:t>
-            </a:r>
-            <a:r>
-              <a:rPr lang="de-DE" dirty="0" err="1" smtClean="0"/>
-              <a:t>key</a:t>
-            </a:r>
-            <a:endParaRPr lang="de-DE" dirty="0"/>
+        <p:spPr>
+          <a:xfrm>
+            <a:off x="3165560" y="1969686"/>
+            <a:ext cx="5797296" cy="891540"/>
+          </a:xfrm>
+        </p:spPr>
+        <p:txBody>
+          <a:bodyPr>
+            <a:normAutofit/>
+          </a:bodyPr>
+          <a:lstStyle/>
+          <a:p>
+            <a:r>
+              <a:rPr lang="de-DE" dirty="0"/>
+              <a:t>Architektur – </a:t>
+            </a:r>
+            <a:r>
+              <a:rPr lang="de-DE" dirty="0" err="1"/>
+              <a:t>Active</a:t>
+            </a:r>
+            <a:r>
+              <a:rPr lang="de-DE" dirty="0"/>
+              <a:t> Stream</a:t>
+            </a:r>
           </a:p>
         </p:txBody>
       </p:sp>
       <p:pic>
         <p:nvPicPr>
-          <p:cNvPr id="4" name="Inhaltsplatzhalter 3"/>
+          <p:cNvPr id="5" name="Grafik 4"/>
           <p:cNvPicPr>
-            <a:picLocks noGrp="1" noChangeAspect="1"/>
+            <a:picLocks noChangeAspect="1"/>
           </p:cNvPicPr>
-          <p:nvPr>
-            <p:ph idx="1"/>
-          </p:nvPr>
+          <p:nvPr/>
         </p:nvPicPr>
         <p:blipFill>
           <a:blip r:embed="rId2"/>
@@ -6869,75 +7339,8 @@
         </p:blipFill>
         <p:spPr>
           <a:xfrm>
-            <a:off x="218444" y="2993571"/>
-            <a:ext cx="5619889" cy="3478440"/>
-          </a:xfrm>
-          <a:prstGeom prst="rect">
-            <a:avLst/>
-          </a:prstGeom>
-        </p:spPr>
-      </p:pic>
-      <p:sp>
-        <p:nvSpPr>
-          <p:cNvPr id="5" name="Pfeil nach links 4"/>
-          <p:cNvSpPr/>
-          <p:nvPr/>
-        </p:nvSpPr>
-        <p:spPr>
-          <a:xfrm>
-            <a:off x="5718590" y="2852056"/>
-            <a:ext cx="834610" cy="522515"/>
-          </a:xfrm>
-          <a:prstGeom prst="leftArrow">
-            <a:avLst/>
-          </a:prstGeom>
-          <a:solidFill>
-            <a:srgbClr val="FF0000"/>
-          </a:solidFill>
-        </p:spPr>
-        <p:style>
-          <a:lnRef idx="2">
-            <a:schemeClr val="accent1">
-              <a:shade val="50000"/>
-            </a:schemeClr>
-          </a:lnRef>
-          <a:fillRef idx="1">
-            <a:schemeClr val="accent1"/>
-          </a:fillRef>
-          <a:effectRef idx="0">
-            <a:schemeClr val="accent1"/>
-          </a:effectRef>
-          <a:fontRef idx="minor">
-            <a:schemeClr val="lt1"/>
-          </a:fontRef>
-        </p:style>
-        <p:txBody>
-          <a:bodyPr rtlCol="0" anchor="ctr"/>
-          <a:lstStyle/>
-          <a:p>
-            <a:pPr algn="ctr"/>
-            <a:endParaRPr lang="de-DE"/>
-          </a:p>
-        </p:txBody>
-      </p:sp>
-      <p:pic>
-        <p:nvPicPr>
-          <p:cNvPr id="6" name="Grafik 5"/>
-          <p:cNvPicPr>
-            <a:picLocks noChangeAspect="1"/>
-          </p:cNvPicPr>
-          <p:nvPr/>
-        </p:nvPicPr>
-        <p:blipFill>
-          <a:blip r:embed="rId3"/>
-          <a:stretch>
-            <a:fillRect/>
-          </a:stretch>
-        </p:blipFill>
-        <p:spPr>
-          <a:xfrm>
-            <a:off x="6627025" y="2852056"/>
-            <a:ext cx="5426321" cy="1993342"/>
+            <a:off x="1524000" y="3128429"/>
+            <a:ext cx="9144000" cy="2663087"/>
           </a:xfrm>
           <a:prstGeom prst="rect">
             <a:avLst/>
@@ -6947,20 +7350,13 @@
     </p:spTree>
     <p:extLst>
       <p:ext uri="{BB962C8B-B14F-4D97-AF65-F5344CB8AC3E}">
-        <p14:creationId xmlns:p14="http://schemas.microsoft.com/office/powerpoint/2010/main" val="3086976786"/>
+        <p14:creationId xmlns:p14="http://schemas.microsoft.com/office/powerpoint/2010/main" val="1884983556"/>
       </p:ext>
     </p:extLst>
   </p:cSld>
   <p:clrMapOvr>
     <a:masterClrMapping/>
   </p:clrMapOvr>
-  <p:timing>
-    <p:tnLst>
-      <p:par>
-        <p:cTn id="1" dur="indefinite" restart="never" nodeType="tmRoot"/>
-      </p:par>
-    </p:tnLst>
-  </p:timing>
 </p:sld>
 </file>
 
@@ -6991,28 +7387,20 @@
             <p:ph type="title"/>
           </p:nvPr>
         </p:nvSpPr>
-        <p:spPr/>
+        <p:spPr>
+          <a:xfrm>
+            <a:off x="3165560" y="1969686"/>
+            <a:ext cx="5797296" cy="891540"/>
+          </a:xfrm>
+        </p:spPr>
         <p:txBody>
           <a:bodyPr/>
           <a:lstStyle/>
           <a:p>
             <a:r>
               <a:rPr lang="de-DE" dirty="0"/>
-              <a:t>Architektur – </a:t>
-            </a:r>
-            <a:r>
-              <a:rPr lang="de-DE" dirty="0" err="1"/>
-              <a:t>your</a:t>
-            </a:r>
-            <a:r>
-              <a:rPr lang="de-DE" dirty="0"/>
-              <a:t> </a:t>
-            </a:r>
-            <a:r>
-              <a:rPr lang="de-DE" dirty="0" err="1"/>
-              <a:t>groups</a:t>
-            </a:r>
-            <a:endParaRPr lang="de-DE" dirty="0"/>
+              <a:t>ARCHITEKTUR – YOUR FEEDS</a:t>
+            </a:r>
           </a:p>
         </p:txBody>
       </p:sp>
@@ -7034,8 +7422,8 @@
         </p:blipFill>
         <p:spPr>
           <a:xfrm>
-            <a:off x="0" y="2905956"/>
-            <a:ext cx="12192000" cy="3007718"/>
+            <a:off x="2230438" y="3259809"/>
+            <a:ext cx="7731125" cy="1859207"/>
           </a:xfrm>
           <a:prstGeom prst="rect">
             <a:avLst/>
@@ -7045,20 +7433,13 @@
     </p:spTree>
     <p:extLst>
       <p:ext uri="{BB962C8B-B14F-4D97-AF65-F5344CB8AC3E}">
-        <p14:creationId xmlns:p14="http://schemas.microsoft.com/office/powerpoint/2010/main" val="2505771570"/>
+        <p14:creationId xmlns:p14="http://schemas.microsoft.com/office/powerpoint/2010/main" val="3079201682"/>
       </p:ext>
     </p:extLst>
   </p:cSld>
   <p:clrMapOvr>
     <a:masterClrMapping/>
   </p:clrMapOvr>
-  <p:timing>
-    <p:tnLst>
-      <p:par>
-        <p:cTn id="1" dur="indefinite" restart="never" nodeType="tmRoot"/>
-      </p:par>
-    </p:tnLst>
-  </p:timing>
 </p:sld>
 </file>
 
@@ -7089,32 +7470,20 @@
             <p:ph type="title"/>
           </p:nvPr>
         </p:nvSpPr>
-        <p:spPr/>
+        <p:spPr>
+          <a:xfrm>
+            <a:off x="3165560" y="1969686"/>
+            <a:ext cx="5797296" cy="891540"/>
+          </a:xfrm>
+        </p:spPr>
         <p:txBody>
           <a:bodyPr/>
           <a:lstStyle/>
           <a:p>
             <a:r>
-              <a:rPr lang="de-DE" dirty="0" err="1" smtClean="0"/>
-              <a:t>ARChitektur</a:t>
-            </a:r>
-            <a:r>
-              <a:rPr lang="de-DE" dirty="0" smtClean="0"/>
-              <a:t> – </a:t>
-            </a:r>
-            <a:r>
-              <a:rPr lang="de-DE" dirty="0" err="1" smtClean="0"/>
-              <a:t>your</a:t>
-            </a:r>
-            <a:r>
-              <a:rPr lang="de-DE" dirty="0" smtClean="0"/>
-              <a:t> </a:t>
-            </a:r>
-            <a:r>
-              <a:rPr lang="de-DE" dirty="0" err="1" smtClean="0"/>
-              <a:t>dashboards</a:t>
-            </a:r>
-            <a:endParaRPr lang="de-DE" dirty="0"/>
+              <a:rPr lang="de-DE" dirty="0"/>
+              <a:t>Create - Feed</a:t>
+            </a:r>
           </a:p>
         </p:txBody>
       </p:sp>
@@ -7136,8 +7505,79 @@
         </p:blipFill>
         <p:spPr>
           <a:xfrm>
-            <a:off x="0" y="2928642"/>
-            <a:ext cx="12213822" cy="2910684"/>
+            <a:off x="1736271" y="2926999"/>
+            <a:ext cx="5070022" cy="1219256"/>
+          </a:xfrm>
+          <a:prstGeom prst="rect">
+            <a:avLst/>
+          </a:prstGeom>
+        </p:spPr>
+      </p:pic>
+      <p:sp>
+        <p:nvSpPr>
+          <p:cNvPr id="5" name="Pfeil nach rechts 4"/>
+          <p:cNvSpPr/>
+          <p:nvPr/>
+        </p:nvSpPr>
+        <p:spPr>
+          <a:xfrm rot="10800000">
+            <a:off x="6717272" y="2950853"/>
+            <a:ext cx="780862" cy="454937"/>
+          </a:xfrm>
+          <a:prstGeom prst="rightArrow">
+            <a:avLst/>
+          </a:prstGeom>
+          <a:solidFill>
+            <a:srgbClr val="FF0000"/>
+          </a:solidFill>
+        </p:spPr>
+        <p:style>
+          <a:lnRef idx="2">
+            <a:schemeClr val="accent1">
+              <a:shade val="50000"/>
+            </a:schemeClr>
+          </a:lnRef>
+          <a:fillRef idx="1">
+            <a:schemeClr val="accent1"/>
+          </a:fillRef>
+          <a:effectRef idx="0">
+            <a:schemeClr val="accent1"/>
+          </a:effectRef>
+          <a:fontRef idx="minor">
+            <a:schemeClr val="lt1"/>
+          </a:fontRef>
+        </p:style>
+        <p:txBody>
+          <a:bodyPr rtlCol="0" anchor="ctr"/>
+          <a:lstStyle/>
+          <a:p>
+            <a:pPr algn="ctr"/>
+            <a:endParaRPr lang="de-DE" sz="1350">
+              <a:solidFill>
+                <a:srgbClr val="FF0000"/>
+              </a:solidFill>
+            </a:endParaRPr>
+          </a:p>
+        </p:txBody>
+      </p:sp>
+      <p:pic>
+        <p:nvPicPr>
+          <p:cNvPr id="7" name="Grafik 6"/>
+          <p:cNvPicPr>
+            <a:picLocks noChangeAspect="1"/>
+          </p:cNvPicPr>
+          <p:nvPr/>
+        </p:nvPicPr>
+        <p:blipFill>
+          <a:blip r:embed="rId3"/>
+          <a:stretch>
+            <a:fillRect/>
+          </a:stretch>
+        </p:blipFill>
+        <p:spPr>
+          <a:xfrm>
+            <a:off x="6269418" y="4226511"/>
+            <a:ext cx="4237774" cy="1614203"/>
           </a:xfrm>
           <a:prstGeom prst="rect">
             <a:avLst/>
@@ -7147,20 +7587,13 @@
     </p:spTree>
     <p:extLst>
       <p:ext uri="{BB962C8B-B14F-4D97-AF65-F5344CB8AC3E}">
-        <p14:creationId xmlns:p14="http://schemas.microsoft.com/office/powerpoint/2010/main" val="900447262"/>
+        <p14:creationId xmlns:p14="http://schemas.microsoft.com/office/powerpoint/2010/main" val="963771656"/>
       </p:ext>
     </p:extLst>
   </p:cSld>
   <p:clrMapOvr>
     <a:masterClrMapping/>
   </p:clrMapOvr>
-  <p:timing>
-    <p:tnLst>
-      <p:par>
-        <p:cTn id="1" dur="indefinite" restart="never" nodeType="tmRoot"/>
-      </p:par>
-    </p:tnLst>
-  </p:timing>
 </p:sld>
 </file>
 
@@ -7191,55 +7624,131 @@
             <p:ph type="title"/>
           </p:nvPr>
         </p:nvSpPr>
-        <p:spPr/>
+        <p:spPr>
+          <a:xfrm>
+            <a:off x="3165560" y="1969686"/>
+            <a:ext cx="5797296" cy="891540"/>
+          </a:xfrm>
+        </p:spPr>
         <p:txBody>
           <a:bodyPr/>
           <a:lstStyle/>
           <a:p>
             <a:r>
-              <a:rPr lang="de-DE" dirty="0" smtClean="0"/>
-              <a:t>ARCHITEKTUR TRIGGERS</a:t>
+              <a:rPr lang="de-DE" dirty="0"/>
+              <a:t>Feed - </a:t>
+            </a:r>
+            <a:r>
+              <a:rPr lang="de-DE" dirty="0" err="1"/>
+              <a:t>key</a:t>
             </a:r>
             <a:endParaRPr lang="de-DE" dirty="0"/>
           </a:p>
         </p:txBody>
       </p:sp>
-      <p:sp>
-        <p:nvSpPr>
-          <p:cNvPr id="3" name="Inhaltsplatzhalter 2"/>
-          <p:cNvSpPr>
-            <a:spLocks noGrp="1"/>
-          </p:cNvSpPr>
+      <p:pic>
+        <p:nvPicPr>
+          <p:cNvPr id="4" name="Inhaltsplatzhalter 3"/>
+          <p:cNvPicPr>
+            <a:picLocks noGrp="1" noChangeAspect="1"/>
+          </p:cNvPicPr>
           <p:nvPr>
             <p:ph idx="1"/>
           </p:nvPr>
-        </p:nvSpPr>
-        <p:spPr/>
-        <p:txBody>
-          <a:bodyPr/>
-          <a:lstStyle/>
-          <a:p>
-            <a:endParaRPr lang="de-DE"/>
-          </a:p>
-        </p:txBody>
-      </p:sp>
+        </p:nvPicPr>
+        <p:blipFill>
+          <a:blip r:embed="rId2"/>
+          <a:stretch>
+            <a:fillRect/>
+          </a:stretch>
+        </p:blipFill>
+        <p:spPr>
+          <a:xfrm>
+            <a:off x="1687834" y="3102428"/>
+            <a:ext cx="4214917" cy="2608830"/>
+          </a:xfrm>
+          <a:prstGeom prst="rect">
+            <a:avLst/>
+          </a:prstGeom>
+        </p:spPr>
+      </p:pic>
+      <p:sp>
+        <p:nvSpPr>
+          <p:cNvPr id="5" name="Pfeil nach links 4"/>
+          <p:cNvSpPr/>
+          <p:nvPr/>
+        </p:nvSpPr>
+        <p:spPr>
+          <a:xfrm>
+            <a:off x="5812942" y="2996293"/>
+            <a:ext cx="625958" cy="391886"/>
+          </a:xfrm>
+          <a:prstGeom prst="leftArrow">
+            <a:avLst/>
+          </a:prstGeom>
+          <a:solidFill>
+            <a:srgbClr val="FF0000"/>
+          </a:solidFill>
+        </p:spPr>
+        <p:style>
+          <a:lnRef idx="2">
+            <a:schemeClr val="accent1">
+              <a:shade val="50000"/>
+            </a:schemeClr>
+          </a:lnRef>
+          <a:fillRef idx="1">
+            <a:schemeClr val="accent1"/>
+          </a:fillRef>
+          <a:effectRef idx="0">
+            <a:schemeClr val="accent1"/>
+          </a:effectRef>
+          <a:fontRef idx="minor">
+            <a:schemeClr val="lt1"/>
+          </a:fontRef>
+        </p:style>
+        <p:txBody>
+          <a:bodyPr rtlCol="0" anchor="ctr"/>
+          <a:lstStyle/>
+          <a:p>
+            <a:pPr algn="ctr"/>
+            <a:endParaRPr lang="de-DE" sz="1350"/>
+          </a:p>
+        </p:txBody>
+      </p:sp>
+      <p:pic>
+        <p:nvPicPr>
+          <p:cNvPr id="6" name="Grafik 5"/>
+          <p:cNvPicPr>
+            <a:picLocks noChangeAspect="1"/>
+          </p:cNvPicPr>
+          <p:nvPr/>
+        </p:nvPicPr>
+        <p:blipFill>
+          <a:blip r:embed="rId3"/>
+          <a:stretch>
+            <a:fillRect/>
+          </a:stretch>
+        </p:blipFill>
+        <p:spPr>
+          <a:xfrm>
+            <a:off x="6494270" y="2996293"/>
+            <a:ext cx="4069741" cy="1495007"/>
+          </a:xfrm>
+          <a:prstGeom prst="rect">
+            <a:avLst/>
+          </a:prstGeom>
+        </p:spPr>
+      </p:pic>
     </p:spTree>
     <p:extLst>
       <p:ext uri="{BB962C8B-B14F-4D97-AF65-F5344CB8AC3E}">
-        <p14:creationId xmlns:p14="http://schemas.microsoft.com/office/powerpoint/2010/main" val="1388316071"/>
+        <p14:creationId xmlns:p14="http://schemas.microsoft.com/office/powerpoint/2010/main" val="3086976786"/>
       </p:ext>
     </p:extLst>
   </p:cSld>
   <p:clrMapOvr>
     <a:masterClrMapping/>
   </p:clrMapOvr>
-  <p:timing>
-    <p:tnLst>
-      <p:par>
-        <p:cTn id="1" dur="indefinite" restart="never" nodeType="tmRoot"/>
-      </p:par>
-    </p:tnLst>
-  </p:timing>
 </p:sld>
 </file>
 
@@ -7270,7 +7779,288 @@
             <p:ph type="title"/>
           </p:nvPr>
         </p:nvSpPr>
+        <p:spPr>
+          <a:xfrm>
+            <a:off x="3165560" y="1969686"/>
+            <a:ext cx="5797296" cy="891540"/>
+          </a:xfrm>
+        </p:spPr>
+        <p:txBody>
+          <a:bodyPr>
+            <a:normAutofit/>
+          </a:bodyPr>
+          <a:lstStyle/>
+          <a:p>
+            <a:r>
+              <a:rPr lang="de-DE" dirty="0"/>
+              <a:t>Architektur – </a:t>
+            </a:r>
+            <a:r>
+              <a:rPr lang="de-DE" dirty="0" err="1"/>
+              <a:t>your</a:t>
+            </a:r>
+            <a:r>
+              <a:rPr lang="de-DE" dirty="0"/>
+              <a:t> </a:t>
+            </a:r>
+            <a:r>
+              <a:rPr lang="de-DE" dirty="0" err="1"/>
+              <a:t>groups</a:t>
+            </a:r>
+            <a:endParaRPr lang="de-DE" dirty="0"/>
+          </a:p>
+        </p:txBody>
+      </p:sp>
+      <p:pic>
+        <p:nvPicPr>
+          <p:cNvPr id="4" name="Inhaltsplatzhalter 3"/>
+          <p:cNvPicPr>
+            <a:picLocks noGrp="1" noChangeAspect="1"/>
+          </p:cNvPicPr>
+          <p:nvPr>
+            <p:ph idx="1"/>
+          </p:nvPr>
+        </p:nvPicPr>
+        <p:blipFill>
+          <a:blip r:embed="rId2"/>
+          <a:stretch>
+            <a:fillRect/>
+          </a:stretch>
+        </p:blipFill>
+        <p:spPr>
+          <a:xfrm>
+            <a:off x="2230438" y="3235794"/>
+            <a:ext cx="7731125" cy="1907237"/>
+          </a:xfrm>
+          <a:prstGeom prst="rect">
+            <a:avLst/>
+          </a:prstGeom>
+        </p:spPr>
+      </p:pic>
+    </p:spTree>
+    <p:extLst>
+      <p:ext uri="{BB962C8B-B14F-4D97-AF65-F5344CB8AC3E}">
+        <p14:creationId xmlns:p14="http://schemas.microsoft.com/office/powerpoint/2010/main" val="2505771570"/>
+      </p:ext>
+    </p:extLst>
+  </p:cSld>
+  <p:clrMapOvr>
+    <a:masterClrMapping/>
+  </p:clrMapOvr>
+</p:sld>
+</file>
+
+<file path=ppt/slides/slide27.xml><?xml version="1.0" encoding="utf-8"?>
+<p:sld xmlns:a="http://schemas.openxmlformats.org/drawingml/2006/main" xmlns:r="http://schemas.openxmlformats.org/officeDocument/2006/relationships" xmlns:p="http://schemas.openxmlformats.org/presentationml/2006/main">
+  <p:cSld>
+    <p:spTree>
+      <p:nvGrpSpPr>
+        <p:cNvPr id="1" name=""/>
+        <p:cNvGrpSpPr/>
+        <p:nvPr/>
+      </p:nvGrpSpPr>
+      <p:grpSpPr>
+        <a:xfrm>
+          <a:off x="0" y="0"/>
+          <a:ext cx="0" cy="0"/>
+          <a:chOff x="0" y="0"/>
+          <a:chExt cx="0" cy="0"/>
+        </a:xfrm>
+      </p:grpSpPr>
+      <p:sp>
+        <p:nvSpPr>
+          <p:cNvPr id="2" name="Titel 1"/>
+          <p:cNvSpPr>
+            <a:spLocks noGrp="1"/>
+          </p:cNvSpPr>
+          <p:nvPr>
+            <p:ph type="title"/>
+          </p:nvPr>
+        </p:nvSpPr>
+        <p:spPr>
+          <a:xfrm>
+            <a:off x="3165560" y="1969686"/>
+            <a:ext cx="5797296" cy="891540"/>
+          </a:xfrm>
+        </p:spPr>
+        <p:txBody>
+          <a:bodyPr>
+            <a:normAutofit fontScale="90000"/>
+          </a:bodyPr>
+          <a:lstStyle/>
+          <a:p>
+            <a:r>
+              <a:rPr lang="de-DE" dirty="0" err="1"/>
+              <a:t>ARChitektur</a:t>
+            </a:r>
+            <a:r>
+              <a:rPr lang="de-DE" dirty="0"/>
+              <a:t> – </a:t>
+            </a:r>
+            <a:r>
+              <a:rPr lang="de-DE" dirty="0" err="1"/>
+              <a:t>your</a:t>
+            </a:r>
+            <a:r>
+              <a:rPr lang="de-DE" dirty="0"/>
+              <a:t> </a:t>
+            </a:r>
+            <a:r>
+              <a:rPr lang="de-DE" dirty="0" err="1"/>
+              <a:t>dashboards</a:t>
+            </a:r>
+            <a:endParaRPr lang="de-DE" dirty="0"/>
+          </a:p>
+        </p:txBody>
+      </p:sp>
+      <p:pic>
+        <p:nvPicPr>
+          <p:cNvPr id="4" name="Inhaltsplatzhalter 3"/>
+          <p:cNvPicPr>
+            <a:picLocks noGrp="1" noChangeAspect="1"/>
+          </p:cNvPicPr>
+          <p:nvPr>
+            <p:ph idx="1"/>
+          </p:nvPr>
+        </p:nvPicPr>
+        <p:blipFill>
+          <a:blip r:embed="rId2"/>
+          <a:stretch>
+            <a:fillRect/>
+          </a:stretch>
+        </p:blipFill>
+        <p:spPr>
+          <a:xfrm>
+            <a:off x="2230438" y="3268208"/>
+            <a:ext cx="7731125" cy="1842409"/>
+          </a:xfrm>
+          <a:prstGeom prst="rect">
+            <a:avLst/>
+          </a:prstGeom>
+        </p:spPr>
+      </p:pic>
+    </p:spTree>
+    <p:extLst>
+      <p:ext uri="{BB962C8B-B14F-4D97-AF65-F5344CB8AC3E}">
+        <p14:creationId xmlns:p14="http://schemas.microsoft.com/office/powerpoint/2010/main" val="900447262"/>
+      </p:ext>
+    </p:extLst>
+  </p:cSld>
+  <p:clrMapOvr>
+    <a:masterClrMapping/>
+  </p:clrMapOvr>
+</p:sld>
+</file>
+
+<file path=ppt/slides/slide28.xml><?xml version="1.0" encoding="utf-8"?>
+<p:sld xmlns:a="http://schemas.openxmlformats.org/drawingml/2006/main" xmlns:r="http://schemas.openxmlformats.org/officeDocument/2006/relationships" xmlns:p="http://schemas.openxmlformats.org/presentationml/2006/main">
+  <p:cSld>
+    <p:spTree>
+      <p:nvGrpSpPr>
+        <p:cNvPr id="1" name=""/>
+        <p:cNvGrpSpPr/>
+        <p:nvPr/>
+      </p:nvGrpSpPr>
+      <p:grpSpPr>
+        <a:xfrm>
+          <a:off x="0" y="0"/>
+          <a:ext cx="0" cy="0"/>
+          <a:chOff x="0" y="0"/>
+          <a:chExt cx="0" cy="0"/>
+        </a:xfrm>
+      </p:grpSpPr>
+      <p:sp>
+        <p:nvSpPr>
+          <p:cNvPr id="2" name="Titel 1"/>
+          <p:cNvSpPr>
+            <a:spLocks noGrp="1"/>
+          </p:cNvSpPr>
+          <p:nvPr>
+            <p:ph type="title"/>
+          </p:nvPr>
+        </p:nvSpPr>
+        <p:spPr>
+          <a:xfrm>
+            <a:off x="3165560" y="1969686"/>
+            <a:ext cx="5797296" cy="891540"/>
+          </a:xfrm>
+        </p:spPr>
+        <p:txBody>
+          <a:bodyPr/>
+          <a:lstStyle/>
+          <a:p>
+            <a:r>
+              <a:rPr lang="de-DE" dirty="0"/>
+              <a:t>ARCHITEKTUR TRIGGERS</a:t>
+            </a:r>
+          </a:p>
+        </p:txBody>
+      </p:sp>
+      <p:sp>
+        <p:nvSpPr>
+          <p:cNvPr id="3" name="Inhaltsplatzhalter 2"/>
+          <p:cNvSpPr>
+            <a:spLocks noGrp="1"/>
+          </p:cNvSpPr>
+          <p:nvPr>
+            <p:ph idx="1"/>
+          </p:nvPr>
+        </p:nvSpPr>
         <p:spPr/>
+        <p:txBody>
+          <a:bodyPr/>
+          <a:lstStyle/>
+          <a:p>
+            <a:endParaRPr lang="de-DE"/>
+          </a:p>
+        </p:txBody>
+      </p:sp>
+    </p:spTree>
+    <p:extLst>
+      <p:ext uri="{BB962C8B-B14F-4D97-AF65-F5344CB8AC3E}">
+        <p14:creationId xmlns:p14="http://schemas.microsoft.com/office/powerpoint/2010/main" val="1388316071"/>
+      </p:ext>
+    </p:extLst>
+  </p:cSld>
+  <p:clrMapOvr>
+    <a:masterClrMapping/>
+  </p:clrMapOvr>
+</p:sld>
+</file>
+
+<file path=ppt/slides/slide29.xml><?xml version="1.0" encoding="utf-8"?>
+<p:sld xmlns:a="http://schemas.openxmlformats.org/drawingml/2006/main" xmlns:r="http://schemas.openxmlformats.org/officeDocument/2006/relationships" xmlns:p="http://schemas.openxmlformats.org/presentationml/2006/main">
+  <p:cSld>
+    <p:spTree>
+      <p:nvGrpSpPr>
+        <p:cNvPr id="1" name=""/>
+        <p:cNvGrpSpPr/>
+        <p:nvPr/>
+      </p:nvGrpSpPr>
+      <p:grpSpPr>
+        <a:xfrm>
+          <a:off x="0" y="0"/>
+          <a:ext cx="0" cy="0"/>
+          <a:chOff x="0" y="0"/>
+          <a:chExt cx="0" cy="0"/>
+        </a:xfrm>
+      </p:grpSpPr>
+      <p:sp>
+        <p:nvSpPr>
+          <p:cNvPr id="2" name="Titel 1"/>
+          <p:cNvSpPr>
+            <a:spLocks noGrp="1"/>
+          </p:cNvSpPr>
+          <p:nvPr>
+            <p:ph type="title"/>
+          </p:nvPr>
+        </p:nvSpPr>
+        <p:spPr>
+          <a:xfrm>
+            <a:off x="3165560" y="1969686"/>
+            <a:ext cx="5797296" cy="891540"/>
+          </a:xfrm>
+        </p:spPr>
         <p:txBody>
           <a:bodyPr/>
           <a:lstStyle/>
@@ -7491,13 +8281,7 @@
               <a:rPr lang="de-DE" dirty="0">
                 <a:hlinkClick r:id="rId10"/>
               </a:rPr>
-              <a:t>http://www.umweltbundesamt.de/themen/gesundheit/umwelteinfluesse-auf-den-menschen/schimmel/richtig-lueften-schimmelbildung-vermeiden </a:t>
-            </a:r>
-            <a:r>
-              <a:rPr lang="de-DE" dirty="0" smtClean="0">
-                <a:hlinkClick r:id="rId10"/>
-              </a:rPr>
-              <a:t>06.11.2016</a:t>
+              <a:t>http://www.umweltbundesamt.de/themen/gesundheit/umwelteinfluesse-auf-den-menschen/schimmel/richtig-lueften-schimmelbildung-vermeiden 06.11.2016</a:t>
             </a:r>
             <a:endParaRPr lang="de-DE" dirty="0"/>
           </a:p>
@@ -7507,19 +8291,7 @@
             </a:pPr>
             <a:r>
               <a:rPr lang="de-DE" dirty="0"/>
-              <a:t>[</a:t>
-            </a:r>
-            <a:r>
-              <a:rPr lang="de-DE" dirty="0" smtClean="0"/>
-              <a:t>10]http</a:t>
-            </a:r>
-            <a:r>
-              <a:rPr lang="de-DE" dirty="0"/>
-              <a:t>://</a:t>
-            </a:r>
-            <a:r>
-              <a:rPr lang="de-DE" dirty="0" smtClean="0"/>
-              <a:t>images.google.de/imgres?imgurl=http%3A%2F%2Fwww.radon.com%2Fimages%2Ffigure6.gif&amp;imgrefurl=http%3A%2F%2Fwww.radon.com%2Fradon%2Fradon_analysis.html&amp;h=268&amp;w=337&amp;tbnid=OpSfZ3xZmypDgM%3A&amp;vet=1&amp;docid=NvviVYV6guTSMM&amp;ei=WKwhWKbEJcHlUea2gfgL&amp;tbm=isch&amp;client=firefox-b-ab&amp;iact=rc&amp;uact=3&amp;dur=460&amp;page=0&amp;start=0&amp;ndsp=41&amp;ved=0ahUKEwim0KyA_ZjQAhXBchQKHWZbAL8QMwggKAQwBA&amp;bih=969&amp;biw=1920 08.11.2016 </a:t>
+              <a:t>[10]http://images.google.de/imgres?imgurl=http%3A%2F%2Fwww.radon.com%2Fimages%2Ffigure6.gif&amp;imgrefurl=http%3A%2F%2Fwww.radon.com%2Fradon%2Fradon_analysis.html&amp;h=268&amp;w=337&amp;tbnid=OpSfZ3xZmypDgM%3A&amp;vet=1&amp;docid=NvviVYV6guTSMM&amp;ei=WKwhWKbEJcHlUea2gfgL&amp;tbm=isch&amp;client=firefox-b-ab&amp;iact=rc&amp;uact=3&amp;dur=460&amp;page=0&amp;start=0&amp;ndsp=41&amp;ved=0ahUKEwim0KyA_ZjQAhXBchQKHWZbAL8QMwggKAQwBA&amp;bih=969&amp;biw=1920 08.11.2016 </a:t>
             </a:r>
           </a:p>
         </p:txBody>
@@ -7534,13 +8306,6 @@
   <p:clrMapOvr>
     <a:masterClrMapping/>
   </p:clrMapOvr>
-  <p:timing>
-    <p:tnLst>
-      <p:par>
-        <p:cTn id="1" dur="indefinite" restart="never" nodeType="tmRoot"/>
-      </p:par>
-    </p:tnLst>
-  </p:timing>
 </p:sld>
 </file>
 
@@ -7571,6 +8336,33 @@
             <p:ph type="title"/>
           </p:nvPr>
         </p:nvSpPr>
+        <p:spPr>
+          <a:xfrm>
+            <a:off x="2231136" y="1273289"/>
+            <a:ext cx="5797296" cy="891540"/>
+          </a:xfrm>
+        </p:spPr>
+        <p:txBody>
+          <a:bodyPr/>
+          <a:lstStyle/>
+          <a:p>
+            <a:r>
+              <a:rPr lang="de-DE" dirty="0"/>
+              <a:t>GRUND - Konzept</a:t>
+            </a:r>
+          </a:p>
+        </p:txBody>
+      </p:sp>
+      <p:sp>
+        <p:nvSpPr>
+          <p:cNvPr id="3" name="Inhaltsplatzhalter 2"/>
+          <p:cNvSpPr>
+            <a:spLocks noGrp="1"/>
+          </p:cNvSpPr>
+          <p:nvPr>
+            <p:ph idx="1"/>
+          </p:nvPr>
+        </p:nvSpPr>
         <p:spPr/>
         <p:txBody>
           <a:bodyPr/>
@@ -7578,29 +8370,7 @@
           <a:p>
             <a:r>
               <a:rPr lang="de-DE" dirty="0"/>
-              <a:t>GRUND - Konzept</a:t>
-            </a:r>
-          </a:p>
-        </p:txBody>
-      </p:sp>
-      <p:sp>
-        <p:nvSpPr>
-          <p:cNvPr id="3" name="Inhaltsplatzhalter 2"/>
-          <p:cNvSpPr>
-            <a:spLocks noGrp="1"/>
-          </p:cNvSpPr>
-          <p:nvPr>
-            <p:ph idx="1"/>
-          </p:nvPr>
-        </p:nvSpPr>
-        <p:spPr/>
-        <p:txBody>
-          <a:bodyPr/>
-          <a:lstStyle/>
-          <a:p>
-            <a:r>
-              <a:rPr lang="de-DE" dirty="0"/>
-              <a:t>Messen der Luftfeuchtigkeit und Temperatur</a:t>
+              <a:t>Messen der Luftfeuchtigkeit und Temperatur im Zusammenhang mit Fensterstatus </a:t>
             </a:r>
           </a:p>
           <a:p>
@@ -7645,13 +8415,6 @@
   <p:clrMapOvr>
     <a:masterClrMapping/>
   </p:clrMapOvr>
-  <p:timing>
-    <p:tnLst>
-      <p:par>
-        <p:cTn id="1" dur="indefinite" restart="never" nodeType="tmRoot"/>
-      </p:par>
-    </p:tnLst>
-  </p:timing>
 </p:sld>
 </file>
 
@@ -7695,8 +8458,8 @@
         </p:blipFill>
         <p:spPr bwMode="auto">
           <a:xfrm>
-            <a:off x="228694" y="1392748"/>
-            <a:ext cx="8117981" cy="5008967"/>
+            <a:off x="1695521" y="1901813"/>
+            <a:ext cx="6088486" cy="3756725"/>
           </a:xfrm>
           <a:prstGeom prst="rect">
             <a:avLst/>
@@ -7734,8 +8497,8 @@
         </p:nvSpPr>
         <p:spPr>
           <a:xfrm>
-            <a:off x="8346675" y="1501749"/>
-            <a:ext cx="3845325" cy="2585323"/>
+            <a:off x="7784007" y="1983562"/>
+            <a:ext cx="2883994" cy="1962076"/>
           </a:xfrm>
           <a:prstGeom prst="rect">
             <a:avLst/>
@@ -7749,7 +8512,7 @@
           <a:lstStyle/>
           <a:p>
             <a:r>
-              <a:rPr lang="de-DE" dirty="0">
+              <a:rPr lang="de-DE" sz="1350" dirty="0">
                 <a:solidFill>
                   <a:schemeClr val="tx1">
                     <a:lumMod val="85000"/>
@@ -7765,7 +8528,7 @@
           </a:p>
           <a:p>
             <a:r>
-              <a:rPr lang="de-DE" dirty="0">
+              <a:rPr lang="de-DE" sz="1350" dirty="0">
                 <a:solidFill>
                   <a:schemeClr val="tx1">
                     <a:lumMod val="85000"/>
@@ -7782,7 +8545,7 @@
           </a:p>
           <a:p>
             <a:r>
-              <a:rPr lang="de-DE" dirty="0">
+              <a:rPr lang="de-DE" sz="1350" dirty="0">
                 <a:solidFill>
                   <a:schemeClr val="tx1">
                     <a:lumMod val="85000"/>
@@ -7797,7 +8560,7 @@
               <a:t>		 HVAC/</a:t>
             </a:r>
             <a:r>
-              <a:rPr lang="de-DE" dirty="0" err="1">
+              <a:rPr lang="de-DE" sz="1350" dirty="0" err="1">
                 <a:solidFill>
                   <a:schemeClr val="tx1">
                     <a:lumMod val="85000"/>
@@ -7811,7 +8574,7 @@
               </a:rPr>
               <a:t>Climate</a:t>
             </a:r>
-            <a:endParaRPr lang="de-DE" dirty="0">
+            <a:endParaRPr lang="de-DE" sz="1350" dirty="0">
               <a:solidFill>
                 <a:schemeClr val="tx1">
                   <a:lumMod val="85000"/>
@@ -7824,7 +8587,7 @@
             </a:endParaRPr>
           </a:p>
           <a:p>
-            <a:endParaRPr lang="de-DE" dirty="0">
+            <a:endParaRPr lang="de-DE" sz="1350" dirty="0">
               <a:solidFill>
                 <a:schemeClr val="tx1">
                   <a:lumMod val="85000"/>
@@ -7838,7 +8601,7 @@
           </a:p>
           <a:p>
             <a:r>
-              <a:rPr lang="de-DE" dirty="0" err="1">
+              <a:rPr lang="de-DE" sz="1350" dirty="0" err="1">
                 <a:solidFill>
                   <a:schemeClr val="tx1">
                     <a:lumMod val="85000"/>
@@ -7852,7 +8615,7 @@
               <a:t>Healthcare</a:t>
             </a:r>
             <a:r>
-              <a:rPr lang="de-DE" dirty="0">
+              <a:rPr lang="de-DE" sz="1350" dirty="0">
                 <a:solidFill>
                   <a:schemeClr val="tx1">
                     <a:lumMod val="85000"/>
@@ -7867,12 +8630,12 @@
             </a:r>
           </a:p>
           <a:p>
-            <a:pPr marL="0" lvl="1" indent="-285750">
+            <a:pPr marL="0" lvl="1" indent="-214313">
               <a:buFont typeface="Wingdings" panose="05000000000000000000" pitchFamily="2" charset="2"/>
               <a:buChar char="à"/>
             </a:pPr>
             <a:r>
-              <a:rPr lang="de-DE" dirty="0">
+              <a:rPr lang="de-DE" sz="1350" dirty="0">
                 <a:solidFill>
                   <a:schemeClr val="tx1">
                     <a:lumMod val="85000"/>
@@ -7888,12 +8651,12 @@
             </a:r>
           </a:p>
           <a:p>
-            <a:pPr marL="457200" lvl="3" indent="-285750">
+            <a:pPr marL="342900" lvl="3" indent="-214313">
               <a:buFont typeface="Wingdings" panose="05000000000000000000" pitchFamily="2" charset="2"/>
               <a:buChar char="à"/>
             </a:pPr>
             <a:r>
-              <a:rPr lang="de-DE" dirty="0">
+              <a:rPr lang="de-DE" sz="1350" dirty="0">
                 <a:solidFill>
                   <a:schemeClr val="tx1">
                     <a:lumMod val="85000"/>
@@ -7908,7 +8671,7 @@
             </a:r>
           </a:p>
           <a:p>
-            <a:endParaRPr lang="de-DE" dirty="0"/>
+            <a:endParaRPr lang="de-DE" sz="1350" dirty="0"/>
           </a:p>
         </p:txBody>
       </p:sp>
@@ -7920,8 +8683,8 @@
         </p:nvCxnSpPr>
         <p:spPr>
           <a:xfrm flipH="1">
-            <a:off x="2083136" y="3603099"/>
-            <a:ext cx="2004414" cy="1108180"/>
+            <a:off x="3086353" y="3559575"/>
+            <a:ext cx="1503311" cy="831135"/>
           </a:xfrm>
           <a:prstGeom prst="straightConnector1">
             <a:avLst/>
@@ -7958,8 +8721,8 @@
         </p:nvCxnSpPr>
         <p:spPr>
           <a:xfrm flipH="1">
-            <a:off x="2924870" y="3603099"/>
-            <a:ext cx="1108179" cy="1453808"/>
+            <a:off x="3717653" y="3559574"/>
+            <a:ext cx="831134" cy="1090356"/>
           </a:xfrm>
           <a:prstGeom prst="straightConnector1">
             <a:avLst/>
@@ -7996,8 +8759,8 @@
         </p:nvSpPr>
         <p:spPr>
           <a:xfrm>
-            <a:off x="8346675" y="6217049"/>
-            <a:ext cx="1489685" cy="369332"/>
+            <a:off x="7784007" y="5520037"/>
+            <a:ext cx="1117264" cy="300082"/>
           </a:xfrm>
           <a:prstGeom prst="rect">
             <a:avLst/>
@@ -8011,7 +8774,7 @@
           <a:lstStyle/>
           <a:p>
             <a:r>
-              <a:rPr lang="de-DE" dirty="0">
+              <a:rPr lang="de-DE" sz="1350" dirty="0">
                 <a:solidFill>
                   <a:schemeClr val="tx1">
                     <a:lumMod val="85000"/>
@@ -8039,8 +8802,8 @@
         </p:nvSpPr>
         <p:spPr>
           <a:xfrm>
-            <a:off x="2779535" y="662920"/>
-            <a:ext cx="5480343" cy="574936"/>
+            <a:off x="1604239" y="1309030"/>
+            <a:ext cx="4110257" cy="431202"/>
           </a:xfrm>
         </p:spPr>
         <p:txBody>
@@ -8071,13 +8834,6 @@
   <p:clrMapOvr>
     <a:masterClrMapping/>
   </p:clrMapOvr>
-  <p:timing>
-    <p:tnLst>
-      <p:par>
-        <p:cTn id="1" dur="indefinite" restart="never" nodeType="tmRoot"/>
-      </p:par>
-    </p:tnLst>
-  </p:timing>
 </p:sld>
 </file>
 
@@ -8110,8 +8866,8 @@
         </p:nvSpPr>
         <p:spPr>
           <a:xfrm>
-            <a:off x="2188746" y="2901793"/>
-            <a:ext cx="8420716" cy="3101983"/>
+            <a:off x="2241068" y="2470697"/>
+            <a:ext cx="9950932" cy="2295934"/>
           </a:xfrm>
         </p:spPr>
         <p:txBody>
@@ -8221,90 +8977,90 @@
               <a:t>– </a:t>
             </a:r>
             <a:r>
-              <a:rPr lang="de-DE" sz="1050" i="1" dirty="0"/>
+              <a:rPr lang="de-DE" sz="788" i="1" dirty="0"/>
               <a:t>Device Democracy </a:t>
             </a:r>
             <a:r>
-              <a:rPr lang="de-DE" sz="1050" i="1" dirty="0" err="1"/>
+              <a:rPr lang="de-DE" sz="788" i="1" dirty="0" err="1"/>
               <a:t>Saving</a:t>
             </a:r>
             <a:r>
-              <a:rPr lang="de-DE" sz="1050" i="1" dirty="0"/>
+              <a:rPr lang="de-DE" sz="788" i="1" dirty="0"/>
               <a:t> </a:t>
             </a:r>
             <a:r>
-              <a:rPr lang="de-DE" sz="1050" i="1" dirty="0" err="1"/>
+              <a:rPr lang="de-DE" sz="788" i="1" dirty="0" err="1"/>
               <a:t>the</a:t>
             </a:r>
             <a:r>
-              <a:rPr lang="de-DE" sz="1050" i="1" dirty="0"/>
+              <a:rPr lang="de-DE" sz="788" i="1" dirty="0"/>
               <a:t> </a:t>
             </a:r>
             <a:r>
-              <a:rPr lang="de-DE" sz="1050" i="1" dirty="0" err="1"/>
+              <a:rPr lang="de-DE" sz="788" i="1" dirty="0" err="1"/>
               <a:t>future</a:t>
             </a:r>
             <a:r>
-              <a:rPr lang="de-DE" sz="1050" i="1" dirty="0"/>
+              <a:rPr lang="de-DE" sz="788" i="1" dirty="0"/>
               <a:t> </a:t>
             </a:r>
             <a:r>
-              <a:rPr lang="de-DE" sz="1050" i="1" dirty="0" err="1"/>
+              <a:rPr lang="de-DE" sz="788" i="1" dirty="0" err="1"/>
               <a:t>of</a:t>
             </a:r>
             <a:r>
-              <a:rPr lang="de-DE" sz="1050" i="1" dirty="0"/>
+              <a:rPr lang="de-DE" sz="788" i="1" dirty="0"/>
               <a:t> Internet </a:t>
             </a:r>
             <a:r>
-              <a:rPr lang="de-DE" sz="1050" i="1" dirty="0" err="1"/>
+              <a:rPr lang="de-DE" sz="788" i="1" dirty="0" err="1"/>
               <a:t>of</a:t>
             </a:r>
             <a:r>
-              <a:rPr lang="de-DE" sz="1050" i="1" dirty="0"/>
+              <a:rPr lang="de-DE" sz="788" i="1" dirty="0"/>
               <a:t> Things – IBM Institute </a:t>
             </a:r>
             <a:r>
-              <a:rPr lang="de-DE" sz="1050" i="1" dirty="0" err="1"/>
+              <a:rPr lang="de-DE" sz="788" i="1" dirty="0" err="1"/>
               <a:t>of</a:t>
             </a:r>
             <a:r>
-              <a:rPr lang="de-DE" sz="1050" i="1" dirty="0"/>
+              <a:rPr lang="de-DE" sz="788" i="1" dirty="0"/>
               <a:t> Business Value, Chapter Device Democracy, Block „Challenge </a:t>
             </a:r>
             <a:r>
-              <a:rPr lang="de-DE" sz="1050" i="1" dirty="0" err="1"/>
+              <a:rPr lang="de-DE" sz="788" i="1" dirty="0" err="1"/>
               <a:t>four</a:t>
             </a:r>
             <a:r>
-              <a:rPr lang="de-DE" sz="1050" i="1" dirty="0"/>
+              <a:rPr lang="de-DE" sz="788" i="1" dirty="0"/>
               <a:t>: A lack </a:t>
             </a:r>
             <a:r>
-              <a:rPr lang="de-DE" sz="1050" i="1" dirty="0" err="1"/>
+              <a:rPr lang="de-DE" sz="788" i="1" dirty="0" err="1"/>
               <a:t>of</a:t>
             </a:r>
             <a:r>
-              <a:rPr lang="de-DE" sz="1050" i="1" dirty="0"/>
+              <a:rPr lang="de-DE" sz="788" i="1" dirty="0"/>
               <a:t> </a:t>
             </a:r>
             <a:r>
-              <a:rPr lang="de-DE" sz="1050" i="1" dirty="0" err="1"/>
+              <a:rPr lang="de-DE" sz="788" i="1" dirty="0" err="1"/>
               <a:t>functional</a:t>
             </a:r>
             <a:r>
-              <a:rPr lang="de-DE" sz="1050" i="1" dirty="0"/>
+              <a:rPr lang="de-DE" sz="788" i="1" dirty="0"/>
               <a:t> </a:t>
             </a:r>
             <a:r>
-              <a:rPr lang="de-DE" sz="1050" i="1" dirty="0" err="1"/>
+              <a:rPr lang="de-DE" sz="788" i="1" dirty="0" err="1"/>
               <a:t>value</a:t>
             </a:r>
             <a:r>
-              <a:rPr lang="de-DE" sz="1050" i="1" dirty="0"/>
+              <a:rPr lang="de-DE" sz="788" i="1" dirty="0"/>
               <a:t>“</a:t>
             </a:r>
-            <a:endParaRPr lang="de-DE" sz="1200" i="1" dirty="0"/>
+            <a:endParaRPr lang="de-DE" sz="900" i="1" dirty="0"/>
           </a:p>
         </p:txBody>
       </p:sp>
@@ -8318,13 +9074,6 @@
   <p:clrMapOvr>
     <a:masterClrMapping/>
   </p:clrMapOvr>
-  <p:timing>
-    <p:tnLst>
-      <p:par>
-        <p:cTn id="1" dur="indefinite" restart="never" nodeType="tmRoot"/>
-      </p:par>
-    </p:tnLst>
-  </p:timing>
 </p:sld>
 </file>
 
@@ -8355,7 +9104,12 @@
             <p:ph type="title"/>
           </p:nvPr>
         </p:nvSpPr>
-        <p:spPr/>
+        <p:spPr>
+          <a:xfrm>
+            <a:off x="1892723" y="1467069"/>
+            <a:ext cx="9055854" cy="891540"/>
+          </a:xfrm>
+        </p:spPr>
         <p:txBody>
           <a:bodyPr>
             <a:normAutofit fontScale="90000"/>
@@ -8413,8 +9167,8 @@
         </p:blipFill>
         <p:spPr bwMode="auto">
           <a:xfrm>
-            <a:off x="491629" y="3084676"/>
-            <a:ext cx="3551662" cy="1632659"/>
+            <a:off x="1892723" y="2577306"/>
+            <a:ext cx="2663747" cy="1224494"/>
           </a:xfrm>
           <a:prstGeom prst="rect">
             <a:avLst/>
@@ -8439,8 +9193,8 @@
         </p:nvSpPr>
         <p:spPr>
           <a:xfrm>
-            <a:off x="534838" y="4903391"/>
-            <a:ext cx="2920621" cy="646331"/>
+            <a:off x="1925129" y="3941342"/>
+            <a:ext cx="2190466" cy="507831"/>
           </a:xfrm>
           <a:prstGeom prst="rect">
             <a:avLst/>
@@ -8454,7 +9208,7 @@
           <a:lstStyle/>
           <a:p>
             <a:r>
-              <a:rPr lang="de-DE" cap="all" spc="200" dirty="0">
+              <a:rPr lang="de-DE" sz="1350" cap="all" spc="150" dirty="0">
                 <a:solidFill>
                   <a:srgbClr val="262626"/>
                 </a:solidFill>
@@ -8490,8 +9244,8 @@
         </p:blipFill>
         <p:spPr bwMode="auto">
           <a:xfrm>
-            <a:off x="4580325" y="3169456"/>
-            <a:ext cx="3362208" cy="1681104"/>
+            <a:off x="4959244" y="2640890"/>
+            <a:ext cx="2521656" cy="1260828"/>
           </a:xfrm>
           <a:prstGeom prst="rect">
             <a:avLst/>
@@ -8529,8 +9283,8 @@
         </p:nvSpPr>
         <p:spPr>
           <a:xfrm>
-            <a:off x="4580325" y="5080673"/>
-            <a:ext cx="3045982" cy="1200329"/>
+            <a:off x="4959245" y="4074304"/>
+            <a:ext cx="2284487" cy="1131079"/>
           </a:xfrm>
           <a:prstGeom prst="rect">
             <a:avLst/>
@@ -8544,7 +9298,7 @@
           <a:lstStyle/>
           <a:p>
             <a:r>
-              <a:rPr lang="de-DE" cap="all" spc="200" dirty="0">
+              <a:rPr lang="de-DE" sz="1350" cap="all" spc="150" dirty="0">
                 <a:solidFill>
                   <a:srgbClr val="262626"/>
                 </a:solidFill>
@@ -8555,7 +9309,7 @@
               <a:t>„Richtiges Lüften“ </a:t>
             </a:r>
             <a:r>
-              <a:rPr lang="de-DE" cap="all" spc="200" dirty="0">
+              <a:rPr lang="de-DE" sz="1350" cap="all" spc="150" dirty="0">
                 <a:solidFill>
                   <a:srgbClr val="262626"/>
                 </a:solidFill>
@@ -8569,7 +9323,7 @@
           </a:p>
           <a:p>
             <a:r>
-              <a:rPr lang="de-DE" cap="all" spc="200" dirty="0">
+              <a:rPr lang="de-DE" sz="1350" cap="all" spc="150" dirty="0">
                 <a:solidFill>
                   <a:srgbClr val="262626"/>
                 </a:solidFill>
@@ -8580,7 +9334,7 @@
               </a:rPr>
               <a:t>[9]</a:t>
             </a:r>
-            <a:endParaRPr lang="de-DE" cap="all" spc="200" dirty="0">
+            <a:endParaRPr lang="de-DE" sz="1350" cap="all" spc="150" dirty="0">
               <a:solidFill>
                 <a:srgbClr val="262626"/>
               </a:solidFill>
@@ -8614,8 +9368,8 @@
         </p:blipFill>
         <p:spPr bwMode="auto">
           <a:xfrm>
-            <a:off x="8568055" y="2733658"/>
-            <a:ext cx="3209925" cy="2552700"/>
+            <a:off x="7950042" y="2314043"/>
+            <a:ext cx="2407444" cy="1914525"/>
           </a:xfrm>
           <a:prstGeom prst="rect">
             <a:avLst/>
@@ -8640,8 +9394,8 @@
         </p:nvSpPr>
         <p:spPr>
           <a:xfrm>
-            <a:off x="8733327" y="5286358"/>
-            <a:ext cx="3209925" cy="1477328"/>
+            <a:off x="8073996" y="4228567"/>
+            <a:ext cx="2407444" cy="1546577"/>
           </a:xfrm>
           <a:prstGeom prst="rect">
             <a:avLst/>
@@ -8655,7 +9409,7 @@
           <a:lstStyle/>
           <a:p>
             <a:r>
-              <a:rPr lang="de-DE" cap="all" spc="200" dirty="0" smtClean="0">
+              <a:rPr lang="de-DE" sz="1350" cap="all" spc="150" dirty="0">
                 <a:solidFill>
                   <a:srgbClr val="262626"/>
                 </a:solidFill>
@@ -8666,7 +9420,7 @@
               </a:rPr>
               <a:t>AUSWIRKUNG VON LUFTFEUCHTIGKEIT AUF GAMMASTRAHLEN IN DER STRAHLENTHERAPIE [10]</a:t>
             </a:r>
-            <a:endParaRPr lang="de-DE" cap="all" spc="200" dirty="0">
+            <a:endParaRPr lang="de-DE" sz="1350" cap="all" spc="150" dirty="0">
               <a:solidFill>
                 <a:srgbClr val="262626"/>
               </a:solidFill>
@@ -8687,13 +9441,6 @@
   <p:clrMapOvr>
     <a:masterClrMapping/>
   </p:clrMapOvr>
-  <p:timing>
-    <p:tnLst>
-      <p:par>
-        <p:cTn id="1" dur="indefinite" restart="never" nodeType="tmRoot"/>
-      </p:par>
-    </p:tnLst>
-  </p:timing>
 </p:sld>
 </file>
 
@@ -8724,9 +9471,16 @@
             <p:ph type="title"/>
           </p:nvPr>
         </p:nvSpPr>
-        <p:spPr/>
-        <p:txBody>
-          <a:bodyPr/>
+        <p:spPr>
+          <a:xfrm>
+            <a:off x="2475704" y="1337889"/>
+            <a:ext cx="5797296" cy="891540"/>
+          </a:xfrm>
+        </p:spPr>
+        <p:txBody>
+          <a:bodyPr>
+            <a:normAutofit/>
+          </a:bodyPr>
           <a:lstStyle/>
           <a:p>
             <a:r>
@@ -8759,8 +9513,8 @@
         </p:blipFill>
         <p:spPr bwMode="auto">
           <a:xfrm>
-            <a:off x="1845201" y="3138306"/>
-            <a:ext cx="2692048" cy="2183550"/>
+            <a:off x="2786789" y="2320802"/>
+            <a:ext cx="2019036" cy="1637663"/>
           </a:xfrm>
           <a:prstGeom prst="rect">
             <a:avLst/>
@@ -8800,8 +9554,8 @@
         </p:blipFill>
         <p:spPr bwMode="auto">
           <a:xfrm rot="16200000">
-            <a:off x="5171617" y="2801331"/>
-            <a:ext cx="2857500" cy="2857500"/>
+            <a:off x="5281602" y="2068071"/>
+            <a:ext cx="2143125" cy="2143125"/>
           </a:xfrm>
           <a:prstGeom prst="rect">
             <a:avLst/>
@@ -8826,8 +9580,8 @@
         </p:nvCxnSpPr>
         <p:spPr>
           <a:xfrm flipH="1">
-            <a:off x="7854152" y="4230080"/>
-            <a:ext cx="1144513" cy="0"/>
+            <a:off x="7293503" y="3139632"/>
+            <a:ext cx="858385" cy="0"/>
           </a:xfrm>
           <a:prstGeom prst="straightConnector1">
             <a:avLst/>
@@ -8859,8 +9613,8 @@
         </p:nvCxnSpPr>
         <p:spPr>
           <a:xfrm flipH="1">
-            <a:off x="7854152" y="3693934"/>
-            <a:ext cx="1047623" cy="325208"/>
+            <a:off x="7293504" y="2737523"/>
+            <a:ext cx="785717" cy="243906"/>
           </a:xfrm>
           <a:prstGeom prst="straightConnector1">
             <a:avLst/>
@@ -8892,8 +9646,8 @@
         </p:nvCxnSpPr>
         <p:spPr>
           <a:xfrm flipH="1" flipV="1">
-            <a:off x="7854152" y="4441019"/>
-            <a:ext cx="1047623" cy="336873"/>
+            <a:off x="7293504" y="3297838"/>
+            <a:ext cx="785717" cy="252655"/>
           </a:xfrm>
           <a:prstGeom prst="straightConnector1">
             <a:avLst/>
@@ -8925,8 +9679,8 @@
         </p:nvSpPr>
         <p:spPr>
           <a:xfrm>
-            <a:off x="9077387" y="4009571"/>
-            <a:ext cx="2815868" cy="369332"/>
+            <a:off x="8210929" y="3424163"/>
+            <a:ext cx="2111901" cy="300082"/>
           </a:xfrm>
           <a:prstGeom prst="rect">
             <a:avLst/>
@@ -8940,15 +9694,15 @@
           <a:lstStyle/>
           <a:p>
             <a:r>
-              <a:rPr lang="de-DE" dirty="0"/>
+              <a:rPr lang="de-DE" sz="1350" dirty="0"/>
               <a:t>Single </a:t>
             </a:r>
             <a:r>
-              <a:rPr lang="de-DE" dirty="0" err="1"/>
+              <a:rPr lang="de-DE" sz="1350" dirty="0" err="1"/>
               <a:t>Wire</a:t>
             </a:r>
             <a:r>
-              <a:rPr lang="de-DE" dirty="0"/>
+              <a:rPr lang="de-DE" sz="1350" dirty="0"/>
               <a:t> Digital Out</a:t>
             </a:r>
           </a:p>
@@ -8962,8 +9716,8 @@
         </p:nvSpPr>
         <p:spPr>
           <a:xfrm>
-            <a:off x="9077388" y="3385097"/>
-            <a:ext cx="1156625" cy="369332"/>
+            <a:off x="8210930" y="2505895"/>
+            <a:ext cx="867469" cy="300082"/>
           </a:xfrm>
           <a:prstGeom prst="rect">
             <a:avLst/>
@@ -8977,7 +9731,7 @@
           <a:lstStyle/>
           <a:p>
             <a:r>
-              <a:rPr lang="de-DE" dirty="0"/>
+              <a:rPr lang="de-DE" sz="1350" dirty="0"/>
               <a:t>GND</a:t>
             </a:r>
           </a:p>
@@ -8991,8 +9745,8 @@
         </p:nvSpPr>
         <p:spPr>
           <a:xfrm>
-            <a:off x="9077387" y="4593226"/>
-            <a:ext cx="1156625" cy="369332"/>
+            <a:off x="8210930" y="3024430"/>
+            <a:ext cx="867469" cy="300082"/>
           </a:xfrm>
           <a:prstGeom prst="rect">
             <a:avLst/>
@@ -9006,7 +9760,7 @@
           <a:lstStyle/>
           <a:p>
             <a:r>
-              <a:rPr lang="de-DE" dirty="0"/>
+              <a:rPr lang="de-DE" sz="1350" dirty="0"/>
               <a:t>VCC</a:t>
             </a:r>
           </a:p>
@@ -9020,8 +9774,8 @@
         </p:nvSpPr>
         <p:spPr>
           <a:xfrm>
-            <a:off x="1845201" y="5474165"/>
-            <a:ext cx="1489685" cy="369332"/>
+            <a:off x="2786789" y="4072696"/>
+            <a:ext cx="1117264" cy="300082"/>
           </a:xfrm>
           <a:prstGeom prst="rect">
             <a:avLst/>
@@ -9035,7 +9789,7 @@
           <a:lstStyle/>
           <a:p>
             <a:r>
-              <a:rPr lang="de-DE" dirty="0">
+              <a:rPr lang="de-DE" sz="1350" dirty="0">
                 <a:solidFill>
                   <a:schemeClr val="tx1">
                     <a:lumMod val="85000"/>
@@ -9059,8 +9813,8 @@
         </p:nvSpPr>
         <p:spPr>
           <a:xfrm>
-            <a:off x="5308767" y="5474165"/>
-            <a:ext cx="1489685" cy="369332"/>
+            <a:off x="5384464" y="4072696"/>
+            <a:ext cx="1117264" cy="300082"/>
           </a:xfrm>
           <a:prstGeom prst="rect">
             <a:avLst/>
@@ -9074,7 +9828,7 @@
           <a:lstStyle/>
           <a:p>
             <a:r>
-              <a:rPr lang="de-DE" dirty="0">
+              <a:rPr lang="de-DE" sz="1350" dirty="0">
                 <a:solidFill>
                   <a:schemeClr val="tx1">
                     <a:lumMod val="85000"/>
@@ -9100,13 +9854,6 @@
   <p:clrMapOvr>
     <a:masterClrMapping/>
   </p:clrMapOvr>
-  <p:timing>
-    <p:tnLst>
-      <p:par>
-        <p:cTn id="1" dur="indefinite" restart="never" nodeType="tmRoot"/>
-      </p:par>
-    </p:tnLst>
-  </p:timing>
 </p:sld>
 </file>
 
@@ -9137,7 +9884,12 @@
             <p:ph type="title"/>
           </p:nvPr>
         </p:nvSpPr>
-        <p:spPr/>
+        <p:spPr>
+          <a:xfrm>
+            <a:off x="3165560" y="1969686"/>
+            <a:ext cx="5797296" cy="891540"/>
+          </a:xfrm>
+        </p:spPr>
         <p:txBody>
           <a:bodyPr/>
           <a:lstStyle/>
@@ -9193,8 +9945,8 @@
         </p:blipFill>
         <p:spPr>
           <a:xfrm>
-            <a:off x="2188746" y="3565409"/>
-            <a:ext cx="7667625" cy="1495425"/>
+            <a:off x="3150552" y="3276971"/>
+            <a:ext cx="5750719" cy="1121569"/>
           </a:xfrm>
           <a:prstGeom prst="rect">
             <a:avLst/>
@@ -9209,8 +9961,8 @@
         </p:nvSpPr>
         <p:spPr>
           <a:xfrm>
-            <a:off x="8346675" y="6217049"/>
-            <a:ext cx="1489685" cy="369332"/>
+            <a:off x="7784007" y="5520037"/>
+            <a:ext cx="1117264" cy="300082"/>
           </a:xfrm>
           <a:prstGeom prst="rect">
             <a:avLst/>
@@ -9224,7 +9976,7 @@
           <a:lstStyle/>
           <a:p>
             <a:r>
-              <a:rPr lang="de-DE" dirty="0">
+              <a:rPr lang="de-DE" sz="1350" dirty="0">
                 <a:solidFill>
                   <a:schemeClr val="tx1">
                     <a:lumMod val="85000"/>
@@ -9250,18 +10002,11 @@
   <p:clrMapOvr>
     <a:masterClrMapping/>
   </p:clrMapOvr>
-  <p:timing>
-    <p:tnLst>
-      <p:par>
-        <p:cTn id="1" dur="indefinite" restart="never" nodeType="tmRoot"/>
-      </p:par>
-    </p:tnLst>
-  </p:timing>
 </p:sld>
 </file>
 
 <file path=ppt/slides/slide9.xml><?xml version="1.0" encoding="utf-8"?>
-<p:sld xmlns:a="http://schemas.openxmlformats.org/drawingml/2006/main" xmlns:r="http://schemas.openxmlformats.org/officeDocument/2006/relationships" xmlns:p="http://schemas.openxmlformats.org/presentationml/2006/main">
+<p:sld xmlns:a="http://schemas.openxmlformats.org/drawingml/2006/main" xmlns:r="http://schemas.openxmlformats.org/officeDocument/2006/relationships" xmlns:p="http://schemas.openxmlformats.org/presentationml/2006/main" show="0">
   <p:cSld>
     <p:spTree>
       <p:nvGrpSpPr>
@@ -9287,9 +10032,16 @@
             <p:ph type="title"/>
           </p:nvPr>
         </p:nvSpPr>
-        <p:spPr/>
-        <p:txBody>
-          <a:bodyPr/>
+        <p:spPr>
+          <a:xfrm>
+            <a:off x="3165560" y="1969686"/>
+            <a:ext cx="5797296" cy="891540"/>
+          </a:xfrm>
+        </p:spPr>
+        <p:txBody>
+          <a:bodyPr>
+            <a:normAutofit/>
+          </a:bodyPr>
           <a:lstStyle/>
           <a:p>
             <a:r>
@@ -9317,8 +10069,8 @@
         </p:blipFill>
         <p:spPr>
           <a:xfrm>
-            <a:off x="329929" y="2974939"/>
-            <a:ext cx="3717634" cy="3101975"/>
+            <a:off x="1771447" y="3088456"/>
+            <a:ext cx="2788226" cy="2326481"/>
           </a:xfrm>
           <a:prstGeom prst="rect">
             <a:avLst/>
@@ -9355,8 +10107,8 @@
         </p:blipFill>
         <p:spPr>
           <a:xfrm>
-            <a:off x="6585104" y="2987213"/>
-            <a:ext cx="5411551" cy="3077428"/>
+            <a:off x="6462830" y="3097661"/>
+            <a:ext cx="4058663" cy="2308071"/>
           </a:xfrm>
           <a:prstGeom prst="rect">
             <a:avLst/>
@@ -9385,8 +10137,8 @@
         </p:nvSpPr>
         <p:spPr>
           <a:xfrm>
-            <a:off x="4252304" y="3968973"/>
-            <a:ext cx="2128059" cy="1113905"/>
+            <a:off x="4713229" y="3833981"/>
+            <a:ext cx="1596044" cy="835429"/>
           </a:xfrm>
           <a:prstGeom prst="rightArrow">
             <a:avLst/>
@@ -9411,7 +10163,7 @@
           <a:lstStyle/>
           <a:p>
             <a:pPr algn="ctr"/>
-            <a:endParaRPr lang="de-DE"/>
+            <a:endParaRPr lang="de-DE" sz="1350"/>
           </a:p>
         </p:txBody>
       </p:sp>
@@ -9425,55 +10177,48 @@
   <p:clrMapOvr>
     <a:masterClrMapping/>
   </p:clrMapOvr>
-  <p:timing>
-    <p:tnLst>
-      <p:par>
-        <p:cTn id="1" dur="indefinite" restart="never" nodeType="tmRoot"/>
-      </p:par>
-    </p:tnLst>
-  </p:timing>
 </p:sld>
 </file>
 
 <file path=ppt/theme/theme1.xml><?xml version="1.0" encoding="utf-8"?>
 <a:theme xmlns:a="http://schemas.openxmlformats.org/drawingml/2006/main" name="Paket">
   <a:themeElements>
-    <a:clrScheme name="Graustufe">
+    <a:clrScheme name="Paket">
       <a:dk1>
-        <a:sysClr val="windowText" lastClr="000000"/>
+        <a:srgbClr val="000000"/>
       </a:dk1>
       <a:lt1>
-        <a:sysClr val="window" lastClr="FFFFFF"/>
+        <a:srgbClr val="FFFFFF"/>
       </a:lt1>
       <a:dk2>
-        <a:srgbClr val="000000"/>
+        <a:srgbClr val="4A5356"/>
       </a:dk2>
       <a:lt2>
-        <a:srgbClr val="F8F8F8"/>
+        <a:srgbClr val="E8E3CE"/>
       </a:lt2>
       <a:accent1>
-        <a:srgbClr val="DDDDDD"/>
+        <a:srgbClr val="F6A21D"/>
       </a:accent1>
       <a:accent2>
-        <a:srgbClr val="B2B2B2"/>
+        <a:srgbClr val="9BAFB5"/>
       </a:accent2>
       <a:accent3>
-        <a:srgbClr val="969696"/>
+        <a:srgbClr val="C96731"/>
       </a:accent3>
       <a:accent4>
-        <a:srgbClr val="808080"/>
+        <a:srgbClr val="9CA383"/>
       </a:accent4>
       <a:accent5>
-        <a:srgbClr val="5F5F5F"/>
+        <a:srgbClr val="87795D"/>
       </a:accent5>
       <a:accent6>
-        <a:srgbClr val="4D4D4D"/>
+        <a:srgbClr val="A0988C"/>
       </a:accent6>
       <a:hlink>
-        <a:srgbClr val="5F5F5F"/>
+        <a:srgbClr val="00B0F0"/>
       </a:hlink>
       <a:folHlink>
-        <a:srgbClr val="919191"/>
+        <a:srgbClr val="738F97"/>
       </a:folHlink>
     </a:clrScheme>
     <a:fontScheme name="Paket">
